--- a/slides/PredictiveAI_2.pptx
+++ b/slides/PredictiveAI_2.pptx
@@ -5,7 +5,7 @@
     <p:sldMasterId id="2147483648" r:id="rId1"/>
   </p:sldMasterIdLst>
   <p:notesMasterIdLst>
-    <p:notesMasterId r:id="rId26"/>
+    <p:notesMasterId r:id="rId27"/>
   </p:notesMasterIdLst>
   <p:sldIdLst>
     <p:sldId id="292" r:id="rId2"/>
@@ -29,9 +29,10 @@
     <p:sldId id="693" r:id="rId20"/>
     <p:sldId id="694" r:id="rId21"/>
     <p:sldId id="695" r:id="rId22"/>
-    <p:sldId id="309" r:id="rId23"/>
-    <p:sldId id="719" r:id="rId24"/>
-    <p:sldId id="717" r:id="rId25"/>
+    <p:sldId id="720" r:id="rId23"/>
+    <p:sldId id="309" r:id="rId24"/>
+    <p:sldId id="719" r:id="rId25"/>
+    <p:sldId id="717" r:id="rId26"/>
   </p:sldIdLst>
   <p:sldSz cx="12192000" cy="6858000"/>
   <p:notesSz cx="6858000" cy="9144000"/>
@@ -141,7 +142,7 @@
 <file path=ppt/revisionInfo.xml><?xml version="1.0" encoding="utf-8"?>
 <p1510:revInfo xmlns:a="http://schemas.openxmlformats.org/drawingml/2006/main" xmlns:r="http://schemas.openxmlformats.org/officeDocument/2006/relationships" xmlns:p1510="http://schemas.microsoft.com/office/powerpoint/2015/10/main">
   <p1510:revLst>
-    <p1510:client id="{830C4285-055C-48D2-8C66-83117252A4A7}" v="10" dt="2024-03-14T14:37:54.590"/>
+    <p1510:client id="{830C4285-055C-48D2-8C66-83117252A4A7}" v="11" dt="2024-03-25T18:19:13.904"/>
   </p1510:revLst>
 </p1510:revInfo>
 </file>
@@ -150,8 +151,8 @@
 <pc:chgInfo xmlns:a="http://schemas.openxmlformats.org/drawingml/2006/main" xmlns:r="http://schemas.openxmlformats.org/officeDocument/2006/relationships" xmlns:ac="http://schemas.microsoft.com/office/drawing/2013/main/command" xmlns:pc="http://schemas.microsoft.com/office/powerpoint/2013/main/command">
   <pc:docChgLst>
     <pc:chgData name="Wick, Felix" userId="85efb633-acf6-425d-a271-4f136bfa2fb0" providerId="ADAL" clId="{830C4285-055C-48D2-8C66-83117252A4A7}"/>
-    <pc:docChg chg="undo custSel delSld modSld sldOrd">
-      <pc:chgData name="Wick, Felix" userId="85efb633-acf6-425d-a271-4f136bfa2fb0" providerId="ADAL" clId="{830C4285-055C-48D2-8C66-83117252A4A7}" dt="2024-03-14T14:41:39.483" v="125"/>
+    <pc:docChg chg="undo custSel addSld delSld modSld sldOrd">
+      <pc:chgData name="Wick, Felix" userId="85efb633-acf6-425d-a271-4f136bfa2fb0" providerId="ADAL" clId="{830C4285-055C-48D2-8C66-83117252A4A7}" dt="2024-03-25T18:24:45.181" v="248" actId="20577"/>
       <pc:docMkLst>
         <pc:docMk/>
       </pc:docMkLst>
@@ -357,6 +358,21 @@
           <pc:sldMk cId="96379830" sldId="684"/>
         </pc:sldMkLst>
       </pc:sldChg>
+      <pc:sldChg chg="modSp mod">
+        <pc:chgData name="Wick, Felix" userId="85efb633-acf6-425d-a271-4f136bfa2fb0" providerId="ADAL" clId="{830C4285-055C-48D2-8C66-83117252A4A7}" dt="2024-03-25T18:24:45.181" v="248" actId="20577"/>
+        <pc:sldMkLst>
+          <pc:docMk/>
+          <pc:sldMk cId="2935907153" sldId="694"/>
+        </pc:sldMkLst>
+        <pc:spChg chg="mod">
+          <ac:chgData name="Wick, Felix" userId="85efb633-acf6-425d-a271-4f136bfa2fb0" providerId="ADAL" clId="{830C4285-055C-48D2-8C66-83117252A4A7}" dt="2024-03-25T18:24:45.181" v="248" actId="20577"/>
+          <ac:spMkLst>
+            <pc:docMk/>
+            <pc:sldMk cId="2935907153" sldId="694"/>
+            <ac:spMk id="3" creationId="{5C809707-E1B1-CACB-24E7-02F32336AC77}"/>
+          </ac:spMkLst>
+        </pc:spChg>
+      </pc:sldChg>
       <pc:sldChg chg="del">
         <pc:chgData name="Wick, Felix" userId="85efb633-acf6-425d-a271-4f136bfa2fb0" providerId="ADAL" clId="{830C4285-055C-48D2-8C66-83117252A4A7}" dt="2024-03-13T06:39:42.198" v="29" actId="47"/>
         <pc:sldMkLst>
@@ -463,6 +479,45 @@
           <pc:docMk/>
           <pc:sldMk cId="1391828573" sldId="720"/>
         </pc:sldMkLst>
+      </pc:sldChg>
+      <pc:sldChg chg="addSp delSp modSp new mod modClrScheme chgLayout">
+        <pc:chgData name="Wick, Felix" userId="85efb633-acf6-425d-a271-4f136bfa2fb0" providerId="ADAL" clId="{830C4285-055C-48D2-8C66-83117252A4A7}" dt="2024-03-25T18:19:13.904" v="129"/>
+        <pc:sldMkLst>
+          <pc:docMk/>
+          <pc:sldMk cId="2404063692" sldId="720"/>
+        </pc:sldMkLst>
+        <pc:spChg chg="del">
+          <ac:chgData name="Wick, Felix" userId="85efb633-acf6-425d-a271-4f136bfa2fb0" providerId="ADAL" clId="{830C4285-055C-48D2-8C66-83117252A4A7}" dt="2024-03-25T18:19:09.314" v="127" actId="478"/>
+          <ac:spMkLst>
+            <pc:docMk/>
+            <pc:sldMk cId="2404063692" sldId="720"/>
+            <ac:spMk id="2" creationId="{B4EF31EB-E8E4-90C3-FF23-FC256EC3D2A7}"/>
+          </ac:spMkLst>
+        </pc:spChg>
+        <pc:spChg chg="del">
+          <ac:chgData name="Wick, Felix" userId="85efb633-acf6-425d-a271-4f136bfa2fb0" providerId="ADAL" clId="{830C4285-055C-48D2-8C66-83117252A4A7}" dt="2024-03-25T18:19:11.800" v="128" actId="700"/>
+          <ac:spMkLst>
+            <pc:docMk/>
+            <pc:sldMk cId="2404063692" sldId="720"/>
+            <ac:spMk id="3" creationId="{5D82DBE4-1931-E187-3141-DB65B018CE4C}"/>
+          </ac:spMkLst>
+        </pc:spChg>
+        <pc:spChg chg="mod ord">
+          <ac:chgData name="Wick, Felix" userId="85efb633-acf6-425d-a271-4f136bfa2fb0" providerId="ADAL" clId="{830C4285-055C-48D2-8C66-83117252A4A7}" dt="2024-03-25T18:19:11.800" v="128" actId="700"/>
+          <ac:spMkLst>
+            <pc:docMk/>
+            <pc:sldMk cId="2404063692" sldId="720"/>
+            <ac:spMk id="4" creationId="{2EA1AED6-5238-21B7-B855-D4490187184E}"/>
+          </ac:spMkLst>
+        </pc:spChg>
+        <pc:picChg chg="add">
+          <ac:chgData name="Wick, Felix" userId="85efb633-acf6-425d-a271-4f136bfa2fb0" providerId="ADAL" clId="{830C4285-055C-48D2-8C66-83117252A4A7}" dt="2024-03-25T18:19:13.904" v="129"/>
+          <ac:picMkLst>
+            <pc:docMk/>
+            <pc:sldMk cId="2404063692" sldId="720"/>
+            <ac:picMk id="1026" creationId="{185C8C33-5975-C3CD-7DBE-9F6CC0596D98}"/>
+          </ac:picMkLst>
+        </pc:picChg>
       </pc:sldChg>
       <pc:sldChg chg="del">
         <pc:chgData name="Wick, Felix" userId="85efb633-acf6-425d-a271-4f136bfa2fb0" providerId="ADAL" clId="{830C4285-055C-48D2-8C66-83117252A4A7}" dt="2024-03-13T06:39:28.666" v="3" actId="47"/>
@@ -2233,7 +2288,7 @@
           <a:p>
             <a:fld id="{7B97FCB6-4C2D-C04F-941C-940A5CA28665}" type="datetimeFigureOut">
               <a:rPr lang="en-DE" smtClean="0"/>
-              <a:t>03/14/2024</a:t>
+              <a:t>03/25/2024</a:t>
             </a:fld>
             <a:endParaRPr lang="en-DE"/>
           </a:p>
@@ -2650,7 +2705,7 @@
           <a:p>
             <a:fld id="{C549D344-DF28-3942-A533-7BAE51F54729}" type="datetime1">
               <a:rPr lang="de-DE" smtClean="0"/>
-              <a:t>14.03.2024</a:t>
+              <a:t>25.03.2024</a:t>
             </a:fld>
             <a:endParaRPr lang="en-DE"/>
           </a:p>
@@ -2850,7 +2905,7 @@
           <a:p>
             <a:fld id="{B086E2CF-DFBF-D04E-B5DA-5682BEFB4DDF}" type="datetime1">
               <a:rPr lang="de-DE" smtClean="0"/>
-              <a:t>14.03.2024</a:t>
+              <a:t>25.03.2024</a:t>
             </a:fld>
             <a:endParaRPr lang="en-DE"/>
           </a:p>
@@ -3060,7 +3115,7 @@
           <a:p>
             <a:fld id="{535E2105-910D-C747-9EAC-FAEE1AE97756}" type="datetime1">
               <a:rPr lang="de-DE" smtClean="0"/>
-              <a:t>14.03.2024</a:t>
+              <a:t>25.03.2024</a:t>
             </a:fld>
             <a:endParaRPr lang="en-DE"/>
           </a:p>
@@ -3260,7 +3315,7 @@
           <a:p>
             <a:fld id="{0D5BD470-EF8A-9248-A0C9-F868A9D8F50A}" type="datetime1">
               <a:rPr lang="de-DE" smtClean="0"/>
-              <a:t>14.03.2024</a:t>
+              <a:t>25.03.2024</a:t>
             </a:fld>
             <a:endParaRPr lang="en-DE"/>
           </a:p>
@@ -3536,7 +3591,7 @@
           <a:p>
             <a:fld id="{7B12F34F-4BA0-4C4C-95F7-3AE797B9DBCA}" type="datetime1">
               <a:rPr lang="de-DE" smtClean="0"/>
-              <a:t>14.03.2024</a:t>
+              <a:t>25.03.2024</a:t>
             </a:fld>
             <a:endParaRPr lang="en-DE"/>
           </a:p>
@@ -3804,7 +3859,7 @@
           <a:p>
             <a:fld id="{C522E529-A223-9F44-93E9-FAF3838F58DD}" type="datetime1">
               <a:rPr lang="de-DE" smtClean="0"/>
-              <a:t>14.03.2024</a:t>
+              <a:t>25.03.2024</a:t>
             </a:fld>
             <a:endParaRPr lang="en-DE"/>
           </a:p>
@@ -4219,7 +4274,7 @@
           <a:p>
             <a:fld id="{4DF85873-DFC3-7147-8CF2-B93516293BD0}" type="datetime1">
               <a:rPr lang="de-DE" smtClean="0"/>
-              <a:t>14.03.2024</a:t>
+              <a:t>25.03.2024</a:t>
             </a:fld>
             <a:endParaRPr lang="en-DE"/>
           </a:p>
@@ -4361,7 +4416,7 @@
           <a:p>
             <a:fld id="{9FC8FD75-28F4-1141-976A-ED0F1E51F5FE}" type="datetime1">
               <a:rPr lang="de-DE" smtClean="0"/>
-              <a:t>14.03.2024</a:t>
+              <a:t>25.03.2024</a:t>
             </a:fld>
             <a:endParaRPr lang="en-DE"/>
           </a:p>
@@ -4474,7 +4529,7 @@
           <a:p>
             <a:fld id="{A5CF1818-702C-9249-923B-5C9832600DF4}" type="datetime1">
               <a:rPr lang="de-DE" smtClean="0"/>
-              <a:t>14.03.2024</a:t>
+              <a:t>25.03.2024</a:t>
             </a:fld>
             <a:endParaRPr lang="en-DE"/>
           </a:p>
@@ -4787,7 +4842,7 @@
           <a:p>
             <a:fld id="{70703230-1F3D-6648-88BD-E31F8313AC65}" type="datetime1">
               <a:rPr lang="de-DE" smtClean="0"/>
-              <a:t>14.03.2024</a:t>
+              <a:t>25.03.2024</a:t>
             </a:fld>
             <a:endParaRPr lang="en-DE"/>
           </a:p>
@@ -5076,7 +5131,7 @@
           <a:p>
             <a:fld id="{EE1F903E-BE95-4947-BFB2-6309249837BB}" type="datetime1">
               <a:rPr lang="de-DE" smtClean="0"/>
-              <a:t>14.03.2024</a:t>
+              <a:t>25.03.2024</a:t>
             </a:fld>
             <a:endParaRPr lang="en-DE"/>
           </a:p>
@@ -5319,7 +5374,7 @@
           <a:p>
             <a:fld id="{18698627-0DA6-6B48-8AB9-BEA12C38C21E}" type="datetime1">
               <a:rPr lang="de-DE" smtClean="0"/>
-              <a:t>14.03.2024</a:t>
+              <a:t>25.03.2024</a:t>
             </a:fld>
             <a:endParaRPr lang="en-DE"/>
           </a:p>
@@ -10347,7 +10402,12 @@
             <p:ph idx="1"/>
           </p:nvPr>
         </p:nvSpPr>
-        <p:spPr/>
+        <p:spPr>
+          <a:xfrm>
+            <a:off x="838200" y="1762896"/>
+            <a:ext cx="10941908" cy="4593453"/>
+          </a:xfrm>
+        </p:spPr>
         <p:txBody>
           <a:bodyPr>
             <a:normAutofit fontScale="85000" lnSpcReduction="20000"/>
@@ -10484,6 +10544,20 @@
               <a:rPr lang="en-DE" dirty="0"/>
               <a:t>ypically, use simple, high-bias methods as individual models</a:t>
             </a:r>
+            <a:r>
+              <a:rPr lang="en-GB" dirty="0"/>
+              <a:t> (e.g., small decision trees)</a:t>
+            </a:r>
+          </a:p>
+          <a:p>
+            <a:pPr marL="0" indent="0">
+              <a:buNone/>
+            </a:pPr>
+            <a:r>
+              <a:rPr lang="en-GB" dirty="0"/>
+              <a:t>most prominent: AdaBoost, Gradient Boosting</a:t>
+            </a:r>
+            <a:endParaRPr lang="en-DE" dirty="0"/>
           </a:p>
         </p:txBody>
       </p:sp>
@@ -11951,6 +12025,112 @@
       </p:grpSpPr>
       <p:sp>
         <p:nvSpPr>
+          <p:cNvPr id="4" name="Slide Number Placeholder 3">
+            <a:extLst>
+              <a:ext uri="{FF2B5EF4-FFF2-40B4-BE49-F238E27FC236}">
+                <a16:creationId xmlns:a16="http://schemas.microsoft.com/office/drawing/2014/main" id="{2EA1AED6-5238-21B7-B855-D4490187184E}"/>
+              </a:ext>
+            </a:extLst>
+          </p:cNvPr>
+          <p:cNvSpPr>
+            <a:spLocks noGrp="1"/>
+          </p:cNvSpPr>
+          <p:nvPr>
+            <p:ph type="sldNum" sz="quarter" idx="12"/>
+          </p:nvPr>
+        </p:nvSpPr>
+        <p:spPr/>
+        <p:txBody>
+          <a:bodyPr/>
+          <a:lstStyle/>
+          <a:p>
+            <a:fld id="{ADDEFC8A-584C-5E41-A633-418C2FB73F75}" type="slidenum">
+              <a:rPr lang="en-DE" smtClean="0"/>
+              <a:t>22</a:t>
+            </a:fld>
+            <a:endParaRPr lang="en-DE"/>
+          </a:p>
+        </p:txBody>
+      </p:sp>
+      <p:pic>
+        <p:nvPicPr>
+          <p:cNvPr id="1026" name="Picture 2" descr="Ensemble Learning: Bagging &amp; Boosting | by Fernando López | Towards ...">
+            <a:extLst>
+              <a:ext uri="{FF2B5EF4-FFF2-40B4-BE49-F238E27FC236}">
+                <a16:creationId xmlns:a16="http://schemas.microsoft.com/office/drawing/2014/main" id="{185C8C33-5975-C3CD-7DBE-9F6CC0596D98}"/>
+              </a:ext>
+            </a:extLst>
+          </p:cNvPr>
+          <p:cNvPicPr>
+            <a:picLocks noChangeAspect="1" noChangeArrowheads="1"/>
+          </p:cNvPicPr>
+          <p:nvPr/>
+        </p:nvPicPr>
+        <p:blipFill>
+          <a:blip r:embed="rId2">
+            <a:extLst>
+              <a:ext uri="{28A0092B-C50C-407E-A947-70E740481C1C}">
+                <a14:useLocalDpi xmlns:a14="http://schemas.microsoft.com/office/drawing/2010/main" val="0"/>
+              </a:ext>
+            </a:extLst>
+          </a:blip>
+          <a:srcRect/>
+          <a:stretch>
+            <a:fillRect/>
+          </a:stretch>
+        </p:blipFill>
+        <p:spPr bwMode="auto">
+          <a:xfrm>
+            <a:off x="0" y="0"/>
+            <a:ext cx="12192000" cy="6858000"/>
+          </a:xfrm>
+          <a:prstGeom prst="rect">
+            <a:avLst/>
+          </a:prstGeom>
+          <a:noFill/>
+          <a:extLst>
+            <a:ext uri="{909E8E84-426E-40DD-AFC4-6F175D3DCCD1}">
+              <a14:hiddenFill xmlns:a14="http://schemas.microsoft.com/office/drawing/2010/main">
+                <a:solidFill>
+                  <a:srgbClr val="FFFFFF"/>
+                </a:solidFill>
+              </a14:hiddenFill>
+            </a:ext>
+          </a:extLst>
+        </p:spPr>
+      </p:pic>
+    </p:spTree>
+    <p:extLst>
+      <p:ext uri="{BB962C8B-B14F-4D97-AF65-F5344CB8AC3E}">
+        <p14:creationId xmlns:p14="http://schemas.microsoft.com/office/powerpoint/2010/main" val="2404063692"/>
+      </p:ext>
+    </p:extLst>
+  </p:cSld>
+  <p:clrMapOvr>
+    <a:masterClrMapping/>
+  </p:clrMapOvr>
+</p:sld>
+</file>
+
+<file path=ppt/slides/slide23.xml><?xml version="1.0" encoding="utf-8"?>
+<p:sld xmlns:a="http://schemas.openxmlformats.org/drawingml/2006/main" xmlns:r="http://schemas.openxmlformats.org/officeDocument/2006/relationships" xmlns:p="http://schemas.openxmlformats.org/presentationml/2006/main">
+  <p:cSld>
+    <p:spTree>
+      <p:nvGrpSpPr>
+        <p:cNvPr id="1" name=""/>
+        <p:cNvGrpSpPr/>
+        <p:nvPr/>
+      </p:nvGrpSpPr>
+      <p:grpSpPr>
+        <a:xfrm>
+          <a:off x="0" y="0"/>
+          <a:ext cx="0" cy="0"/>
+          <a:chOff x="0" y="0"/>
+          <a:chExt cx="0" cy="0"/>
+        </a:xfrm>
+      </p:grpSpPr>
+      <p:sp>
+        <p:nvSpPr>
           <p:cNvPr id="2" name="Title 1">
             <a:extLst>
               <a:ext uri="{FF2B5EF4-FFF2-40B4-BE49-F238E27FC236}">
@@ -12158,7 +12338,7 @@
           <a:p>
             <a:fld id="{4D06B799-84A7-8648-BC90-ED3C95C2198D}" type="slidenum">
               <a:rPr lang="en-DE" smtClean="0"/>
-              <a:t>22</a:t>
+              <a:t>23</a:t>
             </a:fld>
             <a:endParaRPr lang="en-DE"/>
           </a:p>
@@ -12168,157 +12348,6 @@
     <p:extLst>
       <p:ext uri="{BB962C8B-B14F-4D97-AF65-F5344CB8AC3E}">
         <p14:creationId xmlns:p14="http://schemas.microsoft.com/office/powerpoint/2010/main" val="1898373171"/>
-      </p:ext>
-    </p:extLst>
-  </p:cSld>
-  <p:clrMapOvr>
-    <a:masterClrMapping/>
-  </p:clrMapOvr>
-</p:sld>
-</file>
-
-<file path=ppt/slides/slide23.xml><?xml version="1.0" encoding="utf-8"?>
-<p:sld xmlns:a="http://schemas.openxmlformats.org/drawingml/2006/main" xmlns:r="http://schemas.openxmlformats.org/officeDocument/2006/relationships" xmlns:p="http://schemas.openxmlformats.org/presentationml/2006/main">
-  <p:cSld>
-    <p:spTree>
-      <p:nvGrpSpPr>
-        <p:cNvPr id="1" name=""/>
-        <p:cNvGrpSpPr/>
-        <p:nvPr/>
-      </p:nvGrpSpPr>
-      <p:grpSpPr>
-        <a:xfrm>
-          <a:off x="0" y="0"/>
-          <a:ext cx="0" cy="0"/>
-          <a:chOff x="0" y="0"/>
-          <a:chExt cx="0" cy="0"/>
-        </a:xfrm>
-      </p:grpSpPr>
-      <p:sp>
-        <p:nvSpPr>
-          <p:cNvPr id="2" name="Title 1">
-            <a:extLst>
-              <a:ext uri="{FF2B5EF4-FFF2-40B4-BE49-F238E27FC236}">
-                <a16:creationId xmlns:a16="http://schemas.microsoft.com/office/drawing/2014/main" id="{9F51148D-1862-FF84-978A-D2B00915FA83}"/>
-              </a:ext>
-            </a:extLst>
-          </p:cNvPr>
-          <p:cNvSpPr>
-            <a:spLocks noGrp="1"/>
-          </p:cNvSpPr>
-          <p:nvPr>
-            <p:ph type="title"/>
-          </p:nvPr>
-        </p:nvSpPr>
-        <p:spPr/>
-        <p:txBody>
-          <a:bodyPr/>
-          <a:lstStyle/>
-          <a:p>
-            <a:r>
-              <a:rPr lang="en-GB" dirty="0"/>
-              <a:t>So, let’s do some </a:t>
-            </a:r>
-            <a:r>
-              <a:rPr lang="en-GB" dirty="0" err="1"/>
-              <a:t>modeling</a:t>
-            </a:r>
-            <a:r>
-              <a:rPr lang="en-GB" dirty="0"/>
-              <a:t> …</a:t>
-            </a:r>
-          </a:p>
-        </p:txBody>
-      </p:sp>
-      <p:sp>
-        <p:nvSpPr>
-          <p:cNvPr id="3" name="Content Placeholder 2">
-            <a:extLst>
-              <a:ext uri="{FF2B5EF4-FFF2-40B4-BE49-F238E27FC236}">
-                <a16:creationId xmlns:a16="http://schemas.microsoft.com/office/drawing/2014/main" id="{F2E073A6-59AB-4CA7-ABDE-14DB7A89B21D}"/>
-              </a:ext>
-            </a:extLst>
-          </p:cNvPr>
-          <p:cNvSpPr>
-            <a:spLocks noGrp="1"/>
-          </p:cNvSpPr>
-          <p:nvPr>
-            <p:ph idx="1"/>
-          </p:nvPr>
-        </p:nvSpPr>
-        <p:spPr/>
-        <p:txBody>
-          <a:bodyPr/>
-          <a:lstStyle/>
-          <a:p>
-            <a:pPr marL="0" indent="0">
-              <a:buNone/>
-            </a:pPr>
-            <a:r>
-              <a:rPr lang="en-GB" dirty="0">
-                <a:hlinkClick r:id="rId2"/>
-              </a:rPr>
-              <a:t>scikit-learn</a:t>
-            </a:r>
-            <a:endParaRPr lang="en-GB" dirty="0"/>
-          </a:p>
-          <a:p>
-            <a:pPr marL="0" indent="0">
-              <a:buNone/>
-            </a:pPr>
-            <a:endParaRPr lang="en-GB" dirty="0"/>
-          </a:p>
-          <a:p>
-            <a:pPr marL="0" indent="0">
-              <a:buNone/>
-            </a:pPr>
-            <a:r>
-              <a:rPr lang="en-GB" dirty="0"/>
-              <a:t>coding example: </a:t>
-            </a:r>
-            <a:r>
-              <a:rPr lang="en-GB" dirty="0">
-                <a:hlinkClick r:id="rId3"/>
-              </a:rPr>
-              <a:t>Kaggle House Prices</a:t>
-            </a:r>
-            <a:endParaRPr lang="en-GB" dirty="0"/>
-          </a:p>
-        </p:txBody>
-      </p:sp>
-      <p:sp>
-        <p:nvSpPr>
-          <p:cNvPr id="4" name="Slide Number Placeholder 3">
-            <a:extLst>
-              <a:ext uri="{FF2B5EF4-FFF2-40B4-BE49-F238E27FC236}">
-                <a16:creationId xmlns:a16="http://schemas.microsoft.com/office/drawing/2014/main" id="{D639767A-556E-C57D-DE45-60A8C6B65F86}"/>
-              </a:ext>
-            </a:extLst>
-          </p:cNvPr>
-          <p:cNvSpPr>
-            <a:spLocks noGrp="1"/>
-          </p:cNvSpPr>
-          <p:nvPr>
-            <p:ph type="sldNum" sz="quarter" idx="12"/>
-          </p:nvPr>
-        </p:nvSpPr>
-        <p:spPr/>
-        <p:txBody>
-          <a:bodyPr/>
-          <a:lstStyle/>
-          <a:p>
-            <a:fld id="{ADDEFC8A-584C-5E41-A633-418C2FB73F75}" type="slidenum">
-              <a:rPr lang="en-DE" smtClean="0"/>
-              <a:t>23</a:t>
-            </a:fld>
-            <a:endParaRPr lang="en-DE"/>
-          </a:p>
-        </p:txBody>
-      </p:sp>
-    </p:spTree>
-    <p:extLst>
-      <p:ext uri="{BB962C8B-B14F-4D97-AF65-F5344CB8AC3E}">
-        <p14:creationId xmlns:p14="http://schemas.microsoft.com/office/powerpoint/2010/main" val="4139974002"/>
       </p:ext>
     </p:extLst>
   </p:cSld>
@@ -12350,7 +12379,7 @@
           <p:cNvPr id="2" name="Title 1">
             <a:extLst>
               <a:ext uri="{FF2B5EF4-FFF2-40B4-BE49-F238E27FC236}">
-                <a16:creationId xmlns:a16="http://schemas.microsoft.com/office/drawing/2014/main" id="{8D8B05A3-F058-6790-2884-26EB8B8A562A}"/>
+                <a16:creationId xmlns:a16="http://schemas.microsoft.com/office/drawing/2014/main" id="{9F51148D-1862-FF84-978A-D2B00915FA83}"/>
               </a:ext>
             </a:extLst>
           </p:cNvPr>
@@ -12368,7 +12397,15 @@
           <a:p>
             <a:r>
               <a:rPr lang="en-GB" dirty="0"/>
-              <a:t>Assignments</a:t>
+              <a:t>So, let’s do some </a:t>
+            </a:r>
+            <a:r>
+              <a:rPr lang="en-GB" dirty="0" err="1"/>
+              <a:t>modeling</a:t>
+            </a:r>
+            <a:r>
+              <a:rPr lang="en-GB" dirty="0"/>
+              <a:t> …</a:t>
             </a:r>
           </a:p>
         </p:txBody>
@@ -12378,7 +12415,7 @@
           <p:cNvPr id="3" name="Content Placeholder 2">
             <a:extLst>
               <a:ext uri="{FF2B5EF4-FFF2-40B4-BE49-F238E27FC236}">
-                <a16:creationId xmlns:a16="http://schemas.microsoft.com/office/drawing/2014/main" id="{01BFA021-F249-3A9A-8A73-A200BC368993}"/>
+                <a16:creationId xmlns:a16="http://schemas.microsoft.com/office/drawing/2014/main" id="{F2E073A6-59AB-4CA7-ABDE-14DB7A89B21D}"/>
               </a:ext>
             </a:extLst>
           </p:cNvPr>
@@ -12394,15 +12431,14 @@
           <a:bodyPr/>
           <a:lstStyle/>
           <a:p>
-            <a:r>
-              <a:rPr lang="en-GB" dirty="0"/>
-              <a:t>classification: </a:t>
-            </a:r>
+            <a:pPr marL="0" indent="0">
+              <a:buNone/>
+            </a:pPr>
             <a:r>
               <a:rPr lang="en-GB" dirty="0">
                 <a:hlinkClick r:id="rId2"/>
               </a:rPr>
-              <a:t>Kaggle Spaceship Titanic</a:t>
+              <a:t>scikit-learn</a:t>
             </a:r>
             <a:endParaRPr lang="en-GB" dirty="0"/>
           </a:p>
@@ -12413,15 +12449,18 @@
             <a:endParaRPr lang="en-GB" dirty="0"/>
           </a:p>
           <a:p>
+            <a:pPr marL="0" indent="0">
+              <a:buNone/>
+            </a:pPr>
             <a:r>
               <a:rPr lang="en-GB" dirty="0"/>
-              <a:t>regression: </a:t>
+              <a:t>coding example: </a:t>
             </a:r>
             <a:r>
               <a:rPr lang="en-GB" dirty="0">
                 <a:hlinkClick r:id="rId3"/>
               </a:rPr>
-              <a:t>Kaggle Store Sales</a:t>
+              <a:t>Kaggle House Prices</a:t>
             </a:r>
             <a:endParaRPr lang="en-GB" dirty="0"/>
           </a:p>
@@ -12432,7 +12471,7 @@
           <p:cNvPr id="4" name="Slide Number Placeholder 3">
             <a:extLst>
               <a:ext uri="{FF2B5EF4-FFF2-40B4-BE49-F238E27FC236}">
-                <a16:creationId xmlns:a16="http://schemas.microsoft.com/office/drawing/2014/main" id="{E12A9BAF-B74E-28AF-DD3F-0B03417FE9E7}"/>
+                <a16:creationId xmlns:a16="http://schemas.microsoft.com/office/drawing/2014/main" id="{D639767A-556E-C57D-DE45-60A8C6B65F86}"/>
               </a:ext>
             </a:extLst>
           </p:cNvPr>
@@ -12451,6 +12490,147 @@
             <a:fld id="{ADDEFC8A-584C-5E41-A633-418C2FB73F75}" type="slidenum">
               <a:rPr lang="en-DE" smtClean="0"/>
               <a:t>24</a:t>
+            </a:fld>
+            <a:endParaRPr lang="en-DE"/>
+          </a:p>
+        </p:txBody>
+      </p:sp>
+    </p:spTree>
+    <p:extLst>
+      <p:ext uri="{BB962C8B-B14F-4D97-AF65-F5344CB8AC3E}">
+        <p14:creationId xmlns:p14="http://schemas.microsoft.com/office/powerpoint/2010/main" val="4139974002"/>
+      </p:ext>
+    </p:extLst>
+  </p:cSld>
+  <p:clrMapOvr>
+    <a:masterClrMapping/>
+  </p:clrMapOvr>
+</p:sld>
+</file>
+
+<file path=ppt/slides/slide25.xml><?xml version="1.0" encoding="utf-8"?>
+<p:sld xmlns:a="http://schemas.openxmlformats.org/drawingml/2006/main" xmlns:r="http://schemas.openxmlformats.org/officeDocument/2006/relationships" xmlns:p="http://schemas.openxmlformats.org/presentationml/2006/main">
+  <p:cSld>
+    <p:spTree>
+      <p:nvGrpSpPr>
+        <p:cNvPr id="1" name=""/>
+        <p:cNvGrpSpPr/>
+        <p:nvPr/>
+      </p:nvGrpSpPr>
+      <p:grpSpPr>
+        <a:xfrm>
+          <a:off x="0" y="0"/>
+          <a:ext cx="0" cy="0"/>
+          <a:chOff x="0" y="0"/>
+          <a:chExt cx="0" cy="0"/>
+        </a:xfrm>
+      </p:grpSpPr>
+      <p:sp>
+        <p:nvSpPr>
+          <p:cNvPr id="2" name="Title 1">
+            <a:extLst>
+              <a:ext uri="{FF2B5EF4-FFF2-40B4-BE49-F238E27FC236}">
+                <a16:creationId xmlns:a16="http://schemas.microsoft.com/office/drawing/2014/main" id="{8D8B05A3-F058-6790-2884-26EB8B8A562A}"/>
+              </a:ext>
+            </a:extLst>
+          </p:cNvPr>
+          <p:cNvSpPr>
+            <a:spLocks noGrp="1"/>
+          </p:cNvSpPr>
+          <p:nvPr>
+            <p:ph type="title"/>
+          </p:nvPr>
+        </p:nvSpPr>
+        <p:spPr/>
+        <p:txBody>
+          <a:bodyPr/>
+          <a:lstStyle/>
+          <a:p>
+            <a:r>
+              <a:rPr lang="en-GB" dirty="0"/>
+              <a:t>Assignments</a:t>
+            </a:r>
+          </a:p>
+        </p:txBody>
+      </p:sp>
+      <p:sp>
+        <p:nvSpPr>
+          <p:cNvPr id="3" name="Content Placeholder 2">
+            <a:extLst>
+              <a:ext uri="{FF2B5EF4-FFF2-40B4-BE49-F238E27FC236}">
+                <a16:creationId xmlns:a16="http://schemas.microsoft.com/office/drawing/2014/main" id="{01BFA021-F249-3A9A-8A73-A200BC368993}"/>
+              </a:ext>
+            </a:extLst>
+          </p:cNvPr>
+          <p:cNvSpPr>
+            <a:spLocks noGrp="1"/>
+          </p:cNvSpPr>
+          <p:nvPr>
+            <p:ph idx="1"/>
+          </p:nvPr>
+        </p:nvSpPr>
+        <p:spPr/>
+        <p:txBody>
+          <a:bodyPr/>
+          <a:lstStyle/>
+          <a:p>
+            <a:r>
+              <a:rPr lang="en-GB" dirty="0"/>
+              <a:t>classification: </a:t>
+            </a:r>
+            <a:r>
+              <a:rPr lang="en-GB" dirty="0">
+                <a:hlinkClick r:id="rId2"/>
+              </a:rPr>
+              <a:t>Kaggle Spaceship Titanic</a:t>
+            </a:r>
+            <a:endParaRPr lang="en-GB" dirty="0"/>
+          </a:p>
+          <a:p>
+            <a:pPr marL="0" indent="0">
+              <a:buNone/>
+            </a:pPr>
+            <a:endParaRPr lang="en-GB" dirty="0"/>
+          </a:p>
+          <a:p>
+            <a:r>
+              <a:rPr lang="en-GB" dirty="0"/>
+              <a:t>regression: </a:t>
+            </a:r>
+            <a:r>
+              <a:rPr lang="en-GB" dirty="0">
+                <a:hlinkClick r:id="rId3"/>
+              </a:rPr>
+              <a:t>Kaggle Store Sales</a:t>
+            </a:r>
+            <a:endParaRPr lang="en-GB" dirty="0"/>
+          </a:p>
+        </p:txBody>
+      </p:sp>
+      <p:sp>
+        <p:nvSpPr>
+          <p:cNvPr id="4" name="Slide Number Placeholder 3">
+            <a:extLst>
+              <a:ext uri="{FF2B5EF4-FFF2-40B4-BE49-F238E27FC236}">
+                <a16:creationId xmlns:a16="http://schemas.microsoft.com/office/drawing/2014/main" id="{E12A9BAF-B74E-28AF-DD3F-0B03417FE9E7}"/>
+              </a:ext>
+            </a:extLst>
+          </p:cNvPr>
+          <p:cNvSpPr>
+            <a:spLocks noGrp="1"/>
+          </p:cNvSpPr>
+          <p:nvPr>
+            <p:ph type="sldNum" sz="quarter" idx="12"/>
+          </p:nvPr>
+        </p:nvSpPr>
+        <p:spPr/>
+        <p:txBody>
+          <a:bodyPr/>
+          <a:lstStyle/>
+          <a:p>
+            <a:fld id="{ADDEFC8A-584C-5E41-A633-418C2FB73F75}" type="slidenum">
+              <a:rPr lang="en-DE" smtClean="0"/>
+              <a:t>25</a:t>
             </a:fld>
             <a:endParaRPr lang="en-DE"/>
           </a:p>

--- a/slides/PredictiveAI_2.pptx
+++ b/slides/PredictiveAI_2.pptx
@@ -5,34 +5,35 @@
     <p:sldMasterId id="2147483648" r:id="rId1"/>
   </p:sldMasterIdLst>
   <p:notesMasterIdLst>
-    <p:notesMasterId r:id="rId27"/>
+    <p:notesMasterId r:id="rId28"/>
   </p:notesMasterIdLst>
   <p:sldIdLst>
     <p:sldId id="292" r:id="rId2"/>
-    <p:sldId id="653" r:id="rId3"/>
-    <p:sldId id="285" r:id="rId4"/>
-    <p:sldId id="303" r:id="rId5"/>
-    <p:sldId id="282" r:id="rId6"/>
-    <p:sldId id="302" r:id="rId7"/>
-    <p:sldId id="636" r:id="rId8"/>
-    <p:sldId id="295" r:id="rId9"/>
-    <p:sldId id="304" r:id="rId10"/>
-    <p:sldId id="574" r:id="rId11"/>
-    <p:sldId id="266" r:id="rId12"/>
-    <p:sldId id="268" r:id="rId13"/>
-    <p:sldId id="632" r:id="rId14"/>
-    <p:sldId id="316" r:id="rId15"/>
-    <p:sldId id="688" r:id="rId16"/>
-    <p:sldId id="306" r:id="rId17"/>
-    <p:sldId id="284" r:id="rId18"/>
-    <p:sldId id="305" r:id="rId19"/>
-    <p:sldId id="693" r:id="rId20"/>
-    <p:sldId id="694" r:id="rId21"/>
-    <p:sldId id="695" r:id="rId22"/>
-    <p:sldId id="720" r:id="rId23"/>
-    <p:sldId id="309" r:id="rId24"/>
-    <p:sldId id="719" r:id="rId25"/>
-    <p:sldId id="717" r:id="rId26"/>
+    <p:sldId id="721" r:id="rId3"/>
+    <p:sldId id="653" r:id="rId4"/>
+    <p:sldId id="285" r:id="rId5"/>
+    <p:sldId id="303" r:id="rId6"/>
+    <p:sldId id="282" r:id="rId7"/>
+    <p:sldId id="302" r:id="rId8"/>
+    <p:sldId id="636" r:id="rId9"/>
+    <p:sldId id="295" r:id="rId10"/>
+    <p:sldId id="304" r:id="rId11"/>
+    <p:sldId id="574" r:id="rId12"/>
+    <p:sldId id="266" r:id="rId13"/>
+    <p:sldId id="268" r:id="rId14"/>
+    <p:sldId id="632" r:id="rId15"/>
+    <p:sldId id="316" r:id="rId16"/>
+    <p:sldId id="688" r:id="rId17"/>
+    <p:sldId id="306" r:id="rId18"/>
+    <p:sldId id="284" r:id="rId19"/>
+    <p:sldId id="305" r:id="rId20"/>
+    <p:sldId id="693" r:id="rId21"/>
+    <p:sldId id="694" r:id="rId22"/>
+    <p:sldId id="695" r:id="rId23"/>
+    <p:sldId id="720" r:id="rId24"/>
+    <p:sldId id="309" r:id="rId25"/>
+    <p:sldId id="719" r:id="rId26"/>
+    <p:sldId id="717" r:id="rId27"/>
   </p:sldIdLst>
   <p:sldSz cx="12192000" cy="6858000"/>
   <p:notesSz cx="6858000" cy="9144000"/>
@@ -2288,7 +2289,7 @@
           <a:p>
             <a:fld id="{7B97FCB6-4C2D-C04F-941C-940A5CA28665}" type="datetimeFigureOut">
               <a:rPr lang="en-DE" smtClean="0"/>
-              <a:t>03/25/2024</a:t>
+              <a:t>05/26/2024</a:t>
             </a:fld>
             <a:endParaRPr lang="en-DE"/>
           </a:p>
@@ -2705,7 +2706,7 @@
           <a:p>
             <a:fld id="{C549D344-DF28-3942-A533-7BAE51F54729}" type="datetime1">
               <a:rPr lang="de-DE" smtClean="0"/>
-              <a:t>25.03.2024</a:t>
+              <a:t>26.05.2024</a:t>
             </a:fld>
             <a:endParaRPr lang="en-DE"/>
           </a:p>
@@ -2905,7 +2906,7 @@
           <a:p>
             <a:fld id="{B086E2CF-DFBF-D04E-B5DA-5682BEFB4DDF}" type="datetime1">
               <a:rPr lang="de-DE" smtClean="0"/>
-              <a:t>25.03.2024</a:t>
+              <a:t>26.05.2024</a:t>
             </a:fld>
             <a:endParaRPr lang="en-DE"/>
           </a:p>
@@ -3115,7 +3116,7 @@
           <a:p>
             <a:fld id="{535E2105-910D-C747-9EAC-FAEE1AE97756}" type="datetime1">
               <a:rPr lang="de-DE" smtClean="0"/>
-              <a:t>25.03.2024</a:t>
+              <a:t>26.05.2024</a:t>
             </a:fld>
             <a:endParaRPr lang="en-DE"/>
           </a:p>
@@ -3315,7 +3316,7 @@
           <a:p>
             <a:fld id="{0D5BD470-EF8A-9248-A0C9-F868A9D8F50A}" type="datetime1">
               <a:rPr lang="de-DE" smtClean="0"/>
-              <a:t>25.03.2024</a:t>
+              <a:t>26.05.2024</a:t>
             </a:fld>
             <a:endParaRPr lang="en-DE"/>
           </a:p>
@@ -3591,7 +3592,7 @@
           <a:p>
             <a:fld id="{7B12F34F-4BA0-4C4C-95F7-3AE797B9DBCA}" type="datetime1">
               <a:rPr lang="de-DE" smtClean="0"/>
-              <a:t>25.03.2024</a:t>
+              <a:t>26.05.2024</a:t>
             </a:fld>
             <a:endParaRPr lang="en-DE"/>
           </a:p>
@@ -3859,7 +3860,7 @@
           <a:p>
             <a:fld id="{C522E529-A223-9F44-93E9-FAF3838F58DD}" type="datetime1">
               <a:rPr lang="de-DE" smtClean="0"/>
-              <a:t>25.03.2024</a:t>
+              <a:t>26.05.2024</a:t>
             </a:fld>
             <a:endParaRPr lang="en-DE"/>
           </a:p>
@@ -4274,7 +4275,7 @@
           <a:p>
             <a:fld id="{4DF85873-DFC3-7147-8CF2-B93516293BD0}" type="datetime1">
               <a:rPr lang="de-DE" smtClean="0"/>
-              <a:t>25.03.2024</a:t>
+              <a:t>26.05.2024</a:t>
             </a:fld>
             <a:endParaRPr lang="en-DE"/>
           </a:p>
@@ -4416,7 +4417,7 @@
           <a:p>
             <a:fld id="{9FC8FD75-28F4-1141-976A-ED0F1E51F5FE}" type="datetime1">
               <a:rPr lang="de-DE" smtClean="0"/>
-              <a:t>25.03.2024</a:t>
+              <a:t>26.05.2024</a:t>
             </a:fld>
             <a:endParaRPr lang="en-DE"/>
           </a:p>
@@ -4529,7 +4530,7 @@
           <a:p>
             <a:fld id="{A5CF1818-702C-9249-923B-5C9832600DF4}" type="datetime1">
               <a:rPr lang="de-DE" smtClean="0"/>
-              <a:t>25.03.2024</a:t>
+              <a:t>26.05.2024</a:t>
             </a:fld>
             <a:endParaRPr lang="en-DE"/>
           </a:p>
@@ -4842,7 +4843,7 @@
           <a:p>
             <a:fld id="{70703230-1F3D-6648-88BD-E31F8313AC65}" type="datetime1">
               <a:rPr lang="de-DE" smtClean="0"/>
-              <a:t>25.03.2024</a:t>
+              <a:t>26.05.2024</a:t>
             </a:fld>
             <a:endParaRPr lang="en-DE"/>
           </a:p>
@@ -5131,7 +5132,7 @@
           <a:p>
             <a:fld id="{EE1F903E-BE95-4947-BFB2-6309249837BB}" type="datetime1">
               <a:rPr lang="de-DE" smtClean="0"/>
-              <a:t>25.03.2024</a:t>
+              <a:t>26.05.2024</a:t>
             </a:fld>
             <a:endParaRPr lang="en-DE"/>
           </a:p>
@@ -5374,7 +5375,7 @@
           <a:p>
             <a:fld id="{18698627-0DA6-6B48-8AB9-BEA12C38C21E}" type="datetime1">
               <a:rPr lang="de-DE" smtClean="0"/>
-              <a:t>25.03.2024</a:t>
+              <a:t>26.05.2024</a:t>
             </a:fld>
             <a:endParaRPr lang="en-DE"/>
           </a:p>
@@ -5885,6 +5886,433 @@
           <p:cNvPr id="2" name="Title 1">
             <a:extLst>
               <a:ext uri="{FF2B5EF4-FFF2-40B4-BE49-F238E27FC236}">
+                <a16:creationId xmlns:a16="http://schemas.microsoft.com/office/drawing/2014/main" id="{7B8B5971-ED29-8C4C-BE8A-7EED9D3B41ED}"/>
+              </a:ext>
+            </a:extLst>
+          </p:cNvPr>
+          <p:cNvSpPr>
+            <a:spLocks noGrp="1"/>
+          </p:cNvSpPr>
+          <p:nvPr>
+            <p:ph type="title"/>
+          </p:nvPr>
+        </p:nvSpPr>
+        <p:spPr/>
+        <p:txBody>
+          <a:bodyPr/>
+          <a:lstStyle/>
+          <a:p>
+            <a:r>
+              <a:rPr lang="en-GB" dirty="0"/>
+              <a:t>Bias-Variance </a:t>
+            </a:r>
+            <a:r>
+              <a:rPr lang="en-GB" dirty="0" err="1"/>
+              <a:t>Tradeoff</a:t>
+            </a:r>
+            <a:endParaRPr lang="en-DE" dirty="0"/>
+          </a:p>
+        </p:txBody>
+      </p:sp>
+      <p:sp>
+        <p:nvSpPr>
+          <p:cNvPr id="3" name="Content Placeholder 2">
+            <a:extLst>
+              <a:ext uri="{FF2B5EF4-FFF2-40B4-BE49-F238E27FC236}">
+                <a16:creationId xmlns:a16="http://schemas.microsoft.com/office/drawing/2014/main" id="{E037E309-547C-0348-8F2F-1DE00DC02012}"/>
+              </a:ext>
+            </a:extLst>
+          </p:cNvPr>
+          <p:cNvSpPr>
+            <a:spLocks noGrp="1"/>
+          </p:cNvSpPr>
+          <p:nvPr>
+            <p:ph idx="1"/>
+          </p:nvPr>
+        </p:nvSpPr>
+        <p:spPr>
+          <a:xfrm>
+            <a:off x="838200" y="3451438"/>
+            <a:ext cx="6738258" cy="2381468"/>
+          </a:xfrm>
+        </p:spPr>
+        <p:txBody>
+          <a:bodyPr>
+            <a:normAutofit/>
+          </a:bodyPr>
+          <a:lstStyle/>
+          <a:p>
+            <a:r>
+              <a:rPr lang="en-GB" sz="2400" dirty="0"/>
+              <a:t>generalization error follows U-shaped curve: overfitting once model complexity (number of parameters) passes certain threshold</a:t>
+            </a:r>
+          </a:p>
+          <a:p>
+            <a:r>
+              <a:rPr lang="en-GB" sz="2400" dirty="0"/>
+              <a:t>overfitting: variance term dominating test error</a:t>
+            </a:r>
+          </a:p>
+          <a:p>
+            <a:pPr marL="0" indent="0">
+              <a:buNone/>
+            </a:pPr>
+            <a:r>
+              <a:rPr lang="en-GB" sz="2400" dirty="0">
+                <a:sym typeface="Wingdings" pitchFamily="2" charset="2"/>
+              </a:rPr>
+              <a:t> </a:t>
+            </a:r>
+            <a:r>
+              <a:rPr lang="en-GB" sz="2400" dirty="0"/>
+              <a:t>increasing model complexity increases test error</a:t>
+            </a:r>
+          </a:p>
+        </p:txBody>
+      </p:sp>
+      <p:sp>
+        <p:nvSpPr>
+          <p:cNvPr id="4" name="Slide Number Placeholder 3">
+            <a:extLst>
+              <a:ext uri="{FF2B5EF4-FFF2-40B4-BE49-F238E27FC236}">
+                <a16:creationId xmlns:a16="http://schemas.microsoft.com/office/drawing/2014/main" id="{D5FFF4B6-67D9-E940-A6CB-70C55533E4E9}"/>
+              </a:ext>
+            </a:extLst>
+          </p:cNvPr>
+          <p:cNvSpPr>
+            <a:spLocks noGrp="1"/>
+          </p:cNvSpPr>
+          <p:nvPr>
+            <p:ph type="sldNum" sz="quarter" idx="12"/>
+          </p:nvPr>
+        </p:nvSpPr>
+        <p:spPr/>
+        <p:txBody>
+          <a:bodyPr/>
+          <a:lstStyle/>
+          <a:p>
+            <a:fld id="{CD59A58F-BEEB-D14F-8B2B-8D77BCC2C0BB}" type="slidenum">
+              <a:rPr lang="en-DE" smtClean="0"/>
+              <a:t>10</a:t>
+            </a:fld>
+            <a:endParaRPr lang="en-DE"/>
+          </a:p>
+        </p:txBody>
+      </p:sp>
+      <p:sp>
+        <p:nvSpPr>
+          <p:cNvPr id="7" name="Content Placeholder 2">
+            <a:extLst>
+              <a:ext uri="{FF2B5EF4-FFF2-40B4-BE49-F238E27FC236}">
+                <a16:creationId xmlns:a16="http://schemas.microsoft.com/office/drawing/2014/main" id="{E2A66421-89E3-75A9-4DCF-F02108DB866A}"/>
+              </a:ext>
+            </a:extLst>
+          </p:cNvPr>
+          <p:cNvSpPr txBox="1">
+            <a:spLocks/>
+          </p:cNvSpPr>
+          <p:nvPr/>
+        </p:nvSpPr>
+        <p:spPr>
+          <a:xfrm>
+            <a:off x="838200" y="1825625"/>
+            <a:ext cx="10515600" cy="1375376"/>
+          </a:xfrm>
+          <a:prstGeom prst="rect">
+            <a:avLst/>
+          </a:prstGeom>
+        </p:spPr>
+        <p:txBody>
+          <a:bodyPr vert="horz" lIns="91440" tIns="45720" rIns="91440" bIns="45720" rtlCol="0">
+            <a:normAutofit/>
+          </a:bodyPr>
+          <a:lstStyle>
+            <a:lvl1pPr marL="228600" indent="-228600" algn="l" defTabSz="914400" rtl="0" eaLnBrk="1" latinLnBrk="0" hangingPunct="1">
+              <a:lnSpc>
+                <a:spcPct val="90000"/>
+              </a:lnSpc>
+              <a:spcBef>
+                <a:spcPts val="1000"/>
+              </a:spcBef>
+              <a:buFont typeface="Arial" panose="020B0604020202020204" pitchFamily="34" charset="0"/>
+              <a:buChar char="•"/>
+              <a:defRPr sz="2800" kern="1200">
+                <a:solidFill>
+                  <a:schemeClr val="tx1"/>
+                </a:solidFill>
+                <a:latin typeface="+mn-lt"/>
+                <a:ea typeface="+mn-ea"/>
+                <a:cs typeface="+mn-cs"/>
+              </a:defRPr>
+            </a:lvl1pPr>
+            <a:lvl2pPr marL="685800" indent="-228600" algn="l" defTabSz="914400" rtl="0" eaLnBrk="1" latinLnBrk="0" hangingPunct="1">
+              <a:lnSpc>
+                <a:spcPct val="90000"/>
+              </a:lnSpc>
+              <a:spcBef>
+                <a:spcPts val="500"/>
+              </a:spcBef>
+              <a:buFont typeface="Arial" panose="020B0604020202020204" pitchFamily="34" charset="0"/>
+              <a:buChar char="•"/>
+              <a:defRPr sz="2400" kern="1200">
+                <a:solidFill>
+                  <a:schemeClr val="tx1"/>
+                </a:solidFill>
+                <a:latin typeface="+mn-lt"/>
+                <a:ea typeface="+mn-ea"/>
+                <a:cs typeface="+mn-cs"/>
+              </a:defRPr>
+            </a:lvl2pPr>
+            <a:lvl3pPr marL="1143000" indent="-228600" algn="l" defTabSz="914400" rtl="0" eaLnBrk="1" latinLnBrk="0" hangingPunct="1">
+              <a:lnSpc>
+                <a:spcPct val="90000"/>
+              </a:lnSpc>
+              <a:spcBef>
+                <a:spcPts val="500"/>
+              </a:spcBef>
+              <a:buFont typeface="Arial" panose="020B0604020202020204" pitchFamily="34" charset="0"/>
+              <a:buChar char="•"/>
+              <a:defRPr sz="2000" kern="1200">
+                <a:solidFill>
+                  <a:schemeClr val="tx1"/>
+                </a:solidFill>
+                <a:latin typeface="+mn-lt"/>
+                <a:ea typeface="+mn-ea"/>
+                <a:cs typeface="+mn-cs"/>
+              </a:defRPr>
+            </a:lvl3pPr>
+            <a:lvl4pPr marL="1600200" indent="-228600" algn="l" defTabSz="914400" rtl="0" eaLnBrk="1" latinLnBrk="0" hangingPunct="1">
+              <a:lnSpc>
+                <a:spcPct val="90000"/>
+              </a:lnSpc>
+              <a:spcBef>
+                <a:spcPts val="500"/>
+              </a:spcBef>
+              <a:buFont typeface="Arial" panose="020B0604020202020204" pitchFamily="34" charset="0"/>
+              <a:buChar char="•"/>
+              <a:defRPr sz="1800" kern="1200">
+                <a:solidFill>
+                  <a:schemeClr val="tx1"/>
+                </a:solidFill>
+                <a:latin typeface="+mn-lt"/>
+                <a:ea typeface="+mn-ea"/>
+                <a:cs typeface="+mn-cs"/>
+              </a:defRPr>
+            </a:lvl4pPr>
+            <a:lvl5pPr marL="2057400" indent="-228600" algn="l" defTabSz="914400" rtl="0" eaLnBrk="1" latinLnBrk="0" hangingPunct="1">
+              <a:lnSpc>
+                <a:spcPct val="90000"/>
+              </a:lnSpc>
+              <a:spcBef>
+                <a:spcPts val="500"/>
+              </a:spcBef>
+              <a:buFont typeface="Arial" panose="020B0604020202020204" pitchFamily="34" charset="0"/>
+              <a:buChar char="•"/>
+              <a:defRPr sz="1800" kern="1200">
+                <a:solidFill>
+                  <a:schemeClr val="tx1"/>
+                </a:solidFill>
+                <a:latin typeface="+mn-lt"/>
+                <a:ea typeface="+mn-ea"/>
+                <a:cs typeface="+mn-cs"/>
+              </a:defRPr>
+            </a:lvl5pPr>
+            <a:lvl6pPr marL="2514600" indent="-228600" algn="l" defTabSz="914400" rtl="0" eaLnBrk="1" latinLnBrk="0" hangingPunct="1">
+              <a:lnSpc>
+                <a:spcPct val="90000"/>
+              </a:lnSpc>
+              <a:spcBef>
+                <a:spcPts val="500"/>
+              </a:spcBef>
+              <a:buFont typeface="Arial" panose="020B0604020202020204" pitchFamily="34" charset="0"/>
+              <a:buChar char="•"/>
+              <a:defRPr sz="1800" kern="1200">
+                <a:solidFill>
+                  <a:schemeClr val="tx1"/>
+                </a:solidFill>
+                <a:latin typeface="+mn-lt"/>
+                <a:ea typeface="+mn-ea"/>
+                <a:cs typeface="+mn-cs"/>
+              </a:defRPr>
+            </a:lvl6pPr>
+            <a:lvl7pPr marL="2971800" indent="-228600" algn="l" defTabSz="914400" rtl="0" eaLnBrk="1" latinLnBrk="0" hangingPunct="1">
+              <a:lnSpc>
+                <a:spcPct val="90000"/>
+              </a:lnSpc>
+              <a:spcBef>
+                <a:spcPts val="500"/>
+              </a:spcBef>
+              <a:buFont typeface="Arial" panose="020B0604020202020204" pitchFamily="34" charset="0"/>
+              <a:buChar char="•"/>
+              <a:defRPr sz="1800" kern="1200">
+                <a:solidFill>
+                  <a:schemeClr val="tx1"/>
+                </a:solidFill>
+                <a:latin typeface="+mn-lt"/>
+                <a:ea typeface="+mn-ea"/>
+                <a:cs typeface="+mn-cs"/>
+              </a:defRPr>
+            </a:lvl7pPr>
+            <a:lvl8pPr marL="3429000" indent="-228600" algn="l" defTabSz="914400" rtl="0" eaLnBrk="1" latinLnBrk="0" hangingPunct="1">
+              <a:lnSpc>
+                <a:spcPct val="90000"/>
+              </a:lnSpc>
+              <a:spcBef>
+                <a:spcPts val="500"/>
+              </a:spcBef>
+              <a:buFont typeface="Arial" panose="020B0604020202020204" pitchFamily="34" charset="0"/>
+              <a:buChar char="•"/>
+              <a:defRPr sz="1800" kern="1200">
+                <a:solidFill>
+                  <a:schemeClr val="tx1"/>
+                </a:solidFill>
+                <a:latin typeface="+mn-lt"/>
+                <a:ea typeface="+mn-ea"/>
+                <a:cs typeface="+mn-cs"/>
+              </a:defRPr>
+            </a:lvl8pPr>
+            <a:lvl9pPr marL="3886200" indent="-228600" algn="l" defTabSz="914400" rtl="0" eaLnBrk="1" latinLnBrk="0" hangingPunct="1">
+              <a:lnSpc>
+                <a:spcPct val="90000"/>
+              </a:lnSpc>
+              <a:spcBef>
+                <a:spcPts val="500"/>
+              </a:spcBef>
+              <a:buFont typeface="Arial" panose="020B0604020202020204" pitchFamily="34" charset="0"/>
+              <a:buChar char="•"/>
+              <a:defRPr sz="1800" kern="1200">
+                <a:solidFill>
+                  <a:schemeClr val="tx1"/>
+                </a:solidFill>
+                <a:latin typeface="+mn-lt"/>
+                <a:ea typeface="+mn-ea"/>
+                <a:cs typeface="+mn-cs"/>
+              </a:defRPr>
+            </a:lvl9pPr>
+          </a:lstStyle>
+          <a:p>
+            <a:r>
+              <a:rPr lang="en-GB" sz="2400" dirty="0"/>
+              <a:t>fundamental concept in classical statistical learning theory</a:t>
+            </a:r>
+          </a:p>
+          <a:p>
+            <a:r>
+              <a:rPr lang="en-GB" sz="2400" dirty="0"/>
+              <a:t>models of higher complexity have lower bias but higher variance (given the same number of training examples)</a:t>
+            </a:r>
+          </a:p>
+        </p:txBody>
+      </p:sp>
+      <p:pic>
+        <p:nvPicPr>
+          <p:cNvPr id="11" name="Picture 10" descr="Diagram&#10;&#10;Description automatically generated">
+            <a:extLst>
+              <a:ext uri="{FF2B5EF4-FFF2-40B4-BE49-F238E27FC236}">
+                <a16:creationId xmlns:a16="http://schemas.microsoft.com/office/drawing/2014/main" id="{03ED01CC-EC7A-D792-11FD-E6168F661137}"/>
+              </a:ext>
+            </a:extLst>
+          </p:cNvPr>
+          <p:cNvPicPr>
+            <a:picLocks noChangeAspect="1"/>
+          </p:cNvPicPr>
+          <p:nvPr/>
+        </p:nvPicPr>
+        <p:blipFill>
+          <a:blip r:embed="rId2"/>
+          <a:stretch>
+            <a:fillRect/>
+          </a:stretch>
+        </p:blipFill>
+        <p:spPr>
+          <a:xfrm>
+            <a:off x="7430702" y="3201001"/>
+            <a:ext cx="4697346" cy="3030007"/>
+          </a:xfrm>
+          <a:prstGeom prst="rect">
+            <a:avLst/>
+          </a:prstGeom>
+        </p:spPr>
+      </p:pic>
+      <p:sp>
+        <p:nvSpPr>
+          <p:cNvPr id="12" name="TextBox 11">
+            <a:extLst>
+              <a:ext uri="{FF2B5EF4-FFF2-40B4-BE49-F238E27FC236}">
+                <a16:creationId xmlns:a16="http://schemas.microsoft.com/office/drawing/2014/main" id="{6D4E8FF6-6EA3-1615-9124-66EB0EFD0B08}"/>
+              </a:ext>
+            </a:extLst>
+          </p:cNvPr>
+          <p:cNvSpPr txBox="1"/>
+          <p:nvPr/>
+        </p:nvSpPr>
+        <p:spPr>
+          <a:xfrm>
+            <a:off x="7914762" y="6231008"/>
+            <a:ext cx="962123" cy="246221"/>
+          </a:xfrm>
+          <a:prstGeom prst="rect">
+            <a:avLst/>
+          </a:prstGeom>
+          <a:noFill/>
+        </p:spPr>
+        <p:txBody>
+          <a:bodyPr wrap="none" rtlCol="0">
+            <a:spAutoFit/>
+          </a:bodyPr>
+          <a:lstStyle/>
+          <a:p>
+            <a:r>
+              <a:rPr lang="de-DE" sz="1000" dirty="0" err="1"/>
+              <a:t>from</a:t>
+            </a:r>
+            <a:r>
+              <a:rPr lang="de-DE" sz="1000" dirty="0"/>
+              <a:t> </a:t>
+            </a:r>
+            <a:r>
+              <a:rPr lang="de-DE" sz="1000" dirty="0" err="1"/>
+              <a:t>wikipedia</a:t>
+            </a:r>
+            <a:endParaRPr lang="de-DE" sz="1000" dirty="0"/>
+          </a:p>
+        </p:txBody>
+      </p:sp>
+    </p:spTree>
+    <p:extLst>
+      <p:ext uri="{BB962C8B-B14F-4D97-AF65-F5344CB8AC3E}">
+        <p14:creationId xmlns:p14="http://schemas.microsoft.com/office/powerpoint/2010/main" val="1421615699"/>
+      </p:ext>
+    </p:extLst>
+  </p:cSld>
+  <p:clrMapOvr>
+    <a:masterClrMapping/>
+  </p:clrMapOvr>
+</p:sld>
+</file>
+
+<file path=ppt/slides/slide11.xml><?xml version="1.0" encoding="utf-8"?>
+<p:sld xmlns:a="http://schemas.openxmlformats.org/drawingml/2006/main" xmlns:r="http://schemas.openxmlformats.org/officeDocument/2006/relationships" xmlns:p="http://schemas.openxmlformats.org/presentationml/2006/main">
+  <p:cSld>
+    <p:spTree>
+      <p:nvGrpSpPr>
+        <p:cNvPr id="1" name=""/>
+        <p:cNvGrpSpPr/>
+        <p:nvPr/>
+      </p:nvGrpSpPr>
+      <p:grpSpPr>
+        <a:xfrm>
+          <a:off x="0" y="0"/>
+          <a:ext cx="0" cy="0"/>
+          <a:chOff x="0" y="0"/>
+          <a:chExt cx="0" cy="0"/>
+        </a:xfrm>
+      </p:grpSpPr>
+      <p:sp>
+        <p:nvSpPr>
+          <p:cNvPr id="2" name="Title 1">
+            <a:extLst>
+              <a:ext uri="{FF2B5EF4-FFF2-40B4-BE49-F238E27FC236}">
                 <a16:creationId xmlns:a16="http://schemas.microsoft.com/office/drawing/2014/main" id="{80D9CDF0-F76F-177C-9888-0EFEC59B291C}"/>
               </a:ext>
             </a:extLst>
@@ -6093,7 +6521,7 @@
           <a:p>
             <a:fld id="{C4CC4FF7-4194-DC4A-997C-EF4C65C96866}" type="slidenum">
               <a:rPr lang="en-DE" smtClean="0"/>
-              <a:t>10</a:t>
+              <a:t>11</a:t>
             </a:fld>
             <a:endParaRPr lang="en-DE"/>
           </a:p>
@@ -6112,7 +6540,7 @@
 </p:sld>
 </file>
 
-<file path=ppt/slides/slide11.xml><?xml version="1.0" encoding="utf-8"?>
+<file path=ppt/slides/slide12.xml><?xml version="1.0" encoding="utf-8"?>
 <p:sld xmlns:a="http://schemas.openxmlformats.org/drawingml/2006/main" xmlns:r="http://schemas.openxmlformats.org/officeDocument/2006/relationships" xmlns:p="http://schemas.openxmlformats.org/presentationml/2006/main">
   <p:cSld>
     <p:spTree>
@@ -6740,7 +7168,7 @@
           <a:p>
             <a:fld id="{C4CC4FF7-4194-DC4A-997C-EF4C65C96866}" type="slidenum">
               <a:rPr lang="en-DE" smtClean="0"/>
-              <a:t>11</a:t>
+              <a:t>12</a:t>
             </a:fld>
             <a:endParaRPr lang="en-DE"/>
           </a:p>
@@ -7245,7 +7673,7 @@
 </p:sld>
 </file>
 
-<file path=ppt/slides/slide12.xml><?xml version="1.0" encoding="utf-8"?>
+<file path=ppt/slides/slide13.xml><?xml version="1.0" encoding="utf-8"?>
 <p:sld xmlns:a="http://schemas.openxmlformats.org/drawingml/2006/main" xmlns:r="http://schemas.openxmlformats.org/officeDocument/2006/relationships" xmlns:p="http://schemas.openxmlformats.org/presentationml/2006/main">
   <p:cSld>
     <p:spTree>
@@ -7432,7 +7860,7 @@
           <a:p>
             <a:fld id="{C4CC4FF7-4194-DC4A-997C-EF4C65C96866}" type="slidenum">
               <a:rPr lang="en-DE" smtClean="0"/>
-              <a:t>12</a:t>
+              <a:t>13</a:t>
             </a:fld>
             <a:endParaRPr lang="en-DE"/>
           </a:p>
@@ -7451,7 +7879,7 @@
 </p:sld>
 </file>
 
-<file path=ppt/slides/slide13.xml><?xml version="1.0" encoding="utf-8"?>
+<file path=ppt/slides/slide14.xml><?xml version="1.0" encoding="utf-8"?>
 <p:sld xmlns:a="http://schemas.openxmlformats.org/drawingml/2006/main" xmlns:r="http://schemas.openxmlformats.org/officeDocument/2006/relationships" xmlns:p="http://schemas.openxmlformats.org/presentationml/2006/main">
   <p:cSld>
     <p:spTree>
@@ -7685,7 +8113,7 @@
           <a:p>
             <a:fld id="{C4CC4FF7-4194-DC4A-997C-EF4C65C96866}" type="slidenum">
               <a:rPr lang="en-DE" smtClean="0"/>
-              <a:t>13</a:t>
+              <a:t>14</a:t>
             </a:fld>
             <a:endParaRPr lang="en-DE"/>
           </a:p>
@@ -7814,7 +8242,7 @@
 </p:sld>
 </file>
 
-<file path=ppt/slides/slide14.xml><?xml version="1.0" encoding="utf-8"?>
+<file path=ppt/slides/slide15.xml><?xml version="1.0" encoding="utf-8"?>
 <p:sld xmlns:a="http://schemas.openxmlformats.org/drawingml/2006/main" xmlns:r="http://schemas.openxmlformats.org/officeDocument/2006/relationships" xmlns:p="http://schemas.openxmlformats.org/presentationml/2006/main">
   <p:cSld>
     <p:spTree>
@@ -8102,7 +8530,7 @@
           <a:p>
             <a:fld id="{C4CC4FF7-4194-DC4A-997C-EF4C65C96866}" type="slidenum">
               <a:rPr lang="en-DE" smtClean="0"/>
-              <a:t>14</a:t>
+              <a:t>15</a:t>
             </a:fld>
             <a:endParaRPr lang="en-DE"/>
           </a:p>
@@ -8197,7 +8625,7 @@
 </p:sld>
 </file>
 
-<file path=ppt/slides/slide15.xml><?xml version="1.0" encoding="utf-8"?>
+<file path=ppt/slides/slide16.xml><?xml version="1.0" encoding="utf-8"?>
 <p:sld xmlns:a="http://schemas.openxmlformats.org/drawingml/2006/main" xmlns:r="http://schemas.openxmlformats.org/officeDocument/2006/relationships" xmlns:p="http://schemas.openxmlformats.org/presentationml/2006/main">
   <p:cSld>
     <p:spTree>
@@ -8296,7 +8724,7 @@
           <a:p>
             <a:fld id="{4D06B799-84A7-8648-BC90-ED3C95C2198D}" type="slidenum">
               <a:rPr lang="en-DE" smtClean="0"/>
-              <a:t>15</a:t>
+              <a:t>16</a:t>
             </a:fld>
             <a:endParaRPr lang="en-DE"/>
           </a:p>
@@ -8678,162 +9106,6 @@
 </p:sld>
 </file>
 
-<file path=ppt/slides/slide16.xml><?xml version="1.0" encoding="utf-8"?>
-<p:sld xmlns:a="http://schemas.openxmlformats.org/drawingml/2006/main" xmlns:r="http://schemas.openxmlformats.org/officeDocument/2006/relationships" xmlns:p="http://schemas.openxmlformats.org/presentationml/2006/main">
-  <p:cSld>
-    <p:spTree>
-      <p:nvGrpSpPr>
-        <p:cNvPr id="1" name=""/>
-        <p:cNvGrpSpPr/>
-        <p:nvPr/>
-      </p:nvGrpSpPr>
-      <p:grpSpPr>
-        <a:xfrm>
-          <a:off x="0" y="0"/>
-          <a:ext cx="0" cy="0"/>
-          <a:chOff x="0" y="0"/>
-          <a:chExt cx="0" cy="0"/>
-        </a:xfrm>
-      </p:grpSpPr>
-      <p:sp>
-        <p:nvSpPr>
-          <p:cNvPr id="2" name="Title 1">
-            <a:extLst>
-              <a:ext uri="{FF2B5EF4-FFF2-40B4-BE49-F238E27FC236}">
-                <a16:creationId xmlns:a16="http://schemas.microsoft.com/office/drawing/2014/main" id="{6BD7CC2D-C814-B16B-84C3-4DABB9BC0218}"/>
-              </a:ext>
-            </a:extLst>
-          </p:cNvPr>
-          <p:cNvSpPr>
-            <a:spLocks noGrp="1"/>
-          </p:cNvSpPr>
-          <p:nvPr>
-            <p:ph type="title"/>
-          </p:nvPr>
-        </p:nvSpPr>
-        <p:spPr/>
-        <p:txBody>
-          <a:bodyPr/>
-          <a:lstStyle/>
-          <a:p>
-            <a:r>
-              <a:rPr lang="en-DE" dirty="0"/>
-              <a:t>Ensemble Learning</a:t>
-            </a:r>
-          </a:p>
-        </p:txBody>
-      </p:sp>
-      <p:sp>
-        <p:nvSpPr>
-          <p:cNvPr id="3" name="Content Placeholder 2">
-            <a:extLst>
-              <a:ext uri="{FF2B5EF4-FFF2-40B4-BE49-F238E27FC236}">
-                <a16:creationId xmlns:a16="http://schemas.microsoft.com/office/drawing/2014/main" id="{7C27B5A5-82ED-1D02-930E-4F2601CE75E1}"/>
-              </a:ext>
-            </a:extLst>
-          </p:cNvPr>
-          <p:cNvSpPr>
-            <a:spLocks noGrp="1"/>
-          </p:cNvSpPr>
-          <p:nvPr>
-            <p:ph idx="1"/>
-          </p:nvPr>
-        </p:nvSpPr>
-        <p:spPr/>
-        <p:txBody>
-          <a:bodyPr>
-            <a:normAutofit/>
-          </a:bodyPr>
-          <a:lstStyle/>
-          <a:p>
-            <a:pPr marL="0" indent="0">
-              <a:buNone/>
-            </a:pPr>
-            <a:r>
-              <a:rPr lang="en-GB" sz="2600" dirty="0"/>
-              <a:t>idea:</a:t>
-            </a:r>
-          </a:p>
-          <a:p>
-            <a:pPr marL="0" indent="0">
-              <a:buNone/>
-            </a:pPr>
-            <a:r>
-              <a:rPr lang="en-GB" sz="2600" dirty="0"/>
-              <a:t>combine several individual models (often of the same type) to form an ensemble model with better predictive performance than each of its constituents</a:t>
-            </a:r>
-          </a:p>
-          <a:p>
-            <a:pPr marL="0" indent="0">
-              <a:buNone/>
-            </a:pPr>
-            <a:r>
-              <a:rPr lang="en-GB" sz="2600" dirty="0"/>
-              <a:t>learning in several different ways from the training data</a:t>
-            </a:r>
-          </a:p>
-          <a:p>
-            <a:pPr marL="0" indent="0">
-              <a:buNone/>
-            </a:pPr>
-            <a:endParaRPr lang="en-GB" sz="2600" dirty="0"/>
-          </a:p>
-          <a:p>
-            <a:r>
-              <a:rPr lang="en-GB" sz="2600" dirty="0"/>
-              <a:t>the trainings of the individual constituent models are (kind of) independent</a:t>
-            </a:r>
-          </a:p>
-          <a:p>
-            <a:r>
-              <a:rPr lang="en-DE" sz="2600" dirty="0"/>
-              <a:t>outputs of individual models are combined (e.g., averaged)</a:t>
-            </a:r>
-          </a:p>
-        </p:txBody>
-      </p:sp>
-      <p:sp>
-        <p:nvSpPr>
-          <p:cNvPr id="4" name="Slide Number Placeholder 3">
-            <a:extLst>
-              <a:ext uri="{FF2B5EF4-FFF2-40B4-BE49-F238E27FC236}">
-                <a16:creationId xmlns:a16="http://schemas.microsoft.com/office/drawing/2014/main" id="{EA485B20-BA51-4038-7069-D42DBC761BDB}"/>
-              </a:ext>
-            </a:extLst>
-          </p:cNvPr>
-          <p:cNvSpPr>
-            <a:spLocks noGrp="1"/>
-          </p:cNvSpPr>
-          <p:nvPr>
-            <p:ph type="sldNum" sz="quarter" idx="12"/>
-          </p:nvPr>
-        </p:nvSpPr>
-        <p:spPr/>
-        <p:txBody>
-          <a:bodyPr/>
-          <a:lstStyle/>
-          <a:p>
-            <a:fld id="{4D06B799-84A7-8648-BC90-ED3C95C2198D}" type="slidenum">
-              <a:rPr lang="en-DE" smtClean="0"/>
-              <a:t>16</a:t>
-            </a:fld>
-            <a:endParaRPr lang="en-DE"/>
-          </a:p>
-        </p:txBody>
-      </p:sp>
-    </p:spTree>
-    <p:extLst>
-      <p:ext uri="{BB962C8B-B14F-4D97-AF65-F5344CB8AC3E}">
-        <p14:creationId xmlns:p14="http://schemas.microsoft.com/office/powerpoint/2010/main" val="2231908175"/>
-      </p:ext>
-    </p:extLst>
-  </p:cSld>
-  <p:clrMapOvr>
-    <a:masterClrMapping/>
-  </p:clrMapOvr>
-</p:sld>
-</file>
-
 <file path=ppt/slides/slide17.xml><?xml version="1.0" encoding="utf-8"?>
 <p:sld xmlns:a="http://schemas.openxmlformats.org/drawingml/2006/main" xmlns:r="http://schemas.openxmlformats.org/officeDocument/2006/relationships" xmlns:p="http://schemas.openxmlformats.org/presentationml/2006/main">
   <p:cSld>
@@ -8856,7 +9128,7 @@
           <p:cNvPr id="2" name="Title 1">
             <a:extLst>
               <a:ext uri="{FF2B5EF4-FFF2-40B4-BE49-F238E27FC236}">
-                <a16:creationId xmlns:a16="http://schemas.microsoft.com/office/drawing/2014/main" id="{B4BDA92C-9B6F-EACE-FBCB-0A34D2B69EC1}"/>
+                <a16:creationId xmlns:a16="http://schemas.microsoft.com/office/drawing/2014/main" id="{6BD7CC2D-C814-B16B-84C3-4DABB9BC0218}"/>
               </a:ext>
             </a:extLst>
           </p:cNvPr>
@@ -8874,15 +9146,7 @@
           <a:p>
             <a:r>
               <a:rPr lang="en-DE" dirty="0"/>
-              <a:t>Bagging (</a:t>
-            </a:r>
-            <a:r>
-              <a:rPr lang="en-GB" dirty="0"/>
-              <a:t>B</a:t>
-            </a:r>
-            <a:r>
-              <a:rPr lang="en-DE" dirty="0"/>
-              <a:t>ootstrap Aggregating)</a:t>
+              <a:t>Ensemble Learning</a:t>
             </a:r>
           </a:p>
         </p:txBody>
@@ -8892,7 +9156,7 @@
           <p:cNvPr id="3" name="Content Placeholder 2">
             <a:extLst>
               <a:ext uri="{FF2B5EF4-FFF2-40B4-BE49-F238E27FC236}">
-                <a16:creationId xmlns:a16="http://schemas.microsoft.com/office/drawing/2014/main" id="{72EC02DC-25CB-8047-6BEA-388E7D6AD6B1}"/>
+                <a16:creationId xmlns:a16="http://schemas.microsoft.com/office/drawing/2014/main" id="{7C27B5A5-82ED-1D02-930E-4F2601CE75E1}"/>
               </a:ext>
             </a:extLst>
           </p:cNvPr>
@@ -8903,15 +9167,10 @@
             <p:ph idx="1"/>
           </p:nvPr>
         </p:nvSpPr>
-        <p:spPr>
-          <a:xfrm>
-            <a:off x="838199" y="1825625"/>
-            <a:ext cx="6077608" cy="4351338"/>
-          </a:xfrm>
-        </p:spPr>
+        <p:spPr/>
         <p:txBody>
           <a:bodyPr>
-            <a:normAutofit fontScale="92500"/>
+            <a:normAutofit/>
           </a:bodyPr>
           <a:lstStyle/>
           <a:p>
@@ -8919,107 +9178,54 @@
               <a:buNone/>
             </a:pPr>
             <a:r>
-              <a:rPr lang="en-GB" dirty="0" err="1"/>
-              <a:t>i</a:t>
-            </a:r>
-            <a:r>
-              <a:rPr lang="en-DE" dirty="0"/>
-              <a:t>dea: </a:t>
-            </a:r>
-            <a:r>
-              <a:rPr lang="en-GB" dirty="0"/>
-              <a:t>t</a:t>
-            </a:r>
-            <a:r>
-              <a:rPr lang="en-DE" dirty="0"/>
-              <a:t>rain individual models of ensemble method on random (sub)sets of the training data (random sample with replacement)</a:t>
-            </a:r>
-          </a:p>
-          <a:p>
-            <a:r>
-              <a:rPr lang="en-GB" dirty="0">
-                <a:sym typeface="Wingdings" pitchFamily="2" charset="2"/>
-              </a:rPr>
-              <a:t>r</a:t>
-            </a:r>
-            <a:r>
-              <a:rPr lang="en-DE" dirty="0">
-                <a:sym typeface="Wingdings" pitchFamily="2" charset="2"/>
-              </a:rPr>
-              <a:t>educes variance of ensemble model compared to individual models</a:t>
-            </a:r>
-          </a:p>
-          <a:p>
-            <a:r>
-              <a:rPr lang="en-DE" dirty="0">
-                <a:sym typeface="Wingdings" pitchFamily="2" charset="2"/>
-              </a:rPr>
-              <a:t>but not bias  use low-bias base models</a:t>
+              <a:rPr lang="en-GB" sz="2600" dirty="0"/>
+              <a:t>idea:</a:t>
             </a:r>
           </a:p>
           <a:p>
             <a:pPr marL="0" indent="0">
               <a:buNone/>
             </a:pPr>
-            <a:endParaRPr lang="en-DE" dirty="0">
-              <a:sym typeface="Wingdings" pitchFamily="2" charset="2"/>
-            </a:endParaRPr>
+            <a:r>
+              <a:rPr lang="en-GB" sz="2600" dirty="0"/>
+              <a:t>combine several individual models (often of the same type) to form an ensemble model with better predictive performance than each of its constituents</a:t>
+            </a:r>
           </a:p>
           <a:p>
             <a:pPr marL="0" indent="0">
               <a:buNone/>
             </a:pPr>
             <a:r>
-              <a:rPr lang="en-GB" dirty="0">
-                <a:sym typeface="Wingdings" pitchFamily="2" charset="2"/>
-              </a:rPr>
-              <a:t>individual models c</a:t>
-            </a:r>
-            <a:r>
-              <a:rPr lang="en-DE" dirty="0">
-                <a:sym typeface="Wingdings" pitchFamily="2" charset="2"/>
-              </a:rPr>
-              <a:t>ombined by averaging (regression) or majority voting (classification)  committee of models</a:t>
+              <a:rPr lang="en-GB" sz="2600" dirty="0"/>
+              <a:t>learning in several different ways from the training data</a:t>
+            </a:r>
+          </a:p>
+          <a:p>
+            <a:pPr marL="0" indent="0">
+              <a:buNone/>
+            </a:pPr>
+            <a:endParaRPr lang="en-GB" sz="2600" dirty="0"/>
+          </a:p>
+          <a:p>
+            <a:r>
+              <a:rPr lang="en-GB" sz="2600" dirty="0"/>
+              <a:t>the trainings of the individual constituent models are (kind of) independent</a:t>
+            </a:r>
+          </a:p>
+          <a:p>
+            <a:r>
+              <a:rPr lang="en-DE" sz="2600" dirty="0"/>
+              <a:t>outputs of individual models are combined (e.g., averaged)</a:t>
             </a:r>
           </a:p>
         </p:txBody>
       </p:sp>
-      <p:pic>
-        <p:nvPicPr>
-          <p:cNvPr id="5" name="Picture 4" descr="Diagram&#10;&#10;Description automatically generated">
-            <a:extLst>
-              <a:ext uri="{FF2B5EF4-FFF2-40B4-BE49-F238E27FC236}">
-                <a16:creationId xmlns:a16="http://schemas.microsoft.com/office/drawing/2014/main" id="{06D658F3-7E51-0D33-E43E-2712E69F2EC8}"/>
-              </a:ext>
-            </a:extLst>
-          </p:cNvPr>
-          <p:cNvPicPr>
-            <a:picLocks noChangeAspect="1"/>
-          </p:cNvPicPr>
-          <p:nvPr/>
-        </p:nvPicPr>
-        <p:blipFill>
-          <a:blip r:embed="rId2"/>
-          <a:stretch>
-            <a:fillRect/>
-          </a:stretch>
-        </p:blipFill>
-        <p:spPr>
-          <a:xfrm>
-            <a:off x="6859079" y="2714917"/>
-            <a:ext cx="5290881" cy="2519236"/>
-          </a:xfrm>
-          <a:prstGeom prst="rect">
-            <a:avLst/>
-          </a:prstGeom>
-        </p:spPr>
-      </p:pic>
       <p:sp>
         <p:nvSpPr>
           <p:cNvPr id="4" name="Slide Number Placeholder 3">
             <a:extLst>
               <a:ext uri="{FF2B5EF4-FFF2-40B4-BE49-F238E27FC236}">
-                <a16:creationId xmlns:a16="http://schemas.microsoft.com/office/drawing/2014/main" id="{F7FA8862-7F8D-C5B7-3F2D-711218DDB65A}"/>
+                <a16:creationId xmlns:a16="http://schemas.microsoft.com/office/drawing/2014/main" id="{EA485B20-BA51-4038-7069-D42DBC761BDB}"/>
               </a:ext>
             </a:extLst>
           </p:cNvPr>
@@ -9043,87 +9249,10 @@
           </a:p>
         </p:txBody>
       </p:sp>
-      <p:sp>
-        <p:nvSpPr>
-          <p:cNvPr id="6" name="TextBox 5">
-            <a:extLst>
-              <a:ext uri="{FF2B5EF4-FFF2-40B4-BE49-F238E27FC236}">
-                <a16:creationId xmlns:a16="http://schemas.microsoft.com/office/drawing/2014/main" id="{1840354E-B0C7-7C26-FF19-1C5CFF8579F1}"/>
-              </a:ext>
-            </a:extLst>
-          </p:cNvPr>
-          <p:cNvSpPr txBox="1"/>
-          <p:nvPr/>
-        </p:nvSpPr>
-        <p:spPr>
-          <a:xfrm>
-            <a:off x="8068940" y="2210648"/>
-            <a:ext cx="2863861" cy="369332"/>
-          </a:xfrm>
-          <a:prstGeom prst="rect">
-            <a:avLst/>
-          </a:prstGeom>
-          <a:noFill/>
-        </p:spPr>
-        <p:txBody>
-          <a:bodyPr wrap="none" rtlCol="0">
-            <a:spAutoFit/>
-          </a:bodyPr>
-          <a:lstStyle/>
-          <a:p>
-            <a:r>
-              <a:rPr lang="en-GB" dirty="0"/>
-              <a:t>e</a:t>
-            </a:r>
-            <a:r>
-              <a:rPr lang="en-DE" dirty="0"/>
-              <a:t>xample with decision trees:</a:t>
-            </a:r>
-          </a:p>
-        </p:txBody>
-      </p:sp>
-      <p:sp>
-        <p:nvSpPr>
-          <p:cNvPr id="7" name="TextBox 6">
-            <a:extLst>
-              <a:ext uri="{FF2B5EF4-FFF2-40B4-BE49-F238E27FC236}">
-                <a16:creationId xmlns:a16="http://schemas.microsoft.com/office/drawing/2014/main" id="{A8340BE7-41B5-D8CF-5210-E512B79480F3}"/>
-              </a:ext>
-            </a:extLst>
-          </p:cNvPr>
-          <p:cNvSpPr txBox="1"/>
-          <p:nvPr/>
-        </p:nvSpPr>
-        <p:spPr>
-          <a:xfrm>
-            <a:off x="11353800" y="5354838"/>
-            <a:ext cx="532518" cy="246221"/>
-          </a:xfrm>
-          <a:prstGeom prst="rect">
-            <a:avLst/>
-          </a:prstGeom>
-          <a:noFill/>
-        </p:spPr>
-        <p:txBody>
-          <a:bodyPr wrap="none" rtlCol="0">
-            <a:spAutoFit/>
-          </a:bodyPr>
-          <a:lstStyle/>
-          <a:p>
-            <a:r>
-              <a:rPr lang="de-DE" sz="1000" dirty="0">
-                <a:hlinkClick r:id="rId3"/>
-              </a:rPr>
-              <a:t>source</a:t>
-            </a:r>
-            <a:endParaRPr lang="de-DE" sz="1000" dirty="0"/>
-          </a:p>
-        </p:txBody>
-      </p:sp>
     </p:spTree>
     <p:extLst>
       <p:ext uri="{BB962C8B-B14F-4D97-AF65-F5344CB8AC3E}">
-        <p14:creationId xmlns:p14="http://schemas.microsoft.com/office/powerpoint/2010/main" val="2894407134"/>
+        <p14:creationId xmlns:p14="http://schemas.microsoft.com/office/powerpoint/2010/main" val="2231908175"/>
       </p:ext>
     </p:extLst>
   </p:cSld>
@@ -9155,7 +9284,7 @@
           <p:cNvPr id="2" name="Title 1">
             <a:extLst>
               <a:ext uri="{FF2B5EF4-FFF2-40B4-BE49-F238E27FC236}">
-                <a16:creationId xmlns:a16="http://schemas.microsoft.com/office/drawing/2014/main" id="{F41B668D-26E7-A583-5BDA-216C95A9362A}"/>
+                <a16:creationId xmlns:a16="http://schemas.microsoft.com/office/drawing/2014/main" id="{B4BDA92C-9B6F-EACE-FBCB-0A34D2B69EC1}"/>
               </a:ext>
             </a:extLst>
           </p:cNvPr>
@@ -9173,7 +9302,15 @@
           <a:p>
             <a:r>
               <a:rPr lang="en-DE" dirty="0"/>
-              <a:t>Random Subspace Method</a:t>
+              <a:t>Bagging (</a:t>
+            </a:r>
+            <a:r>
+              <a:rPr lang="en-GB" dirty="0"/>
+              <a:t>B</a:t>
+            </a:r>
+            <a:r>
+              <a:rPr lang="en-DE" dirty="0"/>
+              <a:t>ootstrap Aggregating)</a:t>
             </a:r>
           </a:p>
         </p:txBody>
@@ -9183,7 +9320,7 @@
           <p:cNvPr id="3" name="Content Placeholder 2">
             <a:extLst>
               <a:ext uri="{FF2B5EF4-FFF2-40B4-BE49-F238E27FC236}">
-                <a16:creationId xmlns:a16="http://schemas.microsoft.com/office/drawing/2014/main" id="{A74C095A-B308-310C-26F0-9C804FE66A2B}"/>
+                <a16:creationId xmlns:a16="http://schemas.microsoft.com/office/drawing/2014/main" id="{72EC02DC-25CB-8047-6BEA-388E7D6AD6B1}"/>
               </a:ext>
             </a:extLst>
           </p:cNvPr>
@@ -9194,58 +9331,58 @@
             <p:ph idx="1"/>
           </p:nvPr>
         </p:nvSpPr>
-        <p:spPr/>
+        <p:spPr>
+          <a:xfrm>
+            <a:off x="838199" y="1825625"/>
+            <a:ext cx="6077608" cy="4351338"/>
+          </a:xfrm>
+        </p:spPr>
         <p:txBody>
-          <a:bodyPr/>
+          <a:bodyPr>
+            <a:normAutofit fontScale="92500"/>
+          </a:bodyPr>
           <a:lstStyle/>
           <a:p>
             <a:pPr marL="0" indent="0">
               <a:buNone/>
             </a:pPr>
             <a:r>
+              <a:rPr lang="en-GB" dirty="0" err="1"/>
+              <a:t>i</a:t>
+            </a:r>
+            <a:r>
+              <a:rPr lang="en-DE" dirty="0"/>
+              <a:t>dea: </a:t>
+            </a:r>
+            <a:r>
               <a:rPr lang="en-GB" dirty="0"/>
-              <a:t>a</a:t>
+              <a:t>t</a:t>
             </a:r>
             <a:r>
               <a:rPr lang="en-DE" dirty="0"/>
-              <a:t>ka feature bagging</a:t>
-            </a:r>
-          </a:p>
-          <a:p>
-            <a:pPr marL="0" indent="0">
-              <a:buNone/>
-            </a:pPr>
-            <a:endParaRPr lang="en-DE" dirty="0"/>
-          </a:p>
-          <a:p>
-            <a:pPr marL="0" indent="0">
-              <a:buNone/>
-            </a:pPr>
-            <a:r>
-              <a:rPr lang="en-GB" dirty="0"/>
-              <a:t>idea: t</a:t>
-            </a:r>
-            <a:r>
-              <a:rPr lang="en-DE" dirty="0"/>
-              <a:t>rain different members (models) of an ensemble method on random subsets of all features (random sample with replacement)</a:t>
-            </a:r>
-          </a:p>
-          <a:p>
-            <a:pPr>
-              <a:buFont typeface="Wingdings" pitchFamily="2" charset="2"/>
-              <a:buChar char="à"/>
-            </a:pPr>
+              <a:t>rain individual models of ensemble method on random (sub)sets of the training data (random sample with replacement)</a:t>
+            </a:r>
+          </a:p>
+          <a:p>
             <a:r>
               <a:rPr lang="en-GB" dirty="0">
                 <a:sym typeface="Wingdings" pitchFamily="2" charset="2"/>
               </a:rPr>
-              <a:t> r</a:t>
+              <a:t>r</a:t>
             </a:r>
             <a:r>
               <a:rPr lang="en-DE" dirty="0">
                 <a:sym typeface="Wingdings" pitchFamily="2" charset="2"/>
               </a:rPr>
-              <a:t>educe correlation between ensemble members</a:t>
+              <a:t>educes variance of ensemble model compared to individual models</a:t>
+            </a:r>
+          </a:p>
+          <a:p>
+            <a:r>
+              <a:rPr lang="en-DE" dirty="0">
+                <a:sym typeface="Wingdings" pitchFamily="2" charset="2"/>
+              </a:rPr>
+              <a:t>but not bias  use low-bias base models</a:t>
             </a:r>
           </a:p>
           <a:p>
@@ -9275,12 +9412,42 @@
           </a:p>
         </p:txBody>
       </p:sp>
+      <p:pic>
+        <p:nvPicPr>
+          <p:cNvPr id="5" name="Picture 4" descr="Diagram&#10;&#10;Description automatically generated">
+            <a:extLst>
+              <a:ext uri="{FF2B5EF4-FFF2-40B4-BE49-F238E27FC236}">
+                <a16:creationId xmlns:a16="http://schemas.microsoft.com/office/drawing/2014/main" id="{06D658F3-7E51-0D33-E43E-2712E69F2EC8}"/>
+              </a:ext>
+            </a:extLst>
+          </p:cNvPr>
+          <p:cNvPicPr>
+            <a:picLocks noChangeAspect="1"/>
+          </p:cNvPicPr>
+          <p:nvPr/>
+        </p:nvPicPr>
+        <p:blipFill>
+          <a:blip r:embed="rId2"/>
+          <a:stretch>
+            <a:fillRect/>
+          </a:stretch>
+        </p:blipFill>
+        <p:spPr>
+          <a:xfrm>
+            <a:off x="6859079" y="2714917"/>
+            <a:ext cx="5290881" cy="2519236"/>
+          </a:xfrm>
+          <a:prstGeom prst="rect">
+            <a:avLst/>
+          </a:prstGeom>
+        </p:spPr>
+      </p:pic>
       <p:sp>
         <p:nvSpPr>
           <p:cNvPr id="4" name="Slide Number Placeholder 3">
             <a:extLst>
               <a:ext uri="{FF2B5EF4-FFF2-40B4-BE49-F238E27FC236}">
-                <a16:creationId xmlns:a16="http://schemas.microsoft.com/office/drawing/2014/main" id="{3057E588-8252-FE67-38ED-5304C3CD001E}"/>
+                <a16:creationId xmlns:a16="http://schemas.microsoft.com/office/drawing/2014/main" id="{F7FA8862-7F8D-C5B7-3F2D-711218DDB65A}"/>
               </a:ext>
             </a:extLst>
           </p:cNvPr>
@@ -9304,10 +9471,87 @@
           </a:p>
         </p:txBody>
       </p:sp>
+      <p:sp>
+        <p:nvSpPr>
+          <p:cNvPr id="6" name="TextBox 5">
+            <a:extLst>
+              <a:ext uri="{FF2B5EF4-FFF2-40B4-BE49-F238E27FC236}">
+                <a16:creationId xmlns:a16="http://schemas.microsoft.com/office/drawing/2014/main" id="{1840354E-B0C7-7C26-FF19-1C5CFF8579F1}"/>
+              </a:ext>
+            </a:extLst>
+          </p:cNvPr>
+          <p:cNvSpPr txBox="1"/>
+          <p:nvPr/>
+        </p:nvSpPr>
+        <p:spPr>
+          <a:xfrm>
+            <a:off x="8068940" y="2210648"/>
+            <a:ext cx="2863861" cy="369332"/>
+          </a:xfrm>
+          <a:prstGeom prst="rect">
+            <a:avLst/>
+          </a:prstGeom>
+          <a:noFill/>
+        </p:spPr>
+        <p:txBody>
+          <a:bodyPr wrap="none" rtlCol="0">
+            <a:spAutoFit/>
+          </a:bodyPr>
+          <a:lstStyle/>
+          <a:p>
+            <a:r>
+              <a:rPr lang="en-GB" dirty="0"/>
+              <a:t>e</a:t>
+            </a:r>
+            <a:r>
+              <a:rPr lang="en-DE" dirty="0"/>
+              <a:t>xample with decision trees:</a:t>
+            </a:r>
+          </a:p>
+        </p:txBody>
+      </p:sp>
+      <p:sp>
+        <p:nvSpPr>
+          <p:cNvPr id="7" name="TextBox 6">
+            <a:extLst>
+              <a:ext uri="{FF2B5EF4-FFF2-40B4-BE49-F238E27FC236}">
+                <a16:creationId xmlns:a16="http://schemas.microsoft.com/office/drawing/2014/main" id="{A8340BE7-41B5-D8CF-5210-E512B79480F3}"/>
+              </a:ext>
+            </a:extLst>
+          </p:cNvPr>
+          <p:cNvSpPr txBox="1"/>
+          <p:nvPr/>
+        </p:nvSpPr>
+        <p:spPr>
+          <a:xfrm>
+            <a:off x="11353800" y="5354838"/>
+            <a:ext cx="532518" cy="246221"/>
+          </a:xfrm>
+          <a:prstGeom prst="rect">
+            <a:avLst/>
+          </a:prstGeom>
+          <a:noFill/>
+        </p:spPr>
+        <p:txBody>
+          <a:bodyPr wrap="none" rtlCol="0">
+            <a:spAutoFit/>
+          </a:bodyPr>
+          <a:lstStyle/>
+          <a:p>
+            <a:r>
+              <a:rPr lang="de-DE" sz="1000" dirty="0">
+                <a:hlinkClick r:id="rId3"/>
+              </a:rPr>
+              <a:t>source</a:t>
+            </a:r>
+            <a:endParaRPr lang="de-DE" sz="1000" dirty="0"/>
+          </a:p>
+        </p:txBody>
+      </p:sp>
     </p:spTree>
     <p:extLst>
       <p:ext uri="{BB962C8B-B14F-4D97-AF65-F5344CB8AC3E}">
-        <p14:creationId xmlns:p14="http://schemas.microsoft.com/office/powerpoint/2010/main" val="3974681436"/>
+        <p14:creationId xmlns:p14="http://schemas.microsoft.com/office/powerpoint/2010/main" val="2894407134"/>
       </p:ext>
     </p:extLst>
   </p:cSld>
@@ -9339,7 +9583,7 @@
           <p:cNvPr id="2" name="Title 1">
             <a:extLst>
               <a:ext uri="{FF2B5EF4-FFF2-40B4-BE49-F238E27FC236}">
-                <a16:creationId xmlns:a16="http://schemas.microsoft.com/office/drawing/2014/main" id="{53C30C8C-7EC4-5627-3DF2-7D94C861AFA9}"/>
+                <a16:creationId xmlns:a16="http://schemas.microsoft.com/office/drawing/2014/main" id="{F41B668D-26E7-A583-5BDA-216C95A9362A}"/>
               </a:ext>
             </a:extLst>
           </p:cNvPr>
@@ -9357,7 +9601,7 @@
           <a:p>
             <a:r>
               <a:rPr lang="en-DE" dirty="0"/>
-              <a:t>Random Forest</a:t>
+              <a:t>Random Subspace Method</a:t>
             </a:r>
           </a:p>
         </p:txBody>
@@ -9367,7 +9611,7 @@
           <p:cNvPr id="3" name="Content Placeholder 2">
             <a:extLst>
               <a:ext uri="{FF2B5EF4-FFF2-40B4-BE49-F238E27FC236}">
-                <a16:creationId xmlns:a16="http://schemas.microsoft.com/office/drawing/2014/main" id="{533CC7C9-6112-AE80-029C-4C71EC710D68}"/>
+                <a16:creationId xmlns:a16="http://schemas.microsoft.com/office/drawing/2014/main" id="{A74C095A-B308-310C-26F0-9C804FE66A2B}"/>
               </a:ext>
             </a:extLst>
           </p:cNvPr>
@@ -9380,110 +9624,81 @@
         </p:nvSpPr>
         <p:spPr/>
         <p:txBody>
-          <a:bodyPr>
-            <a:normAutofit fontScale="92500" lnSpcReduction="10000"/>
-          </a:bodyPr>
+          <a:bodyPr/>
           <a:lstStyle/>
           <a:p>
             <a:pPr marL="0" indent="0">
               <a:buNone/>
             </a:pPr>
             <a:r>
-              <a:rPr lang="en-GB" sz="2600" dirty="0"/>
-              <a:t>ensemble method using</a:t>
-            </a:r>
-          </a:p>
-          <a:p>
-            <a:r>
-              <a:rPr lang="en-GB" sz="2600" dirty="0"/>
-              <a:t>d</a:t>
-            </a:r>
-            <a:r>
-              <a:rPr lang="en-DE" sz="2600" dirty="0"/>
-              <a:t>ecision trees as individual models (usually, rather large, low-bias decision trees)</a:t>
-            </a:r>
-          </a:p>
-          <a:p>
-            <a:r>
-              <a:rPr lang="en-GB" sz="2600" dirty="0"/>
-              <a:t>combination of b</a:t>
-            </a:r>
-            <a:r>
-              <a:rPr lang="en-DE" sz="2600" dirty="0"/>
-              <a:t>agging and </a:t>
-            </a:r>
-            <a:r>
-              <a:rPr lang="en-GB" sz="2600" dirty="0"/>
-              <a:t>r</a:t>
-            </a:r>
-            <a:r>
-              <a:rPr lang="en-DE" sz="2600" dirty="0"/>
-              <a:t>andom subspace method (features sampled at each node in the trees)</a:t>
+              <a:rPr lang="en-GB" dirty="0"/>
+              <a:t>a</a:t>
+            </a:r>
+            <a:r>
+              <a:rPr lang="en-DE" dirty="0"/>
+              <a:t>ka feature bagging</a:t>
             </a:r>
           </a:p>
           <a:p>
             <a:pPr marL="0" indent="0">
               <a:buNone/>
             </a:pPr>
-            <a:endParaRPr lang="en-DE" sz="2600" dirty="0"/>
+            <a:endParaRPr lang="en-DE" dirty="0"/>
           </a:p>
           <a:p>
             <a:pPr marL="0" indent="0">
               <a:buNone/>
             </a:pPr>
             <a:r>
-              <a:rPr lang="en-DE" sz="2600" dirty="0"/>
-              <a:t>compared to individual decision trees, random forests</a:t>
+              <a:rPr lang="en-GB" dirty="0"/>
+              <a:t>idea: t</a:t>
+            </a:r>
+            <a:r>
+              <a:rPr lang="en-DE" dirty="0"/>
+              <a:t>rain different members (models) of an ensemble method on random subsets of all features (random sample with replacement)</a:t>
             </a:r>
           </a:p>
           <a:p>
             <a:pPr>
-              <a:buFont typeface="System Font Regular"/>
-              <a:buChar char="+"/>
+              <a:buFont typeface="Wingdings" pitchFamily="2" charset="2"/>
+              <a:buChar char="à"/>
             </a:pPr>
             <a:r>
-              <a:rPr lang="en-GB" sz="2600" dirty="0"/>
-              <a:t>r</a:t>
-            </a:r>
-            <a:r>
-              <a:rPr lang="en-DE" sz="2600" dirty="0"/>
-              <a:t>educe variance </a:t>
-            </a:r>
-            <a:r>
-              <a:rPr lang="en-DE" sz="2600" dirty="0">
+              <a:rPr lang="en-GB" dirty="0">
                 <a:sym typeface="Wingdings" pitchFamily="2" charset="2"/>
               </a:rPr>
-              <a:t> improve accuracy</a:t>
-            </a:r>
-            <a:endParaRPr lang="en-DE" sz="2600" dirty="0"/>
-          </a:p>
-          <a:p>
-            <a:pPr>
-              <a:buFont typeface="System Font Regular"/>
-              <a:buChar char="-"/>
-            </a:pPr>
-            <a:r>
-              <a:rPr lang="en-DE" sz="2600" dirty="0"/>
-              <a:t>lose explainability</a:t>
+              <a:t> r</a:t>
+            </a:r>
+            <a:r>
+              <a:rPr lang="en-DE" dirty="0">
+                <a:sym typeface="Wingdings" pitchFamily="2" charset="2"/>
+              </a:rPr>
+              <a:t>educe correlation between ensemble members</a:t>
             </a:r>
           </a:p>
           <a:p>
             <a:pPr marL="0" indent="0">
               <a:buNone/>
             </a:pPr>
-            <a:endParaRPr lang="en-DE" sz="2600" dirty="0"/>
+            <a:endParaRPr lang="en-DE" dirty="0">
+              <a:sym typeface="Wingdings" pitchFamily="2" charset="2"/>
+            </a:endParaRPr>
           </a:p>
           <a:p>
             <a:pPr marL="0" indent="0">
               <a:buNone/>
             </a:pPr>
             <a:r>
-              <a:rPr lang="en-GB" sz="2600" dirty="0"/>
-              <a:t>one of the most popular o</a:t>
-            </a:r>
-            <a:r>
-              <a:rPr lang="en-DE" sz="2600" dirty="0"/>
-              <a:t>ff-the-shelf ML algorithms (often, good performance with little hyperparameter tuning and data preparation)</a:t>
+              <a:rPr lang="en-GB" dirty="0">
+                <a:sym typeface="Wingdings" pitchFamily="2" charset="2"/>
+              </a:rPr>
+              <a:t>individual models c</a:t>
+            </a:r>
+            <a:r>
+              <a:rPr lang="en-DE" dirty="0">
+                <a:sym typeface="Wingdings" pitchFamily="2" charset="2"/>
+              </a:rPr>
+              <a:t>ombined by averaging (regression) or majority voting (classification)  committee of models</a:t>
             </a:r>
           </a:p>
         </p:txBody>
@@ -9493,7 +9708,7 @@
           <p:cNvPr id="4" name="Slide Number Placeholder 3">
             <a:extLst>
               <a:ext uri="{FF2B5EF4-FFF2-40B4-BE49-F238E27FC236}">
-                <a16:creationId xmlns:a16="http://schemas.microsoft.com/office/drawing/2014/main" id="{98696B67-4F49-A270-7136-471B9495912C}"/>
+                <a16:creationId xmlns:a16="http://schemas.microsoft.com/office/drawing/2014/main" id="{3057E588-8252-FE67-38ED-5304C3CD001E}"/>
               </a:ext>
             </a:extLst>
           </p:cNvPr>
@@ -9520,7 +9735,7 @@
     </p:spTree>
     <p:extLst>
       <p:ext uri="{BB962C8B-B14F-4D97-AF65-F5344CB8AC3E}">
-        <p14:creationId xmlns:p14="http://schemas.microsoft.com/office/powerpoint/2010/main" val="943384232"/>
+        <p14:creationId xmlns:p14="http://schemas.microsoft.com/office/powerpoint/2010/main" val="3974681436"/>
       </p:ext>
     </p:extLst>
   </p:cSld>
@@ -9533,6 +9748,14 @@
 <file path=ppt/slides/slide2.xml><?xml version="1.0" encoding="utf-8"?>
 <p:sld xmlns:a="http://schemas.openxmlformats.org/drawingml/2006/main" xmlns:r="http://schemas.openxmlformats.org/officeDocument/2006/relationships" xmlns:p="http://schemas.openxmlformats.org/presentationml/2006/main">
   <p:cSld>
+    <p:bg>
+      <p:bgPr>
+        <a:solidFill>
+          <a:schemeClr val="bg1"/>
+        </a:solidFill>
+        <a:effectLst/>
+      </p:bgPr>
+    </p:bg>
     <p:spTree>
       <p:nvGrpSpPr>
         <p:cNvPr id="1" name=""/>
@@ -9547,764 +9770,42 @@
           <a:chExt cx="0" cy="0"/>
         </a:xfrm>
       </p:grpSpPr>
-      <p:sp>
-        <p:nvSpPr>
-          <p:cNvPr id="2" name="Title 1">
-            <a:extLst>
-              <a:ext uri="{FF2B5EF4-FFF2-40B4-BE49-F238E27FC236}">
-                <a16:creationId xmlns:a16="http://schemas.microsoft.com/office/drawing/2014/main" id="{F3521F78-9676-FC22-2D71-300BB2A84EB9}"/>
-              </a:ext>
-            </a:extLst>
-          </p:cNvPr>
-          <p:cNvSpPr>
-            <a:spLocks noGrp="1"/>
-          </p:cNvSpPr>
-          <p:nvPr>
-            <p:ph type="title"/>
-          </p:nvPr>
-        </p:nvSpPr>
-        <p:spPr/>
-        <p:txBody>
-          <a:bodyPr/>
-          <a:lstStyle/>
-          <a:p>
-            <a:r>
-              <a:rPr lang="en-DE" dirty="0"/>
-              <a:t>Supervised Learning Scenario</a:t>
-            </a:r>
-          </a:p>
-        </p:txBody>
-      </p:sp>
-      <mc:AlternateContent xmlns:mc="http://schemas.openxmlformats.org/markup-compatibility/2006" xmlns:a14="http://schemas.microsoft.com/office/drawing/2010/main">
-        <mc:Choice Requires="a14">
-          <p:sp>
-            <p:nvSpPr>
-              <p:cNvPr id="3" name="Content Placeholder 2">
-                <a:extLst>
-                  <a:ext uri="{FF2B5EF4-FFF2-40B4-BE49-F238E27FC236}">
-                    <a16:creationId xmlns:a16="http://schemas.microsoft.com/office/drawing/2014/main" id="{2D916FA3-AEFF-3F24-45D6-48CAAC141923}"/>
-                  </a:ext>
-                </a:extLst>
-              </p:cNvPr>
-              <p:cNvSpPr>
-                <a:spLocks noGrp="1"/>
-              </p:cNvSpPr>
-              <p:nvPr>
-                <p:ph idx="1"/>
-              </p:nvPr>
-            </p:nvSpPr>
-            <p:spPr>
-              <a:xfrm>
-                <a:off x="838200" y="1825625"/>
-                <a:ext cx="10922876" cy="4351338"/>
-              </a:xfrm>
-            </p:spPr>
-            <p:txBody>
-              <a:bodyPr>
-                <a:normAutofit fontScale="92500"/>
-              </a:bodyPr>
-              <a:lstStyle/>
-              <a:p>
-                <a:pPr marL="0" indent="0">
-                  <a:buNone/>
-                </a:pPr>
-                <a:r>
-                  <a:rPr lang="de-DE" dirty="0"/>
-                  <a:t>map </a:t>
-                </a:r>
-                <a:r>
-                  <a:rPr lang="de-DE" dirty="0" err="1"/>
-                  <a:t>input</a:t>
-                </a:r>
-                <a:r>
-                  <a:rPr lang="de-DE" dirty="0"/>
-                  <a:t> </a:t>
-                </a:r>
-                <a:r>
-                  <a:rPr lang="de-DE" dirty="0" err="1"/>
-                  <a:t>to</a:t>
-                </a:r>
-                <a:r>
-                  <a:rPr lang="de-DE" dirty="0"/>
-                  <a:t> </a:t>
-                </a:r>
-                <a:r>
-                  <a:rPr lang="de-DE" dirty="0" err="1"/>
-                  <a:t>output</a:t>
-                </a:r>
-                <a:r>
-                  <a:rPr lang="de-DE" dirty="0"/>
-                  <a:t>: </a:t>
-                </a:r>
-                <a14:m>
-                  <m:oMath xmlns:m="http://schemas.openxmlformats.org/officeDocument/2006/math">
-                    <m:r>
-                      <a:rPr lang="en-US" b="0" i="1" smtClean="0">
-                        <a:latin typeface="Cambria Math" panose="02040503050406030204" pitchFamily="18" charset="0"/>
-                      </a:rPr>
-                      <m:t>𝑦</m:t>
-                    </m:r>
-                    <m:r>
-                      <a:rPr lang="en-US" i="1">
-                        <a:latin typeface="Cambria Math" panose="02040503050406030204" pitchFamily="18" charset="0"/>
-                      </a:rPr>
-                      <m:t>=</m:t>
-                    </m:r>
-                    <m:r>
-                      <a:rPr lang="en-US" i="1">
-                        <a:latin typeface="Cambria Math" panose="02040503050406030204" pitchFamily="18" charset="0"/>
-                      </a:rPr>
-                      <m:t>𝑓</m:t>
-                    </m:r>
-                    <m:d>
-                      <m:dPr>
-                        <m:ctrlPr>
-                          <a:rPr lang="en-US" i="1">
-                            <a:latin typeface="Cambria Math" panose="02040503050406030204" pitchFamily="18" charset="0"/>
-                          </a:rPr>
-                        </m:ctrlPr>
-                      </m:dPr>
-                      <m:e>
-                        <m:r>
-                          <a:rPr lang="en-US" b="1" i="1" smtClean="0">
-                            <a:latin typeface="Cambria Math" panose="02040503050406030204" pitchFamily="18" charset="0"/>
-                          </a:rPr>
-                          <m:t>𝒙</m:t>
-                        </m:r>
-                      </m:e>
-                    </m:d>
-                  </m:oMath>
-                </a14:m>
-                <a:r>
-                  <a:rPr lang="de-DE" dirty="0"/>
-                  <a:t> (</a:t>
-                </a:r>
-                <a:r>
-                  <a:rPr lang="de-DE" dirty="0" err="1"/>
-                  <a:t>estimated</a:t>
-                </a:r>
-                <a:r>
-                  <a:rPr lang="de-DE" dirty="0"/>
-                  <a:t>: </a:t>
-                </a:r>
-                <a14:m>
-                  <m:oMath xmlns:m="http://schemas.openxmlformats.org/officeDocument/2006/math">
-                    <m:acc>
-                      <m:accPr>
-                        <m:chr m:val="̂"/>
-                        <m:ctrlPr>
-                          <a:rPr lang="en-US" i="1">
-                            <a:latin typeface="Cambria Math" panose="02040503050406030204" pitchFamily="18" charset="0"/>
-                          </a:rPr>
-                        </m:ctrlPr>
-                      </m:accPr>
-                      <m:e>
-                        <m:r>
-                          <a:rPr lang="en-US" i="1">
-                            <a:latin typeface="Cambria Math" panose="02040503050406030204" pitchFamily="18" charset="0"/>
-                          </a:rPr>
-                          <m:t>𝑓</m:t>
-                        </m:r>
-                      </m:e>
-                    </m:acc>
-                    <m:d>
-                      <m:dPr>
-                        <m:ctrlPr>
-                          <a:rPr lang="en-US" i="1">
-                            <a:latin typeface="Cambria Math" panose="02040503050406030204" pitchFamily="18" charset="0"/>
-                          </a:rPr>
-                        </m:ctrlPr>
-                      </m:dPr>
-                      <m:e>
-                        <m:r>
-                          <a:rPr lang="en-US" b="1" i="1" smtClean="0">
-                            <a:latin typeface="Cambria Math" panose="02040503050406030204" pitchFamily="18" charset="0"/>
-                          </a:rPr>
-                          <m:t>𝒙</m:t>
-                        </m:r>
-                      </m:e>
-                    </m:d>
-                  </m:oMath>
-                </a14:m>
-                <a:r>
-                  <a:rPr lang="de-DE" dirty="0"/>
-                  <a:t>)</a:t>
-                </a:r>
-              </a:p>
-              <a:p>
-                <a:pPr marL="0" indent="0">
-                  <a:buNone/>
-                </a:pPr>
-                <a:r>
-                  <a:rPr lang="en-GB" sz="2200" dirty="0"/>
-                  <a:t>random variables </a:t>
-                </a:r>
-                <a14:m>
-                  <m:oMath xmlns:m="http://schemas.openxmlformats.org/officeDocument/2006/math">
-                    <m:r>
-                      <a:rPr lang="en-US" sz="2200" i="1">
-                        <a:latin typeface="Cambria Math" panose="02040503050406030204" pitchFamily="18" charset="0"/>
-                      </a:rPr>
-                      <m:t>𝑌</m:t>
-                    </m:r>
-                  </m:oMath>
-                </a14:m>
-                <a:r>
-                  <a:rPr lang="en-GB" sz="2200" dirty="0"/>
-                  <a:t> and </a:t>
-                </a:r>
-                <a14:m>
-                  <m:oMath xmlns:m="http://schemas.openxmlformats.org/officeDocument/2006/math">
-                    <m:r>
-                      <a:rPr lang="en-US" sz="2200" b="1" i="1">
-                        <a:latin typeface="Cambria Math" panose="02040503050406030204" pitchFamily="18" charset="0"/>
-                      </a:rPr>
-                      <m:t>𝑿</m:t>
-                    </m:r>
-                    <m:r>
-                      <a:rPr lang="en-US" sz="2200" i="1">
-                        <a:latin typeface="Cambria Math" panose="02040503050406030204" pitchFamily="18" charset="0"/>
-                      </a:rPr>
-                      <m:t>=</m:t>
-                    </m:r>
-                    <m:sSub>
-                      <m:sSubPr>
-                        <m:ctrlPr>
-                          <a:rPr lang="en-US" sz="2200" i="1">
-                            <a:latin typeface="Cambria Math" panose="02040503050406030204" pitchFamily="18" charset="0"/>
-                          </a:rPr>
-                        </m:ctrlPr>
-                      </m:sSubPr>
-                      <m:e>
-                        <m:r>
-                          <a:rPr lang="en-US" sz="2200" i="1">
-                            <a:latin typeface="Cambria Math" panose="02040503050406030204" pitchFamily="18" charset="0"/>
-                          </a:rPr>
-                          <m:t>(</m:t>
-                        </m:r>
-                        <m:r>
-                          <a:rPr lang="en-US" sz="2200" i="1">
-                            <a:latin typeface="Cambria Math" panose="02040503050406030204" pitchFamily="18" charset="0"/>
-                          </a:rPr>
-                          <m:t>𝑋</m:t>
-                        </m:r>
-                      </m:e>
-                      <m:sub>
-                        <m:r>
-                          <a:rPr lang="en-US" sz="2200" i="1">
-                            <a:latin typeface="Cambria Math" panose="02040503050406030204" pitchFamily="18" charset="0"/>
-                          </a:rPr>
-                          <m:t>1</m:t>
-                        </m:r>
-                      </m:sub>
-                    </m:sSub>
-                    <m:r>
-                      <a:rPr lang="en-US" sz="2200" i="1">
-                        <a:latin typeface="Cambria Math" panose="02040503050406030204" pitchFamily="18" charset="0"/>
-                      </a:rPr>
-                      <m:t>, </m:t>
-                    </m:r>
-                    <m:sSub>
-                      <m:sSubPr>
-                        <m:ctrlPr>
-                          <a:rPr lang="en-US" sz="2200" i="1">
-                            <a:latin typeface="Cambria Math" panose="02040503050406030204" pitchFamily="18" charset="0"/>
-                          </a:rPr>
-                        </m:ctrlPr>
-                      </m:sSubPr>
-                      <m:e>
-                        <m:r>
-                          <a:rPr lang="en-US" sz="2200" i="1">
-                            <a:latin typeface="Cambria Math" panose="02040503050406030204" pitchFamily="18" charset="0"/>
-                          </a:rPr>
-                          <m:t>𝑋</m:t>
-                        </m:r>
-                      </m:e>
-                      <m:sub>
-                        <m:r>
-                          <a:rPr lang="en-US" sz="2200" i="1">
-                            <a:latin typeface="Cambria Math" panose="02040503050406030204" pitchFamily="18" charset="0"/>
-                          </a:rPr>
-                          <m:t>2</m:t>
-                        </m:r>
-                      </m:sub>
-                    </m:sSub>
-                    <m:r>
-                      <a:rPr lang="en-US" sz="2200" i="1">
-                        <a:latin typeface="Cambria Math" panose="02040503050406030204" pitchFamily="18" charset="0"/>
-                      </a:rPr>
-                      <m:t>,</m:t>
-                    </m:r>
-                    <m:sSub>
-                      <m:sSubPr>
-                        <m:ctrlPr>
-                          <a:rPr lang="en-US" sz="2200" i="1">
-                            <a:latin typeface="Cambria Math" panose="02040503050406030204" pitchFamily="18" charset="0"/>
-                          </a:rPr>
-                        </m:ctrlPr>
-                      </m:sSubPr>
-                      <m:e>
-                        <m:r>
-                          <a:rPr lang="en-US" sz="2200" i="1">
-                            <a:latin typeface="Cambria Math" panose="02040503050406030204" pitchFamily="18" charset="0"/>
-                            <a:ea typeface="Cambria Math" panose="02040503050406030204" pitchFamily="18" charset="0"/>
-                          </a:rPr>
-                          <m:t>⋯,</m:t>
-                        </m:r>
-                        <m:r>
-                          <a:rPr lang="en-US" sz="2200" i="1">
-                            <a:latin typeface="Cambria Math" panose="02040503050406030204" pitchFamily="18" charset="0"/>
-                          </a:rPr>
-                          <m:t>𝑋</m:t>
-                        </m:r>
-                      </m:e>
-                      <m:sub>
-                        <m:r>
-                          <a:rPr lang="en-US" sz="2200" i="1">
-                            <a:latin typeface="Cambria Math" panose="02040503050406030204" pitchFamily="18" charset="0"/>
-                          </a:rPr>
-                          <m:t>𝑝</m:t>
-                        </m:r>
-                      </m:sub>
-                    </m:sSub>
-                  </m:oMath>
-                </a14:m>
-                <a:r>
-                  <a:rPr lang="en-GB" sz="2200" dirty="0"/>
-                  <a:t>) </a:t>
-                </a:r>
-                <a14:m>
-                  <m:oMath xmlns:m="http://schemas.openxmlformats.org/officeDocument/2006/math">
-                    <m:r>
-                      <a:rPr lang="en-GB" sz="2200" i="1" smtClean="0">
-                        <a:latin typeface="Cambria Math" panose="02040503050406030204" pitchFamily="18" charset="0"/>
-                        <a:ea typeface="Cambria Math" panose="02040503050406030204" pitchFamily="18" charset="0"/>
-                      </a:rPr>
-                      <m:t>←</m:t>
-                    </m:r>
-                  </m:oMath>
-                </a14:m>
-                <a:r>
-                  <a:rPr lang="en-GB" sz="2200" dirty="0"/>
-                  <a:t> usually high-dimensional</a:t>
-                </a:r>
-              </a:p>
-              <a:p>
-                <a:pPr marL="0" indent="0">
-                  <a:buNone/>
-                </a:pPr>
-                <a:endParaRPr lang="en-DE" dirty="0"/>
-              </a:p>
-              <a:p>
-                <a:pPr marL="0" indent="0">
-                  <a:buNone/>
-                </a:pPr>
-                <a:r>
-                  <a:rPr lang="en-GB" dirty="0"/>
-                  <a:t>training (c</a:t>
-                </a:r>
-                <a:r>
-                  <a:rPr lang="en-DE" dirty="0"/>
-                  <a:t>urve fitting / parameter estimation</a:t>
-                </a:r>
-                <a:r>
-                  <a:rPr lang="en-GB" dirty="0"/>
-                  <a:t>)</a:t>
-                </a:r>
-                <a:r>
-                  <a:rPr lang="en-DE" dirty="0"/>
-                  <a:t>:</a:t>
-                </a:r>
-              </a:p>
-              <a:p>
-                <a:pPr marL="0" indent="0">
-                  <a:buNone/>
-                </a:pPr>
-                <a:r>
-                  <a:rPr lang="en-GB" dirty="0"/>
-                  <a:t>fit data set of </a:t>
-                </a:r>
-                <a:r>
-                  <a:rPr lang="en-GB" dirty="0" err="1"/>
-                  <a:t>i.i.d.</a:t>
-                </a:r>
-                <a:r>
-                  <a:rPr lang="en-GB" dirty="0"/>
-                  <a:t> (</a:t>
-                </a:r>
-                <a14:m>
-                  <m:oMath xmlns:m="http://schemas.openxmlformats.org/officeDocument/2006/math">
-                    <m:sSub>
-                      <m:sSubPr>
-                        <m:ctrlPr>
-                          <a:rPr lang="en-GB" i="1">
-                            <a:latin typeface="Cambria Math" panose="02040503050406030204" pitchFamily="18" charset="0"/>
-                          </a:rPr>
-                        </m:ctrlPr>
-                      </m:sSubPr>
-                      <m:e>
-                        <m:r>
-                          <a:rPr lang="en-US" i="1">
-                            <a:latin typeface="Cambria Math" panose="02040503050406030204" pitchFamily="18" charset="0"/>
-                          </a:rPr>
-                          <m:t>𝑦</m:t>
-                        </m:r>
-                      </m:e>
-                      <m:sub>
-                        <m:r>
-                          <a:rPr lang="en-US" i="1">
-                            <a:latin typeface="Cambria Math" panose="02040503050406030204" pitchFamily="18" charset="0"/>
-                          </a:rPr>
-                          <m:t>𝑖</m:t>
-                        </m:r>
-                      </m:sub>
-                    </m:sSub>
-                  </m:oMath>
-                </a14:m>
-                <a:r>
-                  <a:rPr lang="en-GB" dirty="0"/>
-                  <a:t>, </a:t>
-                </a:r>
-                <a14:m>
-                  <m:oMath xmlns:m="http://schemas.openxmlformats.org/officeDocument/2006/math">
-                    <m:sSub>
-                      <m:sSubPr>
-                        <m:ctrlPr>
-                          <a:rPr lang="en-GB" i="1">
-                            <a:latin typeface="Cambria Math" panose="02040503050406030204" pitchFamily="18" charset="0"/>
-                          </a:rPr>
-                        </m:ctrlPr>
-                      </m:sSubPr>
-                      <m:e>
-                        <m:r>
-                          <a:rPr lang="en-US" b="1" i="1">
-                            <a:latin typeface="Cambria Math" panose="02040503050406030204" pitchFamily="18" charset="0"/>
-                          </a:rPr>
-                          <m:t>𝒙</m:t>
-                        </m:r>
-                      </m:e>
-                      <m:sub>
-                        <m:r>
-                          <a:rPr lang="en-US" i="1">
-                            <a:latin typeface="Cambria Math" panose="02040503050406030204" pitchFamily="18" charset="0"/>
-                          </a:rPr>
-                          <m:t>𝑖</m:t>
-                        </m:r>
-                      </m:sub>
-                    </m:sSub>
-                  </m:oMath>
-                </a14:m>
-                <a:r>
-                  <a:rPr lang="en-GB" dirty="0"/>
-                  <a:t>) pairs </a:t>
-                </a:r>
-                <a:r>
-                  <a:rPr lang="en-GB" dirty="0">
-                    <a:sym typeface="Wingdings" pitchFamily="2" charset="2"/>
-                  </a:rPr>
-                  <a:t> m</a:t>
-                </a:r>
-                <a:r>
-                  <a:rPr lang="en-GB" dirty="0"/>
-                  <a:t>inimize deviations between </a:t>
-                </a:r>
-                <a14:m>
-                  <m:oMath xmlns:m="http://schemas.openxmlformats.org/officeDocument/2006/math">
-                    <m:r>
-                      <a:rPr lang="en-US" i="1">
-                        <a:latin typeface="Cambria Math" panose="02040503050406030204" pitchFamily="18" charset="0"/>
-                      </a:rPr>
-                      <m:t>𝑦</m:t>
-                    </m:r>
-                  </m:oMath>
-                </a14:m>
-                <a:r>
-                  <a:rPr lang="en-GB" dirty="0"/>
-                  <a:t> and </a:t>
-                </a:r>
-                <a14:m>
-                  <m:oMath xmlns:m="http://schemas.openxmlformats.org/officeDocument/2006/math">
-                    <m:acc>
-                      <m:accPr>
-                        <m:chr m:val="̂"/>
-                        <m:ctrlPr>
-                          <a:rPr lang="en-US" i="1">
-                            <a:latin typeface="Cambria Math" panose="02040503050406030204" pitchFamily="18" charset="0"/>
-                          </a:rPr>
-                        </m:ctrlPr>
-                      </m:accPr>
-                      <m:e>
-                        <m:r>
-                          <a:rPr lang="en-US" i="1">
-                            <a:latin typeface="Cambria Math" panose="02040503050406030204" pitchFamily="18" charset="0"/>
-                          </a:rPr>
-                          <m:t>𝑓</m:t>
-                        </m:r>
-                      </m:e>
-                    </m:acc>
-                    <m:d>
-                      <m:dPr>
-                        <m:ctrlPr>
-                          <a:rPr lang="en-US" i="1">
-                            <a:latin typeface="Cambria Math" panose="02040503050406030204" pitchFamily="18" charset="0"/>
-                          </a:rPr>
-                        </m:ctrlPr>
-                      </m:dPr>
-                      <m:e>
-                        <m:r>
-                          <a:rPr lang="en-US" b="1" i="1">
-                            <a:latin typeface="Cambria Math" panose="02040503050406030204" pitchFamily="18" charset="0"/>
-                          </a:rPr>
-                          <m:t>𝒙</m:t>
-                        </m:r>
-                      </m:e>
-                    </m:d>
-                  </m:oMath>
-                </a14:m>
-                <a:endParaRPr lang="en-DE" dirty="0"/>
-              </a:p>
-              <a:p>
-                <a:pPr marL="0" indent="0">
-                  <a:buNone/>
-                </a:pPr>
-                <a:endParaRPr lang="en-DE" dirty="0"/>
-              </a:p>
-              <a:p>
-                <a:pPr marL="0" indent="0">
-                  <a:buNone/>
-                </a:pPr>
-                <a:r>
-                  <a:rPr lang="en-GB" dirty="0"/>
-                  <a:t>consider d</a:t>
-                </a:r>
-                <a:r>
-                  <a:rPr lang="en-DE" dirty="0"/>
-                  <a:t>iscriminative models:</a:t>
-                </a:r>
-              </a:p>
-              <a:p>
-                <a:pPr marL="0" indent="0">
-                  <a:buNone/>
-                </a:pPr>
-                <a:r>
-                  <a:rPr lang="en-DE" dirty="0"/>
-                  <a:t>predict conditional density function </a:t>
-                </a:r>
-                <a14:m>
-                  <m:oMath xmlns:m="http://schemas.openxmlformats.org/officeDocument/2006/math">
-                    <m:r>
-                      <a:rPr lang="en-US" b="0" i="1" smtClean="0">
-                        <a:latin typeface="Cambria Math" panose="02040503050406030204" pitchFamily="18" charset="0"/>
-                      </a:rPr>
-                      <m:t>𝑝</m:t>
-                    </m:r>
-                    <m:d>
-                      <m:dPr>
-                        <m:ctrlPr>
-                          <a:rPr lang="en-US" i="1">
-                            <a:latin typeface="Cambria Math" panose="02040503050406030204" pitchFamily="18" charset="0"/>
-                          </a:rPr>
-                        </m:ctrlPr>
-                      </m:dPr>
-                      <m:e>
-                        <m:r>
-                          <a:rPr lang="en-US" b="0" i="1" smtClean="0">
-                            <a:latin typeface="Cambria Math" panose="02040503050406030204" pitchFamily="18" charset="0"/>
-                          </a:rPr>
-                          <m:t>𝑦</m:t>
-                        </m:r>
-                        <m:r>
-                          <a:rPr lang="en-US" i="1">
-                            <a:latin typeface="Cambria Math" panose="02040503050406030204" pitchFamily="18" charset="0"/>
-                          </a:rPr>
-                          <m:t>|</m:t>
-                        </m:r>
-                        <m:sSub>
-                          <m:sSubPr>
-                            <m:ctrlPr>
-                              <a:rPr lang="en-GB" i="1">
-                                <a:latin typeface="Cambria Math" panose="02040503050406030204" pitchFamily="18" charset="0"/>
-                              </a:rPr>
-                            </m:ctrlPr>
-                          </m:sSubPr>
-                          <m:e>
-                            <m:r>
-                              <a:rPr lang="en-US" b="1" i="1">
-                                <a:latin typeface="Cambria Math" panose="02040503050406030204" pitchFamily="18" charset="0"/>
-                              </a:rPr>
-                              <m:t>𝒙</m:t>
-                            </m:r>
-                          </m:e>
-                          <m:sub>
-                            <m:r>
-                              <a:rPr lang="en-US" i="1">
-                                <a:latin typeface="Cambria Math" panose="02040503050406030204" pitchFamily="18" charset="0"/>
-                              </a:rPr>
-                              <m:t>𝑖</m:t>
-                            </m:r>
-                          </m:sub>
-                        </m:sSub>
-                      </m:e>
-                    </m:d>
-                  </m:oMath>
-                </a14:m>
-                <a:endParaRPr lang="en-DE" dirty="0"/>
-              </a:p>
-              <a:p>
-                <a:pPr marL="0" indent="0">
-                  <a:buNone/>
-                </a:pPr>
-                <a:r>
-                  <a:rPr lang="en-DE" sz="2200" dirty="0"/>
-                  <a:t>as opposed to generative models predicting </a:t>
-                </a:r>
-                <a14:m>
-                  <m:oMath xmlns:m="http://schemas.openxmlformats.org/officeDocument/2006/math">
-                    <m:r>
-                      <a:rPr lang="en-US" sz="2200" b="0" i="1" smtClean="0">
-                        <a:latin typeface="Cambria Math" panose="02040503050406030204" pitchFamily="18" charset="0"/>
-                      </a:rPr>
-                      <m:t>𝑝</m:t>
-                    </m:r>
-                    <m:d>
-                      <m:dPr>
-                        <m:ctrlPr>
-                          <a:rPr lang="en-US" sz="2200" i="1">
-                            <a:latin typeface="Cambria Math" panose="02040503050406030204" pitchFamily="18" charset="0"/>
-                          </a:rPr>
-                        </m:ctrlPr>
-                      </m:dPr>
-                      <m:e>
-                        <m:r>
-                          <a:rPr lang="en-US" sz="2200" b="0" i="1" smtClean="0">
-                            <a:latin typeface="Cambria Math" panose="02040503050406030204" pitchFamily="18" charset="0"/>
-                          </a:rPr>
-                          <m:t>𝑦</m:t>
-                        </m:r>
-                        <m:r>
-                          <a:rPr lang="en-US" sz="2200" b="1" i="1">
-                            <a:latin typeface="Cambria Math" panose="02040503050406030204" pitchFamily="18" charset="0"/>
-                          </a:rPr>
-                          <m:t>, </m:t>
-                        </m:r>
-                        <m:r>
-                          <a:rPr lang="en-US" sz="2200" b="1" i="1" smtClean="0">
-                            <a:latin typeface="Cambria Math" panose="02040503050406030204" pitchFamily="18" charset="0"/>
-                          </a:rPr>
-                          <m:t>𝒙</m:t>
-                        </m:r>
-                      </m:e>
-                    </m:d>
-                  </m:oMath>
-                </a14:m>
-                <a:r>
-                  <a:rPr lang="en-GB" sz="2200" dirty="0"/>
-                  <a:t> (or just </a:t>
-                </a:r>
-                <a14:m>
-                  <m:oMath xmlns:m="http://schemas.openxmlformats.org/officeDocument/2006/math">
-                    <m:r>
-                      <a:rPr lang="en-US" sz="2200" i="1">
-                        <a:latin typeface="Cambria Math" panose="02040503050406030204" pitchFamily="18" charset="0"/>
-                      </a:rPr>
-                      <m:t>𝑝</m:t>
-                    </m:r>
-                    <m:d>
-                      <m:dPr>
-                        <m:ctrlPr>
-                          <a:rPr lang="en-US" sz="2200" i="1">
-                            <a:latin typeface="Cambria Math" panose="02040503050406030204" pitchFamily="18" charset="0"/>
-                          </a:rPr>
-                        </m:ctrlPr>
-                      </m:dPr>
-                      <m:e>
-                        <m:r>
-                          <a:rPr lang="en-US" sz="2200" b="1" i="1">
-                            <a:latin typeface="Cambria Math" panose="02040503050406030204" pitchFamily="18" charset="0"/>
-                          </a:rPr>
-                          <m:t>𝒙</m:t>
-                        </m:r>
-                      </m:e>
-                    </m:d>
-                  </m:oMath>
-                </a14:m>
-                <a:r>
-                  <a:rPr lang="en-GB" sz="2200" dirty="0">
-                    <a:sym typeface="Wingdings" panose="05000000000000000000" pitchFamily="2" charset="2"/>
-                  </a:rPr>
-                  <a:t>)  </a:t>
-                </a:r>
-                <a14:m>
-                  <m:oMath xmlns:m="http://schemas.openxmlformats.org/officeDocument/2006/math">
-                    <m:r>
-                      <a:rPr lang="en-US" sz="2200" b="1" i="1">
-                        <a:latin typeface="Cambria Math" panose="02040503050406030204" pitchFamily="18" charset="0"/>
-                      </a:rPr>
-                      <m:t>𝒙</m:t>
-                    </m:r>
-                  </m:oMath>
-                </a14:m>
-                <a:r>
-                  <a:rPr lang="en-GB" sz="2200" dirty="0">
-                    <a:sym typeface="Wingdings" panose="05000000000000000000" pitchFamily="2" charset="2"/>
-                  </a:rPr>
-                  <a:t> not given, more difficult</a:t>
-                </a:r>
-                <a:endParaRPr lang="en-DE" sz="2200" dirty="0"/>
-              </a:p>
-            </p:txBody>
-          </p:sp>
-        </mc:Choice>
-        <mc:Fallback xmlns="">
-          <p:sp>
-            <p:nvSpPr>
-              <p:cNvPr id="3" name="Content Placeholder 2">
-                <a:extLst>
-                  <a:ext uri="{FF2B5EF4-FFF2-40B4-BE49-F238E27FC236}">
-                    <a16:creationId xmlns:a16="http://schemas.microsoft.com/office/drawing/2014/main" id="{2D916FA3-AEFF-3F24-45D6-48CAAC141923}"/>
-                  </a:ext>
-                </a:extLst>
-              </p:cNvPr>
-              <p:cNvSpPr>
-                <a:spLocks noGrp="1" noRot="1" noChangeAspect="1" noMove="1" noResize="1" noEditPoints="1" noAdjustHandles="1" noChangeArrowheads="1" noChangeShapeType="1" noTextEdit="1"/>
-              </p:cNvSpPr>
-              <p:nvPr>
-                <p:ph idx="1"/>
-              </p:nvPr>
-            </p:nvSpPr>
-            <p:spPr>
-              <a:xfrm>
-                <a:off x="838200" y="1825625"/>
-                <a:ext cx="10922876" cy="4351338"/>
-              </a:xfrm>
-              <a:blipFill>
-                <a:blip r:embed="rId2"/>
-                <a:stretch>
-                  <a:fillRect l="-1005" t="-1541"/>
-                </a:stretch>
-              </a:blipFill>
-            </p:spPr>
-            <p:txBody>
-              <a:bodyPr/>
-              <a:lstStyle/>
-              <a:p>
-                <a:r>
-                  <a:rPr lang="en-GB">
-                    <a:noFill/>
-                  </a:rPr>
-                  <a:t> </a:t>
-                </a:r>
-              </a:p>
-            </p:txBody>
-          </p:sp>
-        </mc:Fallback>
-      </mc:AlternateContent>
+      <p:pic>
+        <p:nvPicPr>
+          <p:cNvPr id="6" name="Picture 5" descr="A collage of two people in a car&#10;&#10;Description automatically generated">
+            <a:extLst>
+              <a:ext uri="{FF2B5EF4-FFF2-40B4-BE49-F238E27FC236}">
+                <a16:creationId xmlns:a16="http://schemas.microsoft.com/office/drawing/2014/main" id="{F2823DDD-E9FF-9FF3-053F-B96C1BF3B847}"/>
+              </a:ext>
+            </a:extLst>
+          </p:cNvPr>
+          <p:cNvPicPr>
+            <a:picLocks noChangeAspect="1"/>
+          </p:cNvPicPr>
+          <p:nvPr/>
+        </p:nvPicPr>
+        <p:blipFill>
+          <a:blip r:embed="rId2"/>
+          <a:stretch>
+            <a:fillRect/>
+          </a:stretch>
+        </p:blipFill>
+        <p:spPr>
+          <a:xfrm>
+            <a:off x="3818826" y="643466"/>
+            <a:ext cx="4554348" cy="5571067"/>
+          </a:xfrm>
+          <a:prstGeom prst="rect">
+            <a:avLst/>
+          </a:prstGeom>
+        </p:spPr>
+      </p:pic>
       <p:sp>
         <p:nvSpPr>
           <p:cNvPr id="4" name="Slide Number Placeholder 3">
             <a:extLst>
               <a:ext uri="{FF2B5EF4-FFF2-40B4-BE49-F238E27FC236}">
-                <a16:creationId xmlns:a16="http://schemas.microsoft.com/office/drawing/2014/main" id="{FB830186-3866-87F6-86F6-E38EACD2E879}"/>
+                <a16:creationId xmlns:a16="http://schemas.microsoft.com/office/drawing/2014/main" id="{02949390-9226-3296-FACC-691E8A92D800}"/>
               </a:ext>
             </a:extLst>
           </p:cNvPr>
@@ -10315,13 +9816,30 @@
             <p:ph type="sldNum" sz="quarter" idx="12"/>
           </p:nvPr>
         </p:nvSpPr>
-        <p:spPr/>
+        <p:spPr>
+          <a:xfrm>
+            <a:off x="8610600" y="6356350"/>
+            <a:ext cx="2743200" cy="365125"/>
+          </a:xfrm>
+        </p:spPr>
         <p:txBody>
-          <a:bodyPr/>
+          <a:bodyPr>
+            <a:normAutofit/>
+          </a:bodyPr>
           <a:lstStyle/>
           <a:p>
-            <a:fld id="{77E1BB0D-8AD4-A14C-8FD5-F1619D1A43A2}" type="slidenum">
+            <a:pPr>
+              <a:spcAft>
+                <a:spcPts val="600"/>
+              </a:spcAft>
+            </a:pPr>
+            <a:fld id="{ADDEFC8A-584C-5E41-A633-418C2FB73F75}" type="slidenum">
               <a:rPr lang="en-DE" smtClean="0"/>
+              <a:pPr>
+                <a:spcAft>
+                  <a:spcPts val="600"/>
+                </a:spcAft>
+              </a:pPr>
               <a:t>2</a:t>
             </a:fld>
             <a:endParaRPr lang="en-DE"/>
@@ -10331,7 +9849,7 @@
     </p:spTree>
     <p:extLst>
       <p:ext uri="{BB962C8B-B14F-4D97-AF65-F5344CB8AC3E}">
-        <p14:creationId xmlns:p14="http://schemas.microsoft.com/office/powerpoint/2010/main" val="1774728759"/>
+        <p14:creationId xmlns:p14="http://schemas.microsoft.com/office/powerpoint/2010/main" val="2444781192"/>
       </p:ext>
     </p:extLst>
   </p:cSld>
@@ -10363,6 +9881,219 @@
           <p:cNvPr id="2" name="Title 1">
             <a:extLst>
               <a:ext uri="{FF2B5EF4-FFF2-40B4-BE49-F238E27FC236}">
+                <a16:creationId xmlns:a16="http://schemas.microsoft.com/office/drawing/2014/main" id="{53C30C8C-7EC4-5627-3DF2-7D94C861AFA9}"/>
+              </a:ext>
+            </a:extLst>
+          </p:cNvPr>
+          <p:cNvSpPr>
+            <a:spLocks noGrp="1"/>
+          </p:cNvSpPr>
+          <p:nvPr>
+            <p:ph type="title"/>
+          </p:nvPr>
+        </p:nvSpPr>
+        <p:spPr/>
+        <p:txBody>
+          <a:bodyPr/>
+          <a:lstStyle/>
+          <a:p>
+            <a:r>
+              <a:rPr lang="en-DE" dirty="0"/>
+              <a:t>Random Forest</a:t>
+            </a:r>
+          </a:p>
+        </p:txBody>
+      </p:sp>
+      <p:sp>
+        <p:nvSpPr>
+          <p:cNvPr id="3" name="Content Placeholder 2">
+            <a:extLst>
+              <a:ext uri="{FF2B5EF4-FFF2-40B4-BE49-F238E27FC236}">
+                <a16:creationId xmlns:a16="http://schemas.microsoft.com/office/drawing/2014/main" id="{533CC7C9-6112-AE80-029C-4C71EC710D68}"/>
+              </a:ext>
+            </a:extLst>
+          </p:cNvPr>
+          <p:cNvSpPr>
+            <a:spLocks noGrp="1"/>
+          </p:cNvSpPr>
+          <p:nvPr>
+            <p:ph idx="1"/>
+          </p:nvPr>
+        </p:nvSpPr>
+        <p:spPr/>
+        <p:txBody>
+          <a:bodyPr>
+            <a:normAutofit fontScale="92500" lnSpcReduction="10000"/>
+          </a:bodyPr>
+          <a:lstStyle/>
+          <a:p>
+            <a:pPr marL="0" indent="0">
+              <a:buNone/>
+            </a:pPr>
+            <a:r>
+              <a:rPr lang="en-GB" sz="2600" dirty="0"/>
+              <a:t>ensemble method using</a:t>
+            </a:r>
+          </a:p>
+          <a:p>
+            <a:r>
+              <a:rPr lang="en-GB" sz="2600" dirty="0"/>
+              <a:t>d</a:t>
+            </a:r>
+            <a:r>
+              <a:rPr lang="en-DE" sz="2600" dirty="0"/>
+              <a:t>ecision trees as individual models (usually, rather large, low-bias decision trees)</a:t>
+            </a:r>
+          </a:p>
+          <a:p>
+            <a:r>
+              <a:rPr lang="en-GB" sz="2600" dirty="0"/>
+              <a:t>combination of b</a:t>
+            </a:r>
+            <a:r>
+              <a:rPr lang="en-DE" sz="2600" dirty="0"/>
+              <a:t>agging and </a:t>
+            </a:r>
+            <a:r>
+              <a:rPr lang="en-GB" sz="2600" dirty="0"/>
+              <a:t>r</a:t>
+            </a:r>
+            <a:r>
+              <a:rPr lang="en-DE" sz="2600" dirty="0"/>
+              <a:t>andom subspace method (features sampled at each node in the trees)</a:t>
+            </a:r>
+          </a:p>
+          <a:p>
+            <a:pPr marL="0" indent="0">
+              <a:buNone/>
+            </a:pPr>
+            <a:endParaRPr lang="en-DE" sz="2600" dirty="0"/>
+          </a:p>
+          <a:p>
+            <a:pPr marL="0" indent="0">
+              <a:buNone/>
+            </a:pPr>
+            <a:r>
+              <a:rPr lang="en-DE" sz="2600" dirty="0"/>
+              <a:t>compared to individual decision trees, random forests</a:t>
+            </a:r>
+          </a:p>
+          <a:p>
+            <a:pPr>
+              <a:buFont typeface="System Font Regular"/>
+              <a:buChar char="+"/>
+            </a:pPr>
+            <a:r>
+              <a:rPr lang="en-GB" sz="2600" dirty="0"/>
+              <a:t>r</a:t>
+            </a:r>
+            <a:r>
+              <a:rPr lang="en-DE" sz="2600" dirty="0"/>
+              <a:t>educe variance </a:t>
+            </a:r>
+            <a:r>
+              <a:rPr lang="en-DE" sz="2600" dirty="0">
+                <a:sym typeface="Wingdings" pitchFamily="2" charset="2"/>
+              </a:rPr>
+              <a:t> improve accuracy</a:t>
+            </a:r>
+            <a:endParaRPr lang="en-DE" sz="2600" dirty="0"/>
+          </a:p>
+          <a:p>
+            <a:pPr>
+              <a:buFont typeface="System Font Regular"/>
+              <a:buChar char="-"/>
+            </a:pPr>
+            <a:r>
+              <a:rPr lang="en-DE" sz="2600" dirty="0"/>
+              <a:t>lose explainability</a:t>
+            </a:r>
+          </a:p>
+          <a:p>
+            <a:pPr marL="0" indent="0">
+              <a:buNone/>
+            </a:pPr>
+            <a:endParaRPr lang="en-DE" sz="2600" dirty="0"/>
+          </a:p>
+          <a:p>
+            <a:pPr marL="0" indent="0">
+              <a:buNone/>
+            </a:pPr>
+            <a:r>
+              <a:rPr lang="en-GB" sz="2600" dirty="0"/>
+              <a:t>one of the most popular o</a:t>
+            </a:r>
+            <a:r>
+              <a:rPr lang="en-DE" sz="2600" dirty="0"/>
+              <a:t>ff-the-shelf ML algorithms (often, good performance with little hyperparameter tuning and data preparation)</a:t>
+            </a:r>
+          </a:p>
+        </p:txBody>
+      </p:sp>
+      <p:sp>
+        <p:nvSpPr>
+          <p:cNvPr id="4" name="Slide Number Placeholder 3">
+            <a:extLst>
+              <a:ext uri="{FF2B5EF4-FFF2-40B4-BE49-F238E27FC236}">
+                <a16:creationId xmlns:a16="http://schemas.microsoft.com/office/drawing/2014/main" id="{98696B67-4F49-A270-7136-471B9495912C}"/>
+              </a:ext>
+            </a:extLst>
+          </p:cNvPr>
+          <p:cNvSpPr>
+            <a:spLocks noGrp="1"/>
+          </p:cNvSpPr>
+          <p:nvPr>
+            <p:ph type="sldNum" sz="quarter" idx="12"/>
+          </p:nvPr>
+        </p:nvSpPr>
+        <p:spPr/>
+        <p:txBody>
+          <a:bodyPr/>
+          <a:lstStyle/>
+          <a:p>
+            <a:fld id="{4D06B799-84A7-8648-BC90-ED3C95C2198D}" type="slidenum">
+              <a:rPr lang="en-DE" smtClean="0"/>
+              <a:t>20</a:t>
+            </a:fld>
+            <a:endParaRPr lang="en-DE"/>
+          </a:p>
+        </p:txBody>
+      </p:sp>
+    </p:spTree>
+    <p:extLst>
+      <p:ext uri="{BB962C8B-B14F-4D97-AF65-F5344CB8AC3E}">
+        <p14:creationId xmlns:p14="http://schemas.microsoft.com/office/powerpoint/2010/main" val="943384232"/>
+      </p:ext>
+    </p:extLst>
+  </p:cSld>
+  <p:clrMapOvr>
+    <a:masterClrMapping/>
+  </p:clrMapOvr>
+</p:sld>
+</file>
+
+<file path=ppt/slides/slide21.xml><?xml version="1.0" encoding="utf-8"?>
+<p:sld xmlns:a="http://schemas.openxmlformats.org/drawingml/2006/main" xmlns:r="http://schemas.openxmlformats.org/officeDocument/2006/relationships" xmlns:p="http://schemas.openxmlformats.org/presentationml/2006/main">
+  <p:cSld>
+    <p:spTree>
+      <p:nvGrpSpPr>
+        <p:cNvPr id="1" name=""/>
+        <p:cNvGrpSpPr/>
+        <p:nvPr/>
+      </p:nvGrpSpPr>
+      <p:grpSpPr>
+        <a:xfrm>
+          <a:off x="0" y="0"/>
+          <a:ext cx="0" cy="0"/>
+          <a:chOff x="0" y="0"/>
+          <a:chExt cx="0" cy="0"/>
+        </a:xfrm>
+      </p:grpSpPr>
+      <p:sp>
+        <p:nvSpPr>
+          <p:cNvPr id="2" name="Title 1">
+            <a:extLst>
+              <a:ext uri="{FF2B5EF4-FFF2-40B4-BE49-F238E27FC236}">
                 <a16:creationId xmlns:a16="http://schemas.microsoft.com/office/drawing/2014/main" id="{5C2C2C1D-C9A7-FAD1-3988-6B2CA070145F}"/>
               </a:ext>
             </a:extLst>
@@ -10584,7 +10315,7 @@
           <a:p>
             <a:fld id="{4D06B799-84A7-8648-BC90-ED3C95C2198D}" type="slidenum">
               <a:rPr lang="en-DE" smtClean="0"/>
-              <a:t>20</a:t>
+              <a:t>21</a:t>
             </a:fld>
             <a:endParaRPr lang="en-DE"/>
           </a:p>
@@ -10603,7 +10334,7 @@
 </p:sld>
 </file>
 
-<file path=ppt/slides/slide21.xml><?xml version="1.0" encoding="utf-8"?>
+<file path=ppt/slides/slide22.xml><?xml version="1.0" encoding="utf-8"?>
 <p:sld xmlns:a="http://schemas.openxmlformats.org/drawingml/2006/main" xmlns:r="http://schemas.openxmlformats.org/officeDocument/2006/relationships" xmlns:p="http://schemas.openxmlformats.org/presentationml/2006/main">
   <p:cSld>
     <p:spTree>
@@ -11987,7 +11718,7 @@
           <a:p>
             <a:fld id="{4D06B799-84A7-8648-BC90-ED3C95C2198D}" type="slidenum">
               <a:rPr lang="en-DE" smtClean="0"/>
-              <a:t>21</a:t>
+              <a:t>22</a:t>
             </a:fld>
             <a:endParaRPr lang="en-DE"/>
           </a:p>
@@ -12006,7 +11737,7 @@
 </p:sld>
 </file>
 
-<file path=ppt/slides/slide22.xml><?xml version="1.0" encoding="utf-8"?>
+<file path=ppt/slides/slide23.xml><?xml version="1.0" encoding="utf-8"?>
 <p:sld xmlns:a="http://schemas.openxmlformats.org/drawingml/2006/main" xmlns:r="http://schemas.openxmlformats.org/officeDocument/2006/relationships" xmlns:p="http://schemas.openxmlformats.org/presentationml/2006/main">
   <p:cSld>
     <p:spTree>
@@ -12046,7 +11777,7 @@
           <a:p>
             <a:fld id="{ADDEFC8A-584C-5E41-A633-418C2FB73F75}" type="slidenum">
               <a:rPr lang="en-DE" smtClean="0"/>
-              <a:t>22</a:t>
+              <a:t>23</a:t>
             </a:fld>
             <a:endParaRPr lang="en-DE"/>
           </a:p>
@@ -12112,7 +11843,7 @@
 </p:sld>
 </file>
 
-<file path=ppt/slides/slide23.xml><?xml version="1.0" encoding="utf-8"?>
+<file path=ppt/slides/slide24.xml><?xml version="1.0" encoding="utf-8"?>
 <p:sld xmlns:a="http://schemas.openxmlformats.org/drawingml/2006/main" xmlns:r="http://schemas.openxmlformats.org/officeDocument/2006/relationships" xmlns:p="http://schemas.openxmlformats.org/presentationml/2006/main">
   <p:cSld>
     <p:spTree>
@@ -12338,7 +12069,7 @@
           <a:p>
             <a:fld id="{4D06B799-84A7-8648-BC90-ED3C95C2198D}" type="slidenum">
               <a:rPr lang="en-DE" smtClean="0"/>
-              <a:t>23</a:t>
+              <a:t>24</a:t>
             </a:fld>
             <a:endParaRPr lang="en-DE"/>
           </a:p>
@@ -12348,157 +12079,6 @@
     <p:extLst>
       <p:ext uri="{BB962C8B-B14F-4D97-AF65-F5344CB8AC3E}">
         <p14:creationId xmlns:p14="http://schemas.microsoft.com/office/powerpoint/2010/main" val="1898373171"/>
-      </p:ext>
-    </p:extLst>
-  </p:cSld>
-  <p:clrMapOvr>
-    <a:masterClrMapping/>
-  </p:clrMapOvr>
-</p:sld>
-</file>
-
-<file path=ppt/slides/slide24.xml><?xml version="1.0" encoding="utf-8"?>
-<p:sld xmlns:a="http://schemas.openxmlformats.org/drawingml/2006/main" xmlns:r="http://schemas.openxmlformats.org/officeDocument/2006/relationships" xmlns:p="http://schemas.openxmlformats.org/presentationml/2006/main">
-  <p:cSld>
-    <p:spTree>
-      <p:nvGrpSpPr>
-        <p:cNvPr id="1" name=""/>
-        <p:cNvGrpSpPr/>
-        <p:nvPr/>
-      </p:nvGrpSpPr>
-      <p:grpSpPr>
-        <a:xfrm>
-          <a:off x="0" y="0"/>
-          <a:ext cx="0" cy="0"/>
-          <a:chOff x="0" y="0"/>
-          <a:chExt cx="0" cy="0"/>
-        </a:xfrm>
-      </p:grpSpPr>
-      <p:sp>
-        <p:nvSpPr>
-          <p:cNvPr id="2" name="Title 1">
-            <a:extLst>
-              <a:ext uri="{FF2B5EF4-FFF2-40B4-BE49-F238E27FC236}">
-                <a16:creationId xmlns:a16="http://schemas.microsoft.com/office/drawing/2014/main" id="{9F51148D-1862-FF84-978A-D2B00915FA83}"/>
-              </a:ext>
-            </a:extLst>
-          </p:cNvPr>
-          <p:cNvSpPr>
-            <a:spLocks noGrp="1"/>
-          </p:cNvSpPr>
-          <p:nvPr>
-            <p:ph type="title"/>
-          </p:nvPr>
-        </p:nvSpPr>
-        <p:spPr/>
-        <p:txBody>
-          <a:bodyPr/>
-          <a:lstStyle/>
-          <a:p>
-            <a:r>
-              <a:rPr lang="en-GB" dirty="0"/>
-              <a:t>So, let’s do some </a:t>
-            </a:r>
-            <a:r>
-              <a:rPr lang="en-GB" dirty="0" err="1"/>
-              <a:t>modeling</a:t>
-            </a:r>
-            <a:r>
-              <a:rPr lang="en-GB" dirty="0"/>
-              <a:t> …</a:t>
-            </a:r>
-          </a:p>
-        </p:txBody>
-      </p:sp>
-      <p:sp>
-        <p:nvSpPr>
-          <p:cNvPr id="3" name="Content Placeholder 2">
-            <a:extLst>
-              <a:ext uri="{FF2B5EF4-FFF2-40B4-BE49-F238E27FC236}">
-                <a16:creationId xmlns:a16="http://schemas.microsoft.com/office/drawing/2014/main" id="{F2E073A6-59AB-4CA7-ABDE-14DB7A89B21D}"/>
-              </a:ext>
-            </a:extLst>
-          </p:cNvPr>
-          <p:cNvSpPr>
-            <a:spLocks noGrp="1"/>
-          </p:cNvSpPr>
-          <p:nvPr>
-            <p:ph idx="1"/>
-          </p:nvPr>
-        </p:nvSpPr>
-        <p:spPr/>
-        <p:txBody>
-          <a:bodyPr/>
-          <a:lstStyle/>
-          <a:p>
-            <a:pPr marL="0" indent="0">
-              <a:buNone/>
-            </a:pPr>
-            <a:r>
-              <a:rPr lang="en-GB" dirty="0">
-                <a:hlinkClick r:id="rId2"/>
-              </a:rPr>
-              <a:t>scikit-learn</a:t>
-            </a:r>
-            <a:endParaRPr lang="en-GB" dirty="0"/>
-          </a:p>
-          <a:p>
-            <a:pPr marL="0" indent="0">
-              <a:buNone/>
-            </a:pPr>
-            <a:endParaRPr lang="en-GB" dirty="0"/>
-          </a:p>
-          <a:p>
-            <a:pPr marL="0" indent="0">
-              <a:buNone/>
-            </a:pPr>
-            <a:r>
-              <a:rPr lang="en-GB" dirty="0"/>
-              <a:t>coding example: </a:t>
-            </a:r>
-            <a:r>
-              <a:rPr lang="en-GB" dirty="0">
-                <a:hlinkClick r:id="rId3"/>
-              </a:rPr>
-              <a:t>Kaggle House Prices</a:t>
-            </a:r>
-            <a:endParaRPr lang="en-GB" dirty="0"/>
-          </a:p>
-        </p:txBody>
-      </p:sp>
-      <p:sp>
-        <p:nvSpPr>
-          <p:cNvPr id="4" name="Slide Number Placeholder 3">
-            <a:extLst>
-              <a:ext uri="{FF2B5EF4-FFF2-40B4-BE49-F238E27FC236}">
-                <a16:creationId xmlns:a16="http://schemas.microsoft.com/office/drawing/2014/main" id="{D639767A-556E-C57D-DE45-60A8C6B65F86}"/>
-              </a:ext>
-            </a:extLst>
-          </p:cNvPr>
-          <p:cNvSpPr>
-            <a:spLocks noGrp="1"/>
-          </p:cNvSpPr>
-          <p:nvPr>
-            <p:ph type="sldNum" sz="quarter" idx="12"/>
-          </p:nvPr>
-        </p:nvSpPr>
-        <p:spPr/>
-        <p:txBody>
-          <a:bodyPr/>
-          <a:lstStyle/>
-          <a:p>
-            <a:fld id="{ADDEFC8A-584C-5E41-A633-418C2FB73F75}" type="slidenum">
-              <a:rPr lang="en-DE" smtClean="0"/>
-              <a:t>24</a:t>
-            </a:fld>
-            <a:endParaRPr lang="en-DE"/>
-          </a:p>
-        </p:txBody>
-      </p:sp>
-    </p:spTree>
-    <p:extLst>
-      <p:ext uri="{BB962C8B-B14F-4D97-AF65-F5344CB8AC3E}">
-        <p14:creationId xmlns:p14="http://schemas.microsoft.com/office/powerpoint/2010/main" val="4139974002"/>
       </p:ext>
     </p:extLst>
   </p:cSld>
@@ -12530,7 +12110,7 @@
           <p:cNvPr id="2" name="Title 1">
             <a:extLst>
               <a:ext uri="{FF2B5EF4-FFF2-40B4-BE49-F238E27FC236}">
-                <a16:creationId xmlns:a16="http://schemas.microsoft.com/office/drawing/2014/main" id="{8D8B05A3-F058-6790-2884-26EB8B8A562A}"/>
+                <a16:creationId xmlns:a16="http://schemas.microsoft.com/office/drawing/2014/main" id="{9F51148D-1862-FF84-978A-D2B00915FA83}"/>
               </a:ext>
             </a:extLst>
           </p:cNvPr>
@@ -12548,7 +12128,15 @@
           <a:p>
             <a:r>
               <a:rPr lang="en-GB" dirty="0"/>
-              <a:t>Assignments</a:t>
+              <a:t>So, let’s do some </a:t>
+            </a:r>
+            <a:r>
+              <a:rPr lang="en-GB" dirty="0" err="1"/>
+              <a:t>modeling</a:t>
+            </a:r>
+            <a:r>
+              <a:rPr lang="en-GB" dirty="0"/>
+              <a:t> …</a:t>
             </a:r>
           </a:p>
         </p:txBody>
@@ -12558,7 +12146,7 @@
           <p:cNvPr id="3" name="Content Placeholder 2">
             <a:extLst>
               <a:ext uri="{FF2B5EF4-FFF2-40B4-BE49-F238E27FC236}">
-                <a16:creationId xmlns:a16="http://schemas.microsoft.com/office/drawing/2014/main" id="{01BFA021-F249-3A9A-8A73-A200BC368993}"/>
+                <a16:creationId xmlns:a16="http://schemas.microsoft.com/office/drawing/2014/main" id="{F2E073A6-59AB-4CA7-ABDE-14DB7A89B21D}"/>
               </a:ext>
             </a:extLst>
           </p:cNvPr>
@@ -12574,15 +12162,14 @@
           <a:bodyPr/>
           <a:lstStyle/>
           <a:p>
-            <a:r>
-              <a:rPr lang="en-GB" dirty="0"/>
-              <a:t>classification: </a:t>
-            </a:r>
+            <a:pPr marL="0" indent="0">
+              <a:buNone/>
+            </a:pPr>
             <a:r>
               <a:rPr lang="en-GB" dirty="0">
                 <a:hlinkClick r:id="rId2"/>
               </a:rPr>
-              <a:t>Kaggle Spaceship Titanic</a:t>
+              <a:t>scikit-learn</a:t>
             </a:r>
             <a:endParaRPr lang="en-GB" dirty="0"/>
           </a:p>
@@ -12593,15 +12180,18 @@
             <a:endParaRPr lang="en-GB" dirty="0"/>
           </a:p>
           <a:p>
+            <a:pPr marL="0" indent="0">
+              <a:buNone/>
+            </a:pPr>
             <a:r>
               <a:rPr lang="en-GB" dirty="0"/>
-              <a:t>regression: </a:t>
+              <a:t>coding example: </a:t>
             </a:r>
             <a:r>
               <a:rPr lang="en-GB" dirty="0">
                 <a:hlinkClick r:id="rId3"/>
               </a:rPr>
-              <a:t>Kaggle Store Sales</a:t>
+              <a:t>Kaggle House Prices</a:t>
             </a:r>
             <a:endParaRPr lang="en-GB" dirty="0"/>
           </a:p>
@@ -12612,7 +12202,7 @@
           <p:cNvPr id="4" name="Slide Number Placeholder 3">
             <a:extLst>
               <a:ext uri="{FF2B5EF4-FFF2-40B4-BE49-F238E27FC236}">
-                <a16:creationId xmlns:a16="http://schemas.microsoft.com/office/drawing/2014/main" id="{E12A9BAF-B74E-28AF-DD3F-0B03417FE9E7}"/>
+                <a16:creationId xmlns:a16="http://schemas.microsoft.com/office/drawing/2014/main" id="{D639767A-556E-C57D-DE45-60A8C6B65F86}"/>
               </a:ext>
             </a:extLst>
           </p:cNvPr>
@@ -12631,6 +12221,147 @@
             <a:fld id="{ADDEFC8A-584C-5E41-A633-418C2FB73F75}" type="slidenum">
               <a:rPr lang="en-DE" smtClean="0"/>
               <a:t>25</a:t>
+            </a:fld>
+            <a:endParaRPr lang="en-DE"/>
+          </a:p>
+        </p:txBody>
+      </p:sp>
+    </p:spTree>
+    <p:extLst>
+      <p:ext uri="{BB962C8B-B14F-4D97-AF65-F5344CB8AC3E}">
+        <p14:creationId xmlns:p14="http://schemas.microsoft.com/office/powerpoint/2010/main" val="4139974002"/>
+      </p:ext>
+    </p:extLst>
+  </p:cSld>
+  <p:clrMapOvr>
+    <a:masterClrMapping/>
+  </p:clrMapOvr>
+</p:sld>
+</file>
+
+<file path=ppt/slides/slide26.xml><?xml version="1.0" encoding="utf-8"?>
+<p:sld xmlns:a="http://schemas.openxmlformats.org/drawingml/2006/main" xmlns:r="http://schemas.openxmlformats.org/officeDocument/2006/relationships" xmlns:p="http://schemas.openxmlformats.org/presentationml/2006/main">
+  <p:cSld>
+    <p:spTree>
+      <p:nvGrpSpPr>
+        <p:cNvPr id="1" name=""/>
+        <p:cNvGrpSpPr/>
+        <p:nvPr/>
+      </p:nvGrpSpPr>
+      <p:grpSpPr>
+        <a:xfrm>
+          <a:off x="0" y="0"/>
+          <a:ext cx="0" cy="0"/>
+          <a:chOff x="0" y="0"/>
+          <a:chExt cx="0" cy="0"/>
+        </a:xfrm>
+      </p:grpSpPr>
+      <p:sp>
+        <p:nvSpPr>
+          <p:cNvPr id="2" name="Title 1">
+            <a:extLst>
+              <a:ext uri="{FF2B5EF4-FFF2-40B4-BE49-F238E27FC236}">
+                <a16:creationId xmlns:a16="http://schemas.microsoft.com/office/drawing/2014/main" id="{8D8B05A3-F058-6790-2884-26EB8B8A562A}"/>
+              </a:ext>
+            </a:extLst>
+          </p:cNvPr>
+          <p:cNvSpPr>
+            <a:spLocks noGrp="1"/>
+          </p:cNvSpPr>
+          <p:nvPr>
+            <p:ph type="title"/>
+          </p:nvPr>
+        </p:nvSpPr>
+        <p:spPr/>
+        <p:txBody>
+          <a:bodyPr/>
+          <a:lstStyle/>
+          <a:p>
+            <a:r>
+              <a:rPr lang="en-GB" dirty="0"/>
+              <a:t>Assignments</a:t>
+            </a:r>
+          </a:p>
+        </p:txBody>
+      </p:sp>
+      <p:sp>
+        <p:nvSpPr>
+          <p:cNvPr id="3" name="Content Placeholder 2">
+            <a:extLst>
+              <a:ext uri="{FF2B5EF4-FFF2-40B4-BE49-F238E27FC236}">
+                <a16:creationId xmlns:a16="http://schemas.microsoft.com/office/drawing/2014/main" id="{01BFA021-F249-3A9A-8A73-A200BC368993}"/>
+              </a:ext>
+            </a:extLst>
+          </p:cNvPr>
+          <p:cNvSpPr>
+            <a:spLocks noGrp="1"/>
+          </p:cNvSpPr>
+          <p:nvPr>
+            <p:ph idx="1"/>
+          </p:nvPr>
+        </p:nvSpPr>
+        <p:spPr/>
+        <p:txBody>
+          <a:bodyPr/>
+          <a:lstStyle/>
+          <a:p>
+            <a:r>
+              <a:rPr lang="en-GB" dirty="0"/>
+              <a:t>classification: </a:t>
+            </a:r>
+            <a:r>
+              <a:rPr lang="en-GB" dirty="0">
+                <a:hlinkClick r:id="rId2"/>
+              </a:rPr>
+              <a:t>Kaggle Spaceship Titanic</a:t>
+            </a:r>
+            <a:endParaRPr lang="en-GB" dirty="0"/>
+          </a:p>
+          <a:p>
+            <a:pPr marL="0" indent="0">
+              <a:buNone/>
+            </a:pPr>
+            <a:endParaRPr lang="en-GB" dirty="0"/>
+          </a:p>
+          <a:p>
+            <a:r>
+              <a:rPr lang="en-GB" dirty="0"/>
+              <a:t>regression: </a:t>
+            </a:r>
+            <a:r>
+              <a:rPr lang="en-GB" dirty="0">
+                <a:hlinkClick r:id="rId3"/>
+              </a:rPr>
+              <a:t>Kaggle Store Sales</a:t>
+            </a:r>
+            <a:endParaRPr lang="en-GB" dirty="0"/>
+          </a:p>
+        </p:txBody>
+      </p:sp>
+      <p:sp>
+        <p:nvSpPr>
+          <p:cNvPr id="4" name="Slide Number Placeholder 3">
+            <a:extLst>
+              <a:ext uri="{FF2B5EF4-FFF2-40B4-BE49-F238E27FC236}">
+                <a16:creationId xmlns:a16="http://schemas.microsoft.com/office/drawing/2014/main" id="{E12A9BAF-B74E-28AF-DD3F-0B03417FE9E7}"/>
+              </a:ext>
+            </a:extLst>
+          </p:cNvPr>
+          <p:cNvSpPr>
+            <a:spLocks noGrp="1"/>
+          </p:cNvSpPr>
+          <p:nvPr>
+            <p:ph type="sldNum" sz="quarter" idx="12"/>
+          </p:nvPr>
+        </p:nvSpPr>
+        <p:spPr/>
+        <p:txBody>
+          <a:bodyPr/>
+          <a:lstStyle/>
+          <a:p>
+            <a:fld id="{ADDEFC8A-584C-5E41-A633-418C2FB73F75}" type="slidenum">
+              <a:rPr lang="en-DE" smtClean="0"/>
+              <a:t>26</a:t>
             </a:fld>
             <a:endParaRPr lang="en-DE"/>
           </a:p>
@@ -12671,6 +12402,817 @@
           <p:cNvPr id="2" name="Title 1">
             <a:extLst>
               <a:ext uri="{FF2B5EF4-FFF2-40B4-BE49-F238E27FC236}">
+                <a16:creationId xmlns:a16="http://schemas.microsoft.com/office/drawing/2014/main" id="{F3521F78-9676-FC22-2D71-300BB2A84EB9}"/>
+              </a:ext>
+            </a:extLst>
+          </p:cNvPr>
+          <p:cNvSpPr>
+            <a:spLocks noGrp="1"/>
+          </p:cNvSpPr>
+          <p:nvPr>
+            <p:ph type="title"/>
+          </p:nvPr>
+        </p:nvSpPr>
+        <p:spPr/>
+        <p:txBody>
+          <a:bodyPr/>
+          <a:lstStyle/>
+          <a:p>
+            <a:r>
+              <a:rPr lang="en-DE" dirty="0"/>
+              <a:t>Supervised Learning Scenario</a:t>
+            </a:r>
+          </a:p>
+        </p:txBody>
+      </p:sp>
+      <mc:AlternateContent xmlns:mc="http://schemas.openxmlformats.org/markup-compatibility/2006" xmlns:a14="http://schemas.microsoft.com/office/drawing/2010/main">
+        <mc:Choice Requires="a14">
+          <p:sp>
+            <p:nvSpPr>
+              <p:cNvPr id="3" name="Content Placeholder 2">
+                <a:extLst>
+                  <a:ext uri="{FF2B5EF4-FFF2-40B4-BE49-F238E27FC236}">
+                    <a16:creationId xmlns:a16="http://schemas.microsoft.com/office/drawing/2014/main" id="{2D916FA3-AEFF-3F24-45D6-48CAAC141923}"/>
+                  </a:ext>
+                </a:extLst>
+              </p:cNvPr>
+              <p:cNvSpPr>
+                <a:spLocks noGrp="1"/>
+              </p:cNvSpPr>
+              <p:nvPr>
+                <p:ph idx="1"/>
+              </p:nvPr>
+            </p:nvSpPr>
+            <p:spPr>
+              <a:xfrm>
+                <a:off x="838200" y="1825625"/>
+                <a:ext cx="10922876" cy="4351338"/>
+              </a:xfrm>
+            </p:spPr>
+            <p:txBody>
+              <a:bodyPr>
+                <a:normAutofit fontScale="92500"/>
+              </a:bodyPr>
+              <a:lstStyle/>
+              <a:p>
+                <a:pPr marL="0" indent="0">
+                  <a:buNone/>
+                </a:pPr>
+                <a:r>
+                  <a:rPr lang="de-DE" dirty="0"/>
+                  <a:t>map </a:t>
+                </a:r>
+                <a:r>
+                  <a:rPr lang="de-DE" dirty="0" err="1"/>
+                  <a:t>input</a:t>
+                </a:r>
+                <a:r>
+                  <a:rPr lang="de-DE" dirty="0"/>
+                  <a:t> </a:t>
+                </a:r>
+                <a:r>
+                  <a:rPr lang="de-DE" dirty="0" err="1"/>
+                  <a:t>to</a:t>
+                </a:r>
+                <a:r>
+                  <a:rPr lang="de-DE" dirty="0"/>
+                  <a:t> </a:t>
+                </a:r>
+                <a:r>
+                  <a:rPr lang="de-DE" dirty="0" err="1"/>
+                  <a:t>output</a:t>
+                </a:r>
+                <a:r>
+                  <a:rPr lang="de-DE" dirty="0"/>
+                  <a:t>: </a:t>
+                </a:r>
+                <a14:m>
+                  <m:oMath xmlns:m="http://schemas.openxmlformats.org/officeDocument/2006/math">
+                    <m:r>
+                      <a:rPr lang="en-US" b="0" i="1" smtClean="0">
+                        <a:latin typeface="Cambria Math" panose="02040503050406030204" pitchFamily="18" charset="0"/>
+                      </a:rPr>
+                      <m:t>𝑦</m:t>
+                    </m:r>
+                    <m:r>
+                      <a:rPr lang="en-US" i="1">
+                        <a:latin typeface="Cambria Math" panose="02040503050406030204" pitchFamily="18" charset="0"/>
+                      </a:rPr>
+                      <m:t>=</m:t>
+                    </m:r>
+                    <m:r>
+                      <a:rPr lang="en-US" i="1">
+                        <a:latin typeface="Cambria Math" panose="02040503050406030204" pitchFamily="18" charset="0"/>
+                      </a:rPr>
+                      <m:t>𝑓</m:t>
+                    </m:r>
+                    <m:d>
+                      <m:dPr>
+                        <m:ctrlPr>
+                          <a:rPr lang="en-US" i="1">
+                            <a:latin typeface="Cambria Math" panose="02040503050406030204" pitchFamily="18" charset="0"/>
+                          </a:rPr>
+                        </m:ctrlPr>
+                      </m:dPr>
+                      <m:e>
+                        <m:r>
+                          <a:rPr lang="en-US" b="1" i="1" smtClean="0">
+                            <a:latin typeface="Cambria Math" panose="02040503050406030204" pitchFamily="18" charset="0"/>
+                          </a:rPr>
+                          <m:t>𝒙</m:t>
+                        </m:r>
+                      </m:e>
+                    </m:d>
+                  </m:oMath>
+                </a14:m>
+                <a:r>
+                  <a:rPr lang="de-DE" dirty="0"/>
+                  <a:t> (</a:t>
+                </a:r>
+                <a:r>
+                  <a:rPr lang="de-DE" dirty="0" err="1"/>
+                  <a:t>estimated</a:t>
+                </a:r>
+                <a:r>
+                  <a:rPr lang="de-DE" dirty="0"/>
+                  <a:t>: </a:t>
+                </a:r>
+                <a14:m>
+                  <m:oMath xmlns:m="http://schemas.openxmlformats.org/officeDocument/2006/math">
+                    <m:acc>
+                      <m:accPr>
+                        <m:chr m:val="̂"/>
+                        <m:ctrlPr>
+                          <a:rPr lang="en-US" i="1">
+                            <a:latin typeface="Cambria Math" panose="02040503050406030204" pitchFamily="18" charset="0"/>
+                          </a:rPr>
+                        </m:ctrlPr>
+                      </m:accPr>
+                      <m:e>
+                        <m:r>
+                          <a:rPr lang="en-US" i="1">
+                            <a:latin typeface="Cambria Math" panose="02040503050406030204" pitchFamily="18" charset="0"/>
+                          </a:rPr>
+                          <m:t>𝑓</m:t>
+                        </m:r>
+                      </m:e>
+                    </m:acc>
+                    <m:d>
+                      <m:dPr>
+                        <m:ctrlPr>
+                          <a:rPr lang="en-US" i="1">
+                            <a:latin typeface="Cambria Math" panose="02040503050406030204" pitchFamily="18" charset="0"/>
+                          </a:rPr>
+                        </m:ctrlPr>
+                      </m:dPr>
+                      <m:e>
+                        <m:r>
+                          <a:rPr lang="en-US" b="1" i="1" smtClean="0">
+                            <a:latin typeface="Cambria Math" panose="02040503050406030204" pitchFamily="18" charset="0"/>
+                          </a:rPr>
+                          <m:t>𝒙</m:t>
+                        </m:r>
+                      </m:e>
+                    </m:d>
+                  </m:oMath>
+                </a14:m>
+                <a:r>
+                  <a:rPr lang="de-DE" dirty="0"/>
+                  <a:t>)</a:t>
+                </a:r>
+              </a:p>
+              <a:p>
+                <a:pPr marL="0" indent="0">
+                  <a:buNone/>
+                </a:pPr>
+                <a:r>
+                  <a:rPr lang="en-GB" sz="2200" dirty="0"/>
+                  <a:t>random variables </a:t>
+                </a:r>
+                <a14:m>
+                  <m:oMath xmlns:m="http://schemas.openxmlformats.org/officeDocument/2006/math">
+                    <m:r>
+                      <a:rPr lang="en-US" sz="2200" i="1">
+                        <a:latin typeface="Cambria Math" panose="02040503050406030204" pitchFamily="18" charset="0"/>
+                      </a:rPr>
+                      <m:t>𝑌</m:t>
+                    </m:r>
+                  </m:oMath>
+                </a14:m>
+                <a:r>
+                  <a:rPr lang="en-GB" sz="2200" dirty="0"/>
+                  <a:t> and </a:t>
+                </a:r>
+                <a14:m>
+                  <m:oMath xmlns:m="http://schemas.openxmlformats.org/officeDocument/2006/math">
+                    <m:r>
+                      <a:rPr lang="en-US" sz="2200" b="1" i="1">
+                        <a:latin typeface="Cambria Math" panose="02040503050406030204" pitchFamily="18" charset="0"/>
+                      </a:rPr>
+                      <m:t>𝑿</m:t>
+                    </m:r>
+                    <m:r>
+                      <a:rPr lang="en-US" sz="2200" i="1">
+                        <a:latin typeface="Cambria Math" panose="02040503050406030204" pitchFamily="18" charset="0"/>
+                      </a:rPr>
+                      <m:t>=</m:t>
+                    </m:r>
+                    <m:sSub>
+                      <m:sSubPr>
+                        <m:ctrlPr>
+                          <a:rPr lang="en-US" sz="2200" i="1">
+                            <a:latin typeface="Cambria Math" panose="02040503050406030204" pitchFamily="18" charset="0"/>
+                          </a:rPr>
+                        </m:ctrlPr>
+                      </m:sSubPr>
+                      <m:e>
+                        <m:r>
+                          <a:rPr lang="en-US" sz="2200" i="1">
+                            <a:latin typeface="Cambria Math" panose="02040503050406030204" pitchFamily="18" charset="0"/>
+                          </a:rPr>
+                          <m:t>(</m:t>
+                        </m:r>
+                        <m:r>
+                          <a:rPr lang="en-US" sz="2200" i="1">
+                            <a:latin typeface="Cambria Math" panose="02040503050406030204" pitchFamily="18" charset="0"/>
+                          </a:rPr>
+                          <m:t>𝑋</m:t>
+                        </m:r>
+                      </m:e>
+                      <m:sub>
+                        <m:r>
+                          <a:rPr lang="en-US" sz="2200" i="1">
+                            <a:latin typeface="Cambria Math" panose="02040503050406030204" pitchFamily="18" charset="0"/>
+                          </a:rPr>
+                          <m:t>1</m:t>
+                        </m:r>
+                      </m:sub>
+                    </m:sSub>
+                    <m:r>
+                      <a:rPr lang="en-US" sz="2200" i="1">
+                        <a:latin typeface="Cambria Math" panose="02040503050406030204" pitchFamily="18" charset="0"/>
+                      </a:rPr>
+                      <m:t>, </m:t>
+                    </m:r>
+                    <m:sSub>
+                      <m:sSubPr>
+                        <m:ctrlPr>
+                          <a:rPr lang="en-US" sz="2200" i="1">
+                            <a:latin typeface="Cambria Math" panose="02040503050406030204" pitchFamily="18" charset="0"/>
+                          </a:rPr>
+                        </m:ctrlPr>
+                      </m:sSubPr>
+                      <m:e>
+                        <m:r>
+                          <a:rPr lang="en-US" sz="2200" i="1">
+                            <a:latin typeface="Cambria Math" panose="02040503050406030204" pitchFamily="18" charset="0"/>
+                          </a:rPr>
+                          <m:t>𝑋</m:t>
+                        </m:r>
+                      </m:e>
+                      <m:sub>
+                        <m:r>
+                          <a:rPr lang="en-US" sz="2200" i="1">
+                            <a:latin typeface="Cambria Math" panose="02040503050406030204" pitchFamily="18" charset="0"/>
+                          </a:rPr>
+                          <m:t>2</m:t>
+                        </m:r>
+                      </m:sub>
+                    </m:sSub>
+                    <m:r>
+                      <a:rPr lang="en-US" sz="2200" i="1">
+                        <a:latin typeface="Cambria Math" panose="02040503050406030204" pitchFamily="18" charset="0"/>
+                      </a:rPr>
+                      <m:t>,</m:t>
+                    </m:r>
+                    <m:sSub>
+                      <m:sSubPr>
+                        <m:ctrlPr>
+                          <a:rPr lang="en-US" sz="2200" i="1">
+                            <a:latin typeface="Cambria Math" panose="02040503050406030204" pitchFamily="18" charset="0"/>
+                          </a:rPr>
+                        </m:ctrlPr>
+                      </m:sSubPr>
+                      <m:e>
+                        <m:r>
+                          <a:rPr lang="en-US" sz="2200" i="1">
+                            <a:latin typeface="Cambria Math" panose="02040503050406030204" pitchFamily="18" charset="0"/>
+                            <a:ea typeface="Cambria Math" panose="02040503050406030204" pitchFamily="18" charset="0"/>
+                          </a:rPr>
+                          <m:t>⋯,</m:t>
+                        </m:r>
+                        <m:r>
+                          <a:rPr lang="en-US" sz="2200" i="1">
+                            <a:latin typeface="Cambria Math" panose="02040503050406030204" pitchFamily="18" charset="0"/>
+                          </a:rPr>
+                          <m:t>𝑋</m:t>
+                        </m:r>
+                      </m:e>
+                      <m:sub>
+                        <m:r>
+                          <a:rPr lang="en-US" sz="2200" i="1">
+                            <a:latin typeface="Cambria Math" panose="02040503050406030204" pitchFamily="18" charset="0"/>
+                          </a:rPr>
+                          <m:t>𝑝</m:t>
+                        </m:r>
+                      </m:sub>
+                    </m:sSub>
+                  </m:oMath>
+                </a14:m>
+                <a:r>
+                  <a:rPr lang="en-GB" sz="2200" dirty="0"/>
+                  <a:t>) </a:t>
+                </a:r>
+                <a14:m>
+                  <m:oMath xmlns:m="http://schemas.openxmlformats.org/officeDocument/2006/math">
+                    <m:r>
+                      <a:rPr lang="en-GB" sz="2200" i="1" smtClean="0">
+                        <a:latin typeface="Cambria Math" panose="02040503050406030204" pitchFamily="18" charset="0"/>
+                        <a:ea typeface="Cambria Math" panose="02040503050406030204" pitchFamily="18" charset="0"/>
+                      </a:rPr>
+                      <m:t>←</m:t>
+                    </m:r>
+                  </m:oMath>
+                </a14:m>
+                <a:r>
+                  <a:rPr lang="en-GB" sz="2200" dirty="0"/>
+                  <a:t> usually high-dimensional</a:t>
+                </a:r>
+              </a:p>
+              <a:p>
+                <a:pPr marL="0" indent="0">
+                  <a:buNone/>
+                </a:pPr>
+                <a:endParaRPr lang="en-DE" dirty="0"/>
+              </a:p>
+              <a:p>
+                <a:pPr marL="0" indent="0">
+                  <a:buNone/>
+                </a:pPr>
+                <a:r>
+                  <a:rPr lang="en-GB" dirty="0"/>
+                  <a:t>training (c</a:t>
+                </a:r>
+                <a:r>
+                  <a:rPr lang="en-DE" dirty="0"/>
+                  <a:t>urve fitting / parameter estimation</a:t>
+                </a:r>
+                <a:r>
+                  <a:rPr lang="en-GB" dirty="0"/>
+                  <a:t>)</a:t>
+                </a:r>
+                <a:r>
+                  <a:rPr lang="en-DE" dirty="0"/>
+                  <a:t>:</a:t>
+                </a:r>
+              </a:p>
+              <a:p>
+                <a:pPr marL="0" indent="0">
+                  <a:buNone/>
+                </a:pPr>
+                <a:r>
+                  <a:rPr lang="en-GB" dirty="0"/>
+                  <a:t>fit data set of </a:t>
+                </a:r>
+                <a:r>
+                  <a:rPr lang="en-GB" dirty="0" err="1"/>
+                  <a:t>i.i.d.</a:t>
+                </a:r>
+                <a:r>
+                  <a:rPr lang="en-GB" dirty="0"/>
+                  <a:t> (</a:t>
+                </a:r>
+                <a14:m>
+                  <m:oMath xmlns:m="http://schemas.openxmlformats.org/officeDocument/2006/math">
+                    <m:sSub>
+                      <m:sSubPr>
+                        <m:ctrlPr>
+                          <a:rPr lang="en-GB" i="1">
+                            <a:latin typeface="Cambria Math" panose="02040503050406030204" pitchFamily="18" charset="0"/>
+                          </a:rPr>
+                        </m:ctrlPr>
+                      </m:sSubPr>
+                      <m:e>
+                        <m:r>
+                          <a:rPr lang="en-US" i="1">
+                            <a:latin typeface="Cambria Math" panose="02040503050406030204" pitchFamily="18" charset="0"/>
+                          </a:rPr>
+                          <m:t>𝑦</m:t>
+                        </m:r>
+                      </m:e>
+                      <m:sub>
+                        <m:r>
+                          <a:rPr lang="en-US" i="1">
+                            <a:latin typeface="Cambria Math" panose="02040503050406030204" pitchFamily="18" charset="0"/>
+                          </a:rPr>
+                          <m:t>𝑖</m:t>
+                        </m:r>
+                      </m:sub>
+                    </m:sSub>
+                  </m:oMath>
+                </a14:m>
+                <a:r>
+                  <a:rPr lang="en-GB" dirty="0"/>
+                  <a:t>, </a:t>
+                </a:r>
+                <a14:m>
+                  <m:oMath xmlns:m="http://schemas.openxmlformats.org/officeDocument/2006/math">
+                    <m:sSub>
+                      <m:sSubPr>
+                        <m:ctrlPr>
+                          <a:rPr lang="en-GB" i="1">
+                            <a:latin typeface="Cambria Math" panose="02040503050406030204" pitchFamily="18" charset="0"/>
+                          </a:rPr>
+                        </m:ctrlPr>
+                      </m:sSubPr>
+                      <m:e>
+                        <m:r>
+                          <a:rPr lang="en-US" b="1" i="1">
+                            <a:latin typeface="Cambria Math" panose="02040503050406030204" pitchFamily="18" charset="0"/>
+                          </a:rPr>
+                          <m:t>𝒙</m:t>
+                        </m:r>
+                      </m:e>
+                      <m:sub>
+                        <m:r>
+                          <a:rPr lang="en-US" i="1">
+                            <a:latin typeface="Cambria Math" panose="02040503050406030204" pitchFamily="18" charset="0"/>
+                          </a:rPr>
+                          <m:t>𝑖</m:t>
+                        </m:r>
+                      </m:sub>
+                    </m:sSub>
+                  </m:oMath>
+                </a14:m>
+                <a:r>
+                  <a:rPr lang="en-GB" dirty="0"/>
+                  <a:t>) pairs </a:t>
+                </a:r>
+                <a:r>
+                  <a:rPr lang="en-GB" dirty="0">
+                    <a:sym typeface="Wingdings" pitchFamily="2" charset="2"/>
+                  </a:rPr>
+                  <a:t> m</a:t>
+                </a:r>
+                <a:r>
+                  <a:rPr lang="en-GB" dirty="0"/>
+                  <a:t>inimize deviations between </a:t>
+                </a:r>
+                <a14:m>
+                  <m:oMath xmlns:m="http://schemas.openxmlformats.org/officeDocument/2006/math">
+                    <m:r>
+                      <a:rPr lang="en-US" i="1">
+                        <a:latin typeface="Cambria Math" panose="02040503050406030204" pitchFamily="18" charset="0"/>
+                      </a:rPr>
+                      <m:t>𝑦</m:t>
+                    </m:r>
+                  </m:oMath>
+                </a14:m>
+                <a:r>
+                  <a:rPr lang="en-GB" dirty="0"/>
+                  <a:t> and </a:t>
+                </a:r>
+                <a14:m>
+                  <m:oMath xmlns:m="http://schemas.openxmlformats.org/officeDocument/2006/math">
+                    <m:acc>
+                      <m:accPr>
+                        <m:chr m:val="̂"/>
+                        <m:ctrlPr>
+                          <a:rPr lang="en-US" i="1">
+                            <a:latin typeface="Cambria Math" panose="02040503050406030204" pitchFamily="18" charset="0"/>
+                          </a:rPr>
+                        </m:ctrlPr>
+                      </m:accPr>
+                      <m:e>
+                        <m:r>
+                          <a:rPr lang="en-US" i="1">
+                            <a:latin typeface="Cambria Math" panose="02040503050406030204" pitchFamily="18" charset="0"/>
+                          </a:rPr>
+                          <m:t>𝑓</m:t>
+                        </m:r>
+                      </m:e>
+                    </m:acc>
+                    <m:d>
+                      <m:dPr>
+                        <m:ctrlPr>
+                          <a:rPr lang="en-US" i="1">
+                            <a:latin typeface="Cambria Math" panose="02040503050406030204" pitchFamily="18" charset="0"/>
+                          </a:rPr>
+                        </m:ctrlPr>
+                      </m:dPr>
+                      <m:e>
+                        <m:r>
+                          <a:rPr lang="en-US" b="1" i="1">
+                            <a:latin typeface="Cambria Math" panose="02040503050406030204" pitchFamily="18" charset="0"/>
+                          </a:rPr>
+                          <m:t>𝒙</m:t>
+                        </m:r>
+                      </m:e>
+                    </m:d>
+                  </m:oMath>
+                </a14:m>
+                <a:endParaRPr lang="en-DE" dirty="0"/>
+              </a:p>
+              <a:p>
+                <a:pPr marL="0" indent="0">
+                  <a:buNone/>
+                </a:pPr>
+                <a:endParaRPr lang="en-DE" dirty="0"/>
+              </a:p>
+              <a:p>
+                <a:pPr marL="0" indent="0">
+                  <a:buNone/>
+                </a:pPr>
+                <a:r>
+                  <a:rPr lang="en-GB" dirty="0"/>
+                  <a:t>consider d</a:t>
+                </a:r>
+                <a:r>
+                  <a:rPr lang="en-DE" dirty="0"/>
+                  <a:t>iscriminative models:</a:t>
+                </a:r>
+              </a:p>
+              <a:p>
+                <a:pPr marL="0" indent="0">
+                  <a:buNone/>
+                </a:pPr>
+                <a:r>
+                  <a:rPr lang="en-DE" dirty="0"/>
+                  <a:t>predict conditional density function </a:t>
+                </a:r>
+                <a14:m>
+                  <m:oMath xmlns:m="http://schemas.openxmlformats.org/officeDocument/2006/math">
+                    <m:r>
+                      <a:rPr lang="en-US" b="0" i="1" smtClean="0">
+                        <a:latin typeface="Cambria Math" panose="02040503050406030204" pitchFamily="18" charset="0"/>
+                      </a:rPr>
+                      <m:t>𝑝</m:t>
+                    </m:r>
+                    <m:d>
+                      <m:dPr>
+                        <m:ctrlPr>
+                          <a:rPr lang="en-US" i="1">
+                            <a:latin typeface="Cambria Math" panose="02040503050406030204" pitchFamily="18" charset="0"/>
+                          </a:rPr>
+                        </m:ctrlPr>
+                      </m:dPr>
+                      <m:e>
+                        <m:r>
+                          <a:rPr lang="en-US" b="0" i="1" smtClean="0">
+                            <a:latin typeface="Cambria Math" panose="02040503050406030204" pitchFamily="18" charset="0"/>
+                          </a:rPr>
+                          <m:t>𝑦</m:t>
+                        </m:r>
+                        <m:r>
+                          <a:rPr lang="en-US" i="1">
+                            <a:latin typeface="Cambria Math" panose="02040503050406030204" pitchFamily="18" charset="0"/>
+                          </a:rPr>
+                          <m:t>|</m:t>
+                        </m:r>
+                        <m:sSub>
+                          <m:sSubPr>
+                            <m:ctrlPr>
+                              <a:rPr lang="en-GB" i="1">
+                                <a:latin typeface="Cambria Math" panose="02040503050406030204" pitchFamily="18" charset="0"/>
+                              </a:rPr>
+                            </m:ctrlPr>
+                          </m:sSubPr>
+                          <m:e>
+                            <m:r>
+                              <a:rPr lang="en-US" b="1" i="1">
+                                <a:latin typeface="Cambria Math" panose="02040503050406030204" pitchFamily="18" charset="0"/>
+                              </a:rPr>
+                              <m:t>𝒙</m:t>
+                            </m:r>
+                          </m:e>
+                          <m:sub>
+                            <m:r>
+                              <a:rPr lang="en-US" i="1">
+                                <a:latin typeface="Cambria Math" panose="02040503050406030204" pitchFamily="18" charset="0"/>
+                              </a:rPr>
+                              <m:t>𝑖</m:t>
+                            </m:r>
+                          </m:sub>
+                        </m:sSub>
+                      </m:e>
+                    </m:d>
+                  </m:oMath>
+                </a14:m>
+                <a:endParaRPr lang="en-DE" dirty="0"/>
+              </a:p>
+              <a:p>
+                <a:pPr marL="0" indent="0">
+                  <a:buNone/>
+                </a:pPr>
+                <a:r>
+                  <a:rPr lang="en-DE" sz="2200" dirty="0"/>
+                  <a:t>as opposed to generative models predicting </a:t>
+                </a:r>
+                <a14:m>
+                  <m:oMath xmlns:m="http://schemas.openxmlformats.org/officeDocument/2006/math">
+                    <m:r>
+                      <a:rPr lang="en-US" sz="2200" b="0" i="1" smtClean="0">
+                        <a:latin typeface="Cambria Math" panose="02040503050406030204" pitchFamily="18" charset="0"/>
+                      </a:rPr>
+                      <m:t>𝑝</m:t>
+                    </m:r>
+                    <m:d>
+                      <m:dPr>
+                        <m:ctrlPr>
+                          <a:rPr lang="en-US" sz="2200" i="1">
+                            <a:latin typeface="Cambria Math" panose="02040503050406030204" pitchFamily="18" charset="0"/>
+                          </a:rPr>
+                        </m:ctrlPr>
+                      </m:dPr>
+                      <m:e>
+                        <m:r>
+                          <a:rPr lang="en-US" sz="2200" b="0" i="1" smtClean="0">
+                            <a:latin typeface="Cambria Math" panose="02040503050406030204" pitchFamily="18" charset="0"/>
+                          </a:rPr>
+                          <m:t>𝑦</m:t>
+                        </m:r>
+                        <m:r>
+                          <a:rPr lang="en-US" sz="2200" b="1" i="1">
+                            <a:latin typeface="Cambria Math" panose="02040503050406030204" pitchFamily="18" charset="0"/>
+                          </a:rPr>
+                          <m:t>, </m:t>
+                        </m:r>
+                        <m:r>
+                          <a:rPr lang="en-US" sz="2200" b="1" i="1" smtClean="0">
+                            <a:latin typeface="Cambria Math" panose="02040503050406030204" pitchFamily="18" charset="0"/>
+                          </a:rPr>
+                          <m:t>𝒙</m:t>
+                        </m:r>
+                      </m:e>
+                    </m:d>
+                  </m:oMath>
+                </a14:m>
+                <a:r>
+                  <a:rPr lang="en-GB" sz="2200" dirty="0"/>
+                  <a:t> (or just </a:t>
+                </a:r>
+                <a14:m>
+                  <m:oMath xmlns:m="http://schemas.openxmlformats.org/officeDocument/2006/math">
+                    <m:r>
+                      <a:rPr lang="en-US" sz="2200" i="1">
+                        <a:latin typeface="Cambria Math" panose="02040503050406030204" pitchFamily="18" charset="0"/>
+                      </a:rPr>
+                      <m:t>𝑝</m:t>
+                    </m:r>
+                    <m:d>
+                      <m:dPr>
+                        <m:ctrlPr>
+                          <a:rPr lang="en-US" sz="2200" i="1">
+                            <a:latin typeface="Cambria Math" panose="02040503050406030204" pitchFamily="18" charset="0"/>
+                          </a:rPr>
+                        </m:ctrlPr>
+                      </m:dPr>
+                      <m:e>
+                        <m:r>
+                          <a:rPr lang="en-US" sz="2200" b="1" i="1">
+                            <a:latin typeface="Cambria Math" panose="02040503050406030204" pitchFamily="18" charset="0"/>
+                          </a:rPr>
+                          <m:t>𝒙</m:t>
+                        </m:r>
+                      </m:e>
+                    </m:d>
+                  </m:oMath>
+                </a14:m>
+                <a:r>
+                  <a:rPr lang="en-GB" sz="2200" dirty="0">
+                    <a:sym typeface="Wingdings" panose="05000000000000000000" pitchFamily="2" charset="2"/>
+                  </a:rPr>
+                  <a:t>)  </a:t>
+                </a:r>
+                <a14:m>
+                  <m:oMath xmlns:m="http://schemas.openxmlformats.org/officeDocument/2006/math">
+                    <m:r>
+                      <a:rPr lang="en-US" sz="2200" b="1" i="1">
+                        <a:latin typeface="Cambria Math" panose="02040503050406030204" pitchFamily="18" charset="0"/>
+                      </a:rPr>
+                      <m:t>𝒙</m:t>
+                    </m:r>
+                  </m:oMath>
+                </a14:m>
+                <a:r>
+                  <a:rPr lang="en-GB" sz="2200" dirty="0">
+                    <a:sym typeface="Wingdings" panose="05000000000000000000" pitchFamily="2" charset="2"/>
+                  </a:rPr>
+                  <a:t> not given, more difficult</a:t>
+                </a:r>
+                <a:endParaRPr lang="en-DE" sz="2200" dirty="0"/>
+              </a:p>
+            </p:txBody>
+          </p:sp>
+        </mc:Choice>
+        <mc:Fallback xmlns="">
+          <p:sp>
+            <p:nvSpPr>
+              <p:cNvPr id="3" name="Content Placeholder 2">
+                <a:extLst>
+                  <a:ext uri="{FF2B5EF4-FFF2-40B4-BE49-F238E27FC236}">
+                    <a16:creationId xmlns:a16="http://schemas.microsoft.com/office/drawing/2014/main" id="{2D916FA3-AEFF-3F24-45D6-48CAAC141923}"/>
+                  </a:ext>
+                </a:extLst>
+              </p:cNvPr>
+              <p:cNvSpPr>
+                <a:spLocks noGrp="1" noRot="1" noChangeAspect="1" noMove="1" noResize="1" noEditPoints="1" noAdjustHandles="1" noChangeArrowheads="1" noChangeShapeType="1" noTextEdit="1"/>
+              </p:cNvSpPr>
+              <p:nvPr>
+                <p:ph idx="1"/>
+              </p:nvPr>
+            </p:nvSpPr>
+            <p:spPr>
+              <a:xfrm>
+                <a:off x="838200" y="1825625"/>
+                <a:ext cx="10922876" cy="4351338"/>
+              </a:xfrm>
+              <a:blipFill>
+                <a:blip r:embed="rId2"/>
+                <a:stretch>
+                  <a:fillRect l="-1005" t="-1541"/>
+                </a:stretch>
+              </a:blipFill>
+            </p:spPr>
+            <p:txBody>
+              <a:bodyPr/>
+              <a:lstStyle/>
+              <a:p>
+                <a:r>
+                  <a:rPr lang="en-GB">
+                    <a:noFill/>
+                  </a:rPr>
+                  <a:t> </a:t>
+                </a:r>
+              </a:p>
+            </p:txBody>
+          </p:sp>
+        </mc:Fallback>
+      </mc:AlternateContent>
+      <p:sp>
+        <p:nvSpPr>
+          <p:cNvPr id="4" name="Slide Number Placeholder 3">
+            <a:extLst>
+              <a:ext uri="{FF2B5EF4-FFF2-40B4-BE49-F238E27FC236}">
+                <a16:creationId xmlns:a16="http://schemas.microsoft.com/office/drawing/2014/main" id="{FB830186-3866-87F6-86F6-E38EACD2E879}"/>
+              </a:ext>
+            </a:extLst>
+          </p:cNvPr>
+          <p:cNvSpPr>
+            <a:spLocks noGrp="1"/>
+          </p:cNvSpPr>
+          <p:nvPr>
+            <p:ph type="sldNum" sz="quarter" idx="12"/>
+          </p:nvPr>
+        </p:nvSpPr>
+        <p:spPr/>
+        <p:txBody>
+          <a:bodyPr/>
+          <a:lstStyle/>
+          <a:p>
+            <a:fld id="{77E1BB0D-8AD4-A14C-8FD5-F1619D1A43A2}" type="slidenum">
+              <a:rPr lang="en-DE" smtClean="0"/>
+              <a:t>3</a:t>
+            </a:fld>
+            <a:endParaRPr lang="en-DE"/>
+          </a:p>
+        </p:txBody>
+      </p:sp>
+    </p:spTree>
+    <p:extLst>
+      <p:ext uri="{BB962C8B-B14F-4D97-AF65-F5344CB8AC3E}">
+        <p14:creationId xmlns:p14="http://schemas.microsoft.com/office/powerpoint/2010/main" val="1774728759"/>
+      </p:ext>
+    </p:extLst>
+  </p:cSld>
+  <p:clrMapOvr>
+    <a:masterClrMapping/>
+  </p:clrMapOvr>
+</p:sld>
+</file>
+
+<file path=ppt/slides/slide4.xml><?xml version="1.0" encoding="utf-8"?>
+<p:sld xmlns:a="http://schemas.openxmlformats.org/drawingml/2006/main" xmlns:r="http://schemas.openxmlformats.org/officeDocument/2006/relationships" xmlns:p="http://schemas.openxmlformats.org/presentationml/2006/main">
+  <p:cSld>
+    <p:spTree>
+      <p:nvGrpSpPr>
+        <p:cNvPr id="1" name=""/>
+        <p:cNvGrpSpPr/>
+        <p:nvPr/>
+      </p:nvGrpSpPr>
+      <p:grpSpPr>
+        <a:xfrm>
+          <a:off x="0" y="0"/>
+          <a:ext cx="0" cy="0"/>
+          <a:chOff x="0" y="0"/>
+          <a:chExt cx="0" cy="0"/>
+        </a:xfrm>
+      </p:grpSpPr>
+      <p:sp>
+        <p:nvSpPr>
+          <p:cNvPr id="2" name="Title 1">
+            <a:extLst>
+              <a:ext uri="{FF2B5EF4-FFF2-40B4-BE49-F238E27FC236}">
                 <a16:creationId xmlns:a16="http://schemas.microsoft.com/office/drawing/2014/main" id="{7F68C9E7-BD6E-8F22-5A56-1B79732A7149}"/>
               </a:ext>
             </a:extLst>
@@ -12731,7 +13273,7 @@
           <a:p>
             <a:fld id="{ADDEFC8A-584C-5E41-A633-418C2FB73F75}" type="slidenum">
               <a:rPr lang="en-DE" smtClean="0"/>
-              <a:t>3</a:t>
+              <a:t>4</a:t>
             </a:fld>
             <a:endParaRPr lang="en-DE"/>
           </a:p>
@@ -13905,7 +14447,7 @@
 </p:sld>
 </file>
 
-<file path=ppt/slides/slide4.xml><?xml version="1.0" encoding="utf-8"?>
+<file path=ppt/slides/slide5.xml><?xml version="1.0" encoding="utf-8"?>
 <p:sld xmlns:a="http://schemas.openxmlformats.org/drawingml/2006/main" xmlns:r="http://schemas.openxmlformats.org/officeDocument/2006/relationships" xmlns:p="http://schemas.openxmlformats.org/presentationml/2006/main">
   <p:cSld>
     <p:spTree>
@@ -13973,7 +14515,7 @@
           <a:p>
             <a:fld id="{ADDEFC8A-584C-5E41-A633-418C2FB73F75}" type="slidenum">
               <a:rPr lang="en-DE" smtClean="0"/>
-              <a:t>4</a:t>
+              <a:t>5</a:t>
             </a:fld>
             <a:endParaRPr lang="en-DE" dirty="0"/>
           </a:p>
@@ -16107,7 +16649,7 @@
 </p:sld>
 </file>
 
-<file path=ppt/slides/slide5.xml><?xml version="1.0" encoding="utf-8"?>
+<file path=ppt/slides/slide6.xml><?xml version="1.0" encoding="utf-8"?>
 <p:sld xmlns:a="http://schemas.openxmlformats.org/drawingml/2006/main" xmlns:r="http://schemas.openxmlformats.org/officeDocument/2006/relationships" xmlns:p="http://schemas.openxmlformats.org/presentationml/2006/main">
   <p:cSld>
     <p:spTree>
@@ -16396,7 +16938,7 @@
           <a:p>
             <a:fld id="{ADDEFC8A-584C-5E41-A633-418C2FB73F75}" type="slidenum">
               <a:rPr lang="en-DE" smtClean="0"/>
-              <a:t>5</a:t>
+              <a:t>6</a:t>
             </a:fld>
             <a:endParaRPr lang="en-DE"/>
           </a:p>
@@ -16869,7 +17411,7 @@
 </p:sld>
 </file>
 
-<file path=ppt/slides/slide6.xml><?xml version="1.0" encoding="utf-8"?>
+<file path=ppt/slides/slide7.xml><?xml version="1.0" encoding="utf-8"?>
 <p:sld xmlns:a="http://schemas.openxmlformats.org/drawingml/2006/main" xmlns:r="http://schemas.openxmlformats.org/officeDocument/2006/relationships" xmlns:p="http://schemas.openxmlformats.org/presentationml/2006/main">
   <p:cSld>
     <p:spTree>
@@ -17052,7 +17594,7 @@
           <a:p>
             <a:fld id="{CD59A58F-BEEB-D14F-8B2B-8D77BCC2C0BB}" type="slidenum">
               <a:rPr lang="en-DE" smtClean="0"/>
-              <a:t>6</a:t>
+              <a:t>7</a:t>
             </a:fld>
             <a:endParaRPr lang="en-DE"/>
           </a:p>
@@ -17293,7 +17835,7 @@
 </p:sld>
 </file>
 
-<file path=ppt/slides/slide7.xml><?xml version="1.0" encoding="utf-8"?>
+<file path=ppt/slides/slide8.xml><?xml version="1.0" encoding="utf-8"?>
 <p:sld xmlns:a="http://schemas.openxmlformats.org/drawingml/2006/main" xmlns:r="http://schemas.openxmlformats.org/officeDocument/2006/relationships" xmlns:p="http://schemas.openxmlformats.org/presentationml/2006/main">
   <p:cSld>
     <p:spTree>
@@ -17427,7 +17969,7 @@
           <a:p>
             <a:fld id="{C4CC4FF7-4194-DC4A-997C-EF4C65C96866}" type="slidenum">
               <a:rPr lang="en-DE" smtClean="0"/>
-              <a:t>7</a:t>
+              <a:t>8</a:t>
             </a:fld>
             <a:endParaRPr lang="en-DE"/>
           </a:p>
@@ -17514,7 +18056,7 @@
 </p:sld>
 </file>
 
-<file path=ppt/slides/slide8.xml><?xml version="1.0" encoding="utf-8"?>
+<file path=ppt/slides/slide9.xml><?xml version="1.0" encoding="utf-8"?>
 <p:sld xmlns:a="http://schemas.openxmlformats.org/drawingml/2006/main" xmlns:r="http://schemas.openxmlformats.org/officeDocument/2006/relationships" xmlns:p="http://schemas.openxmlformats.org/presentationml/2006/main">
   <p:cSld>
     <p:spTree>
@@ -17864,7 +18406,7 @@
           <a:p>
             <a:fld id="{CD59A58F-BEEB-D14F-8B2B-8D77BCC2C0BB}" type="slidenum">
               <a:rPr lang="en-DE" smtClean="0"/>
-              <a:t>8</a:t>
+              <a:t>9</a:t>
             </a:fld>
             <a:endParaRPr lang="en-DE"/>
           </a:p>
@@ -17874,433 +18416,6 @@
     <p:extLst>
       <p:ext uri="{BB962C8B-B14F-4D97-AF65-F5344CB8AC3E}">
         <p14:creationId xmlns:p14="http://schemas.microsoft.com/office/powerpoint/2010/main" val="2178886473"/>
-      </p:ext>
-    </p:extLst>
-  </p:cSld>
-  <p:clrMapOvr>
-    <a:masterClrMapping/>
-  </p:clrMapOvr>
-</p:sld>
-</file>
-
-<file path=ppt/slides/slide9.xml><?xml version="1.0" encoding="utf-8"?>
-<p:sld xmlns:a="http://schemas.openxmlformats.org/drawingml/2006/main" xmlns:r="http://schemas.openxmlformats.org/officeDocument/2006/relationships" xmlns:p="http://schemas.openxmlformats.org/presentationml/2006/main">
-  <p:cSld>
-    <p:spTree>
-      <p:nvGrpSpPr>
-        <p:cNvPr id="1" name=""/>
-        <p:cNvGrpSpPr/>
-        <p:nvPr/>
-      </p:nvGrpSpPr>
-      <p:grpSpPr>
-        <a:xfrm>
-          <a:off x="0" y="0"/>
-          <a:ext cx="0" cy="0"/>
-          <a:chOff x="0" y="0"/>
-          <a:chExt cx="0" cy="0"/>
-        </a:xfrm>
-      </p:grpSpPr>
-      <p:sp>
-        <p:nvSpPr>
-          <p:cNvPr id="2" name="Title 1">
-            <a:extLst>
-              <a:ext uri="{FF2B5EF4-FFF2-40B4-BE49-F238E27FC236}">
-                <a16:creationId xmlns:a16="http://schemas.microsoft.com/office/drawing/2014/main" id="{7B8B5971-ED29-8C4C-BE8A-7EED9D3B41ED}"/>
-              </a:ext>
-            </a:extLst>
-          </p:cNvPr>
-          <p:cNvSpPr>
-            <a:spLocks noGrp="1"/>
-          </p:cNvSpPr>
-          <p:nvPr>
-            <p:ph type="title"/>
-          </p:nvPr>
-        </p:nvSpPr>
-        <p:spPr/>
-        <p:txBody>
-          <a:bodyPr/>
-          <a:lstStyle/>
-          <a:p>
-            <a:r>
-              <a:rPr lang="en-GB" dirty="0"/>
-              <a:t>Bias-Variance </a:t>
-            </a:r>
-            <a:r>
-              <a:rPr lang="en-GB" dirty="0" err="1"/>
-              <a:t>Tradeoff</a:t>
-            </a:r>
-            <a:endParaRPr lang="en-DE" dirty="0"/>
-          </a:p>
-        </p:txBody>
-      </p:sp>
-      <p:sp>
-        <p:nvSpPr>
-          <p:cNvPr id="3" name="Content Placeholder 2">
-            <a:extLst>
-              <a:ext uri="{FF2B5EF4-FFF2-40B4-BE49-F238E27FC236}">
-                <a16:creationId xmlns:a16="http://schemas.microsoft.com/office/drawing/2014/main" id="{E037E309-547C-0348-8F2F-1DE00DC02012}"/>
-              </a:ext>
-            </a:extLst>
-          </p:cNvPr>
-          <p:cNvSpPr>
-            <a:spLocks noGrp="1"/>
-          </p:cNvSpPr>
-          <p:nvPr>
-            <p:ph idx="1"/>
-          </p:nvPr>
-        </p:nvSpPr>
-        <p:spPr>
-          <a:xfrm>
-            <a:off x="838200" y="3451438"/>
-            <a:ext cx="6738258" cy="2381468"/>
-          </a:xfrm>
-        </p:spPr>
-        <p:txBody>
-          <a:bodyPr>
-            <a:normAutofit/>
-          </a:bodyPr>
-          <a:lstStyle/>
-          <a:p>
-            <a:r>
-              <a:rPr lang="en-GB" sz="2400" dirty="0"/>
-              <a:t>generalization error follows U-shaped curve: overfitting once model complexity (number of parameters) passes certain threshold</a:t>
-            </a:r>
-          </a:p>
-          <a:p>
-            <a:r>
-              <a:rPr lang="en-GB" sz="2400" dirty="0"/>
-              <a:t>overfitting: variance term dominating test error</a:t>
-            </a:r>
-          </a:p>
-          <a:p>
-            <a:pPr marL="0" indent="0">
-              <a:buNone/>
-            </a:pPr>
-            <a:r>
-              <a:rPr lang="en-GB" sz="2400" dirty="0">
-                <a:sym typeface="Wingdings" pitchFamily="2" charset="2"/>
-              </a:rPr>
-              <a:t> </a:t>
-            </a:r>
-            <a:r>
-              <a:rPr lang="en-GB" sz="2400" dirty="0"/>
-              <a:t>increasing model complexity increases test error</a:t>
-            </a:r>
-          </a:p>
-        </p:txBody>
-      </p:sp>
-      <p:sp>
-        <p:nvSpPr>
-          <p:cNvPr id="4" name="Slide Number Placeholder 3">
-            <a:extLst>
-              <a:ext uri="{FF2B5EF4-FFF2-40B4-BE49-F238E27FC236}">
-                <a16:creationId xmlns:a16="http://schemas.microsoft.com/office/drawing/2014/main" id="{D5FFF4B6-67D9-E940-A6CB-70C55533E4E9}"/>
-              </a:ext>
-            </a:extLst>
-          </p:cNvPr>
-          <p:cNvSpPr>
-            <a:spLocks noGrp="1"/>
-          </p:cNvSpPr>
-          <p:nvPr>
-            <p:ph type="sldNum" sz="quarter" idx="12"/>
-          </p:nvPr>
-        </p:nvSpPr>
-        <p:spPr/>
-        <p:txBody>
-          <a:bodyPr/>
-          <a:lstStyle/>
-          <a:p>
-            <a:fld id="{CD59A58F-BEEB-D14F-8B2B-8D77BCC2C0BB}" type="slidenum">
-              <a:rPr lang="en-DE" smtClean="0"/>
-              <a:t>9</a:t>
-            </a:fld>
-            <a:endParaRPr lang="en-DE"/>
-          </a:p>
-        </p:txBody>
-      </p:sp>
-      <p:sp>
-        <p:nvSpPr>
-          <p:cNvPr id="7" name="Content Placeholder 2">
-            <a:extLst>
-              <a:ext uri="{FF2B5EF4-FFF2-40B4-BE49-F238E27FC236}">
-                <a16:creationId xmlns:a16="http://schemas.microsoft.com/office/drawing/2014/main" id="{E2A66421-89E3-75A9-4DCF-F02108DB866A}"/>
-              </a:ext>
-            </a:extLst>
-          </p:cNvPr>
-          <p:cNvSpPr txBox="1">
-            <a:spLocks/>
-          </p:cNvSpPr>
-          <p:nvPr/>
-        </p:nvSpPr>
-        <p:spPr>
-          <a:xfrm>
-            <a:off x="838200" y="1825625"/>
-            <a:ext cx="10515600" cy="1375376"/>
-          </a:xfrm>
-          <a:prstGeom prst="rect">
-            <a:avLst/>
-          </a:prstGeom>
-        </p:spPr>
-        <p:txBody>
-          <a:bodyPr vert="horz" lIns="91440" tIns="45720" rIns="91440" bIns="45720" rtlCol="0">
-            <a:normAutofit/>
-          </a:bodyPr>
-          <a:lstStyle>
-            <a:lvl1pPr marL="228600" indent="-228600" algn="l" defTabSz="914400" rtl="0" eaLnBrk="1" latinLnBrk="0" hangingPunct="1">
-              <a:lnSpc>
-                <a:spcPct val="90000"/>
-              </a:lnSpc>
-              <a:spcBef>
-                <a:spcPts val="1000"/>
-              </a:spcBef>
-              <a:buFont typeface="Arial" panose="020B0604020202020204" pitchFamily="34" charset="0"/>
-              <a:buChar char="•"/>
-              <a:defRPr sz="2800" kern="1200">
-                <a:solidFill>
-                  <a:schemeClr val="tx1"/>
-                </a:solidFill>
-                <a:latin typeface="+mn-lt"/>
-                <a:ea typeface="+mn-ea"/>
-                <a:cs typeface="+mn-cs"/>
-              </a:defRPr>
-            </a:lvl1pPr>
-            <a:lvl2pPr marL="685800" indent="-228600" algn="l" defTabSz="914400" rtl="0" eaLnBrk="1" latinLnBrk="0" hangingPunct="1">
-              <a:lnSpc>
-                <a:spcPct val="90000"/>
-              </a:lnSpc>
-              <a:spcBef>
-                <a:spcPts val="500"/>
-              </a:spcBef>
-              <a:buFont typeface="Arial" panose="020B0604020202020204" pitchFamily="34" charset="0"/>
-              <a:buChar char="•"/>
-              <a:defRPr sz="2400" kern="1200">
-                <a:solidFill>
-                  <a:schemeClr val="tx1"/>
-                </a:solidFill>
-                <a:latin typeface="+mn-lt"/>
-                <a:ea typeface="+mn-ea"/>
-                <a:cs typeface="+mn-cs"/>
-              </a:defRPr>
-            </a:lvl2pPr>
-            <a:lvl3pPr marL="1143000" indent="-228600" algn="l" defTabSz="914400" rtl="0" eaLnBrk="1" latinLnBrk="0" hangingPunct="1">
-              <a:lnSpc>
-                <a:spcPct val="90000"/>
-              </a:lnSpc>
-              <a:spcBef>
-                <a:spcPts val="500"/>
-              </a:spcBef>
-              <a:buFont typeface="Arial" panose="020B0604020202020204" pitchFamily="34" charset="0"/>
-              <a:buChar char="•"/>
-              <a:defRPr sz="2000" kern="1200">
-                <a:solidFill>
-                  <a:schemeClr val="tx1"/>
-                </a:solidFill>
-                <a:latin typeface="+mn-lt"/>
-                <a:ea typeface="+mn-ea"/>
-                <a:cs typeface="+mn-cs"/>
-              </a:defRPr>
-            </a:lvl3pPr>
-            <a:lvl4pPr marL="1600200" indent="-228600" algn="l" defTabSz="914400" rtl="0" eaLnBrk="1" latinLnBrk="0" hangingPunct="1">
-              <a:lnSpc>
-                <a:spcPct val="90000"/>
-              </a:lnSpc>
-              <a:spcBef>
-                <a:spcPts val="500"/>
-              </a:spcBef>
-              <a:buFont typeface="Arial" panose="020B0604020202020204" pitchFamily="34" charset="0"/>
-              <a:buChar char="•"/>
-              <a:defRPr sz="1800" kern="1200">
-                <a:solidFill>
-                  <a:schemeClr val="tx1"/>
-                </a:solidFill>
-                <a:latin typeface="+mn-lt"/>
-                <a:ea typeface="+mn-ea"/>
-                <a:cs typeface="+mn-cs"/>
-              </a:defRPr>
-            </a:lvl4pPr>
-            <a:lvl5pPr marL="2057400" indent="-228600" algn="l" defTabSz="914400" rtl="0" eaLnBrk="1" latinLnBrk="0" hangingPunct="1">
-              <a:lnSpc>
-                <a:spcPct val="90000"/>
-              </a:lnSpc>
-              <a:spcBef>
-                <a:spcPts val="500"/>
-              </a:spcBef>
-              <a:buFont typeface="Arial" panose="020B0604020202020204" pitchFamily="34" charset="0"/>
-              <a:buChar char="•"/>
-              <a:defRPr sz="1800" kern="1200">
-                <a:solidFill>
-                  <a:schemeClr val="tx1"/>
-                </a:solidFill>
-                <a:latin typeface="+mn-lt"/>
-                <a:ea typeface="+mn-ea"/>
-                <a:cs typeface="+mn-cs"/>
-              </a:defRPr>
-            </a:lvl5pPr>
-            <a:lvl6pPr marL="2514600" indent="-228600" algn="l" defTabSz="914400" rtl="0" eaLnBrk="1" latinLnBrk="0" hangingPunct="1">
-              <a:lnSpc>
-                <a:spcPct val="90000"/>
-              </a:lnSpc>
-              <a:spcBef>
-                <a:spcPts val="500"/>
-              </a:spcBef>
-              <a:buFont typeface="Arial" panose="020B0604020202020204" pitchFamily="34" charset="0"/>
-              <a:buChar char="•"/>
-              <a:defRPr sz="1800" kern="1200">
-                <a:solidFill>
-                  <a:schemeClr val="tx1"/>
-                </a:solidFill>
-                <a:latin typeface="+mn-lt"/>
-                <a:ea typeface="+mn-ea"/>
-                <a:cs typeface="+mn-cs"/>
-              </a:defRPr>
-            </a:lvl6pPr>
-            <a:lvl7pPr marL="2971800" indent="-228600" algn="l" defTabSz="914400" rtl="0" eaLnBrk="1" latinLnBrk="0" hangingPunct="1">
-              <a:lnSpc>
-                <a:spcPct val="90000"/>
-              </a:lnSpc>
-              <a:spcBef>
-                <a:spcPts val="500"/>
-              </a:spcBef>
-              <a:buFont typeface="Arial" panose="020B0604020202020204" pitchFamily="34" charset="0"/>
-              <a:buChar char="•"/>
-              <a:defRPr sz="1800" kern="1200">
-                <a:solidFill>
-                  <a:schemeClr val="tx1"/>
-                </a:solidFill>
-                <a:latin typeface="+mn-lt"/>
-                <a:ea typeface="+mn-ea"/>
-                <a:cs typeface="+mn-cs"/>
-              </a:defRPr>
-            </a:lvl7pPr>
-            <a:lvl8pPr marL="3429000" indent="-228600" algn="l" defTabSz="914400" rtl="0" eaLnBrk="1" latinLnBrk="0" hangingPunct="1">
-              <a:lnSpc>
-                <a:spcPct val="90000"/>
-              </a:lnSpc>
-              <a:spcBef>
-                <a:spcPts val="500"/>
-              </a:spcBef>
-              <a:buFont typeface="Arial" panose="020B0604020202020204" pitchFamily="34" charset="0"/>
-              <a:buChar char="•"/>
-              <a:defRPr sz="1800" kern="1200">
-                <a:solidFill>
-                  <a:schemeClr val="tx1"/>
-                </a:solidFill>
-                <a:latin typeface="+mn-lt"/>
-                <a:ea typeface="+mn-ea"/>
-                <a:cs typeface="+mn-cs"/>
-              </a:defRPr>
-            </a:lvl8pPr>
-            <a:lvl9pPr marL="3886200" indent="-228600" algn="l" defTabSz="914400" rtl="0" eaLnBrk="1" latinLnBrk="0" hangingPunct="1">
-              <a:lnSpc>
-                <a:spcPct val="90000"/>
-              </a:lnSpc>
-              <a:spcBef>
-                <a:spcPts val="500"/>
-              </a:spcBef>
-              <a:buFont typeface="Arial" panose="020B0604020202020204" pitchFamily="34" charset="0"/>
-              <a:buChar char="•"/>
-              <a:defRPr sz="1800" kern="1200">
-                <a:solidFill>
-                  <a:schemeClr val="tx1"/>
-                </a:solidFill>
-                <a:latin typeface="+mn-lt"/>
-                <a:ea typeface="+mn-ea"/>
-                <a:cs typeface="+mn-cs"/>
-              </a:defRPr>
-            </a:lvl9pPr>
-          </a:lstStyle>
-          <a:p>
-            <a:r>
-              <a:rPr lang="en-GB" sz="2400" dirty="0"/>
-              <a:t>fundamental concept in classical statistical learning theory</a:t>
-            </a:r>
-          </a:p>
-          <a:p>
-            <a:r>
-              <a:rPr lang="en-GB" sz="2400" dirty="0"/>
-              <a:t>models of higher complexity have lower bias but higher variance (given the same number of training examples)</a:t>
-            </a:r>
-          </a:p>
-        </p:txBody>
-      </p:sp>
-      <p:pic>
-        <p:nvPicPr>
-          <p:cNvPr id="11" name="Picture 10" descr="Diagram&#10;&#10;Description automatically generated">
-            <a:extLst>
-              <a:ext uri="{FF2B5EF4-FFF2-40B4-BE49-F238E27FC236}">
-                <a16:creationId xmlns:a16="http://schemas.microsoft.com/office/drawing/2014/main" id="{03ED01CC-EC7A-D792-11FD-E6168F661137}"/>
-              </a:ext>
-            </a:extLst>
-          </p:cNvPr>
-          <p:cNvPicPr>
-            <a:picLocks noChangeAspect="1"/>
-          </p:cNvPicPr>
-          <p:nvPr/>
-        </p:nvPicPr>
-        <p:blipFill>
-          <a:blip r:embed="rId2"/>
-          <a:stretch>
-            <a:fillRect/>
-          </a:stretch>
-        </p:blipFill>
-        <p:spPr>
-          <a:xfrm>
-            <a:off x="7430702" y="3201001"/>
-            <a:ext cx="4697346" cy="3030007"/>
-          </a:xfrm>
-          <a:prstGeom prst="rect">
-            <a:avLst/>
-          </a:prstGeom>
-        </p:spPr>
-      </p:pic>
-      <p:sp>
-        <p:nvSpPr>
-          <p:cNvPr id="12" name="TextBox 11">
-            <a:extLst>
-              <a:ext uri="{FF2B5EF4-FFF2-40B4-BE49-F238E27FC236}">
-                <a16:creationId xmlns:a16="http://schemas.microsoft.com/office/drawing/2014/main" id="{6D4E8FF6-6EA3-1615-9124-66EB0EFD0B08}"/>
-              </a:ext>
-            </a:extLst>
-          </p:cNvPr>
-          <p:cNvSpPr txBox="1"/>
-          <p:nvPr/>
-        </p:nvSpPr>
-        <p:spPr>
-          <a:xfrm>
-            <a:off x="7914762" y="6231008"/>
-            <a:ext cx="962123" cy="246221"/>
-          </a:xfrm>
-          <a:prstGeom prst="rect">
-            <a:avLst/>
-          </a:prstGeom>
-          <a:noFill/>
-        </p:spPr>
-        <p:txBody>
-          <a:bodyPr wrap="none" rtlCol="0">
-            <a:spAutoFit/>
-          </a:bodyPr>
-          <a:lstStyle/>
-          <a:p>
-            <a:r>
-              <a:rPr lang="de-DE" sz="1000" dirty="0" err="1"/>
-              <a:t>from</a:t>
-            </a:r>
-            <a:r>
-              <a:rPr lang="de-DE" sz="1000" dirty="0"/>
-              <a:t> </a:t>
-            </a:r>
-            <a:r>
-              <a:rPr lang="de-DE" sz="1000" dirty="0" err="1"/>
-              <a:t>wikipedia</a:t>
-            </a:r>
-            <a:endParaRPr lang="de-DE" sz="1000" dirty="0"/>
-          </a:p>
-        </p:txBody>
-      </p:sp>
-    </p:spTree>
-    <p:extLst>
-      <p:ext uri="{BB962C8B-B14F-4D97-AF65-F5344CB8AC3E}">
-        <p14:creationId xmlns:p14="http://schemas.microsoft.com/office/powerpoint/2010/main" val="1421615699"/>
       </p:ext>
     </p:extLst>
   </p:cSld>

--- a/slides/PredictiveAI_2.pptx
+++ b/slides/PredictiveAI_2.pptx
@@ -5,35 +5,34 @@
     <p:sldMasterId id="2147483648" r:id="rId1"/>
   </p:sldMasterIdLst>
   <p:notesMasterIdLst>
-    <p:notesMasterId r:id="rId28"/>
+    <p:notesMasterId r:id="rId27"/>
   </p:notesMasterIdLst>
   <p:sldIdLst>
     <p:sldId id="292" r:id="rId2"/>
-    <p:sldId id="721" r:id="rId3"/>
-    <p:sldId id="653" r:id="rId4"/>
-    <p:sldId id="285" r:id="rId5"/>
-    <p:sldId id="303" r:id="rId6"/>
-    <p:sldId id="282" r:id="rId7"/>
-    <p:sldId id="302" r:id="rId8"/>
-    <p:sldId id="636" r:id="rId9"/>
-    <p:sldId id="295" r:id="rId10"/>
-    <p:sldId id="304" r:id="rId11"/>
-    <p:sldId id="574" r:id="rId12"/>
-    <p:sldId id="266" r:id="rId13"/>
-    <p:sldId id="268" r:id="rId14"/>
-    <p:sldId id="632" r:id="rId15"/>
-    <p:sldId id="316" r:id="rId16"/>
-    <p:sldId id="688" r:id="rId17"/>
-    <p:sldId id="306" r:id="rId18"/>
-    <p:sldId id="284" r:id="rId19"/>
-    <p:sldId id="305" r:id="rId20"/>
-    <p:sldId id="693" r:id="rId21"/>
-    <p:sldId id="694" r:id="rId22"/>
-    <p:sldId id="695" r:id="rId23"/>
-    <p:sldId id="720" r:id="rId24"/>
-    <p:sldId id="309" r:id="rId25"/>
-    <p:sldId id="719" r:id="rId26"/>
-    <p:sldId id="717" r:id="rId27"/>
+    <p:sldId id="653" r:id="rId3"/>
+    <p:sldId id="285" r:id="rId4"/>
+    <p:sldId id="303" r:id="rId5"/>
+    <p:sldId id="282" r:id="rId6"/>
+    <p:sldId id="302" r:id="rId7"/>
+    <p:sldId id="636" r:id="rId8"/>
+    <p:sldId id="295" r:id="rId9"/>
+    <p:sldId id="304" r:id="rId10"/>
+    <p:sldId id="574" r:id="rId11"/>
+    <p:sldId id="266" r:id="rId12"/>
+    <p:sldId id="268" r:id="rId13"/>
+    <p:sldId id="632" r:id="rId14"/>
+    <p:sldId id="316" r:id="rId15"/>
+    <p:sldId id="688" r:id="rId16"/>
+    <p:sldId id="306" r:id="rId17"/>
+    <p:sldId id="284" r:id="rId18"/>
+    <p:sldId id="305" r:id="rId19"/>
+    <p:sldId id="693" r:id="rId20"/>
+    <p:sldId id="694" r:id="rId21"/>
+    <p:sldId id="695" r:id="rId22"/>
+    <p:sldId id="720" r:id="rId23"/>
+    <p:sldId id="309" r:id="rId24"/>
+    <p:sldId id="719" r:id="rId25"/>
+    <p:sldId id="717" r:id="rId26"/>
   </p:sldIdLst>
   <p:sldSz cx="12192000" cy="6858000"/>
   <p:notesSz cx="6858000" cy="9144000"/>
@@ -2289,7 +2288,7 @@
           <a:p>
             <a:fld id="{7B97FCB6-4C2D-C04F-941C-940A5CA28665}" type="datetimeFigureOut">
               <a:rPr lang="en-DE" smtClean="0"/>
-              <a:t>05/26/2024</a:t>
+              <a:t>07/11/2024</a:t>
             </a:fld>
             <a:endParaRPr lang="en-DE"/>
           </a:p>
@@ -2706,7 +2705,7 @@
           <a:p>
             <a:fld id="{C549D344-DF28-3942-A533-7BAE51F54729}" type="datetime1">
               <a:rPr lang="de-DE" smtClean="0"/>
-              <a:t>26.05.2024</a:t>
+              <a:t>11.07.2024</a:t>
             </a:fld>
             <a:endParaRPr lang="en-DE"/>
           </a:p>
@@ -2906,7 +2905,7 @@
           <a:p>
             <a:fld id="{B086E2CF-DFBF-D04E-B5DA-5682BEFB4DDF}" type="datetime1">
               <a:rPr lang="de-DE" smtClean="0"/>
-              <a:t>26.05.2024</a:t>
+              <a:t>11.07.2024</a:t>
             </a:fld>
             <a:endParaRPr lang="en-DE"/>
           </a:p>
@@ -3116,7 +3115,7 @@
           <a:p>
             <a:fld id="{535E2105-910D-C747-9EAC-FAEE1AE97756}" type="datetime1">
               <a:rPr lang="de-DE" smtClean="0"/>
-              <a:t>26.05.2024</a:t>
+              <a:t>11.07.2024</a:t>
             </a:fld>
             <a:endParaRPr lang="en-DE"/>
           </a:p>
@@ -3316,7 +3315,7 @@
           <a:p>
             <a:fld id="{0D5BD470-EF8A-9248-A0C9-F868A9D8F50A}" type="datetime1">
               <a:rPr lang="de-DE" smtClean="0"/>
-              <a:t>26.05.2024</a:t>
+              <a:t>11.07.2024</a:t>
             </a:fld>
             <a:endParaRPr lang="en-DE"/>
           </a:p>
@@ -3592,7 +3591,7 @@
           <a:p>
             <a:fld id="{7B12F34F-4BA0-4C4C-95F7-3AE797B9DBCA}" type="datetime1">
               <a:rPr lang="de-DE" smtClean="0"/>
-              <a:t>26.05.2024</a:t>
+              <a:t>11.07.2024</a:t>
             </a:fld>
             <a:endParaRPr lang="en-DE"/>
           </a:p>
@@ -3860,7 +3859,7 @@
           <a:p>
             <a:fld id="{C522E529-A223-9F44-93E9-FAF3838F58DD}" type="datetime1">
               <a:rPr lang="de-DE" smtClean="0"/>
-              <a:t>26.05.2024</a:t>
+              <a:t>11.07.2024</a:t>
             </a:fld>
             <a:endParaRPr lang="en-DE"/>
           </a:p>
@@ -4275,7 +4274,7 @@
           <a:p>
             <a:fld id="{4DF85873-DFC3-7147-8CF2-B93516293BD0}" type="datetime1">
               <a:rPr lang="de-DE" smtClean="0"/>
-              <a:t>26.05.2024</a:t>
+              <a:t>11.07.2024</a:t>
             </a:fld>
             <a:endParaRPr lang="en-DE"/>
           </a:p>
@@ -4417,7 +4416,7 @@
           <a:p>
             <a:fld id="{9FC8FD75-28F4-1141-976A-ED0F1E51F5FE}" type="datetime1">
               <a:rPr lang="de-DE" smtClean="0"/>
-              <a:t>26.05.2024</a:t>
+              <a:t>11.07.2024</a:t>
             </a:fld>
             <a:endParaRPr lang="en-DE"/>
           </a:p>
@@ -4530,7 +4529,7 @@
           <a:p>
             <a:fld id="{A5CF1818-702C-9249-923B-5C9832600DF4}" type="datetime1">
               <a:rPr lang="de-DE" smtClean="0"/>
-              <a:t>26.05.2024</a:t>
+              <a:t>11.07.2024</a:t>
             </a:fld>
             <a:endParaRPr lang="en-DE"/>
           </a:p>
@@ -4843,7 +4842,7 @@
           <a:p>
             <a:fld id="{70703230-1F3D-6648-88BD-E31F8313AC65}" type="datetime1">
               <a:rPr lang="de-DE" smtClean="0"/>
-              <a:t>26.05.2024</a:t>
+              <a:t>11.07.2024</a:t>
             </a:fld>
             <a:endParaRPr lang="en-DE"/>
           </a:p>
@@ -5132,7 +5131,7 @@
           <a:p>
             <a:fld id="{EE1F903E-BE95-4947-BFB2-6309249837BB}" type="datetime1">
               <a:rPr lang="de-DE" smtClean="0"/>
-              <a:t>26.05.2024</a:t>
+              <a:t>11.07.2024</a:t>
             </a:fld>
             <a:endParaRPr lang="en-DE"/>
           </a:p>
@@ -5375,7 +5374,7 @@
           <a:p>
             <a:fld id="{18698627-0DA6-6B48-8AB9-BEA12C38C21E}" type="datetime1">
               <a:rPr lang="de-DE" smtClean="0"/>
-              <a:t>26.05.2024</a:t>
+              <a:t>11.07.2024</a:t>
             </a:fld>
             <a:endParaRPr lang="en-DE"/>
           </a:p>
@@ -5886,433 +5885,6 @@
           <p:cNvPr id="2" name="Title 1">
             <a:extLst>
               <a:ext uri="{FF2B5EF4-FFF2-40B4-BE49-F238E27FC236}">
-                <a16:creationId xmlns:a16="http://schemas.microsoft.com/office/drawing/2014/main" id="{7B8B5971-ED29-8C4C-BE8A-7EED9D3B41ED}"/>
-              </a:ext>
-            </a:extLst>
-          </p:cNvPr>
-          <p:cNvSpPr>
-            <a:spLocks noGrp="1"/>
-          </p:cNvSpPr>
-          <p:nvPr>
-            <p:ph type="title"/>
-          </p:nvPr>
-        </p:nvSpPr>
-        <p:spPr/>
-        <p:txBody>
-          <a:bodyPr/>
-          <a:lstStyle/>
-          <a:p>
-            <a:r>
-              <a:rPr lang="en-GB" dirty="0"/>
-              <a:t>Bias-Variance </a:t>
-            </a:r>
-            <a:r>
-              <a:rPr lang="en-GB" dirty="0" err="1"/>
-              <a:t>Tradeoff</a:t>
-            </a:r>
-            <a:endParaRPr lang="en-DE" dirty="0"/>
-          </a:p>
-        </p:txBody>
-      </p:sp>
-      <p:sp>
-        <p:nvSpPr>
-          <p:cNvPr id="3" name="Content Placeholder 2">
-            <a:extLst>
-              <a:ext uri="{FF2B5EF4-FFF2-40B4-BE49-F238E27FC236}">
-                <a16:creationId xmlns:a16="http://schemas.microsoft.com/office/drawing/2014/main" id="{E037E309-547C-0348-8F2F-1DE00DC02012}"/>
-              </a:ext>
-            </a:extLst>
-          </p:cNvPr>
-          <p:cNvSpPr>
-            <a:spLocks noGrp="1"/>
-          </p:cNvSpPr>
-          <p:nvPr>
-            <p:ph idx="1"/>
-          </p:nvPr>
-        </p:nvSpPr>
-        <p:spPr>
-          <a:xfrm>
-            <a:off x="838200" y="3451438"/>
-            <a:ext cx="6738258" cy="2381468"/>
-          </a:xfrm>
-        </p:spPr>
-        <p:txBody>
-          <a:bodyPr>
-            <a:normAutofit/>
-          </a:bodyPr>
-          <a:lstStyle/>
-          <a:p>
-            <a:r>
-              <a:rPr lang="en-GB" sz="2400" dirty="0"/>
-              <a:t>generalization error follows U-shaped curve: overfitting once model complexity (number of parameters) passes certain threshold</a:t>
-            </a:r>
-          </a:p>
-          <a:p>
-            <a:r>
-              <a:rPr lang="en-GB" sz="2400" dirty="0"/>
-              <a:t>overfitting: variance term dominating test error</a:t>
-            </a:r>
-          </a:p>
-          <a:p>
-            <a:pPr marL="0" indent="0">
-              <a:buNone/>
-            </a:pPr>
-            <a:r>
-              <a:rPr lang="en-GB" sz="2400" dirty="0">
-                <a:sym typeface="Wingdings" pitchFamily="2" charset="2"/>
-              </a:rPr>
-              <a:t> </a:t>
-            </a:r>
-            <a:r>
-              <a:rPr lang="en-GB" sz="2400" dirty="0"/>
-              <a:t>increasing model complexity increases test error</a:t>
-            </a:r>
-          </a:p>
-        </p:txBody>
-      </p:sp>
-      <p:sp>
-        <p:nvSpPr>
-          <p:cNvPr id="4" name="Slide Number Placeholder 3">
-            <a:extLst>
-              <a:ext uri="{FF2B5EF4-FFF2-40B4-BE49-F238E27FC236}">
-                <a16:creationId xmlns:a16="http://schemas.microsoft.com/office/drawing/2014/main" id="{D5FFF4B6-67D9-E940-A6CB-70C55533E4E9}"/>
-              </a:ext>
-            </a:extLst>
-          </p:cNvPr>
-          <p:cNvSpPr>
-            <a:spLocks noGrp="1"/>
-          </p:cNvSpPr>
-          <p:nvPr>
-            <p:ph type="sldNum" sz="quarter" idx="12"/>
-          </p:nvPr>
-        </p:nvSpPr>
-        <p:spPr/>
-        <p:txBody>
-          <a:bodyPr/>
-          <a:lstStyle/>
-          <a:p>
-            <a:fld id="{CD59A58F-BEEB-D14F-8B2B-8D77BCC2C0BB}" type="slidenum">
-              <a:rPr lang="en-DE" smtClean="0"/>
-              <a:t>10</a:t>
-            </a:fld>
-            <a:endParaRPr lang="en-DE"/>
-          </a:p>
-        </p:txBody>
-      </p:sp>
-      <p:sp>
-        <p:nvSpPr>
-          <p:cNvPr id="7" name="Content Placeholder 2">
-            <a:extLst>
-              <a:ext uri="{FF2B5EF4-FFF2-40B4-BE49-F238E27FC236}">
-                <a16:creationId xmlns:a16="http://schemas.microsoft.com/office/drawing/2014/main" id="{E2A66421-89E3-75A9-4DCF-F02108DB866A}"/>
-              </a:ext>
-            </a:extLst>
-          </p:cNvPr>
-          <p:cNvSpPr txBox="1">
-            <a:spLocks/>
-          </p:cNvSpPr>
-          <p:nvPr/>
-        </p:nvSpPr>
-        <p:spPr>
-          <a:xfrm>
-            <a:off x="838200" y="1825625"/>
-            <a:ext cx="10515600" cy="1375376"/>
-          </a:xfrm>
-          <a:prstGeom prst="rect">
-            <a:avLst/>
-          </a:prstGeom>
-        </p:spPr>
-        <p:txBody>
-          <a:bodyPr vert="horz" lIns="91440" tIns="45720" rIns="91440" bIns="45720" rtlCol="0">
-            <a:normAutofit/>
-          </a:bodyPr>
-          <a:lstStyle>
-            <a:lvl1pPr marL="228600" indent="-228600" algn="l" defTabSz="914400" rtl="0" eaLnBrk="1" latinLnBrk="0" hangingPunct="1">
-              <a:lnSpc>
-                <a:spcPct val="90000"/>
-              </a:lnSpc>
-              <a:spcBef>
-                <a:spcPts val="1000"/>
-              </a:spcBef>
-              <a:buFont typeface="Arial" panose="020B0604020202020204" pitchFamily="34" charset="0"/>
-              <a:buChar char="•"/>
-              <a:defRPr sz="2800" kern="1200">
-                <a:solidFill>
-                  <a:schemeClr val="tx1"/>
-                </a:solidFill>
-                <a:latin typeface="+mn-lt"/>
-                <a:ea typeface="+mn-ea"/>
-                <a:cs typeface="+mn-cs"/>
-              </a:defRPr>
-            </a:lvl1pPr>
-            <a:lvl2pPr marL="685800" indent="-228600" algn="l" defTabSz="914400" rtl="0" eaLnBrk="1" latinLnBrk="0" hangingPunct="1">
-              <a:lnSpc>
-                <a:spcPct val="90000"/>
-              </a:lnSpc>
-              <a:spcBef>
-                <a:spcPts val="500"/>
-              </a:spcBef>
-              <a:buFont typeface="Arial" panose="020B0604020202020204" pitchFamily="34" charset="0"/>
-              <a:buChar char="•"/>
-              <a:defRPr sz="2400" kern="1200">
-                <a:solidFill>
-                  <a:schemeClr val="tx1"/>
-                </a:solidFill>
-                <a:latin typeface="+mn-lt"/>
-                <a:ea typeface="+mn-ea"/>
-                <a:cs typeface="+mn-cs"/>
-              </a:defRPr>
-            </a:lvl2pPr>
-            <a:lvl3pPr marL="1143000" indent="-228600" algn="l" defTabSz="914400" rtl="0" eaLnBrk="1" latinLnBrk="0" hangingPunct="1">
-              <a:lnSpc>
-                <a:spcPct val="90000"/>
-              </a:lnSpc>
-              <a:spcBef>
-                <a:spcPts val="500"/>
-              </a:spcBef>
-              <a:buFont typeface="Arial" panose="020B0604020202020204" pitchFamily="34" charset="0"/>
-              <a:buChar char="•"/>
-              <a:defRPr sz="2000" kern="1200">
-                <a:solidFill>
-                  <a:schemeClr val="tx1"/>
-                </a:solidFill>
-                <a:latin typeface="+mn-lt"/>
-                <a:ea typeface="+mn-ea"/>
-                <a:cs typeface="+mn-cs"/>
-              </a:defRPr>
-            </a:lvl3pPr>
-            <a:lvl4pPr marL="1600200" indent="-228600" algn="l" defTabSz="914400" rtl="0" eaLnBrk="1" latinLnBrk="0" hangingPunct="1">
-              <a:lnSpc>
-                <a:spcPct val="90000"/>
-              </a:lnSpc>
-              <a:spcBef>
-                <a:spcPts val="500"/>
-              </a:spcBef>
-              <a:buFont typeface="Arial" panose="020B0604020202020204" pitchFamily="34" charset="0"/>
-              <a:buChar char="•"/>
-              <a:defRPr sz="1800" kern="1200">
-                <a:solidFill>
-                  <a:schemeClr val="tx1"/>
-                </a:solidFill>
-                <a:latin typeface="+mn-lt"/>
-                <a:ea typeface="+mn-ea"/>
-                <a:cs typeface="+mn-cs"/>
-              </a:defRPr>
-            </a:lvl4pPr>
-            <a:lvl5pPr marL="2057400" indent="-228600" algn="l" defTabSz="914400" rtl="0" eaLnBrk="1" latinLnBrk="0" hangingPunct="1">
-              <a:lnSpc>
-                <a:spcPct val="90000"/>
-              </a:lnSpc>
-              <a:spcBef>
-                <a:spcPts val="500"/>
-              </a:spcBef>
-              <a:buFont typeface="Arial" panose="020B0604020202020204" pitchFamily="34" charset="0"/>
-              <a:buChar char="•"/>
-              <a:defRPr sz="1800" kern="1200">
-                <a:solidFill>
-                  <a:schemeClr val="tx1"/>
-                </a:solidFill>
-                <a:latin typeface="+mn-lt"/>
-                <a:ea typeface="+mn-ea"/>
-                <a:cs typeface="+mn-cs"/>
-              </a:defRPr>
-            </a:lvl5pPr>
-            <a:lvl6pPr marL="2514600" indent="-228600" algn="l" defTabSz="914400" rtl="0" eaLnBrk="1" latinLnBrk="0" hangingPunct="1">
-              <a:lnSpc>
-                <a:spcPct val="90000"/>
-              </a:lnSpc>
-              <a:spcBef>
-                <a:spcPts val="500"/>
-              </a:spcBef>
-              <a:buFont typeface="Arial" panose="020B0604020202020204" pitchFamily="34" charset="0"/>
-              <a:buChar char="•"/>
-              <a:defRPr sz="1800" kern="1200">
-                <a:solidFill>
-                  <a:schemeClr val="tx1"/>
-                </a:solidFill>
-                <a:latin typeface="+mn-lt"/>
-                <a:ea typeface="+mn-ea"/>
-                <a:cs typeface="+mn-cs"/>
-              </a:defRPr>
-            </a:lvl6pPr>
-            <a:lvl7pPr marL="2971800" indent="-228600" algn="l" defTabSz="914400" rtl="0" eaLnBrk="1" latinLnBrk="0" hangingPunct="1">
-              <a:lnSpc>
-                <a:spcPct val="90000"/>
-              </a:lnSpc>
-              <a:spcBef>
-                <a:spcPts val="500"/>
-              </a:spcBef>
-              <a:buFont typeface="Arial" panose="020B0604020202020204" pitchFamily="34" charset="0"/>
-              <a:buChar char="•"/>
-              <a:defRPr sz="1800" kern="1200">
-                <a:solidFill>
-                  <a:schemeClr val="tx1"/>
-                </a:solidFill>
-                <a:latin typeface="+mn-lt"/>
-                <a:ea typeface="+mn-ea"/>
-                <a:cs typeface="+mn-cs"/>
-              </a:defRPr>
-            </a:lvl7pPr>
-            <a:lvl8pPr marL="3429000" indent="-228600" algn="l" defTabSz="914400" rtl="0" eaLnBrk="1" latinLnBrk="0" hangingPunct="1">
-              <a:lnSpc>
-                <a:spcPct val="90000"/>
-              </a:lnSpc>
-              <a:spcBef>
-                <a:spcPts val="500"/>
-              </a:spcBef>
-              <a:buFont typeface="Arial" panose="020B0604020202020204" pitchFamily="34" charset="0"/>
-              <a:buChar char="•"/>
-              <a:defRPr sz="1800" kern="1200">
-                <a:solidFill>
-                  <a:schemeClr val="tx1"/>
-                </a:solidFill>
-                <a:latin typeface="+mn-lt"/>
-                <a:ea typeface="+mn-ea"/>
-                <a:cs typeface="+mn-cs"/>
-              </a:defRPr>
-            </a:lvl8pPr>
-            <a:lvl9pPr marL="3886200" indent="-228600" algn="l" defTabSz="914400" rtl="0" eaLnBrk="1" latinLnBrk="0" hangingPunct="1">
-              <a:lnSpc>
-                <a:spcPct val="90000"/>
-              </a:lnSpc>
-              <a:spcBef>
-                <a:spcPts val="500"/>
-              </a:spcBef>
-              <a:buFont typeface="Arial" panose="020B0604020202020204" pitchFamily="34" charset="0"/>
-              <a:buChar char="•"/>
-              <a:defRPr sz="1800" kern="1200">
-                <a:solidFill>
-                  <a:schemeClr val="tx1"/>
-                </a:solidFill>
-                <a:latin typeface="+mn-lt"/>
-                <a:ea typeface="+mn-ea"/>
-                <a:cs typeface="+mn-cs"/>
-              </a:defRPr>
-            </a:lvl9pPr>
-          </a:lstStyle>
-          <a:p>
-            <a:r>
-              <a:rPr lang="en-GB" sz="2400" dirty="0"/>
-              <a:t>fundamental concept in classical statistical learning theory</a:t>
-            </a:r>
-          </a:p>
-          <a:p>
-            <a:r>
-              <a:rPr lang="en-GB" sz="2400" dirty="0"/>
-              <a:t>models of higher complexity have lower bias but higher variance (given the same number of training examples)</a:t>
-            </a:r>
-          </a:p>
-        </p:txBody>
-      </p:sp>
-      <p:pic>
-        <p:nvPicPr>
-          <p:cNvPr id="11" name="Picture 10" descr="Diagram&#10;&#10;Description automatically generated">
-            <a:extLst>
-              <a:ext uri="{FF2B5EF4-FFF2-40B4-BE49-F238E27FC236}">
-                <a16:creationId xmlns:a16="http://schemas.microsoft.com/office/drawing/2014/main" id="{03ED01CC-EC7A-D792-11FD-E6168F661137}"/>
-              </a:ext>
-            </a:extLst>
-          </p:cNvPr>
-          <p:cNvPicPr>
-            <a:picLocks noChangeAspect="1"/>
-          </p:cNvPicPr>
-          <p:nvPr/>
-        </p:nvPicPr>
-        <p:blipFill>
-          <a:blip r:embed="rId2"/>
-          <a:stretch>
-            <a:fillRect/>
-          </a:stretch>
-        </p:blipFill>
-        <p:spPr>
-          <a:xfrm>
-            <a:off x="7430702" y="3201001"/>
-            <a:ext cx="4697346" cy="3030007"/>
-          </a:xfrm>
-          <a:prstGeom prst="rect">
-            <a:avLst/>
-          </a:prstGeom>
-        </p:spPr>
-      </p:pic>
-      <p:sp>
-        <p:nvSpPr>
-          <p:cNvPr id="12" name="TextBox 11">
-            <a:extLst>
-              <a:ext uri="{FF2B5EF4-FFF2-40B4-BE49-F238E27FC236}">
-                <a16:creationId xmlns:a16="http://schemas.microsoft.com/office/drawing/2014/main" id="{6D4E8FF6-6EA3-1615-9124-66EB0EFD0B08}"/>
-              </a:ext>
-            </a:extLst>
-          </p:cNvPr>
-          <p:cNvSpPr txBox="1"/>
-          <p:nvPr/>
-        </p:nvSpPr>
-        <p:spPr>
-          <a:xfrm>
-            <a:off x="7914762" y="6231008"/>
-            <a:ext cx="962123" cy="246221"/>
-          </a:xfrm>
-          <a:prstGeom prst="rect">
-            <a:avLst/>
-          </a:prstGeom>
-          <a:noFill/>
-        </p:spPr>
-        <p:txBody>
-          <a:bodyPr wrap="none" rtlCol="0">
-            <a:spAutoFit/>
-          </a:bodyPr>
-          <a:lstStyle/>
-          <a:p>
-            <a:r>
-              <a:rPr lang="de-DE" sz="1000" dirty="0" err="1"/>
-              <a:t>from</a:t>
-            </a:r>
-            <a:r>
-              <a:rPr lang="de-DE" sz="1000" dirty="0"/>
-              <a:t> </a:t>
-            </a:r>
-            <a:r>
-              <a:rPr lang="de-DE" sz="1000" dirty="0" err="1"/>
-              <a:t>wikipedia</a:t>
-            </a:r>
-            <a:endParaRPr lang="de-DE" sz="1000" dirty="0"/>
-          </a:p>
-        </p:txBody>
-      </p:sp>
-    </p:spTree>
-    <p:extLst>
-      <p:ext uri="{BB962C8B-B14F-4D97-AF65-F5344CB8AC3E}">
-        <p14:creationId xmlns:p14="http://schemas.microsoft.com/office/powerpoint/2010/main" val="1421615699"/>
-      </p:ext>
-    </p:extLst>
-  </p:cSld>
-  <p:clrMapOvr>
-    <a:masterClrMapping/>
-  </p:clrMapOvr>
-</p:sld>
-</file>
-
-<file path=ppt/slides/slide11.xml><?xml version="1.0" encoding="utf-8"?>
-<p:sld xmlns:a="http://schemas.openxmlformats.org/drawingml/2006/main" xmlns:r="http://schemas.openxmlformats.org/officeDocument/2006/relationships" xmlns:p="http://schemas.openxmlformats.org/presentationml/2006/main">
-  <p:cSld>
-    <p:spTree>
-      <p:nvGrpSpPr>
-        <p:cNvPr id="1" name=""/>
-        <p:cNvGrpSpPr/>
-        <p:nvPr/>
-      </p:nvGrpSpPr>
-      <p:grpSpPr>
-        <a:xfrm>
-          <a:off x="0" y="0"/>
-          <a:ext cx="0" cy="0"/>
-          <a:chOff x="0" y="0"/>
-          <a:chExt cx="0" cy="0"/>
-        </a:xfrm>
-      </p:grpSpPr>
-      <p:sp>
-        <p:nvSpPr>
-          <p:cNvPr id="2" name="Title 1">
-            <a:extLst>
-              <a:ext uri="{FF2B5EF4-FFF2-40B4-BE49-F238E27FC236}">
                 <a16:creationId xmlns:a16="http://schemas.microsoft.com/office/drawing/2014/main" id="{80D9CDF0-F76F-177C-9888-0EFEC59B291C}"/>
               </a:ext>
             </a:extLst>
@@ -6521,7 +6093,7 @@
           <a:p>
             <a:fld id="{C4CC4FF7-4194-DC4A-997C-EF4C65C96866}" type="slidenum">
               <a:rPr lang="en-DE" smtClean="0"/>
-              <a:t>11</a:t>
+              <a:t>10</a:t>
             </a:fld>
             <a:endParaRPr lang="en-DE"/>
           </a:p>
@@ -6540,7 +6112,7 @@
 </p:sld>
 </file>
 
-<file path=ppt/slides/slide12.xml><?xml version="1.0" encoding="utf-8"?>
+<file path=ppt/slides/slide11.xml><?xml version="1.0" encoding="utf-8"?>
 <p:sld xmlns:a="http://schemas.openxmlformats.org/drawingml/2006/main" xmlns:r="http://schemas.openxmlformats.org/officeDocument/2006/relationships" xmlns:p="http://schemas.openxmlformats.org/presentationml/2006/main">
   <p:cSld>
     <p:spTree>
@@ -7168,7 +6740,7 @@
           <a:p>
             <a:fld id="{C4CC4FF7-4194-DC4A-997C-EF4C65C96866}" type="slidenum">
               <a:rPr lang="en-DE" smtClean="0"/>
-              <a:t>12</a:t>
+              <a:t>11</a:t>
             </a:fld>
             <a:endParaRPr lang="en-DE"/>
           </a:p>
@@ -7673,7 +7245,7 @@
 </p:sld>
 </file>
 
-<file path=ppt/slides/slide13.xml><?xml version="1.0" encoding="utf-8"?>
+<file path=ppt/slides/slide12.xml><?xml version="1.0" encoding="utf-8"?>
 <p:sld xmlns:a="http://schemas.openxmlformats.org/drawingml/2006/main" xmlns:r="http://schemas.openxmlformats.org/officeDocument/2006/relationships" xmlns:p="http://schemas.openxmlformats.org/presentationml/2006/main">
   <p:cSld>
     <p:spTree>
@@ -7860,7 +7432,7 @@
           <a:p>
             <a:fld id="{C4CC4FF7-4194-DC4A-997C-EF4C65C96866}" type="slidenum">
               <a:rPr lang="en-DE" smtClean="0"/>
-              <a:t>13</a:t>
+              <a:t>12</a:t>
             </a:fld>
             <a:endParaRPr lang="en-DE"/>
           </a:p>
@@ -7879,7 +7451,7 @@
 </p:sld>
 </file>
 
-<file path=ppt/slides/slide14.xml><?xml version="1.0" encoding="utf-8"?>
+<file path=ppt/slides/slide13.xml><?xml version="1.0" encoding="utf-8"?>
 <p:sld xmlns:a="http://schemas.openxmlformats.org/drawingml/2006/main" xmlns:r="http://schemas.openxmlformats.org/officeDocument/2006/relationships" xmlns:p="http://schemas.openxmlformats.org/presentationml/2006/main">
   <p:cSld>
     <p:spTree>
@@ -8113,7 +7685,7 @@
           <a:p>
             <a:fld id="{C4CC4FF7-4194-DC4A-997C-EF4C65C96866}" type="slidenum">
               <a:rPr lang="en-DE" smtClean="0"/>
-              <a:t>14</a:t>
+              <a:t>13</a:t>
             </a:fld>
             <a:endParaRPr lang="en-DE"/>
           </a:p>
@@ -8242,7 +7814,7 @@
 </p:sld>
 </file>
 
-<file path=ppt/slides/slide15.xml><?xml version="1.0" encoding="utf-8"?>
+<file path=ppt/slides/slide14.xml><?xml version="1.0" encoding="utf-8"?>
 <p:sld xmlns:a="http://schemas.openxmlformats.org/drawingml/2006/main" xmlns:r="http://schemas.openxmlformats.org/officeDocument/2006/relationships" xmlns:p="http://schemas.openxmlformats.org/presentationml/2006/main">
   <p:cSld>
     <p:spTree>
@@ -8530,7 +8102,7 @@
           <a:p>
             <a:fld id="{C4CC4FF7-4194-DC4A-997C-EF4C65C96866}" type="slidenum">
               <a:rPr lang="en-DE" smtClean="0"/>
-              <a:t>15</a:t>
+              <a:t>14</a:t>
             </a:fld>
             <a:endParaRPr lang="en-DE"/>
           </a:p>
@@ -8625,7 +8197,7 @@
 </p:sld>
 </file>
 
-<file path=ppt/slides/slide16.xml><?xml version="1.0" encoding="utf-8"?>
+<file path=ppt/slides/slide15.xml><?xml version="1.0" encoding="utf-8"?>
 <p:sld xmlns:a="http://schemas.openxmlformats.org/drawingml/2006/main" xmlns:r="http://schemas.openxmlformats.org/officeDocument/2006/relationships" xmlns:p="http://schemas.openxmlformats.org/presentationml/2006/main">
   <p:cSld>
     <p:spTree>
@@ -8724,7 +8296,7 @@
           <a:p>
             <a:fld id="{4D06B799-84A7-8648-BC90-ED3C95C2198D}" type="slidenum">
               <a:rPr lang="en-DE" smtClean="0"/>
-              <a:t>16</a:t>
+              <a:t>15</a:t>
             </a:fld>
             <a:endParaRPr lang="en-DE"/>
           </a:p>
@@ -9106,6 +8678,162 @@
 </p:sld>
 </file>
 
+<file path=ppt/slides/slide16.xml><?xml version="1.0" encoding="utf-8"?>
+<p:sld xmlns:a="http://schemas.openxmlformats.org/drawingml/2006/main" xmlns:r="http://schemas.openxmlformats.org/officeDocument/2006/relationships" xmlns:p="http://schemas.openxmlformats.org/presentationml/2006/main">
+  <p:cSld>
+    <p:spTree>
+      <p:nvGrpSpPr>
+        <p:cNvPr id="1" name=""/>
+        <p:cNvGrpSpPr/>
+        <p:nvPr/>
+      </p:nvGrpSpPr>
+      <p:grpSpPr>
+        <a:xfrm>
+          <a:off x="0" y="0"/>
+          <a:ext cx="0" cy="0"/>
+          <a:chOff x="0" y="0"/>
+          <a:chExt cx="0" cy="0"/>
+        </a:xfrm>
+      </p:grpSpPr>
+      <p:sp>
+        <p:nvSpPr>
+          <p:cNvPr id="2" name="Title 1">
+            <a:extLst>
+              <a:ext uri="{FF2B5EF4-FFF2-40B4-BE49-F238E27FC236}">
+                <a16:creationId xmlns:a16="http://schemas.microsoft.com/office/drawing/2014/main" id="{6BD7CC2D-C814-B16B-84C3-4DABB9BC0218}"/>
+              </a:ext>
+            </a:extLst>
+          </p:cNvPr>
+          <p:cNvSpPr>
+            <a:spLocks noGrp="1"/>
+          </p:cNvSpPr>
+          <p:nvPr>
+            <p:ph type="title"/>
+          </p:nvPr>
+        </p:nvSpPr>
+        <p:spPr/>
+        <p:txBody>
+          <a:bodyPr/>
+          <a:lstStyle/>
+          <a:p>
+            <a:r>
+              <a:rPr lang="en-DE" dirty="0"/>
+              <a:t>Ensemble Learning</a:t>
+            </a:r>
+          </a:p>
+        </p:txBody>
+      </p:sp>
+      <p:sp>
+        <p:nvSpPr>
+          <p:cNvPr id="3" name="Content Placeholder 2">
+            <a:extLst>
+              <a:ext uri="{FF2B5EF4-FFF2-40B4-BE49-F238E27FC236}">
+                <a16:creationId xmlns:a16="http://schemas.microsoft.com/office/drawing/2014/main" id="{7C27B5A5-82ED-1D02-930E-4F2601CE75E1}"/>
+              </a:ext>
+            </a:extLst>
+          </p:cNvPr>
+          <p:cNvSpPr>
+            <a:spLocks noGrp="1"/>
+          </p:cNvSpPr>
+          <p:nvPr>
+            <p:ph idx="1"/>
+          </p:nvPr>
+        </p:nvSpPr>
+        <p:spPr/>
+        <p:txBody>
+          <a:bodyPr>
+            <a:normAutofit/>
+          </a:bodyPr>
+          <a:lstStyle/>
+          <a:p>
+            <a:pPr marL="0" indent="0">
+              <a:buNone/>
+            </a:pPr>
+            <a:r>
+              <a:rPr lang="en-GB" sz="2600" dirty="0"/>
+              <a:t>idea:</a:t>
+            </a:r>
+          </a:p>
+          <a:p>
+            <a:pPr marL="0" indent="0">
+              <a:buNone/>
+            </a:pPr>
+            <a:r>
+              <a:rPr lang="en-GB" sz="2600" dirty="0"/>
+              <a:t>combine several individual models (often of the same type) to form an ensemble model with better predictive performance than each of its constituents</a:t>
+            </a:r>
+          </a:p>
+          <a:p>
+            <a:pPr marL="0" indent="0">
+              <a:buNone/>
+            </a:pPr>
+            <a:r>
+              <a:rPr lang="en-GB" sz="2600" dirty="0"/>
+              <a:t>learning in several different ways from the training data</a:t>
+            </a:r>
+          </a:p>
+          <a:p>
+            <a:pPr marL="0" indent="0">
+              <a:buNone/>
+            </a:pPr>
+            <a:endParaRPr lang="en-GB" sz="2600" dirty="0"/>
+          </a:p>
+          <a:p>
+            <a:r>
+              <a:rPr lang="en-GB" sz="2600" dirty="0"/>
+              <a:t>the trainings of the individual constituent models are (kind of) independent</a:t>
+            </a:r>
+          </a:p>
+          <a:p>
+            <a:r>
+              <a:rPr lang="en-DE" sz="2600" dirty="0"/>
+              <a:t>outputs of individual models are combined (e.g., averaged)</a:t>
+            </a:r>
+          </a:p>
+        </p:txBody>
+      </p:sp>
+      <p:sp>
+        <p:nvSpPr>
+          <p:cNvPr id="4" name="Slide Number Placeholder 3">
+            <a:extLst>
+              <a:ext uri="{FF2B5EF4-FFF2-40B4-BE49-F238E27FC236}">
+                <a16:creationId xmlns:a16="http://schemas.microsoft.com/office/drawing/2014/main" id="{EA485B20-BA51-4038-7069-D42DBC761BDB}"/>
+              </a:ext>
+            </a:extLst>
+          </p:cNvPr>
+          <p:cNvSpPr>
+            <a:spLocks noGrp="1"/>
+          </p:cNvSpPr>
+          <p:nvPr>
+            <p:ph type="sldNum" sz="quarter" idx="12"/>
+          </p:nvPr>
+        </p:nvSpPr>
+        <p:spPr/>
+        <p:txBody>
+          <a:bodyPr/>
+          <a:lstStyle/>
+          <a:p>
+            <a:fld id="{4D06B799-84A7-8648-BC90-ED3C95C2198D}" type="slidenum">
+              <a:rPr lang="en-DE" smtClean="0"/>
+              <a:t>16</a:t>
+            </a:fld>
+            <a:endParaRPr lang="en-DE"/>
+          </a:p>
+        </p:txBody>
+      </p:sp>
+    </p:spTree>
+    <p:extLst>
+      <p:ext uri="{BB962C8B-B14F-4D97-AF65-F5344CB8AC3E}">
+        <p14:creationId xmlns:p14="http://schemas.microsoft.com/office/powerpoint/2010/main" val="2231908175"/>
+      </p:ext>
+    </p:extLst>
+  </p:cSld>
+  <p:clrMapOvr>
+    <a:masterClrMapping/>
+  </p:clrMapOvr>
+</p:sld>
+</file>
+
 <file path=ppt/slides/slide17.xml><?xml version="1.0" encoding="utf-8"?>
 <p:sld xmlns:a="http://schemas.openxmlformats.org/drawingml/2006/main" xmlns:r="http://schemas.openxmlformats.org/officeDocument/2006/relationships" xmlns:p="http://schemas.openxmlformats.org/presentationml/2006/main">
   <p:cSld>
@@ -9128,7 +8856,7 @@
           <p:cNvPr id="2" name="Title 1">
             <a:extLst>
               <a:ext uri="{FF2B5EF4-FFF2-40B4-BE49-F238E27FC236}">
-                <a16:creationId xmlns:a16="http://schemas.microsoft.com/office/drawing/2014/main" id="{6BD7CC2D-C814-B16B-84C3-4DABB9BC0218}"/>
+                <a16:creationId xmlns:a16="http://schemas.microsoft.com/office/drawing/2014/main" id="{B4BDA92C-9B6F-EACE-FBCB-0A34D2B69EC1}"/>
               </a:ext>
             </a:extLst>
           </p:cNvPr>
@@ -9146,7 +8874,15 @@
           <a:p>
             <a:r>
               <a:rPr lang="en-DE" dirty="0"/>
-              <a:t>Ensemble Learning</a:t>
+              <a:t>Bagging (</a:t>
+            </a:r>
+            <a:r>
+              <a:rPr lang="en-GB" dirty="0"/>
+              <a:t>B</a:t>
+            </a:r>
+            <a:r>
+              <a:rPr lang="en-DE" dirty="0"/>
+              <a:t>ootstrap Aggregating)</a:t>
             </a:r>
           </a:p>
         </p:txBody>
@@ -9156,7 +8892,7 @@
           <p:cNvPr id="3" name="Content Placeholder 2">
             <a:extLst>
               <a:ext uri="{FF2B5EF4-FFF2-40B4-BE49-F238E27FC236}">
-                <a16:creationId xmlns:a16="http://schemas.microsoft.com/office/drawing/2014/main" id="{7C27B5A5-82ED-1D02-930E-4F2601CE75E1}"/>
+                <a16:creationId xmlns:a16="http://schemas.microsoft.com/office/drawing/2014/main" id="{72EC02DC-25CB-8047-6BEA-388E7D6AD6B1}"/>
               </a:ext>
             </a:extLst>
           </p:cNvPr>
@@ -9167,10 +8903,15 @@
             <p:ph idx="1"/>
           </p:nvPr>
         </p:nvSpPr>
-        <p:spPr/>
+        <p:spPr>
+          <a:xfrm>
+            <a:off x="838199" y="1825625"/>
+            <a:ext cx="6077608" cy="4351338"/>
+          </a:xfrm>
+        </p:spPr>
         <p:txBody>
           <a:bodyPr>
-            <a:normAutofit/>
+            <a:normAutofit fontScale="92500"/>
           </a:bodyPr>
           <a:lstStyle/>
           <a:p>
@@ -9178,54 +8919,107 @@
               <a:buNone/>
             </a:pPr>
             <a:r>
-              <a:rPr lang="en-GB" sz="2600" dirty="0"/>
-              <a:t>idea:</a:t>
+              <a:rPr lang="en-GB" dirty="0" err="1"/>
+              <a:t>i</a:t>
+            </a:r>
+            <a:r>
+              <a:rPr lang="en-DE" dirty="0"/>
+              <a:t>dea: </a:t>
+            </a:r>
+            <a:r>
+              <a:rPr lang="en-GB" dirty="0"/>
+              <a:t>t</a:t>
+            </a:r>
+            <a:r>
+              <a:rPr lang="en-DE" dirty="0"/>
+              <a:t>rain individual models of ensemble method on random (sub)sets of the training data (random sample with replacement)</a:t>
+            </a:r>
+          </a:p>
+          <a:p>
+            <a:r>
+              <a:rPr lang="en-GB" dirty="0">
+                <a:sym typeface="Wingdings" pitchFamily="2" charset="2"/>
+              </a:rPr>
+              <a:t>r</a:t>
+            </a:r>
+            <a:r>
+              <a:rPr lang="en-DE" dirty="0">
+                <a:sym typeface="Wingdings" pitchFamily="2" charset="2"/>
+              </a:rPr>
+              <a:t>educes variance of ensemble model compared to individual models</a:t>
+            </a:r>
+          </a:p>
+          <a:p>
+            <a:r>
+              <a:rPr lang="en-DE" dirty="0">
+                <a:sym typeface="Wingdings" pitchFamily="2" charset="2"/>
+              </a:rPr>
+              <a:t>but not bias  use low-bias base models</a:t>
             </a:r>
           </a:p>
           <a:p>
             <a:pPr marL="0" indent="0">
               <a:buNone/>
             </a:pPr>
-            <a:r>
-              <a:rPr lang="en-GB" sz="2600" dirty="0"/>
-              <a:t>combine several individual models (often of the same type) to form an ensemble model with better predictive performance than each of its constituents</a:t>
-            </a:r>
+            <a:endParaRPr lang="en-DE" dirty="0">
+              <a:sym typeface="Wingdings" pitchFamily="2" charset="2"/>
+            </a:endParaRPr>
           </a:p>
           <a:p>
             <a:pPr marL="0" indent="0">
               <a:buNone/>
             </a:pPr>
             <a:r>
-              <a:rPr lang="en-GB" sz="2600" dirty="0"/>
-              <a:t>learning in several different ways from the training data</a:t>
-            </a:r>
-          </a:p>
-          <a:p>
-            <a:pPr marL="0" indent="0">
-              <a:buNone/>
-            </a:pPr>
-            <a:endParaRPr lang="en-GB" sz="2600" dirty="0"/>
-          </a:p>
-          <a:p>
-            <a:r>
-              <a:rPr lang="en-GB" sz="2600" dirty="0"/>
-              <a:t>the trainings of the individual constituent models are (kind of) independent</a:t>
-            </a:r>
-          </a:p>
-          <a:p>
-            <a:r>
-              <a:rPr lang="en-DE" sz="2600" dirty="0"/>
-              <a:t>outputs of individual models are combined (e.g., averaged)</a:t>
+              <a:rPr lang="en-GB" dirty="0">
+                <a:sym typeface="Wingdings" pitchFamily="2" charset="2"/>
+              </a:rPr>
+              <a:t>individual models c</a:t>
+            </a:r>
+            <a:r>
+              <a:rPr lang="en-DE" dirty="0">
+                <a:sym typeface="Wingdings" pitchFamily="2" charset="2"/>
+              </a:rPr>
+              <a:t>ombined by averaging (regression) or majority voting (classification)  committee of models</a:t>
             </a:r>
           </a:p>
         </p:txBody>
       </p:sp>
+      <p:pic>
+        <p:nvPicPr>
+          <p:cNvPr id="5" name="Picture 4" descr="Diagram&#10;&#10;Description automatically generated">
+            <a:extLst>
+              <a:ext uri="{FF2B5EF4-FFF2-40B4-BE49-F238E27FC236}">
+                <a16:creationId xmlns:a16="http://schemas.microsoft.com/office/drawing/2014/main" id="{06D658F3-7E51-0D33-E43E-2712E69F2EC8}"/>
+              </a:ext>
+            </a:extLst>
+          </p:cNvPr>
+          <p:cNvPicPr>
+            <a:picLocks noChangeAspect="1"/>
+          </p:cNvPicPr>
+          <p:nvPr/>
+        </p:nvPicPr>
+        <p:blipFill>
+          <a:blip r:embed="rId2"/>
+          <a:stretch>
+            <a:fillRect/>
+          </a:stretch>
+        </p:blipFill>
+        <p:spPr>
+          <a:xfrm>
+            <a:off x="6859079" y="2714917"/>
+            <a:ext cx="5290881" cy="2519236"/>
+          </a:xfrm>
+          <a:prstGeom prst="rect">
+            <a:avLst/>
+          </a:prstGeom>
+        </p:spPr>
+      </p:pic>
       <p:sp>
         <p:nvSpPr>
           <p:cNvPr id="4" name="Slide Number Placeholder 3">
             <a:extLst>
               <a:ext uri="{FF2B5EF4-FFF2-40B4-BE49-F238E27FC236}">
-                <a16:creationId xmlns:a16="http://schemas.microsoft.com/office/drawing/2014/main" id="{EA485B20-BA51-4038-7069-D42DBC761BDB}"/>
+                <a16:creationId xmlns:a16="http://schemas.microsoft.com/office/drawing/2014/main" id="{F7FA8862-7F8D-C5B7-3F2D-711218DDB65A}"/>
               </a:ext>
             </a:extLst>
           </p:cNvPr>
@@ -9249,10 +9043,87 @@
           </a:p>
         </p:txBody>
       </p:sp>
+      <p:sp>
+        <p:nvSpPr>
+          <p:cNvPr id="6" name="TextBox 5">
+            <a:extLst>
+              <a:ext uri="{FF2B5EF4-FFF2-40B4-BE49-F238E27FC236}">
+                <a16:creationId xmlns:a16="http://schemas.microsoft.com/office/drawing/2014/main" id="{1840354E-B0C7-7C26-FF19-1C5CFF8579F1}"/>
+              </a:ext>
+            </a:extLst>
+          </p:cNvPr>
+          <p:cNvSpPr txBox="1"/>
+          <p:nvPr/>
+        </p:nvSpPr>
+        <p:spPr>
+          <a:xfrm>
+            <a:off x="8068940" y="2210648"/>
+            <a:ext cx="2863861" cy="369332"/>
+          </a:xfrm>
+          <a:prstGeom prst="rect">
+            <a:avLst/>
+          </a:prstGeom>
+          <a:noFill/>
+        </p:spPr>
+        <p:txBody>
+          <a:bodyPr wrap="none" rtlCol="0">
+            <a:spAutoFit/>
+          </a:bodyPr>
+          <a:lstStyle/>
+          <a:p>
+            <a:r>
+              <a:rPr lang="en-GB" dirty="0"/>
+              <a:t>e</a:t>
+            </a:r>
+            <a:r>
+              <a:rPr lang="en-DE" dirty="0"/>
+              <a:t>xample with decision trees:</a:t>
+            </a:r>
+          </a:p>
+        </p:txBody>
+      </p:sp>
+      <p:sp>
+        <p:nvSpPr>
+          <p:cNvPr id="7" name="TextBox 6">
+            <a:extLst>
+              <a:ext uri="{FF2B5EF4-FFF2-40B4-BE49-F238E27FC236}">
+                <a16:creationId xmlns:a16="http://schemas.microsoft.com/office/drawing/2014/main" id="{A8340BE7-41B5-D8CF-5210-E512B79480F3}"/>
+              </a:ext>
+            </a:extLst>
+          </p:cNvPr>
+          <p:cNvSpPr txBox="1"/>
+          <p:nvPr/>
+        </p:nvSpPr>
+        <p:spPr>
+          <a:xfrm>
+            <a:off x="11353800" y="5354838"/>
+            <a:ext cx="532518" cy="246221"/>
+          </a:xfrm>
+          <a:prstGeom prst="rect">
+            <a:avLst/>
+          </a:prstGeom>
+          <a:noFill/>
+        </p:spPr>
+        <p:txBody>
+          <a:bodyPr wrap="none" rtlCol="0">
+            <a:spAutoFit/>
+          </a:bodyPr>
+          <a:lstStyle/>
+          <a:p>
+            <a:r>
+              <a:rPr lang="de-DE" sz="1000" dirty="0">
+                <a:hlinkClick r:id="rId3"/>
+              </a:rPr>
+              <a:t>source</a:t>
+            </a:r>
+            <a:endParaRPr lang="de-DE" sz="1000" dirty="0"/>
+          </a:p>
+        </p:txBody>
+      </p:sp>
     </p:spTree>
     <p:extLst>
       <p:ext uri="{BB962C8B-B14F-4D97-AF65-F5344CB8AC3E}">
-        <p14:creationId xmlns:p14="http://schemas.microsoft.com/office/powerpoint/2010/main" val="2231908175"/>
+        <p14:creationId xmlns:p14="http://schemas.microsoft.com/office/powerpoint/2010/main" val="2894407134"/>
       </p:ext>
     </p:extLst>
   </p:cSld>
@@ -9284,7 +9155,7 @@
           <p:cNvPr id="2" name="Title 1">
             <a:extLst>
               <a:ext uri="{FF2B5EF4-FFF2-40B4-BE49-F238E27FC236}">
-                <a16:creationId xmlns:a16="http://schemas.microsoft.com/office/drawing/2014/main" id="{B4BDA92C-9B6F-EACE-FBCB-0A34D2B69EC1}"/>
+                <a16:creationId xmlns:a16="http://schemas.microsoft.com/office/drawing/2014/main" id="{F41B668D-26E7-A583-5BDA-216C95A9362A}"/>
               </a:ext>
             </a:extLst>
           </p:cNvPr>
@@ -9302,15 +9173,7 @@
           <a:p>
             <a:r>
               <a:rPr lang="en-DE" dirty="0"/>
-              <a:t>Bagging (</a:t>
-            </a:r>
-            <a:r>
-              <a:rPr lang="en-GB" dirty="0"/>
-              <a:t>B</a:t>
-            </a:r>
-            <a:r>
-              <a:rPr lang="en-DE" dirty="0"/>
-              <a:t>ootstrap Aggregating)</a:t>
+              <a:t>Random Subspace Method</a:t>
             </a:r>
           </a:p>
         </p:txBody>
@@ -9320,7 +9183,7 @@
           <p:cNvPr id="3" name="Content Placeholder 2">
             <a:extLst>
               <a:ext uri="{FF2B5EF4-FFF2-40B4-BE49-F238E27FC236}">
-                <a16:creationId xmlns:a16="http://schemas.microsoft.com/office/drawing/2014/main" id="{72EC02DC-25CB-8047-6BEA-388E7D6AD6B1}"/>
+                <a16:creationId xmlns:a16="http://schemas.microsoft.com/office/drawing/2014/main" id="{A74C095A-B308-310C-26F0-9C804FE66A2B}"/>
               </a:ext>
             </a:extLst>
           </p:cNvPr>
@@ -9331,58 +9194,58 @@
             <p:ph idx="1"/>
           </p:nvPr>
         </p:nvSpPr>
-        <p:spPr>
-          <a:xfrm>
-            <a:off x="838199" y="1825625"/>
-            <a:ext cx="6077608" cy="4351338"/>
-          </a:xfrm>
-        </p:spPr>
+        <p:spPr/>
         <p:txBody>
-          <a:bodyPr>
-            <a:normAutofit fontScale="92500"/>
-          </a:bodyPr>
+          <a:bodyPr/>
           <a:lstStyle/>
           <a:p>
             <a:pPr marL="0" indent="0">
               <a:buNone/>
             </a:pPr>
             <a:r>
-              <a:rPr lang="en-GB" dirty="0" err="1"/>
-              <a:t>i</a:t>
+              <a:rPr lang="en-GB" dirty="0"/>
+              <a:t>a</a:t>
             </a:r>
             <a:r>
               <a:rPr lang="en-DE" dirty="0"/>
-              <a:t>dea: </a:t>
-            </a:r>
+              <a:t>ka feature bagging</a:t>
+            </a:r>
+          </a:p>
+          <a:p>
+            <a:pPr marL="0" indent="0">
+              <a:buNone/>
+            </a:pPr>
+            <a:endParaRPr lang="en-DE" dirty="0"/>
+          </a:p>
+          <a:p>
+            <a:pPr marL="0" indent="0">
+              <a:buNone/>
+            </a:pPr>
             <a:r>
               <a:rPr lang="en-GB" dirty="0"/>
-              <a:t>t</a:t>
+              <a:t>idea: t</a:t>
             </a:r>
             <a:r>
               <a:rPr lang="en-DE" dirty="0"/>
-              <a:t>rain individual models of ensemble method on random (sub)sets of the training data (random sample with replacement)</a:t>
-            </a:r>
-          </a:p>
-          <a:p>
+              <a:t>rain different members (models) of an ensemble method on random subsets of all features (random sample with replacement)</a:t>
+            </a:r>
+          </a:p>
+          <a:p>
+            <a:pPr>
+              <a:buFont typeface="Wingdings" pitchFamily="2" charset="2"/>
+              <a:buChar char="à"/>
+            </a:pPr>
             <a:r>
               <a:rPr lang="en-GB" dirty="0">
                 <a:sym typeface="Wingdings" pitchFamily="2" charset="2"/>
               </a:rPr>
-              <a:t>r</a:t>
+              <a:t> r</a:t>
             </a:r>
             <a:r>
               <a:rPr lang="en-DE" dirty="0">
                 <a:sym typeface="Wingdings" pitchFamily="2" charset="2"/>
               </a:rPr>
-              <a:t>educes variance of ensemble model compared to individual models</a:t>
-            </a:r>
-          </a:p>
-          <a:p>
-            <a:r>
-              <a:rPr lang="en-DE" dirty="0">
-                <a:sym typeface="Wingdings" pitchFamily="2" charset="2"/>
-              </a:rPr>
-              <a:t>but not bias  use low-bias base models</a:t>
+              <a:t>educe correlation between ensemble members</a:t>
             </a:r>
           </a:p>
           <a:p>
@@ -9412,42 +9275,12 @@
           </a:p>
         </p:txBody>
       </p:sp>
-      <p:pic>
-        <p:nvPicPr>
-          <p:cNvPr id="5" name="Picture 4" descr="Diagram&#10;&#10;Description automatically generated">
-            <a:extLst>
-              <a:ext uri="{FF2B5EF4-FFF2-40B4-BE49-F238E27FC236}">
-                <a16:creationId xmlns:a16="http://schemas.microsoft.com/office/drawing/2014/main" id="{06D658F3-7E51-0D33-E43E-2712E69F2EC8}"/>
-              </a:ext>
-            </a:extLst>
-          </p:cNvPr>
-          <p:cNvPicPr>
-            <a:picLocks noChangeAspect="1"/>
-          </p:cNvPicPr>
-          <p:nvPr/>
-        </p:nvPicPr>
-        <p:blipFill>
-          <a:blip r:embed="rId2"/>
-          <a:stretch>
-            <a:fillRect/>
-          </a:stretch>
-        </p:blipFill>
-        <p:spPr>
-          <a:xfrm>
-            <a:off x="6859079" y="2714917"/>
-            <a:ext cx="5290881" cy="2519236"/>
-          </a:xfrm>
-          <a:prstGeom prst="rect">
-            <a:avLst/>
-          </a:prstGeom>
-        </p:spPr>
-      </p:pic>
       <p:sp>
         <p:nvSpPr>
           <p:cNvPr id="4" name="Slide Number Placeholder 3">
             <a:extLst>
               <a:ext uri="{FF2B5EF4-FFF2-40B4-BE49-F238E27FC236}">
-                <a16:creationId xmlns:a16="http://schemas.microsoft.com/office/drawing/2014/main" id="{F7FA8862-7F8D-C5B7-3F2D-711218DDB65A}"/>
+                <a16:creationId xmlns:a16="http://schemas.microsoft.com/office/drawing/2014/main" id="{3057E588-8252-FE67-38ED-5304C3CD001E}"/>
               </a:ext>
             </a:extLst>
           </p:cNvPr>
@@ -9471,87 +9304,10 @@
           </a:p>
         </p:txBody>
       </p:sp>
-      <p:sp>
-        <p:nvSpPr>
-          <p:cNvPr id="6" name="TextBox 5">
-            <a:extLst>
-              <a:ext uri="{FF2B5EF4-FFF2-40B4-BE49-F238E27FC236}">
-                <a16:creationId xmlns:a16="http://schemas.microsoft.com/office/drawing/2014/main" id="{1840354E-B0C7-7C26-FF19-1C5CFF8579F1}"/>
-              </a:ext>
-            </a:extLst>
-          </p:cNvPr>
-          <p:cNvSpPr txBox="1"/>
-          <p:nvPr/>
-        </p:nvSpPr>
-        <p:spPr>
-          <a:xfrm>
-            <a:off x="8068940" y="2210648"/>
-            <a:ext cx="2863861" cy="369332"/>
-          </a:xfrm>
-          <a:prstGeom prst="rect">
-            <a:avLst/>
-          </a:prstGeom>
-          <a:noFill/>
-        </p:spPr>
-        <p:txBody>
-          <a:bodyPr wrap="none" rtlCol="0">
-            <a:spAutoFit/>
-          </a:bodyPr>
-          <a:lstStyle/>
-          <a:p>
-            <a:r>
-              <a:rPr lang="en-GB" dirty="0"/>
-              <a:t>e</a:t>
-            </a:r>
-            <a:r>
-              <a:rPr lang="en-DE" dirty="0"/>
-              <a:t>xample with decision trees:</a:t>
-            </a:r>
-          </a:p>
-        </p:txBody>
-      </p:sp>
-      <p:sp>
-        <p:nvSpPr>
-          <p:cNvPr id="7" name="TextBox 6">
-            <a:extLst>
-              <a:ext uri="{FF2B5EF4-FFF2-40B4-BE49-F238E27FC236}">
-                <a16:creationId xmlns:a16="http://schemas.microsoft.com/office/drawing/2014/main" id="{A8340BE7-41B5-D8CF-5210-E512B79480F3}"/>
-              </a:ext>
-            </a:extLst>
-          </p:cNvPr>
-          <p:cNvSpPr txBox="1"/>
-          <p:nvPr/>
-        </p:nvSpPr>
-        <p:spPr>
-          <a:xfrm>
-            <a:off x="11353800" y="5354838"/>
-            <a:ext cx="532518" cy="246221"/>
-          </a:xfrm>
-          <a:prstGeom prst="rect">
-            <a:avLst/>
-          </a:prstGeom>
-          <a:noFill/>
-        </p:spPr>
-        <p:txBody>
-          <a:bodyPr wrap="none" rtlCol="0">
-            <a:spAutoFit/>
-          </a:bodyPr>
-          <a:lstStyle/>
-          <a:p>
-            <a:r>
-              <a:rPr lang="de-DE" sz="1000" dirty="0">
-                <a:hlinkClick r:id="rId3"/>
-              </a:rPr>
-              <a:t>source</a:t>
-            </a:r>
-            <a:endParaRPr lang="de-DE" sz="1000" dirty="0"/>
-          </a:p>
-        </p:txBody>
-      </p:sp>
     </p:spTree>
     <p:extLst>
       <p:ext uri="{BB962C8B-B14F-4D97-AF65-F5344CB8AC3E}">
-        <p14:creationId xmlns:p14="http://schemas.microsoft.com/office/powerpoint/2010/main" val="2894407134"/>
+        <p14:creationId xmlns:p14="http://schemas.microsoft.com/office/powerpoint/2010/main" val="3974681436"/>
       </p:ext>
     </p:extLst>
   </p:cSld>
@@ -9583,7 +9339,7 @@
           <p:cNvPr id="2" name="Title 1">
             <a:extLst>
               <a:ext uri="{FF2B5EF4-FFF2-40B4-BE49-F238E27FC236}">
-                <a16:creationId xmlns:a16="http://schemas.microsoft.com/office/drawing/2014/main" id="{F41B668D-26E7-A583-5BDA-216C95A9362A}"/>
+                <a16:creationId xmlns:a16="http://schemas.microsoft.com/office/drawing/2014/main" id="{53C30C8C-7EC4-5627-3DF2-7D94C861AFA9}"/>
               </a:ext>
             </a:extLst>
           </p:cNvPr>
@@ -9601,7 +9357,7 @@
           <a:p>
             <a:r>
               <a:rPr lang="en-DE" dirty="0"/>
-              <a:t>Random Subspace Method</a:t>
+              <a:t>Random Forest</a:t>
             </a:r>
           </a:p>
         </p:txBody>
@@ -9611,7 +9367,7 @@
           <p:cNvPr id="3" name="Content Placeholder 2">
             <a:extLst>
               <a:ext uri="{FF2B5EF4-FFF2-40B4-BE49-F238E27FC236}">
-                <a16:creationId xmlns:a16="http://schemas.microsoft.com/office/drawing/2014/main" id="{A74C095A-B308-310C-26F0-9C804FE66A2B}"/>
+                <a16:creationId xmlns:a16="http://schemas.microsoft.com/office/drawing/2014/main" id="{533CC7C9-6112-AE80-029C-4C71EC710D68}"/>
               </a:ext>
             </a:extLst>
           </p:cNvPr>
@@ -9624,81 +9380,110 @@
         </p:nvSpPr>
         <p:spPr/>
         <p:txBody>
-          <a:bodyPr/>
+          <a:bodyPr>
+            <a:normAutofit fontScale="92500" lnSpcReduction="10000"/>
+          </a:bodyPr>
           <a:lstStyle/>
           <a:p>
             <a:pPr marL="0" indent="0">
               <a:buNone/>
             </a:pPr>
             <a:r>
-              <a:rPr lang="en-GB" dirty="0"/>
-              <a:t>a</a:t>
-            </a:r>
-            <a:r>
-              <a:rPr lang="en-DE" dirty="0"/>
-              <a:t>ka feature bagging</a:t>
+              <a:rPr lang="en-GB" sz="2600" dirty="0"/>
+              <a:t>ensemble method using</a:t>
+            </a:r>
+          </a:p>
+          <a:p>
+            <a:r>
+              <a:rPr lang="en-GB" sz="2600" dirty="0"/>
+              <a:t>d</a:t>
+            </a:r>
+            <a:r>
+              <a:rPr lang="en-DE" sz="2600" dirty="0"/>
+              <a:t>ecision trees as individual models (usually, rather large, low-bias decision trees)</a:t>
+            </a:r>
+          </a:p>
+          <a:p>
+            <a:r>
+              <a:rPr lang="en-GB" sz="2600" dirty="0"/>
+              <a:t>combination of b</a:t>
+            </a:r>
+            <a:r>
+              <a:rPr lang="en-DE" sz="2600" dirty="0"/>
+              <a:t>agging and </a:t>
+            </a:r>
+            <a:r>
+              <a:rPr lang="en-GB" sz="2600" dirty="0"/>
+              <a:t>r</a:t>
+            </a:r>
+            <a:r>
+              <a:rPr lang="en-DE" sz="2600" dirty="0"/>
+              <a:t>andom subspace method (features sampled at each node in the trees)</a:t>
             </a:r>
           </a:p>
           <a:p>
             <a:pPr marL="0" indent="0">
               <a:buNone/>
             </a:pPr>
-            <a:endParaRPr lang="en-DE" dirty="0"/>
+            <a:endParaRPr lang="en-DE" sz="2600" dirty="0"/>
           </a:p>
           <a:p>
             <a:pPr marL="0" indent="0">
               <a:buNone/>
             </a:pPr>
             <a:r>
-              <a:rPr lang="en-GB" dirty="0"/>
-              <a:t>idea: t</a:t>
-            </a:r>
-            <a:r>
-              <a:rPr lang="en-DE" dirty="0"/>
-              <a:t>rain different members (models) of an ensemble method on random subsets of all features (random sample with replacement)</a:t>
+              <a:rPr lang="en-DE" sz="2600" dirty="0"/>
+              <a:t>compared to individual decision trees, random forests</a:t>
             </a:r>
           </a:p>
           <a:p>
             <a:pPr>
-              <a:buFont typeface="Wingdings" pitchFamily="2" charset="2"/>
-              <a:buChar char="à"/>
+              <a:buFont typeface="System Font Regular"/>
+              <a:buChar char="+"/>
             </a:pPr>
             <a:r>
-              <a:rPr lang="en-GB" dirty="0">
+              <a:rPr lang="en-GB" sz="2600" dirty="0"/>
+              <a:t>r</a:t>
+            </a:r>
+            <a:r>
+              <a:rPr lang="en-DE" sz="2600" dirty="0"/>
+              <a:t>educe variance </a:t>
+            </a:r>
+            <a:r>
+              <a:rPr lang="en-DE" sz="2600" dirty="0">
                 <a:sym typeface="Wingdings" pitchFamily="2" charset="2"/>
               </a:rPr>
-              <a:t> r</a:t>
-            </a:r>
-            <a:r>
-              <a:rPr lang="en-DE" dirty="0">
-                <a:sym typeface="Wingdings" pitchFamily="2" charset="2"/>
-              </a:rPr>
-              <a:t>educe correlation between ensemble members</a:t>
+              <a:t> improve accuracy</a:t>
+            </a:r>
+            <a:endParaRPr lang="en-DE" sz="2600" dirty="0"/>
+          </a:p>
+          <a:p>
+            <a:pPr>
+              <a:buFont typeface="System Font Regular"/>
+              <a:buChar char="-"/>
+            </a:pPr>
+            <a:r>
+              <a:rPr lang="en-DE" sz="2600" dirty="0"/>
+              <a:t>lose explainability</a:t>
             </a:r>
           </a:p>
           <a:p>
             <a:pPr marL="0" indent="0">
               <a:buNone/>
             </a:pPr>
-            <a:endParaRPr lang="en-DE" dirty="0">
-              <a:sym typeface="Wingdings" pitchFamily="2" charset="2"/>
-            </a:endParaRPr>
+            <a:endParaRPr lang="en-DE" sz="2600" dirty="0"/>
           </a:p>
           <a:p>
             <a:pPr marL="0" indent="0">
               <a:buNone/>
             </a:pPr>
             <a:r>
-              <a:rPr lang="en-GB" dirty="0">
-                <a:sym typeface="Wingdings" pitchFamily="2" charset="2"/>
-              </a:rPr>
-              <a:t>individual models c</a:t>
-            </a:r>
-            <a:r>
-              <a:rPr lang="en-DE" dirty="0">
-                <a:sym typeface="Wingdings" pitchFamily="2" charset="2"/>
-              </a:rPr>
-              <a:t>ombined by averaging (regression) or majority voting (classification)  committee of models</a:t>
+              <a:rPr lang="en-GB" sz="2600" dirty="0"/>
+              <a:t>one of the most popular o</a:t>
+            </a:r>
+            <a:r>
+              <a:rPr lang="en-DE" sz="2600" dirty="0"/>
+              <a:t>ff-the-shelf ML algorithms (often, good performance with little hyperparameter tuning and data preparation)</a:t>
             </a:r>
           </a:p>
         </p:txBody>
@@ -9708,7 +9493,7 @@
           <p:cNvPr id="4" name="Slide Number Placeholder 3">
             <a:extLst>
               <a:ext uri="{FF2B5EF4-FFF2-40B4-BE49-F238E27FC236}">
-                <a16:creationId xmlns:a16="http://schemas.microsoft.com/office/drawing/2014/main" id="{3057E588-8252-FE67-38ED-5304C3CD001E}"/>
+                <a16:creationId xmlns:a16="http://schemas.microsoft.com/office/drawing/2014/main" id="{98696B67-4F49-A270-7136-471B9495912C}"/>
               </a:ext>
             </a:extLst>
           </p:cNvPr>
@@ -9735,7 +9520,7 @@
     </p:spTree>
     <p:extLst>
       <p:ext uri="{BB962C8B-B14F-4D97-AF65-F5344CB8AC3E}">
-        <p14:creationId xmlns:p14="http://schemas.microsoft.com/office/powerpoint/2010/main" val="3974681436"/>
+        <p14:creationId xmlns:p14="http://schemas.microsoft.com/office/powerpoint/2010/main" val="943384232"/>
       </p:ext>
     </p:extLst>
   </p:cSld>
@@ -9748,14 +9533,6 @@
 <file path=ppt/slides/slide2.xml><?xml version="1.0" encoding="utf-8"?>
 <p:sld xmlns:a="http://schemas.openxmlformats.org/drawingml/2006/main" xmlns:r="http://schemas.openxmlformats.org/officeDocument/2006/relationships" xmlns:p="http://schemas.openxmlformats.org/presentationml/2006/main">
   <p:cSld>
-    <p:bg>
-      <p:bgPr>
-        <a:solidFill>
-          <a:schemeClr val="bg1"/>
-        </a:solidFill>
-        <a:effectLst/>
-      </p:bgPr>
-    </p:bg>
     <p:spTree>
       <p:nvGrpSpPr>
         <p:cNvPr id="1" name=""/>
@@ -9770,42 +9547,764 @@
           <a:chExt cx="0" cy="0"/>
         </a:xfrm>
       </p:grpSpPr>
-      <p:pic>
-        <p:nvPicPr>
-          <p:cNvPr id="6" name="Picture 5" descr="A collage of two people in a car&#10;&#10;Description automatically generated">
-            <a:extLst>
-              <a:ext uri="{FF2B5EF4-FFF2-40B4-BE49-F238E27FC236}">
-                <a16:creationId xmlns:a16="http://schemas.microsoft.com/office/drawing/2014/main" id="{F2823DDD-E9FF-9FF3-053F-B96C1BF3B847}"/>
-              </a:ext>
-            </a:extLst>
-          </p:cNvPr>
-          <p:cNvPicPr>
-            <a:picLocks noChangeAspect="1"/>
-          </p:cNvPicPr>
-          <p:nvPr/>
-        </p:nvPicPr>
-        <p:blipFill>
-          <a:blip r:embed="rId2"/>
-          <a:stretch>
-            <a:fillRect/>
-          </a:stretch>
-        </p:blipFill>
-        <p:spPr>
-          <a:xfrm>
-            <a:off x="3818826" y="643466"/>
-            <a:ext cx="4554348" cy="5571067"/>
-          </a:xfrm>
-          <a:prstGeom prst="rect">
-            <a:avLst/>
-          </a:prstGeom>
-        </p:spPr>
-      </p:pic>
+      <p:sp>
+        <p:nvSpPr>
+          <p:cNvPr id="2" name="Title 1">
+            <a:extLst>
+              <a:ext uri="{FF2B5EF4-FFF2-40B4-BE49-F238E27FC236}">
+                <a16:creationId xmlns:a16="http://schemas.microsoft.com/office/drawing/2014/main" id="{F3521F78-9676-FC22-2D71-300BB2A84EB9}"/>
+              </a:ext>
+            </a:extLst>
+          </p:cNvPr>
+          <p:cNvSpPr>
+            <a:spLocks noGrp="1"/>
+          </p:cNvSpPr>
+          <p:nvPr>
+            <p:ph type="title"/>
+          </p:nvPr>
+        </p:nvSpPr>
+        <p:spPr/>
+        <p:txBody>
+          <a:bodyPr/>
+          <a:lstStyle/>
+          <a:p>
+            <a:r>
+              <a:rPr lang="en-DE" dirty="0"/>
+              <a:t>Supervised Learning Scenario</a:t>
+            </a:r>
+          </a:p>
+        </p:txBody>
+      </p:sp>
+      <mc:AlternateContent xmlns:mc="http://schemas.openxmlformats.org/markup-compatibility/2006" xmlns:a14="http://schemas.microsoft.com/office/drawing/2010/main">
+        <mc:Choice Requires="a14">
+          <p:sp>
+            <p:nvSpPr>
+              <p:cNvPr id="3" name="Content Placeholder 2">
+                <a:extLst>
+                  <a:ext uri="{FF2B5EF4-FFF2-40B4-BE49-F238E27FC236}">
+                    <a16:creationId xmlns:a16="http://schemas.microsoft.com/office/drawing/2014/main" id="{2D916FA3-AEFF-3F24-45D6-48CAAC141923}"/>
+                  </a:ext>
+                </a:extLst>
+              </p:cNvPr>
+              <p:cNvSpPr>
+                <a:spLocks noGrp="1"/>
+              </p:cNvSpPr>
+              <p:nvPr>
+                <p:ph idx="1"/>
+              </p:nvPr>
+            </p:nvSpPr>
+            <p:spPr>
+              <a:xfrm>
+                <a:off x="838200" y="1825625"/>
+                <a:ext cx="10922876" cy="4351338"/>
+              </a:xfrm>
+            </p:spPr>
+            <p:txBody>
+              <a:bodyPr>
+                <a:normAutofit fontScale="92500"/>
+              </a:bodyPr>
+              <a:lstStyle/>
+              <a:p>
+                <a:pPr marL="0" indent="0">
+                  <a:buNone/>
+                </a:pPr>
+                <a:r>
+                  <a:rPr lang="de-DE" dirty="0"/>
+                  <a:t>map </a:t>
+                </a:r>
+                <a:r>
+                  <a:rPr lang="de-DE" dirty="0" err="1"/>
+                  <a:t>input</a:t>
+                </a:r>
+                <a:r>
+                  <a:rPr lang="de-DE" dirty="0"/>
+                  <a:t> </a:t>
+                </a:r>
+                <a:r>
+                  <a:rPr lang="de-DE" dirty="0" err="1"/>
+                  <a:t>to</a:t>
+                </a:r>
+                <a:r>
+                  <a:rPr lang="de-DE" dirty="0"/>
+                  <a:t> </a:t>
+                </a:r>
+                <a:r>
+                  <a:rPr lang="de-DE" dirty="0" err="1"/>
+                  <a:t>output</a:t>
+                </a:r>
+                <a:r>
+                  <a:rPr lang="de-DE" dirty="0"/>
+                  <a:t>: </a:t>
+                </a:r>
+                <a14:m>
+                  <m:oMath xmlns:m="http://schemas.openxmlformats.org/officeDocument/2006/math">
+                    <m:r>
+                      <a:rPr lang="en-US" b="0" i="1" smtClean="0">
+                        <a:latin typeface="Cambria Math" panose="02040503050406030204" pitchFamily="18" charset="0"/>
+                      </a:rPr>
+                      <m:t>𝑦</m:t>
+                    </m:r>
+                    <m:r>
+                      <a:rPr lang="en-US" i="1">
+                        <a:latin typeface="Cambria Math" panose="02040503050406030204" pitchFamily="18" charset="0"/>
+                      </a:rPr>
+                      <m:t>=</m:t>
+                    </m:r>
+                    <m:r>
+                      <a:rPr lang="en-US" i="1">
+                        <a:latin typeface="Cambria Math" panose="02040503050406030204" pitchFamily="18" charset="0"/>
+                      </a:rPr>
+                      <m:t>𝑓</m:t>
+                    </m:r>
+                    <m:d>
+                      <m:dPr>
+                        <m:ctrlPr>
+                          <a:rPr lang="en-US" i="1">
+                            <a:latin typeface="Cambria Math" panose="02040503050406030204" pitchFamily="18" charset="0"/>
+                          </a:rPr>
+                        </m:ctrlPr>
+                      </m:dPr>
+                      <m:e>
+                        <m:r>
+                          <a:rPr lang="en-US" b="1" i="1" smtClean="0">
+                            <a:latin typeface="Cambria Math" panose="02040503050406030204" pitchFamily="18" charset="0"/>
+                          </a:rPr>
+                          <m:t>𝒙</m:t>
+                        </m:r>
+                      </m:e>
+                    </m:d>
+                  </m:oMath>
+                </a14:m>
+                <a:r>
+                  <a:rPr lang="de-DE" dirty="0"/>
+                  <a:t> (</a:t>
+                </a:r>
+                <a:r>
+                  <a:rPr lang="de-DE" dirty="0" err="1"/>
+                  <a:t>estimated</a:t>
+                </a:r>
+                <a:r>
+                  <a:rPr lang="de-DE" dirty="0"/>
+                  <a:t>: </a:t>
+                </a:r>
+                <a14:m>
+                  <m:oMath xmlns:m="http://schemas.openxmlformats.org/officeDocument/2006/math">
+                    <m:acc>
+                      <m:accPr>
+                        <m:chr m:val="̂"/>
+                        <m:ctrlPr>
+                          <a:rPr lang="en-US" i="1">
+                            <a:latin typeface="Cambria Math" panose="02040503050406030204" pitchFamily="18" charset="0"/>
+                          </a:rPr>
+                        </m:ctrlPr>
+                      </m:accPr>
+                      <m:e>
+                        <m:r>
+                          <a:rPr lang="en-US" i="1">
+                            <a:latin typeface="Cambria Math" panose="02040503050406030204" pitchFamily="18" charset="0"/>
+                          </a:rPr>
+                          <m:t>𝑓</m:t>
+                        </m:r>
+                      </m:e>
+                    </m:acc>
+                    <m:d>
+                      <m:dPr>
+                        <m:ctrlPr>
+                          <a:rPr lang="en-US" i="1">
+                            <a:latin typeface="Cambria Math" panose="02040503050406030204" pitchFamily="18" charset="0"/>
+                          </a:rPr>
+                        </m:ctrlPr>
+                      </m:dPr>
+                      <m:e>
+                        <m:r>
+                          <a:rPr lang="en-US" b="1" i="1" smtClean="0">
+                            <a:latin typeface="Cambria Math" panose="02040503050406030204" pitchFamily="18" charset="0"/>
+                          </a:rPr>
+                          <m:t>𝒙</m:t>
+                        </m:r>
+                      </m:e>
+                    </m:d>
+                  </m:oMath>
+                </a14:m>
+                <a:r>
+                  <a:rPr lang="de-DE" dirty="0"/>
+                  <a:t>)</a:t>
+                </a:r>
+              </a:p>
+              <a:p>
+                <a:pPr marL="0" indent="0">
+                  <a:buNone/>
+                </a:pPr>
+                <a:r>
+                  <a:rPr lang="en-GB" sz="2200" dirty="0"/>
+                  <a:t>random variables </a:t>
+                </a:r>
+                <a14:m>
+                  <m:oMath xmlns:m="http://schemas.openxmlformats.org/officeDocument/2006/math">
+                    <m:r>
+                      <a:rPr lang="en-US" sz="2200" i="1">
+                        <a:latin typeface="Cambria Math" panose="02040503050406030204" pitchFamily="18" charset="0"/>
+                      </a:rPr>
+                      <m:t>𝑌</m:t>
+                    </m:r>
+                  </m:oMath>
+                </a14:m>
+                <a:r>
+                  <a:rPr lang="en-GB" sz="2200" dirty="0"/>
+                  <a:t> and </a:t>
+                </a:r>
+                <a14:m>
+                  <m:oMath xmlns:m="http://schemas.openxmlformats.org/officeDocument/2006/math">
+                    <m:r>
+                      <a:rPr lang="en-US" sz="2200" b="1" i="1">
+                        <a:latin typeface="Cambria Math" panose="02040503050406030204" pitchFamily="18" charset="0"/>
+                      </a:rPr>
+                      <m:t>𝑿</m:t>
+                    </m:r>
+                    <m:r>
+                      <a:rPr lang="en-US" sz="2200" i="1">
+                        <a:latin typeface="Cambria Math" panose="02040503050406030204" pitchFamily="18" charset="0"/>
+                      </a:rPr>
+                      <m:t>=</m:t>
+                    </m:r>
+                    <m:sSub>
+                      <m:sSubPr>
+                        <m:ctrlPr>
+                          <a:rPr lang="en-US" sz="2200" i="1">
+                            <a:latin typeface="Cambria Math" panose="02040503050406030204" pitchFamily="18" charset="0"/>
+                          </a:rPr>
+                        </m:ctrlPr>
+                      </m:sSubPr>
+                      <m:e>
+                        <m:r>
+                          <a:rPr lang="en-US" sz="2200" i="1">
+                            <a:latin typeface="Cambria Math" panose="02040503050406030204" pitchFamily="18" charset="0"/>
+                          </a:rPr>
+                          <m:t>(</m:t>
+                        </m:r>
+                        <m:r>
+                          <a:rPr lang="en-US" sz="2200" i="1">
+                            <a:latin typeface="Cambria Math" panose="02040503050406030204" pitchFamily="18" charset="0"/>
+                          </a:rPr>
+                          <m:t>𝑋</m:t>
+                        </m:r>
+                      </m:e>
+                      <m:sub>
+                        <m:r>
+                          <a:rPr lang="en-US" sz="2200" i="1">
+                            <a:latin typeface="Cambria Math" panose="02040503050406030204" pitchFamily="18" charset="0"/>
+                          </a:rPr>
+                          <m:t>1</m:t>
+                        </m:r>
+                      </m:sub>
+                    </m:sSub>
+                    <m:r>
+                      <a:rPr lang="en-US" sz="2200" i="1">
+                        <a:latin typeface="Cambria Math" panose="02040503050406030204" pitchFamily="18" charset="0"/>
+                      </a:rPr>
+                      <m:t>, </m:t>
+                    </m:r>
+                    <m:sSub>
+                      <m:sSubPr>
+                        <m:ctrlPr>
+                          <a:rPr lang="en-US" sz="2200" i="1">
+                            <a:latin typeface="Cambria Math" panose="02040503050406030204" pitchFamily="18" charset="0"/>
+                          </a:rPr>
+                        </m:ctrlPr>
+                      </m:sSubPr>
+                      <m:e>
+                        <m:r>
+                          <a:rPr lang="en-US" sz="2200" i="1">
+                            <a:latin typeface="Cambria Math" panose="02040503050406030204" pitchFamily="18" charset="0"/>
+                          </a:rPr>
+                          <m:t>𝑋</m:t>
+                        </m:r>
+                      </m:e>
+                      <m:sub>
+                        <m:r>
+                          <a:rPr lang="en-US" sz="2200" i="1">
+                            <a:latin typeface="Cambria Math" panose="02040503050406030204" pitchFamily="18" charset="0"/>
+                          </a:rPr>
+                          <m:t>2</m:t>
+                        </m:r>
+                      </m:sub>
+                    </m:sSub>
+                    <m:r>
+                      <a:rPr lang="en-US" sz="2200" i="1">
+                        <a:latin typeface="Cambria Math" panose="02040503050406030204" pitchFamily="18" charset="0"/>
+                      </a:rPr>
+                      <m:t>,</m:t>
+                    </m:r>
+                    <m:sSub>
+                      <m:sSubPr>
+                        <m:ctrlPr>
+                          <a:rPr lang="en-US" sz="2200" i="1">
+                            <a:latin typeface="Cambria Math" panose="02040503050406030204" pitchFamily="18" charset="0"/>
+                          </a:rPr>
+                        </m:ctrlPr>
+                      </m:sSubPr>
+                      <m:e>
+                        <m:r>
+                          <a:rPr lang="en-US" sz="2200" i="1">
+                            <a:latin typeface="Cambria Math" panose="02040503050406030204" pitchFamily="18" charset="0"/>
+                            <a:ea typeface="Cambria Math" panose="02040503050406030204" pitchFamily="18" charset="0"/>
+                          </a:rPr>
+                          <m:t>⋯,</m:t>
+                        </m:r>
+                        <m:r>
+                          <a:rPr lang="en-US" sz="2200" i="1">
+                            <a:latin typeface="Cambria Math" panose="02040503050406030204" pitchFamily="18" charset="0"/>
+                          </a:rPr>
+                          <m:t>𝑋</m:t>
+                        </m:r>
+                      </m:e>
+                      <m:sub>
+                        <m:r>
+                          <a:rPr lang="en-US" sz="2200" i="1">
+                            <a:latin typeface="Cambria Math" panose="02040503050406030204" pitchFamily="18" charset="0"/>
+                          </a:rPr>
+                          <m:t>𝑝</m:t>
+                        </m:r>
+                      </m:sub>
+                    </m:sSub>
+                  </m:oMath>
+                </a14:m>
+                <a:r>
+                  <a:rPr lang="en-GB" sz="2200" dirty="0"/>
+                  <a:t>) </a:t>
+                </a:r>
+                <a14:m>
+                  <m:oMath xmlns:m="http://schemas.openxmlformats.org/officeDocument/2006/math">
+                    <m:r>
+                      <a:rPr lang="en-GB" sz="2200" i="1" smtClean="0">
+                        <a:latin typeface="Cambria Math" panose="02040503050406030204" pitchFamily="18" charset="0"/>
+                        <a:ea typeface="Cambria Math" panose="02040503050406030204" pitchFamily="18" charset="0"/>
+                      </a:rPr>
+                      <m:t>←</m:t>
+                    </m:r>
+                  </m:oMath>
+                </a14:m>
+                <a:r>
+                  <a:rPr lang="en-GB" sz="2200" dirty="0"/>
+                  <a:t> usually high-dimensional</a:t>
+                </a:r>
+              </a:p>
+              <a:p>
+                <a:pPr marL="0" indent="0">
+                  <a:buNone/>
+                </a:pPr>
+                <a:endParaRPr lang="en-DE" dirty="0"/>
+              </a:p>
+              <a:p>
+                <a:pPr marL="0" indent="0">
+                  <a:buNone/>
+                </a:pPr>
+                <a:r>
+                  <a:rPr lang="en-GB" dirty="0"/>
+                  <a:t>training (c</a:t>
+                </a:r>
+                <a:r>
+                  <a:rPr lang="en-DE" dirty="0"/>
+                  <a:t>urve fitting / parameter estimation</a:t>
+                </a:r>
+                <a:r>
+                  <a:rPr lang="en-GB" dirty="0"/>
+                  <a:t>)</a:t>
+                </a:r>
+                <a:r>
+                  <a:rPr lang="en-DE" dirty="0"/>
+                  <a:t>:</a:t>
+                </a:r>
+              </a:p>
+              <a:p>
+                <a:pPr marL="0" indent="0">
+                  <a:buNone/>
+                </a:pPr>
+                <a:r>
+                  <a:rPr lang="en-GB" dirty="0"/>
+                  <a:t>fit data set of </a:t>
+                </a:r>
+                <a:r>
+                  <a:rPr lang="en-GB" dirty="0" err="1"/>
+                  <a:t>i.i.d.</a:t>
+                </a:r>
+                <a:r>
+                  <a:rPr lang="en-GB" dirty="0"/>
+                  <a:t> (</a:t>
+                </a:r>
+                <a14:m>
+                  <m:oMath xmlns:m="http://schemas.openxmlformats.org/officeDocument/2006/math">
+                    <m:sSub>
+                      <m:sSubPr>
+                        <m:ctrlPr>
+                          <a:rPr lang="en-GB" i="1">
+                            <a:latin typeface="Cambria Math" panose="02040503050406030204" pitchFamily="18" charset="0"/>
+                          </a:rPr>
+                        </m:ctrlPr>
+                      </m:sSubPr>
+                      <m:e>
+                        <m:r>
+                          <a:rPr lang="en-US" i="1">
+                            <a:latin typeface="Cambria Math" panose="02040503050406030204" pitchFamily="18" charset="0"/>
+                          </a:rPr>
+                          <m:t>𝑦</m:t>
+                        </m:r>
+                      </m:e>
+                      <m:sub>
+                        <m:r>
+                          <a:rPr lang="en-US" i="1">
+                            <a:latin typeface="Cambria Math" panose="02040503050406030204" pitchFamily="18" charset="0"/>
+                          </a:rPr>
+                          <m:t>𝑖</m:t>
+                        </m:r>
+                      </m:sub>
+                    </m:sSub>
+                  </m:oMath>
+                </a14:m>
+                <a:r>
+                  <a:rPr lang="en-GB" dirty="0"/>
+                  <a:t>, </a:t>
+                </a:r>
+                <a14:m>
+                  <m:oMath xmlns:m="http://schemas.openxmlformats.org/officeDocument/2006/math">
+                    <m:sSub>
+                      <m:sSubPr>
+                        <m:ctrlPr>
+                          <a:rPr lang="en-GB" i="1">
+                            <a:latin typeface="Cambria Math" panose="02040503050406030204" pitchFamily="18" charset="0"/>
+                          </a:rPr>
+                        </m:ctrlPr>
+                      </m:sSubPr>
+                      <m:e>
+                        <m:r>
+                          <a:rPr lang="en-US" b="1" i="1">
+                            <a:latin typeface="Cambria Math" panose="02040503050406030204" pitchFamily="18" charset="0"/>
+                          </a:rPr>
+                          <m:t>𝒙</m:t>
+                        </m:r>
+                      </m:e>
+                      <m:sub>
+                        <m:r>
+                          <a:rPr lang="en-US" i="1">
+                            <a:latin typeface="Cambria Math" panose="02040503050406030204" pitchFamily="18" charset="0"/>
+                          </a:rPr>
+                          <m:t>𝑖</m:t>
+                        </m:r>
+                      </m:sub>
+                    </m:sSub>
+                  </m:oMath>
+                </a14:m>
+                <a:r>
+                  <a:rPr lang="en-GB" dirty="0"/>
+                  <a:t>) pairs </a:t>
+                </a:r>
+                <a:r>
+                  <a:rPr lang="en-GB" dirty="0">
+                    <a:sym typeface="Wingdings" pitchFamily="2" charset="2"/>
+                  </a:rPr>
+                  <a:t> m</a:t>
+                </a:r>
+                <a:r>
+                  <a:rPr lang="en-GB" dirty="0"/>
+                  <a:t>inimize deviations between </a:t>
+                </a:r>
+                <a14:m>
+                  <m:oMath xmlns:m="http://schemas.openxmlformats.org/officeDocument/2006/math">
+                    <m:r>
+                      <a:rPr lang="en-US" i="1">
+                        <a:latin typeface="Cambria Math" panose="02040503050406030204" pitchFamily="18" charset="0"/>
+                      </a:rPr>
+                      <m:t>𝑦</m:t>
+                    </m:r>
+                  </m:oMath>
+                </a14:m>
+                <a:r>
+                  <a:rPr lang="en-GB" dirty="0"/>
+                  <a:t> and </a:t>
+                </a:r>
+                <a14:m>
+                  <m:oMath xmlns:m="http://schemas.openxmlformats.org/officeDocument/2006/math">
+                    <m:acc>
+                      <m:accPr>
+                        <m:chr m:val="̂"/>
+                        <m:ctrlPr>
+                          <a:rPr lang="en-US" i="1">
+                            <a:latin typeface="Cambria Math" panose="02040503050406030204" pitchFamily="18" charset="0"/>
+                          </a:rPr>
+                        </m:ctrlPr>
+                      </m:accPr>
+                      <m:e>
+                        <m:r>
+                          <a:rPr lang="en-US" i="1">
+                            <a:latin typeface="Cambria Math" panose="02040503050406030204" pitchFamily="18" charset="0"/>
+                          </a:rPr>
+                          <m:t>𝑓</m:t>
+                        </m:r>
+                      </m:e>
+                    </m:acc>
+                    <m:d>
+                      <m:dPr>
+                        <m:ctrlPr>
+                          <a:rPr lang="en-US" i="1">
+                            <a:latin typeface="Cambria Math" panose="02040503050406030204" pitchFamily="18" charset="0"/>
+                          </a:rPr>
+                        </m:ctrlPr>
+                      </m:dPr>
+                      <m:e>
+                        <m:r>
+                          <a:rPr lang="en-US" b="1" i="1">
+                            <a:latin typeface="Cambria Math" panose="02040503050406030204" pitchFamily="18" charset="0"/>
+                          </a:rPr>
+                          <m:t>𝒙</m:t>
+                        </m:r>
+                      </m:e>
+                    </m:d>
+                  </m:oMath>
+                </a14:m>
+                <a:endParaRPr lang="en-DE" dirty="0"/>
+              </a:p>
+              <a:p>
+                <a:pPr marL="0" indent="0">
+                  <a:buNone/>
+                </a:pPr>
+                <a:endParaRPr lang="en-DE" dirty="0"/>
+              </a:p>
+              <a:p>
+                <a:pPr marL="0" indent="0">
+                  <a:buNone/>
+                </a:pPr>
+                <a:r>
+                  <a:rPr lang="en-GB" dirty="0"/>
+                  <a:t>consider d</a:t>
+                </a:r>
+                <a:r>
+                  <a:rPr lang="en-DE" dirty="0"/>
+                  <a:t>iscriminative models:</a:t>
+                </a:r>
+              </a:p>
+              <a:p>
+                <a:pPr marL="0" indent="0">
+                  <a:buNone/>
+                </a:pPr>
+                <a:r>
+                  <a:rPr lang="en-DE" dirty="0"/>
+                  <a:t>predict conditional density function </a:t>
+                </a:r>
+                <a14:m>
+                  <m:oMath xmlns:m="http://schemas.openxmlformats.org/officeDocument/2006/math">
+                    <m:r>
+                      <a:rPr lang="en-US" b="0" i="1" smtClean="0">
+                        <a:latin typeface="Cambria Math" panose="02040503050406030204" pitchFamily="18" charset="0"/>
+                      </a:rPr>
+                      <m:t>𝑝</m:t>
+                    </m:r>
+                    <m:d>
+                      <m:dPr>
+                        <m:ctrlPr>
+                          <a:rPr lang="en-US" i="1">
+                            <a:latin typeface="Cambria Math" panose="02040503050406030204" pitchFamily="18" charset="0"/>
+                          </a:rPr>
+                        </m:ctrlPr>
+                      </m:dPr>
+                      <m:e>
+                        <m:r>
+                          <a:rPr lang="en-US" b="0" i="1" smtClean="0">
+                            <a:latin typeface="Cambria Math" panose="02040503050406030204" pitchFamily="18" charset="0"/>
+                          </a:rPr>
+                          <m:t>𝑦</m:t>
+                        </m:r>
+                        <m:r>
+                          <a:rPr lang="en-US" i="1">
+                            <a:latin typeface="Cambria Math" panose="02040503050406030204" pitchFamily="18" charset="0"/>
+                          </a:rPr>
+                          <m:t>|</m:t>
+                        </m:r>
+                        <m:sSub>
+                          <m:sSubPr>
+                            <m:ctrlPr>
+                              <a:rPr lang="en-GB" i="1">
+                                <a:latin typeface="Cambria Math" panose="02040503050406030204" pitchFamily="18" charset="0"/>
+                              </a:rPr>
+                            </m:ctrlPr>
+                          </m:sSubPr>
+                          <m:e>
+                            <m:r>
+                              <a:rPr lang="en-US" b="1" i="1">
+                                <a:latin typeface="Cambria Math" panose="02040503050406030204" pitchFamily="18" charset="0"/>
+                              </a:rPr>
+                              <m:t>𝒙</m:t>
+                            </m:r>
+                          </m:e>
+                          <m:sub>
+                            <m:r>
+                              <a:rPr lang="en-US" i="1">
+                                <a:latin typeface="Cambria Math" panose="02040503050406030204" pitchFamily="18" charset="0"/>
+                              </a:rPr>
+                              <m:t>𝑖</m:t>
+                            </m:r>
+                          </m:sub>
+                        </m:sSub>
+                      </m:e>
+                    </m:d>
+                  </m:oMath>
+                </a14:m>
+                <a:endParaRPr lang="en-DE" dirty="0"/>
+              </a:p>
+              <a:p>
+                <a:pPr marL="0" indent="0">
+                  <a:buNone/>
+                </a:pPr>
+                <a:r>
+                  <a:rPr lang="en-DE" sz="2200" dirty="0"/>
+                  <a:t>as opposed to generative models predicting </a:t>
+                </a:r>
+                <a14:m>
+                  <m:oMath xmlns:m="http://schemas.openxmlformats.org/officeDocument/2006/math">
+                    <m:r>
+                      <a:rPr lang="en-US" sz="2200" b="0" i="1" smtClean="0">
+                        <a:latin typeface="Cambria Math" panose="02040503050406030204" pitchFamily="18" charset="0"/>
+                      </a:rPr>
+                      <m:t>𝑝</m:t>
+                    </m:r>
+                    <m:d>
+                      <m:dPr>
+                        <m:ctrlPr>
+                          <a:rPr lang="en-US" sz="2200" i="1">
+                            <a:latin typeface="Cambria Math" panose="02040503050406030204" pitchFamily="18" charset="0"/>
+                          </a:rPr>
+                        </m:ctrlPr>
+                      </m:dPr>
+                      <m:e>
+                        <m:r>
+                          <a:rPr lang="en-US" sz="2200" b="0" i="1" smtClean="0">
+                            <a:latin typeface="Cambria Math" panose="02040503050406030204" pitchFamily="18" charset="0"/>
+                          </a:rPr>
+                          <m:t>𝑦</m:t>
+                        </m:r>
+                        <m:r>
+                          <a:rPr lang="en-US" sz="2200" b="1" i="1">
+                            <a:latin typeface="Cambria Math" panose="02040503050406030204" pitchFamily="18" charset="0"/>
+                          </a:rPr>
+                          <m:t>, </m:t>
+                        </m:r>
+                        <m:r>
+                          <a:rPr lang="en-US" sz="2200" b="1" i="1" smtClean="0">
+                            <a:latin typeface="Cambria Math" panose="02040503050406030204" pitchFamily="18" charset="0"/>
+                          </a:rPr>
+                          <m:t>𝒙</m:t>
+                        </m:r>
+                      </m:e>
+                    </m:d>
+                  </m:oMath>
+                </a14:m>
+                <a:r>
+                  <a:rPr lang="en-GB" sz="2200" dirty="0"/>
+                  <a:t> (or just </a:t>
+                </a:r>
+                <a14:m>
+                  <m:oMath xmlns:m="http://schemas.openxmlformats.org/officeDocument/2006/math">
+                    <m:r>
+                      <a:rPr lang="en-US" sz="2200" i="1">
+                        <a:latin typeface="Cambria Math" panose="02040503050406030204" pitchFamily="18" charset="0"/>
+                      </a:rPr>
+                      <m:t>𝑝</m:t>
+                    </m:r>
+                    <m:d>
+                      <m:dPr>
+                        <m:ctrlPr>
+                          <a:rPr lang="en-US" sz="2200" i="1">
+                            <a:latin typeface="Cambria Math" panose="02040503050406030204" pitchFamily="18" charset="0"/>
+                          </a:rPr>
+                        </m:ctrlPr>
+                      </m:dPr>
+                      <m:e>
+                        <m:r>
+                          <a:rPr lang="en-US" sz="2200" b="1" i="1">
+                            <a:latin typeface="Cambria Math" panose="02040503050406030204" pitchFamily="18" charset="0"/>
+                          </a:rPr>
+                          <m:t>𝒙</m:t>
+                        </m:r>
+                      </m:e>
+                    </m:d>
+                  </m:oMath>
+                </a14:m>
+                <a:r>
+                  <a:rPr lang="en-GB" sz="2200" dirty="0">
+                    <a:sym typeface="Wingdings" panose="05000000000000000000" pitchFamily="2" charset="2"/>
+                  </a:rPr>
+                  <a:t>)  </a:t>
+                </a:r>
+                <a14:m>
+                  <m:oMath xmlns:m="http://schemas.openxmlformats.org/officeDocument/2006/math">
+                    <m:r>
+                      <a:rPr lang="en-US" sz="2200" b="1" i="1">
+                        <a:latin typeface="Cambria Math" panose="02040503050406030204" pitchFamily="18" charset="0"/>
+                      </a:rPr>
+                      <m:t>𝒙</m:t>
+                    </m:r>
+                  </m:oMath>
+                </a14:m>
+                <a:r>
+                  <a:rPr lang="en-GB" sz="2200" dirty="0">
+                    <a:sym typeface="Wingdings" panose="05000000000000000000" pitchFamily="2" charset="2"/>
+                  </a:rPr>
+                  <a:t> not given, more difficult</a:t>
+                </a:r>
+                <a:endParaRPr lang="en-DE" sz="2200" dirty="0"/>
+              </a:p>
+            </p:txBody>
+          </p:sp>
+        </mc:Choice>
+        <mc:Fallback xmlns="">
+          <p:sp>
+            <p:nvSpPr>
+              <p:cNvPr id="3" name="Content Placeholder 2">
+                <a:extLst>
+                  <a:ext uri="{FF2B5EF4-FFF2-40B4-BE49-F238E27FC236}">
+                    <a16:creationId xmlns:a16="http://schemas.microsoft.com/office/drawing/2014/main" id="{2D916FA3-AEFF-3F24-45D6-48CAAC141923}"/>
+                  </a:ext>
+                </a:extLst>
+              </p:cNvPr>
+              <p:cNvSpPr>
+                <a:spLocks noGrp="1" noRot="1" noChangeAspect="1" noMove="1" noResize="1" noEditPoints="1" noAdjustHandles="1" noChangeArrowheads="1" noChangeShapeType="1" noTextEdit="1"/>
+              </p:cNvSpPr>
+              <p:nvPr>
+                <p:ph idx="1"/>
+              </p:nvPr>
+            </p:nvSpPr>
+            <p:spPr>
+              <a:xfrm>
+                <a:off x="838200" y="1825625"/>
+                <a:ext cx="10922876" cy="4351338"/>
+              </a:xfrm>
+              <a:blipFill>
+                <a:blip r:embed="rId2"/>
+                <a:stretch>
+                  <a:fillRect l="-1005" t="-1541"/>
+                </a:stretch>
+              </a:blipFill>
+            </p:spPr>
+            <p:txBody>
+              <a:bodyPr/>
+              <a:lstStyle/>
+              <a:p>
+                <a:r>
+                  <a:rPr lang="en-GB">
+                    <a:noFill/>
+                  </a:rPr>
+                  <a:t> </a:t>
+                </a:r>
+              </a:p>
+            </p:txBody>
+          </p:sp>
+        </mc:Fallback>
+      </mc:AlternateContent>
       <p:sp>
         <p:nvSpPr>
           <p:cNvPr id="4" name="Slide Number Placeholder 3">
             <a:extLst>
               <a:ext uri="{FF2B5EF4-FFF2-40B4-BE49-F238E27FC236}">
-                <a16:creationId xmlns:a16="http://schemas.microsoft.com/office/drawing/2014/main" id="{02949390-9226-3296-FACC-691E8A92D800}"/>
+                <a16:creationId xmlns:a16="http://schemas.microsoft.com/office/drawing/2014/main" id="{FB830186-3866-87F6-86F6-E38EACD2E879}"/>
               </a:ext>
             </a:extLst>
           </p:cNvPr>
@@ -9816,30 +10315,13 @@
             <p:ph type="sldNum" sz="quarter" idx="12"/>
           </p:nvPr>
         </p:nvSpPr>
-        <p:spPr>
-          <a:xfrm>
-            <a:off x="8610600" y="6356350"/>
-            <a:ext cx="2743200" cy="365125"/>
-          </a:xfrm>
-        </p:spPr>
+        <p:spPr/>
         <p:txBody>
-          <a:bodyPr>
-            <a:normAutofit/>
-          </a:bodyPr>
+          <a:bodyPr/>
           <a:lstStyle/>
           <a:p>
-            <a:pPr>
-              <a:spcAft>
-                <a:spcPts val="600"/>
-              </a:spcAft>
-            </a:pPr>
-            <a:fld id="{ADDEFC8A-584C-5E41-A633-418C2FB73F75}" type="slidenum">
+            <a:fld id="{77E1BB0D-8AD4-A14C-8FD5-F1619D1A43A2}" type="slidenum">
               <a:rPr lang="en-DE" smtClean="0"/>
-              <a:pPr>
-                <a:spcAft>
-                  <a:spcPts val="600"/>
-                </a:spcAft>
-              </a:pPr>
               <a:t>2</a:t>
             </a:fld>
             <a:endParaRPr lang="en-DE"/>
@@ -9849,7 +10331,7 @@
     </p:spTree>
     <p:extLst>
       <p:ext uri="{BB962C8B-B14F-4D97-AF65-F5344CB8AC3E}">
-        <p14:creationId xmlns:p14="http://schemas.microsoft.com/office/powerpoint/2010/main" val="2444781192"/>
+        <p14:creationId xmlns:p14="http://schemas.microsoft.com/office/powerpoint/2010/main" val="1774728759"/>
       </p:ext>
     </p:extLst>
   </p:cSld>
@@ -9881,219 +10363,6 @@
           <p:cNvPr id="2" name="Title 1">
             <a:extLst>
               <a:ext uri="{FF2B5EF4-FFF2-40B4-BE49-F238E27FC236}">
-                <a16:creationId xmlns:a16="http://schemas.microsoft.com/office/drawing/2014/main" id="{53C30C8C-7EC4-5627-3DF2-7D94C861AFA9}"/>
-              </a:ext>
-            </a:extLst>
-          </p:cNvPr>
-          <p:cNvSpPr>
-            <a:spLocks noGrp="1"/>
-          </p:cNvSpPr>
-          <p:nvPr>
-            <p:ph type="title"/>
-          </p:nvPr>
-        </p:nvSpPr>
-        <p:spPr/>
-        <p:txBody>
-          <a:bodyPr/>
-          <a:lstStyle/>
-          <a:p>
-            <a:r>
-              <a:rPr lang="en-DE" dirty="0"/>
-              <a:t>Random Forest</a:t>
-            </a:r>
-          </a:p>
-        </p:txBody>
-      </p:sp>
-      <p:sp>
-        <p:nvSpPr>
-          <p:cNvPr id="3" name="Content Placeholder 2">
-            <a:extLst>
-              <a:ext uri="{FF2B5EF4-FFF2-40B4-BE49-F238E27FC236}">
-                <a16:creationId xmlns:a16="http://schemas.microsoft.com/office/drawing/2014/main" id="{533CC7C9-6112-AE80-029C-4C71EC710D68}"/>
-              </a:ext>
-            </a:extLst>
-          </p:cNvPr>
-          <p:cNvSpPr>
-            <a:spLocks noGrp="1"/>
-          </p:cNvSpPr>
-          <p:nvPr>
-            <p:ph idx="1"/>
-          </p:nvPr>
-        </p:nvSpPr>
-        <p:spPr/>
-        <p:txBody>
-          <a:bodyPr>
-            <a:normAutofit fontScale="92500" lnSpcReduction="10000"/>
-          </a:bodyPr>
-          <a:lstStyle/>
-          <a:p>
-            <a:pPr marL="0" indent="0">
-              <a:buNone/>
-            </a:pPr>
-            <a:r>
-              <a:rPr lang="en-GB" sz="2600" dirty="0"/>
-              <a:t>ensemble method using</a:t>
-            </a:r>
-          </a:p>
-          <a:p>
-            <a:r>
-              <a:rPr lang="en-GB" sz="2600" dirty="0"/>
-              <a:t>d</a:t>
-            </a:r>
-            <a:r>
-              <a:rPr lang="en-DE" sz="2600" dirty="0"/>
-              <a:t>ecision trees as individual models (usually, rather large, low-bias decision trees)</a:t>
-            </a:r>
-          </a:p>
-          <a:p>
-            <a:r>
-              <a:rPr lang="en-GB" sz="2600" dirty="0"/>
-              <a:t>combination of b</a:t>
-            </a:r>
-            <a:r>
-              <a:rPr lang="en-DE" sz="2600" dirty="0"/>
-              <a:t>agging and </a:t>
-            </a:r>
-            <a:r>
-              <a:rPr lang="en-GB" sz="2600" dirty="0"/>
-              <a:t>r</a:t>
-            </a:r>
-            <a:r>
-              <a:rPr lang="en-DE" sz="2600" dirty="0"/>
-              <a:t>andom subspace method (features sampled at each node in the trees)</a:t>
-            </a:r>
-          </a:p>
-          <a:p>
-            <a:pPr marL="0" indent="0">
-              <a:buNone/>
-            </a:pPr>
-            <a:endParaRPr lang="en-DE" sz="2600" dirty="0"/>
-          </a:p>
-          <a:p>
-            <a:pPr marL="0" indent="0">
-              <a:buNone/>
-            </a:pPr>
-            <a:r>
-              <a:rPr lang="en-DE" sz="2600" dirty="0"/>
-              <a:t>compared to individual decision trees, random forests</a:t>
-            </a:r>
-          </a:p>
-          <a:p>
-            <a:pPr>
-              <a:buFont typeface="System Font Regular"/>
-              <a:buChar char="+"/>
-            </a:pPr>
-            <a:r>
-              <a:rPr lang="en-GB" sz="2600" dirty="0"/>
-              <a:t>r</a:t>
-            </a:r>
-            <a:r>
-              <a:rPr lang="en-DE" sz="2600" dirty="0"/>
-              <a:t>educe variance </a:t>
-            </a:r>
-            <a:r>
-              <a:rPr lang="en-DE" sz="2600" dirty="0">
-                <a:sym typeface="Wingdings" pitchFamily="2" charset="2"/>
-              </a:rPr>
-              <a:t> improve accuracy</a:t>
-            </a:r>
-            <a:endParaRPr lang="en-DE" sz="2600" dirty="0"/>
-          </a:p>
-          <a:p>
-            <a:pPr>
-              <a:buFont typeface="System Font Regular"/>
-              <a:buChar char="-"/>
-            </a:pPr>
-            <a:r>
-              <a:rPr lang="en-DE" sz="2600" dirty="0"/>
-              <a:t>lose explainability</a:t>
-            </a:r>
-          </a:p>
-          <a:p>
-            <a:pPr marL="0" indent="0">
-              <a:buNone/>
-            </a:pPr>
-            <a:endParaRPr lang="en-DE" sz="2600" dirty="0"/>
-          </a:p>
-          <a:p>
-            <a:pPr marL="0" indent="0">
-              <a:buNone/>
-            </a:pPr>
-            <a:r>
-              <a:rPr lang="en-GB" sz="2600" dirty="0"/>
-              <a:t>one of the most popular o</a:t>
-            </a:r>
-            <a:r>
-              <a:rPr lang="en-DE" sz="2600" dirty="0"/>
-              <a:t>ff-the-shelf ML algorithms (often, good performance with little hyperparameter tuning and data preparation)</a:t>
-            </a:r>
-          </a:p>
-        </p:txBody>
-      </p:sp>
-      <p:sp>
-        <p:nvSpPr>
-          <p:cNvPr id="4" name="Slide Number Placeholder 3">
-            <a:extLst>
-              <a:ext uri="{FF2B5EF4-FFF2-40B4-BE49-F238E27FC236}">
-                <a16:creationId xmlns:a16="http://schemas.microsoft.com/office/drawing/2014/main" id="{98696B67-4F49-A270-7136-471B9495912C}"/>
-              </a:ext>
-            </a:extLst>
-          </p:cNvPr>
-          <p:cNvSpPr>
-            <a:spLocks noGrp="1"/>
-          </p:cNvSpPr>
-          <p:nvPr>
-            <p:ph type="sldNum" sz="quarter" idx="12"/>
-          </p:nvPr>
-        </p:nvSpPr>
-        <p:spPr/>
-        <p:txBody>
-          <a:bodyPr/>
-          <a:lstStyle/>
-          <a:p>
-            <a:fld id="{4D06B799-84A7-8648-BC90-ED3C95C2198D}" type="slidenum">
-              <a:rPr lang="en-DE" smtClean="0"/>
-              <a:t>20</a:t>
-            </a:fld>
-            <a:endParaRPr lang="en-DE"/>
-          </a:p>
-        </p:txBody>
-      </p:sp>
-    </p:spTree>
-    <p:extLst>
-      <p:ext uri="{BB962C8B-B14F-4D97-AF65-F5344CB8AC3E}">
-        <p14:creationId xmlns:p14="http://schemas.microsoft.com/office/powerpoint/2010/main" val="943384232"/>
-      </p:ext>
-    </p:extLst>
-  </p:cSld>
-  <p:clrMapOvr>
-    <a:masterClrMapping/>
-  </p:clrMapOvr>
-</p:sld>
-</file>
-
-<file path=ppt/slides/slide21.xml><?xml version="1.0" encoding="utf-8"?>
-<p:sld xmlns:a="http://schemas.openxmlformats.org/drawingml/2006/main" xmlns:r="http://schemas.openxmlformats.org/officeDocument/2006/relationships" xmlns:p="http://schemas.openxmlformats.org/presentationml/2006/main">
-  <p:cSld>
-    <p:spTree>
-      <p:nvGrpSpPr>
-        <p:cNvPr id="1" name=""/>
-        <p:cNvGrpSpPr/>
-        <p:nvPr/>
-      </p:nvGrpSpPr>
-      <p:grpSpPr>
-        <a:xfrm>
-          <a:off x="0" y="0"/>
-          <a:ext cx="0" cy="0"/>
-          <a:chOff x="0" y="0"/>
-          <a:chExt cx="0" cy="0"/>
-        </a:xfrm>
-      </p:grpSpPr>
-      <p:sp>
-        <p:nvSpPr>
-          <p:cNvPr id="2" name="Title 1">
-            <a:extLst>
-              <a:ext uri="{FF2B5EF4-FFF2-40B4-BE49-F238E27FC236}">
                 <a16:creationId xmlns:a16="http://schemas.microsoft.com/office/drawing/2014/main" id="{5C2C2C1D-C9A7-FAD1-3988-6B2CA070145F}"/>
               </a:ext>
             </a:extLst>
@@ -10315,7 +10584,7 @@
           <a:p>
             <a:fld id="{4D06B799-84A7-8648-BC90-ED3C95C2198D}" type="slidenum">
               <a:rPr lang="en-DE" smtClean="0"/>
-              <a:t>21</a:t>
+              <a:t>20</a:t>
             </a:fld>
             <a:endParaRPr lang="en-DE"/>
           </a:p>
@@ -10334,7 +10603,7 @@
 </p:sld>
 </file>
 
-<file path=ppt/slides/slide22.xml><?xml version="1.0" encoding="utf-8"?>
+<file path=ppt/slides/slide21.xml><?xml version="1.0" encoding="utf-8"?>
 <p:sld xmlns:a="http://schemas.openxmlformats.org/drawingml/2006/main" xmlns:r="http://schemas.openxmlformats.org/officeDocument/2006/relationships" xmlns:p="http://schemas.openxmlformats.org/presentationml/2006/main">
   <p:cSld>
     <p:spTree>
@@ -11718,7 +11987,7 @@
           <a:p>
             <a:fld id="{4D06B799-84A7-8648-BC90-ED3C95C2198D}" type="slidenum">
               <a:rPr lang="en-DE" smtClean="0"/>
-              <a:t>22</a:t>
+              <a:t>21</a:t>
             </a:fld>
             <a:endParaRPr lang="en-DE"/>
           </a:p>
@@ -11737,7 +12006,7 @@
 </p:sld>
 </file>
 
-<file path=ppt/slides/slide23.xml><?xml version="1.0" encoding="utf-8"?>
+<file path=ppt/slides/slide22.xml><?xml version="1.0" encoding="utf-8"?>
 <p:sld xmlns:a="http://schemas.openxmlformats.org/drawingml/2006/main" xmlns:r="http://schemas.openxmlformats.org/officeDocument/2006/relationships" xmlns:p="http://schemas.openxmlformats.org/presentationml/2006/main">
   <p:cSld>
     <p:spTree>
@@ -11777,7 +12046,7 @@
           <a:p>
             <a:fld id="{ADDEFC8A-584C-5E41-A633-418C2FB73F75}" type="slidenum">
               <a:rPr lang="en-DE" smtClean="0"/>
-              <a:t>23</a:t>
+              <a:t>22</a:t>
             </a:fld>
             <a:endParaRPr lang="en-DE"/>
           </a:p>
@@ -11843,7 +12112,7 @@
 </p:sld>
 </file>
 
-<file path=ppt/slides/slide24.xml><?xml version="1.0" encoding="utf-8"?>
+<file path=ppt/slides/slide23.xml><?xml version="1.0" encoding="utf-8"?>
 <p:sld xmlns:a="http://schemas.openxmlformats.org/drawingml/2006/main" xmlns:r="http://schemas.openxmlformats.org/officeDocument/2006/relationships" xmlns:p="http://schemas.openxmlformats.org/presentationml/2006/main">
   <p:cSld>
     <p:spTree>
@@ -12069,7 +12338,7 @@
           <a:p>
             <a:fld id="{4D06B799-84A7-8648-BC90-ED3C95C2198D}" type="slidenum">
               <a:rPr lang="en-DE" smtClean="0"/>
-              <a:t>24</a:t>
+              <a:t>23</a:t>
             </a:fld>
             <a:endParaRPr lang="en-DE"/>
           </a:p>
@@ -12079,6 +12348,157 @@
     <p:extLst>
       <p:ext uri="{BB962C8B-B14F-4D97-AF65-F5344CB8AC3E}">
         <p14:creationId xmlns:p14="http://schemas.microsoft.com/office/powerpoint/2010/main" val="1898373171"/>
+      </p:ext>
+    </p:extLst>
+  </p:cSld>
+  <p:clrMapOvr>
+    <a:masterClrMapping/>
+  </p:clrMapOvr>
+</p:sld>
+</file>
+
+<file path=ppt/slides/slide24.xml><?xml version="1.0" encoding="utf-8"?>
+<p:sld xmlns:a="http://schemas.openxmlformats.org/drawingml/2006/main" xmlns:r="http://schemas.openxmlformats.org/officeDocument/2006/relationships" xmlns:p="http://schemas.openxmlformats.org/presentationml/2006/main">
+  <p:cSld>
+    <p:spTree>
+      <p:nvGrpSpPr>
+        <p:cNvPr id="1" name=""/>
+        <p:cNvGrpSpPr/>
+        <p:nvPr/>
+      </p:nvGrpSpPr>
+      <p:grpSpPr>
+        <a:xfrm>
+          <a:off x="0" y="0"/>
+          <a:ext cx="0" cy="0"/>
+          <a:chOff x="0" y="0"/>
+          <a:chExt cx="0" cy="0"/>
+        </a:xfrm>
+      </p:grpSpPr>
+      <p:sp>
+        <p:nvSpPr>
+          <p:cNvPr id="2" name="Title 1">
+            <a:extLst>
+              <a:ext uri="{FF2B5EF4-FFF2-40B4-BE49-F238E27FC236}">
+                <a16:creationId xmlns:a16="http://schemas.microsoft.com/office/drawing/2014/main" id="{9F51148D-1862-FF84-978A-D2B00915FA83}"/>
+              </a:ext>
+            </a:extLst>
+          </p:cNvPr>
+          <p:cNvSpPr>
+            <a:spLocks noGrp="1"/>
+          </p:cNvSpPr>
+          <p:nvPr>
+            <p:ph type="title"/>
+          </p:nvPr>
+        </p:nvSpPr>
+        <p:spPr/>
+        <p:txBody>
+          <a:bodyPr/>
+          <a:lstStyle/>
+          <a:p>
+            <a:r>
+              <a:rPr lang="en-GB" dirty="0"/>
+              <a:t>So, let’s do some </a:t>
+            </a:r>
+            <a:r>
+              <a:rPr lang="en-GB" dirty="0" err="1"/>
+              <a:t>modeling</a:t>
+            </a:r>
+            <a:r>
+              <a:rPr lang="en-GB" dirty="0"/>
+              <a:t> …</a:t>
+            </a:r>
+          </a:p>
+        </p:txBody>
+      </p:sp>
+      <p:sp>
+        <p:nvSpPr>
+          <p:cNvPr id="3" name="Content Placeholder 2">
+            <a:extLst>
+              <a:ext uri="{FF2B5EF4-FFF2-40B4-BE49-F238E27FC236}">
+                <a16:creationId xmlns:a16="http://schemas.microsoft.com/office/drawing/2014/main" id="{F2E073A6-59AB-4CA7-ABDE-14DB7A89B21D}"/>
+              </a:ext>
+            </a:extLst>
+          </p:cNvPr>
+          <p:cNvSpPr>
+            <a:spLocks noGrp="1"/>
+          </p:cNvSpPr>
+          <p:nvPr>
+            <p:ph idx="1"/>
+          </p:nvPr>
+        </p:nvSpPr>
+        <p:spPr/>
+        <p:txBody>
+          <a:bodyPr/>
+          <a:lstStyle/>
+          <a:p>
+            <a:pPr marL="0" indent="0">
+              <a:buNone/>
+            </a:pPr>
+            <a:r>
+              <a:rPr lang="en-GB" dirty="0">
+                <a:hlinkClick r:id="rId2"/>
+              </a:rPr>
+              <a:t>scikit-learn</a:t>
+            </a:r>
+            <a:endParaRPr lang="en-GB" dirty="0"/>
+          </a:p>
+          <a:p>
+            <a:pPr marL="0" indent="0">
+              <a:buNone/>
+            </a:pPr>
+            <a:endParaRPr lang="en-GB" dirty="0"/>
+          </a:p>
+          <a:p>
+            <a:pPr marL="0" indent="0">
+              <a:buNone/>
+            </a:pPr>
+            <a:r>
+              <a:rPr lang="en-GB" dirty="0"/>
+              <a:t>coding example: </a:t>
+            </a:r>
+            <a:r>
+              <a:rPr lang="en-GB" dirty="0">
+                <a:hlinkClick r:id="rId3"/>
+              </a:rPr>
+              <a:t>Kaggle House Prices</a:t>
+            </a:r>
+            <a:endParaRPr lang="en-GB" dirty="0"/>
+          </a:p>
+        </p:txBody>
+      </p:sp>
+      <p:sp>
+        <p:nvSpPr>
+          <p:cNvPr id="4" name="Slide Number Placeholder 3">
+            <a:extLst>
+              <a:ext uri="{FF2B5EF4-FFF2-40B4-BE49-F238E27FC236}">
+                <a16:creationId xmlns:a16="http://schemas.microsoft.com/office/drawing/2014/main" id="{D639767A-556E-C57D-DE45-60A8C6B65F86}"/>
+              </a:ext>
+            </a:extLst>
+          </p:cNvPr>
+          <p:cNvSpPr>
+            <a:spLocks noGrp="1"/>
+          </p:cNvSpPr>
+          <p:nvPr>
+            <p:ph type="sldNum" sz="quarter" idx="12"/>
+          </p:nvPr>
+        </p:nvSpPr>
+        <p:spPr/>
+        <p:txBody>
+          <a:bodyPr/>
+          <a:lstStyle/>
+          <a:p>
+            <a:fld id="{ADDEFC8A-584C-5E41-A633-418C2FB73F75}" type="slidenum">
+              <a:rPr lang="en-DE" smtClean="0"/>
+              <a:t>24</a:t>
+            </a:fld>
+            <a:endParaRPr lang="en-DE"/>
+          </a:p>
+        </p:txBody>
+      </p:sp>
+    </p:spTree>
+    <p:extLst>
+      <p:ext uri="{BB962C8B-B14F-4D97-AF65-F5344CB8AC3E}">
+        <p14:creationId xmlns:p14="http://schemas.microsoft.com/office/powerpoint/2010/main" val="4139974002"/>
       </p:ext>
     </p:extLst>
   </p:cSld>
@@ -12110,7 +12530,7 @@
           <p:cNvPr id="2" name="Title 1">
             <a:extLst>
               <a:ext uri="{FF2B5EF4-FFF2-40B4-BE49-F238E27FC236}">
-                <a16:creationId xmlns:a16="http://schemas.microsoft.com/office/drawing/2014/main" id="{9F51148D-1862-FF84-978A-D2B00915FA83}"/>
+                <a16:creationId xmlns:a16="http://schemas.microsoft.com/office/drawing/2014/main" id="{8D8B05A3-F058-6790-2884-26EB8B8A562A}"/>
               </a:ext>
             </a:extLst>
           </p:cNvPr>
@@ -12128,15 +12548,7 @@
           <a:p>
             <a:r>
               <a:rPr lang="en-GB" dirty="0"/>
-              <a:t>So, let’s do some </a:t>
-            </a:r>
-            <a:r>
-              <a:rPr lang="en-GB" dirty="0" err="1"/>
-              <a:t>modeling</a:t>
-            </a:r>
-            <a:r>
-              <a:rPr lang="en-GB" dirty="0"/>
-              <a:t> …</a:t>
+              <a:t>Assignments</a:t>
             </a:r>
           </a:p>
         </p:txBody>
@@ -12146,7 +12558,7 @@
           <p:cNvPr id="3" name="Content Placeholder 2">
             <a:extLst>
               <a:ext uri="{FF2B5EF4-FFF2-40B4-BE49-F238E27FC236}">
-                <a16:creationId xmlns:a16="http://schemas.microsoft.com/office/drawing/2014/main" id="{F2E073A6-59AB-4CA7-ABDE-14DB7A89B21D}"/>
+                <a16:creationId xmlns:a16="http://schemas.microsoft.com/office/drawing/2014/main" id="{01BFA021-F249-3A9A-8A73-A200BC368993}"/>
               </a:ext>
             </a:extLst>
           </p:cNvPr>
@@ -12162,14 +12574,15 @@
           <a:bodyPr/>
           <a:lstStyle/>
           <a:p>
-            <a:pPr marL="0" indent="0">
-              <a:buNone/>
-            </a:pPr>
+            <a:r>
+              <a:rPr lang="en-GB" dirty="0"/>
+              <a:t>classification: </a:t>
+            </a:r>
             <a:r>
               <a:rPr lang="en-GB" dirty="0">
                 <a:hlinkClick r:id="rId2"/>
               </a:rPr>
-              <a:t>scikit-learn</a:t>
+              <a:t>Kaggle Spaceship Titanic</a:t>
             </a:r>
             <a:endParaRPr lang="en-GB" dirty="0"/>
           </a:p>
@@ -12180,18 +12593,15 @@
             <a:endParaRPr lang="en-GB" dirty="0"/>
           </a:p>
           <a:p>
-            <a:pPr marL="0" indent="0">
-              <a:buNone/>
-            </a:pPr>
             <a:r>
               <a:rPr lang="en-GB" dirty="0"/>
-              <a:t>coding example: </a:t>
+              <a:t>regression: </a:t>
             </a:r>
             <a:r>
               <a:rPr lang="en-GB" dirty="0">
                 <a:hlinkClick r:id="rId3"/>
               </a:rPr>
-              <a:t>Kaggle House Prices</a:t>
+              <a:t>Kaggle Store Sales</a:t>
             </a:r>
             <a:endParaRPr lang="en-GB" dirty="0"/>
           </a:p>
@@ -12202,7 +12612,7 @@
           <p:cNvPr id="4" name="Slide Number Placeholder 3">
             <a:extLst>
               <a:ext uri="{FF2B5EF4-FFF2-40B4-BE49-F238E27FC236}">
-                <a16:creationId xmlns:a16="http://schemas.microsoft.com/office/drawing/2014/main" id="{D639767A-556E-C57D-DE45-60A8C6B65F86}"/>
+                <a16:creationId xmlns:a16="http://schemas.microsoft.com/office/drawing/2014/main" id="{E12A9BAF-B74E-28AF-DD3F-0B03417FE9E7}"/>
               </a:ext>
             </a:extLst>
           </p:cNvPr>
@@ -12221,147 +12631,6 @@
             <a:fld id="{ADDEFC8A-584C-5E41-A633-418C2FB73F75}" type="slidenum">
               <a:rPr lang="en-DE" smtClean="0"/>
               <a:t>25</a:t>
-            </a:fld>
-            <a:endParaRPr lang="en-DE"/>
-          </a:p>
-        </p:txBody>
-      </p:sp>
-    </p:spTree>
-    <p:extLst>
-      <p:ext uri="{BB962C8B-B14F-4D97-AF65-F5344CB8AC3E}">
-        <p14:creationId xmlns:p14="http://schemas.microsoft.com/office/powerpoint/2010/main" val="4139974002"/>
-      </p:ext>
-    </p:extLst>
-  </p:cSld>
-  <p:clrMapOvr>
-    <a:masterClrMapping/>
-  </p:clrMapOvr>
-</p:sld>
-</file>
-
-<file path=ppt/slides/slide26.xml><?xml version="1.0" encoding="utf-8"?>
-<p:sld xmlns:a="http://schemas.openxmlformats.org/drawingml/2006/main" xmlns:r="http://schemas.openxmlformats.org/officeDocument/2006/relationships" xmlns:p="http://schemas.openxmlformats.org/presentationml/2006/main">
-  <p:cSld>
-    <p:spTree>
-      <p:nvGrpSpPr>
-        <p:cNvPr id="1" name=""/>
-        <p:cNvGrpSpPr/>
-        <p:nvPr/>
-      </p:nvGrpSpPr>
-      <p:grpSpPr>
-        <a:xfrm>
-          <a:off x="0" y="0"/>
-          <a:ext cx="0" cy="0"/>
-          <a:chOff x="0" y="0"/>
-          <a:chExt cx="0" cy="0"/>
-        </a:xfrm>
-      </p:grpSpPr>
-      <p:sp>
-        <p:nvSpPr>
-          <p:cNvPr id="2" name="Title 1">
-            <a:extLst>
-              <a:ext uri="{FF2B5EF4-FFF2-40B4-BE49-F238E27FC236}">
-                <a16:creationId xmlns:a16="http://schemas.microsoft.com/office/drawing/2014/main" id="{8D8B05A3-F058-6790-2884-26EB8B8A562A}"/>
-              </a:ext>
-            </a:extLst>
-          </p:cNvPr>
-          <p:cNvSpPr>
-            <a:spLocks noGrp="1"/>
-          </p:cNvSpPr>
-          <p:nvPr>
-            <p:ph type="title"/>
-          </p:nvPr>
-        </p:nvSpPr>
-        <p:spPr/>
-        <p:txBody>
-          <a:bodyPr/>
-          <a:lstStyle/>
-          <a:p>
-            <a:r>
-              <a:rPr lang="en-GB" dirty="0"/>
-              <a:t>Assignments</a:t>
-            </a:r>
-          </a:p>
-        </p:txBody>
-      </p:sp>
-      <p:sp>
-        <p:nvSpPr>
-          <p:cNvPr id="3" name="Content Placeholder 2">
-            <a:extLst>
-              <a:ext uri="{FF2B5EF4-FFF2-40B4-BE49-F238E27FC236}">
-                <a16:creationId xmlns:a16="http://schemas.microsoft.com/office/drawing/2014/main" id="{01BFA021-F249-3A9A-8A73-A200BC368993}"/>
-              </a:ext>
-            </a:extLst>
-          </p:cNvPr>
-          <p:cNvSpPr>
-            <a:spLocks noGrp="1"/>
-          </p:cNvSpPr>
-          <p:nvPr>
-            <p:ph idx="1"/>
-          </p:nvPr>
-        </p:nvSpPr>
-        <p:spPr/>
-        <p:txBody>
-          <a:bodyPr/>
-          <a:lstStyle/>
-          <a:p>
-            <a:r>
-              <a:rPr lang="en-GB" dirty="0"/>
-              <a:t>classification: </a:t>
-            </a:r>
-            <a:r>
-              <a:rPr lang="en-GB" dirty="0">
-                <a:hlinkClick r:id="rId2"/>
-              </a:rPr>
-              <a:t>Kaggle Spaceship Titanic</a:t>
-            </a:r>
-            <a:endParaRPr lang="en-GB" dirty="0"/>
-          </a:p>
-          <a:p>
-            <a:pPr marL="0" indent="0">
-              <a:buNone/>
-            </a:pPr>
-            <a:endParaRPr lang="en-GB" dirty="0"/>
-          </a:p>
-          <a:p>
-            <a:r>
-              <a:rPr lang="en-GB" dirty="0"/>
-              <a:t>regression: </a:t>
-            </a:r>
-            <a:r>
-              <a:rPr lang="en-GB" dirty="0">
-                <a:hlinkClick r:id="rId3"/>
-              </a:rPr>
-              <a:t>Kaggle Store Sales</a:t>
-            </a:r>
-            <a:endParaRPr lang="en-GB" dirty="0"/>
-          </a:p>
-        </p:txBody>
-      </p:sp>
-      <p:sp>
-        <p:nvSpPr>
-          <p:cNvPr id="4" name="Slide Number Placeholder 3">
-            <a:extLst>
-              <a:ext uri="{FF2B5EF4-FFF2-40B4-BE49-F238E27FC236}">
-                <a16:creationId xmlns:a16="http://schemas.microsoft.com/office/drawing/2014/main" id="{E12A9BAF-B74E-28AF-DD3F-0B03417FE9E7}"/>
-              </a:ext>
-            </a:extLst>
-          </p:cNvPr>
-          <p:cNvSpPr>
-            <a:spLocks noGrp="1"/>
-          </p:cNvSpPr>
-          <p:nvPr>
-            <p:ph type="sldNum" sz="quarter" idx="12"/>
-          </p:nvPr>
-        </p:nvSpPr>
-        <p:spPr/>
-        <p:txBody>
-          <a:bodyPr/>
-          <a:lstStyle/>
-          <a:p>
-            <a:fld id="{ADDEFC8A-584C-5E41-A633-418C2FB73F75}" type="slidenum">
-              <a:rPr lang="en-DE" smtClean="0"/>
-              <a:t>26</a:t>
             </a:fld>
             <a:endParaRPr lang="en-DE"/>
           </a:p>
@@ -12402,817 +12671,6 @@
           <p:cNvPr id="2" name="Title 1">
             <a:extLst>
               <a:ext uri="{FF2B5EF4-FFF2-40B4-BE49-F238E27FC236}">
-                <a16:creationId xmlns:a16="http://schemas.microsoft.com/office/drawing/2014/main" id="{F3521F78-9676-FC22-2D71-300BB2A84EB9}"/>
-              </a:ext>
-            </a:extLst>
-          </p:cNvPr>
-          <p:cNvSpPr>
-            <a:spLocks noGrp="1"/>
-          </p:cNvSpPr>
-          <p:nvPr>
-            <p:ph type="title"/>
-          </p:nvPr>
-        </p:nvSpPr>
-        <p:spPr/>
-        <p:txBody>
-          <a:bodyPr/>
-          <a:lstStyle/>
-          <a:p>
-            <a:r>
-              <a:rPr lang="en-DE" dirty="0"/>
-              <a:t>Supervised Learning Scenario</a:t>
-            </a:r>
-          </a:p>
-        </p:txBody>
-      </p:sp>
-      <mc:AlternateContent xmlns:mc="http://schemas.openxmlformats.org/markup-compatibility/2006" xmlns:a14="http://schemas.microsoft.com/office/drawing/2010/main">
-        <mc:Choice Requires="a14">
-          <p:sp>
-            <p:nvSpPr>
-              <p:cNvPr id="3" name="Content Placeholder 2">
-                <a:extLst>
-                  <a:ext uri="{FF2B5EF4-FFF2-40B4-BE49-F238E27FC236}">
-                    <a16:creationId xmlns:a16="http://schemas.microsoft.com/office/drawing/2014/main" id="{2D916FA3-AEFF-3F24-45D6-48CAAC141923}"/>
-                  </a:ext>
-                </a:extLst>
-              </p:cNvPr>
-              <p:cNvSpPr>
-                <a:spLocks noGrp="1"/>
-              </p:cNvSpPr>
-              <p:nvPr>
-                <p:ph idx="1"/>
-              </p:nvPr>
-            </p:nvSpPr>
-            <p:spPr>
-              <a:xfrm>
-                <a:off x="838200" y="1825625"/>
-                <a:ext cx="10922876" cy="4351338"/>
-              </a:xfrm>
-            </p:spPr>
-            <p:txBody>
-              <a:bodyPr>
-                <a:normAutofit fontScale="92500"/>
-              </a:bodyPr>
-              <a:lstStyle/>
-              <a:p>
-                <a:pPr marL="0" indent="0">
-                  <a:buNone/>
-                </a:pPr>
-                <a:r>
-                  <a:rPr lang="de-DE" dirty="0"/>
-                  <a:t>map </a:t>
-                </a:r>
-                <a:r>
-                  <a:rPr lang="de-DE" dirty="0" err="1"/>
-                  <a:t>input</a:t>
-                </a:r>
-                <a:r>
-                  <a:rPr lang="de-DE" dirty="0"/>
-                  <a:t> </a:t>
-                </a:r>
-                <a:r>
-                  <a:rPr lang="de-DE" dirty="0" err="1"/>
-                  <a:t>to</a:t>
-                </a:r>
-                <a:r>
-                  <a:rPr lang="de-DE" dirty="0"/>
-                  <a:t> </a:t>
-                </a:r>
-                <a:r>
-                  <a:rPr lang="de-DE" dirty="0" err="1"/>
-                  <a:t>output</a:t>
-                </a:r>
-                <a:r>
-                  <a:rPr lang="de-DE" dirty="0"/>
-                  <a:t>: </a:t>
-                </a:r>
-                <a14:m>
-                  <m:oMath xmlns:m="http://schemas.openxmlformats.org/officeDocument/2006/math">
-                    <m:r>
-                      <a:rPr lang="en-US" b="0" i="1" smtClean="0">
-                        <a:latin typeface="Cambria Math" panose="02040503050406030204" pitchFamily="18" charset="0"/>
-                      </a:rPr>
-                      <m:t>𝑦</m:t>
-                    </m:r>
-                    <m:r>
-                      <a:rPr lang="en-US" i="1">
-                        <a:latin typeface="Cambria Math" panose="02040503050406030204" pitchFamily="18" charset="0"/>
-                      </a:rPr>
-                      <m:t>=</m:t>
-                    </m:r>
-                    <m:r>
-                      <a:rPr lang="en-US" i="1">
-                        <a:latin typeface="Cambria Math" panose="02040503050406030204" pitchFamily="18" charset="0"/>
-                      </a:rPr>
-                      <m:t>𝑓</m:t>
-                    </m:r>
-                    <m:d>
-                      <m:dPr>
-                        <m:ctrlPr>
-                          <a:rPr lang="en-US" i="1">
-                            <a:latin typeface="Cambria Math" panose="02040503050406030204" pitchFamily="18" charset="0"/>
-                          </a:rPr>
-                        </m:ctrlPr>
-                      </m:dPr>
-                      <m:e>
-                        <m:r>
-                          <a:rPr lang="en-US" b="1" i="1" smtClean="0">
-                            <a:latin typeface="Cambria Math" panose="02040503050406030204" pitchFamily="18" charset="0"/>
-                          </a:rPr>
-                          <m:t>𝒙</m:t>
-                        </m:r>
-                      </m:e>
-                    </m:d>
-                  </m:oMath>
-                </a14:m>
-                <a:r>
-                  <a:rPr lang="de-DE" dirty="0"/>
-                  <a:t> (</a:t>
-                </a:r>
-                <a:r>
-                  <a:rPr lang="de-DE" dirty="0" err="1"/>
-                  <a:t>estimated</a:t>
-                </a:r>
-                <a:r>
-                  <a:rPr lang="de-DE" dirty="0"/>
-                  <a:t>: </a:t>
-                </a:r>
-                <a14:m>
-                  <m:oMath xmlns:m="http://schemas.openxmlformats.org/officeDocument/2006/math">
-                    <m:acc>
-                      <m:accPr>
-                        <m:chr m:val="̂"/>
-                        <m:ctrlPr>
-                          <a:rPr lang="en-US" i="1">
-                            <a:latin typeface="Cambria Math" panose="02040503050406030204" pitchFamily="18" charset="0"/>
-                          </a:rPr>
-                        </m:ctrlPr>
-                      </m:accPr>
-                      <m:e>
-                        <m:r>
-                          <a:rPr lang="en-US" i="1">
-                            <a:latin typeface="Cambria Math" panose="02040503050406030204" pitchFamily="18" charset="0"/>
-                          </a:rPr>
-                          <m:t>𝑓</m:t>
-                        </m:r>
-                      </m:e>
-                    </m:acc>
-                    <m:d>
-                      <m:dPr>
-                        <m:ctrlPr>
-                          <a:rPr lang="en-US" i="1">
-                            <a:latin typeface="Cambria Math" panose="02040503050406030204" pitchFamily="18" charset="0"/>
-                          </a:rPr>
-                        </m:ctrlPr>
-                      </m:dPr>
-                      <m:e>
-                        <m:r>
-                          <a:rPr lang="en-US" b="1" i="1" smtClean="0">
-                            <a:latin typeface="Cambria Math" panose="02040503050406030204" pitchFamily="18" charset="0"/>
-                          </a:rPr>
-                          <m:t>𝒙</m:t>
-                        </m:r>
-                      </m:e>
-                    </m:d>
-                  </m:oMath>
-                </a14:m>
-                <a:r>
-                  <a:rPr lang="de-DE" dirty="0"/>
-                  <a:t>)</a:t>
-                </a:r>
-              </a:p>
-              <a:p>
-                <a:pPr marL="0" indent="0">
-                  <a:buNone/>
-                </a:pPr>
-                <a:r>
-                  <a:rPr lang="en-GB" sz="2200" dirty="0"/>
-                  <a:t>random variables </a:t>
-                </a:r>
-                <a14:m>
-                  <m:oMath xmlns:m="http://schemas.openxmlformats.org/officeDocument/2006/math">
-                    <m:r>
-                      <a:rPr lang="en-US" sz="2200" i="1">
-                        <a:latin typeface="Cambria Math" panose="02040503050406030204" pitchFamily="18" charset="0"/>
-                      </a:rPr>
-                      <m:t>𝑌</m:t>
-                    </m:r>
-                  </m:oMath>
-                </a14:m>
-                <a:r>
-                  <a:rPr lang="en-GB" sz="2200" dirty="0"/>
-                  <a:t> and </a:t>
-                </a:r>
-                <a14:m>
-                  <m:oMath xmlns:m="http://schemas.openxmlformats.org/officeDocument/2006/math">
-                    <m:r>
-                      <a:rPr lang="en-US" sz="2200" b="1" i="1">
-                        <a:latin typeface="Cambria Math" panose="02040503050406030204" pitchFamily="18" charset="0"/>
-                      </a:rPr>
-                      <m:t>𝑿</m:t>
-                    </m:r>
-                    <m:r>
-                      <a:rPr lang="en-US" sz="2200" i="1">
-                        <a:latin typeface="Cambria Math" panose="02040503050406030204" pitchFamily="18" charset="0"/>
-                      </a:rPr>
-                      <m:t>=</m:t>
-                    </m:r>
-                    <m:sSub>
-                      <m:sSubPr>
-                        <m:ctrlPr>
-                          <a:rPr lang="en-US" sz="2200" i="1">
-                            <a:latin typeface="Cambria Math" panose="02040503050406030204" pitchFamily="18" charset="0"/>
-                          </a:rPr>
-                        </m:ctrlPr>
-                      </m:sSubPr>
-                      <m:e>
-                        <m:r>
-                          <a:rPr lang="en-US" sz="2200" i="1">
-                            <a:latin typeface="Cambria Math" panose="02040503050406030204" pitchFamily="18" charset="0"/>
-                          </a:rPr>
-                          <m:t>(</m:t>
-                        </m:r>
-                        <m:r>
-                          <a:rPr lang="en-US" sz="2200" i="1">
-                            <a:latin typeface="Cambria Math" panose="02040503050406030204" pitchFamily="18" charset="0"/>
-                          </a:rPr>
-                          <m:t>𝑋</m:t>
-                        </m:r>
-                      </m:e>
-                      <m:sub>
-                        <m:r>
-                          <a:rPr lang="en-US" sz="2200" i="1">
-                            <a:latin typeface="Cambria Math" panose="02040503050406030204" pitchFamily="18" charset="0"/>
-                          </a:rPr>
-                          <m:t>1</m:t>
-                        </m:r>
-                      </m:sub>
-                    </m:sSub>
-                    <m:r>
-                      <a:rPr lang="en-US" sz="2200" i="1">
-                        <a:latin typeface="Cambria Math" panose="02040503050406030204" pitchFamily="18" charset="0"/>
-                      </a:rPr>
-                      <m:t>, </m:t>
-                    </m:r>
-                    <m:sSub>
-                      <m:sSubPr>
-                        <m:ctrlPr>
-                          <a:rPr lang="en-US" sz="2200" i="1">
-                            <a:latin typeface="Cambria Math" panose="02040503050406030204" pitchFamily="18" charset="0"/>
-                          </a:rPr>
-                        </m:ctrlPr>
-                      </m:sSubPr>
-                      <m:e>
-                        <m:r>
-                          <a:rPr lang="en-US" sz="2200" i="1">
-                            <a:latin typeface="Cambria Math" panose="02040503050406030204" pitchFamily="18" charset="0"/>
-                          </a:rPr>
-                          <m:t>𝑋</m:t>
-                        </m:r>
-                      </m:e>
-                      <m:sub>
-                        <m:r>
-                          <a:rPr lang="en-US" sz="2200" i="1">
-                            <a:latin typeface="Cambria Math" panose="02040503050406030204" pitchFamily="18" charset="0"/>
-                          </a:rPr>
-                          <m:t>2</m:t>
-                        </m:r>
-                      </m:sub>
-                    </m:sSub>
-                    <m:r>
-                      <a:rPr lang="en-US" sz="2200" i="1">
-                        <a:latin typeface="Cambria Math" panose="02040503050406030204" pitchFamily="18" charset="0"/>
-                      </a:rPr>
-                      <m:t>,</m:t>
-                    </m:r>
-                    <m:sSub>
-                      <m:sSubPr>
-                        <m:ctrlPr>
-                          <a:rPr lang="en-US" sz="2200" i="1">
-                            <a:latin typeface="Cambria Math" panose="02040503050406030204" pitchFamily="18" charset="0"/>
-                          </a:rPr>
-                        </m:ctrlPr>
-                      </m:sSubPr>
-                      <m:e>
-                        <m:r>
-                          <a:rPr lang="en-US" sz="2200" i="1">
-                            <a:latin typeface="Cambria Math" panose="02040503050406030204" pitchFamily="18" charset="0"/>
-                            <a:ea typeface="Cambria Math" panose="02040503050406030204" pitchFamily="18" charset="0"/>
-                          </a:rPr>
-                          <m:t>⋯,</m:t>
-                        </m:r>
-                        <m:r>
-                          <a:rPr lang="en-US" sz="2200" i="1">
-                            <a:latin typeface="Cambria Math" panose="02040503050406030204" pitchFamily="18" charset="0"/>
-                          </a:rPr>
-                          <m:t>𝑋</m:t>
-                        </m:r>
-                      </m:e>
-                      <m:sub>
-                        <m:r>
-                          <a:rPr lang="en-US" sz="2200" i="1">
-                            <a:latin typeface="Cambria Math" panose="02040503050406030204" pitchFamily="18" charset="0"/>
-                          </a:rPr>
-                          <m:t>𝑝</m:t>
-                        </m:r>
-                      </m:sub>
-                    </m:sSub>
-                  </m:oMath>
-                </a14:m>
-                <a:r>
-                  <a:rPr lang="en-GB" sz="2200" dirty="0"/>
-                  <a:t>) </a:t>
-                </a:r>
-                <a14:m>
-                  <m:oMath xmlns:m="http://schemas.openxmlformats.org/officeDocument/2006/math">
-                    <m:r>
-                      <a:rPr lang="en-GB" sz="2200" i="1" smtClean="0">
-                        <a:latin typeface="Cambria Math" panose="02040503050406030204" pitchFamily="18" charset="0"/>
-                        <a:ea typeface="Cambria Math" panose="02040503050406030204" pitchFamily="18" charset="0"/>
-                      </a:rPr>
-                      <m:t>←</m:t>
-                    </m:r>
-                  </m:oMath>
-                </a14:m>
-                <a:r>
-                  <a:rPr lang="en-GB" sz="2200" dirty="0"/>
-                  <a:t> usually high-dimensional</a:t>
-                </a:r>
-              </a:p>
-              <a:p>
-                <a:pPr marL="0" indent="0">
-                  <a:buNone/>
-                </a:pPr>
-                <a:endParaRPr lang="en-DE" dirty="0"/>
-              </a:p>
-              <a:p>
-                <a:pPr marL="0" indent="0">
-                  <a:buNone/>
-                </a:pPr>
-                <a:r>
-                  <a:rPr lang="en-GB" dirty="0"/>
-                  <a:t>training (c</a:t>
-                </a:r>
-                <a:r>
-                  <a:rPr lang="en-DE" dirty="0"/>
-                  <a:t>urve fitting / parameter estimation</a:t>
-                </a:r>
-                <a:r>
-                  <a:rPr lang="en-GB" dirty="0"/>
-                  <a:t>)</a:t>
-                </a:r>
-                <a:r>
-                  <a:rPr lang="en-DE" dirty="0"/>
-                  <a:t>:</a:t>
-                </a:r>
-              </a:p>
-              <a:p>
-                <a:pPr marL="0" indent="0">
-                  <a:buNone/>
-                </a:pPr>
-                <a:r>
-                  <a:rPr lang="en-GB" dirty="0"/>
-                  <a:t>fit data set of </a:t>
-                </a:r>
-                <a:r>
-                  <a:rPr lang="en-GB" dirty="0" err="1"/>
-                  <a:t>i.i.d.</a:t>
-                </a:r>
-                <a:r>
-                  <a:rPr lang="en-GB" dirty="0"/>
-                  <a:t> (</a:t>
-                </a:r>
-                <a14:m>
-                  <m:oMath xmlns:m="http://schemas.openxmlformats.org/officeDocument/2006/math">
-                    <m:sSub>
-                      <m:sSubPr>
-                        <m:ctrlPr>
-                          <a:rPr lang="en-GB" i="1">
-                            <a:latin typeface="Cambria Math" panose="02040503050406030204" pitchFamily="18" charset="0"/>
-                          </a:rPr>
-                        </m:ctrlPr>
-                      </m:sSubPr>
-                      <m:e>
-                        <m:r>
-                          <a:rPr lang="en-US" i="1">
-                            <a:latin typeface="Cambria Math" panose="02040503050406030204" pitchFamily="18" charset="0"/>
-                          </a:rPr>
-                          <m:t>𝑦</m:t>
-                        </m:r>
-                      </m:e>
-                      <m:sub>
-                        <m:r>
-                          <a:rPr lang="en-US" i="1">
-                            <a:latin typeface="Cambria Math" panose="02040503050406030204" pitchFamily="18" charset="0"/>
-                          </a:rPr>
-                          <m:t>𝑖</m:t>
-                        </m:r>
-                      </m:sub>
-                    </m:sSub>
-                  </m:oMath>
-                </a14:m>
-                <a:r>
-                  <a:rPr lang="en-GB" dirty="0"/>
-                  <a:t>, </a:t>
-                </a:r>
-                <a14:m>
-                  <m:oMath xmlns:m="http://schemas.openxmlformats.org/officeDocument/2006/math">
-                    <m:sSub>
-                      <m:sSubPr>
-                        <m:ctrlPr>
-                          <a:rPr lang="en-GB" i="1">
-                            <a:latin typeface="Cambria Math" panose="02040503050406030204" pitchFamily="18" charset="0"/>
-                          </a:rPr>
-                        </m:ctrlPr>
-                      </m:sSubPr>
-                      <m:e>
-                        <m:r>
-                          <a:rPr lang="en-US" b="1" i="1">
-                            <a:latin typeface="Cambria Math" panose="02040503050406030204" pitchFamily="18" charset="0"/>
-                          </a:rPr>
-                          <m:t>𝒙</m:t>
-                        </m:r>
-                      </m:e>
-                      <m:sub>
-                        <m:r>
-                          <a:rPr lang="en-US" i="1">
-                            <a:latin typeface="Cambria Math" panose="02040503050406030204" pitchFamily="18" charset="0"/>
-                          </a:rPr>
-                          <m:t>𝑖</m:t>
-                        </m:r>
-                      </m:sub>
-                    </m:sSub>
-                  </m:oMath>
-                </a14:m>
-                <a:r>
-                  <a:rPr lang="en-GB" dirty="0"/>
-                  <a:t>) pairs </a:t>
-                </a:r>
-                <a:r>
-                  <a:rPr lang="en-GB" dirty="0">
-                    <a:sym typeface="Wingdings" pitchFamily="2" charset="2"/>
-                  </a:rPr>
-                  <a:t> m</a:t>
-                </a:r>
-                <a:r>
-                  <a:rPr lang="en-GB" dirty="0"/>
-                  <a:t>inimize deviations between </a:t>
-                </a:r>
-                <a14:m>
-                  <m:oMath xmlns:m="http://schemas.openxmlformats.org/officeDocument/2006/math">
-                    <m:r>
-                      <a:rPr lang="en-US" i="1">
-                        <a:latin typeface="Cambria Math" panose="02040503050406030204" pitchFamily="18" charset="0"/>
-                      </a:rPr>
-                      <m:t>𝑦</m:t>
-                    </m:r>
-                  </m:oMath>
-                </a14:m>
-                <a:r>
-                  <a:rPr lang="en-GB" dirty="0"/>
-                  <a:t> and </a:t>
-                </a:r>
-                <a14:m>
-                  <m:oMath xmlns:m="http://schemas.openxmlformats.org/officeDocument/2006/math">
-                    <m:acc>
-                      <m:accPr>
-                        <m:chr m:val="̂"/>
-                        <m:ctrlPr>
-                          <a:rPr lang="en-US" i="1">
-                            <a:latin typeface="Cambria Math" panose="02040503050406030204" pitchFamily="18" charset="0"/>
-                          </a:rPr>
-                        </m:ctrlPr>
-                      </m:accPr>
-                      <m:e>
-                        <m:r>
-                          <a:rPr lang="en-US" i="1">
-                            <a:latin typeface="Cambria Math" panose="02040503050406030204" pitchFamily="18" charset="0"/>
-                          </a:rPr>
-                          <m:t>𝑓</m:t>
-                        </m:r>
-                      </m:e>
-                    </m:acc>
-                    <m:d>
-                      <m:dPr>
-                        <m:ctrlPr>
-                          <a:rPr lang="en-US" i="1">
-                            <a:latin typeface="Cambria Math" panose="02040503050406030204" pitchFamily="18" charset="0"/>
-                          </a:rPr>
-                        </m:ctrlPr>
-                      </m:dPr>
-                      <m:e>
-                        <m:r>
-                          <a:rPr lang="en-US" b="1" i="1">
-                            <a:latin typeface="Cambria Math" panose="02040503050406030204" pitchFamily="18" charset="0"/>
-                          </a:rPr>
-                          <m:t>𝒙</m:t>
-                        </m:r>
-                      </m:e>
-                    </m:d>
-                  </m:oMath>
-                </a14:m>
-                <a:endParaRPr lang="en-DE" dirty="0"/>
-              </a:p>
-              <a:p>
-                <a:pPr marL="0" indent="0">
-                  <a:buNone/>
-                </a:pPr>
-                <a:endParaRPr lang="en-DE" dirty="0"/>
-              </a:p>
-              <a:p>
-                <a:pPr marL="0" indent="0">
-                  <a:buNone/>
-                </a:pPr>
-                <a:r>
-                  <a:rPr lang="en-GB" dirty="0"/>
-                  <a:t>consider d</a:t>
-                </a:r>
-                <a:r>
-                  <a:rPr lang="en-DE" dirty="0"/>
-                  <a:t>iscriminative models:</a:t>
-                </a:r>
-              </a:p>
-              <a:p>
-                <a:pPr marL="0" indent="0">
-                  <a:buNone/>
-                </a:pPr>
-                <a:r>
-                  <a:rPr lang="en-DE" dirty="0"/>
-                  <a:t>predict conditional density function </a:t>
-                </a:r>
-                <a14:m>
-                  <m:oMath xmlns:m="http://schemas.openxmlformats.org/officeDocument/2006/math">
-                    <m:r>
-                      <a:rPr lang="en-US" b="0" i="1" smtClean="0">
-                        <a:latin typeface="Cambria Math" panose="02040503050406030204" pitchFamily="18" charset="0"/>
-                      </a:rPr>
-                      <m:t>𝑝</m:t>
-                    </m:r>
-                    <m:d>
-                      <m:dPr>
-                        <m:ctrlPr>
-                          <a:rPr lang="en-US" i="1">
-                            <a:latin typeface="Cambria Math" panose="02040503050406030204" pitchFamily="18" charset="0"/>
-                          </a:rPr>
-                        </m:ctrlPr>
-                      </m:dPr>
-                      <m:e>
-                        <m:r>
-                          <a:rPr lang="en-US" b="0" i="1" smtClean="0">
-                            <a:latin typeface="Cambria Math" panose="02040503050406030204" pitchFamily="18" charset="0"/>
-                          </a:rPr>
-                          <m:t>𝑦</m:t>
-                        </m:r>
-                        <m:r>
-                          <a:rPr lang="en-US" i="1">
-                            <a:latin typeface="Cambria Math" panose="02040503050406030204" pitchFamily="18" charset="0"/>
-                          </a:rPr>
-                          <m:t>|</m:t>
-                        </m:r>
-                        <m:sSub>
-                          <m:sSubPr>
-                            <m:ctrlPr>
-                              <a:rPr lang="en-GB" i="1">
-                                <a:latin typeface="Cambria Math" panose="02040503050406030204" pitchFamily="18" charset="0"/>
-                              </a:rPr>
-                            </m:ctrlPr>
-                          </m:sSubPr>
-                          <m:e>
-                            <m:r>
-                              <a:rPr lang="en-US" b="1" i="1">
-                                <a:latin typeface="Cambria Math" panose="02040503050406030204" pitchFamily="18" charset="0"/>
-                              </a:rPr>
-                              <m:t>𝒙</m:t>
-                            </m:r>
-                          </m:e>
-                          <m:sub>
-                            <m:r>
-                              <a:rPr lang="en-US" i="1">
-                                <a:latin typeface="Cambria Math" panose="02040503050406030204" pitchFamily="18" charset="0"/>
-                              </a:rPr>
-                              <m:t>𝑖</m:t>
-                            </m:r>
-                          </m:sub>
-                        </m:sSub>
-                      </m:e>
-                    </m:d>
-                  </m:oMath>
-                </a14:m>
-                <a:endParaRPr lang="en-DE" dirty="0"/>
-              </a:p>
-              <a:p>
-                <a:pPr marL="0" indent="0">
-                  <a:buNone/>
-                </a:pPr>
-                <a:r>
-                  <a:rPr lang="en-DE" sz="2200" dirty="0"/>
-                  <a:t>as opposed to generative models predicting </a:t>
-                </a:r>
-                <a14:m>
-                  <m:oMath xmlns:m="http://schemas.openxmlformats.org/officeDocument/2006/math">
-                    <m:r>
-                      <a:rPr lang="en-US" sz="2200" b="0" i="1" smtClean="0">
-                        <a:latin typeface="Cambria Math" panose="02040503050406030204" pitchFamily="18" charset="0"/>
-                      </a:rPr>
-                      <m:t>𝑝</m:t>
-                    </m:r>
-                    <m:d>
-                      <m:dPr>
-                        <m:ctrlPr>
-                          <a:rPr lang="en-US" sz="2200" i="1">
-                            <a:latin typeface="Cambria Math" panose="02040503050406030204" pitchFamily="18" charset="0"/>
-                          </a:rPr>
-                        </m:ctrlPr>
-                      </m:dPr>
-                      <m:e>
-                        <m:r>
-                          <a:rPr lang="en-US" sz="2200" b="0" i="1" smtClean="0">
-                            <a:latin typeface="Cambria Math" panose="02040503050406030204" pitchFamily="18" charset="0"/>
-                          </a:rPr>
-                          <m:t>𝑦</m:t>
-                        </m:r>
-                        <m:r>
-                          <a:rPr lang="en-US" sz="2200" b="1" i="1">
-                            <a:latin typeface="Cambria Math" panose="02040503050406030204" pitchFamily="18" charset="0"/>
-                          </a:rPr>
-                          <m:t>, </m:t>
-                        </m:r>
-                        <m:r>
-                          <a:rPr lang="en-US" sz="2200" b="1" i="1" smtClean="0">
-                            <a:latin typeface="Cambria Math" panose="02040503050406030204" pitchFamily="18" charset="0"/>
-                          </a:rPr>
-                          <m:t>𝒙</m:t>
-                        </m:r>
-                      </m:e>
-                    </m:d>
-                  </m:oMath>
-                </a14:m>
-                <a:r>
-                  <a:rPr lang="en-GB" sz="2200" dirty="0"/>
-                  <a:t> (or just </a:t>
-                </a:r>
-                <a14:m>
-                  <m:oMath xmlns:m="http://schemas.openxmlformats.org/officeDocument/2006/math">
-                    <m:r>
-                      <a:rPr lang="en-US" sz="2200" i="1">
-                        <a:latin typeface="Cambria Math" panose="02040503050406030204" pitchFamily="18" charset="0"/>
-                      </a:rPr>
-                      <m:t>𝑝</m:t>
-                    </m:r>
-                    <m:d>
-                      <m:dPr>
-                        <m:ctrlPr>
-                          <a:rPr lang="en-US" sz="2200" i="1">
-                            <a:latin typeface="Cambria Math" panose="02040503050406030204" pitchFamily="18" charset="0"/>
-                          </a:rPr>
-                        </m:ctrlPr>
-                      </m:dPr>
-                      <m:e>
-                        <m:r>
-                          <a:rPr lang="en-US" sz="2200" b="1" i="1">
-                            <a:latin typeface="Cambria Math" panose="02040503050406030204" pitchFamily="18" charset="0"/>
-                          </a:rPr>
-                          <m:t>𝒙</m:t>
-                        </m:r>
-                      </m:e>
-                    </m:d>
-                  </m:oMath>
-                </a14:m>
-                <a:r>
-                  <a:rPr lang="en-GB" sz="2200" dirty="0">
-                    <a:sym typeface="Wingdings" panose="05000000000000000000" pitchFamily="2" charset="2"/>
-                  </a:rPr>
-                  <a:t>)  </a:t>
-                </a:r>
-                <a14:m>
-                  <m:oMath xmlns:m="http://schemas.openxmlformats.org/officeDocument/2006/math">
-                    <m:r>
-                      <a:rPr lang="en-US" sz="2200" b="1" i="1">
-                        <a:latin typeface="Cambria Math" panose="02040503050406030204" pitchFamily="18" charset="0"/>
-                      </a:rPr>
-                      <m:t>𝒙</m:t>
-                    </m:r>
-                  </m:oMath>
-                </a14:m>
-                <a:r>
-                  <a:rPr lang="en-GB" sz="2200" dirty="0">
-                    <a:sym typeface="Wingdings" panose="05000000000000000000" pitchFamily="2" charset="2"/>
-                  </a:rPr>
-                  <a:t> not given, more difficult</a:t>
-                </a:r>
-                <a:endParaRPr lang="en-DE" sz="2200" dirty="0"/>
-              </a:p>
-            </p:txBody>
-          </p:sp>
-        </mc:Choice>
-        <mc:Fallback xmlns="">
-          <p:sp>
-            <p:nvSpPr>
-              <p:cNvPr id="3" name="Content Placeholder 2">
-                <a:extLst>
-                  <a:ext uri="{FF2B5EF4-FFF2-40B4-BE49-F238E27FC236}">
-                    <a16:creationId xmlns:a16="http://schemas.microsoft.com/office/drawing/2014/main" id="{2D916FA3-AEFF-3F24-45D6-48CAAC141923}"/>
-                  </a:ext>
-                </a:extLst>
-              </p:cNvPr>
-              <p:cNvSpPr>
-                <a:spLocks noGrp="1" noRot="1" noChangeAspect="1" noMove="1" noResize="1" noEditPoints="1" noAdjustHandles="1" noChangeArrowheads="1" noChangeShapeType="1" noTextEdit="1"/>
-              </p:cNvSpPr>
-              <p:nvPr>
-                <p:ph idx="1"/>
-              </p:nvPr>
-            </p:nvSpPr>
-            <p:spPr>
-              <a:xfrm>
-                <a:off x="838200" y="1825625"/>
-                <a:ext cx="10922876" cy="4351338"/>
-              </a:xfrm>
-              <a:blipFill>
-                <a:blip r:embed="rId2"/>
-                <a:stretch>
-                  <a:fillRect l="-1005" t="-1541"/>
-                </a:stretch>
-              </a:blipFill>
-            </p:spPr>
-            <p:txBody>
-              <a:bodyPr/>
-              <a:lstStyle/>
-              <a:p>
-                <a:r>
-                  <a:rPr lang="en-GB">
-                    <a:noFill/>
-                  </a:rPr>
-                  <a:t> </a:t>
-                </a:r>
-              </a:p>
-            </p:txBody>
-          </p:sp>
-        </mc:Fallback>
-      </mc:AlternateContent>
-      <p:sp>
-        <p:nvSpPr>
-          <p:cNvPr id="4" name="Slide Number Placeholder 3">
-            <a:extLst>
-              <a:ext uri="{FF2B5EF4-FFF2-40B4-BE49-F238E27FC236}">
-                <a16:creationId xmlns:a16="http://schemas.microsoft.com/office/drawing/2014/main" id="{FB830186-3866-87F6-86F6-E38EACD2E879}"/>
-              </a:ext>
-            </a:extLst>
-          </p:cNvPr>
-          <p:cNvSpPr>
-            <a:spLocks noGrp="1"/>
-          </p:cNvSpPr>
-          <p:nvPr>
-            <p:ph type="sldNum" sz="quarter" idx="12"/>
-          </p:nvPr>
-        </p:nvSpPr>
-        <p:spPr/>
-        <p:txBody>
-          <a:bodyPr/>
-          <a:lstStyle/>
-          <a:p>
-            <a:fld id="{77E1BB0D-8AD4-A14C-8FD5-F1619D1A43A2}" type="slidenum">
-              <a:rPr lang="en-DE" smtClean="0"/>
-              <a:t>3</a:t>
-            </a:fld>
-            <a:endParaRPr lang="en-DE"/>
-          </a:p>
-        </p:txBody>
-      </p:sp>
-    </p:spTree>
-    <p:extLst>
-      <p:ext uri="{BB962C8B-B14F-4D97-AF65-F5344CB8AC3E}">
-        <p14:creationId xmlns:p14="http://schemas.microsoft.com/office/powerpoint/2010/main" val="1774728759"/>
-      </p:ext>
-    </p:extLst>
-  </p:cSld>
-  <p:clrMapOvr>
-    <a:masterClrMapping/>
-  </p:clrMapOvr>
-</p:sld>
-</file>
-
-<file path=ppt/slides/slide4.xml><?xml version="1.0" encoding="utf-8"?>
-<p:sld xmlns:a="http://schemas.openxmlformats.org/drawingml/2006/main" xmlns:r="http://schemas.openxmlformats.org/officeDocument/2006/relationships" xmlns:p="http://schemas.openxmlformats.org/presentationml/2006/main">
-  <p:cSld>
-    <p:spTree>
-      <p:nvGrpSpPr>
-        <p:cNvPr id="1" name=""/>
-        <p:cNvGrpSpPr/>
-        <p:nvPr/>
-      </p:nvGrpSpPr>
-      <p:grpSpPr>
-        <a:xfrm>
-          <a:off x="0" y="0"/>
-          <a:ext cx="0" cy="0"/>
-          <a:chOff x="0" y="0"/>
-          <a:chExt cx="0" cy="0"/>
-        </a:xfrm>
-      </p:grpSpPr>
-      <p:sp>
-        <p:nvSpPr>
-          <p:cNvPr id="2" name="Title 1">
-            <a:extLst>
-              <a:ext uri="{FF2B5EF4-FFF2-40B4-BE49-F238E27FC236}">
                 <a16:creationId xmlns:a16="http://schemas.microsoft.com/office/drawing/2014/main" id="{7F68C9E7-BD6E-8F22-5A56-1B79732A7149}"/>
               </a:ext>
             </a:extLst>
@@ -13273,7 +12731,7 @@
           <a:p>
             <a:fld id="{ADDEFC8A-584C-5E41-A633-418C2FB73F75}" type="slidenum">
               <a:rPr lang="en-DE" smtClean="0"/>
-              <a:t>4</a:t>
+              <a:t>3</a:t>
             </a:fld>
             <a:endParaRPr lang="en-DE"/>
           </a:p>
@@ -14447,7 +13905,7 @@
 </p:sld>
 </file>
 
-<file path=ppt/slides/slide5.xml><?xml version="1.0" encoding="utf-8"?>
+<file path=ppt/slides/slide4.xml><?xml version="1.0" encoding="utf-8"?>
 <p:sld xmlns:a="http://schemas.openxmlformats.org/drawingml/2006/main" xmlns:r="http://schemas.openxmlformats.org/officeDocument/2006/relationships" xmlns:p="http://schemas.openxmlformats.org/presentationml/2006/main">
   <p:cSld>
     <p:spTree>
@@ -14515,7 +13973,7 @@
           <a:p>
             <a:fld id="{ADDEFC8A-584C-5E41-A633-418C2FB73F75}" type="slidenum">
               <a:rPr lang="en-DE" smtClean="0"/>
-              <a:t>5</a:t>
+              <a:t>4</a:t>
             </a:fld>
             <a:endParaRPr lang="en-DE" dirty="0"/>
           </a:p>
@@ -14787,7 +14245,14 @@
                               <a:latin typeface="Cambria Math" panose="02040503050406030204" pitchFamily="18" charset="0"/>
                               <a:ea typeface="Cambria Math" panose="02040503050406030204" pitchFamily="18" charset="0"/>
                             </a:rPr>
-                            <m:t>=1</m:t>
+                            <m:t>=</m:t>
+                          </m:r>
+                          <m:r>
+                            <a:rPr lang="en-US" sz="2400" i="1">
+                              <a:latin typeface="Cambria Math" panose="02040503050406030204" pitchFamily="18" charset="0"/>
+                              <a:ea typeface="Cambria Math" panose="02040503050406030204" pitchFamily="18" charset="0"/>
+                            </a:rPr>
+                            <m:t>1</m:t>
                           </m:r>
                         </m:sub>
                         <m:sup>
@@ -15927,7 +15392,14 @@
                               <a:latin typeface="Cambria Math" panose="02040503050406030204" pitchFamily="18" charset="0"/>
                               <a:ea typeface="Cambria Math" panose="02040503050406030204" pitchFamily="18" charset="0"/>
                             </a:rPr>
-                            <m:t>=1</m:t>
+                            <m:t>=</m:t>
+                          </m:r>
+                          <m:r>
+                            <a:rPr lang="en-US" sz="2400" b="0" i="1" smtClean="0">
+                              <a:latin typeface="Cambria Math" panose="02040503050406030204" pitchFamily="18" charset="0"/>
+                              <a:ea typeface="Cambria Math" panose="02040503050406030204" pitchFamily="18" charset="0"/>
+                            </a:rPr>
+                            <m:t>1</m:t>
                           </m:r>
                         </m:sub>
                         <m:sup>
@@ -16315,7 +15787,13 @@
                           <a:rPr lang="en-US" sz="2200" i="1">
                             <a:latin typeface="Cambria Math" panose="02040503050406030204" pitchFamily="18" charset="0"/>
                           </a:rPr>
-                          <m:t>=1</m:t>
+                          <m:t>=</m:t>
+                        </m:r>
+                        <m:r>
+                          <a:rPr lang="en-US" sz="2200" i="1">
+                            <a:latin typeface="Cambria Math" panose="02040503050406030204" pitchFamily="18" charset="0"/>
+                          </a:rPr>
+                          <m:t>1</m:t>
                         </m:r>
                       </m:sub>
                       <m:sup>
@@ -16649,7 +16127,7 @@
 </p:sld>
 </file>
 
-<file path=ppt/slides/slide6.xml><?xml version="1.0" encoding="utf-8"?>
+<file path=ppt/slides/slide5.xml><?xml version="1.0" encoding="utf-8"?>
 <p:sld xmlns:a="http://schemas.openxmlformats.org/drawingml/2006/main" xmlns:r="http://schemas.openxmlformats.org/officeDocument/2006/relationships" xmlns:p="http://schemas.openxmlformats.org/presentationml/2006/main">
   <p:cSld>
     <p:spTree>
@@ -16938,7 +16416,7 @@
           <a:p>
             <a:fld id="{ADDEFC8A-584C-5E41-A633-418C2FB73F75}" type="slidenum">
               <a:rPr lang="en-DE" smtClean="0"/>
-              <a:t>6</a:t>
+              <a:t>5</a:t>
             </a:fld>
             <a:endParaRPr lang="en-DE"/>
           </a:p>
@@ -17411,7 +16889,7 @@
 </p:sld>
 </file>
 
-<file path=ppt/slides/slide7.xml><?xml version="1.0" encoding="utf-8"?>
+<file path=ppt/slides/slide6.xml><?xml version="1.0" encoding="utf-8"?>
 <p:sld xmlns:a="http://schemas.openxmlformats.org/drawingml/2006/main" xmlns:r="http://schemas.openxmlformats.org/officeDocument/2006/relationships" xmlns:p="http://schemas.openxmlformats.org/presentationml/2006/main">
   <p:cSld>
     <p:spTree>
@@ -17594,7 +17072,7 @@
           <a:p>
             <a:fld id="{CD59A58F-BEEB-D14F-8B2B-8D77BCC2C0BB}" type="slidenum">
               <a:rPr lang="en-DE" smtClean="0"/>
-              <a:t>7</a:t>
+              <a:t>6</a:t>
             </a:fld>
             <a:endParaRPr lang="en-DE"/>
           </a:p>
@@ -17835,7 +17313,7 @@
 </p:sld>
 </file>
 
-<file path=ppt/slides/slide8.xml><?xml version="1.0" encoding="utf-8"?>
+<file path=ppt/slides/slide7.xml><?xml version="1.0" encoding="utf-8"?>
 <p:sld xmlns:a="http://schemas.openxmlformats.org/drawingml/2006/main" xmlns:r="http://schemas.openxmlformats.org/officeDocument/2006/relationships" xmlns:p="http://schemas.openxmlformats.org/presentationml/2006/main">
   <p:cSld>
     <p:spTree>
@@ -17969,7 +17447,7 @@
           <a:p>
             <a:fld id="{C4CC4FF7-4194-DC4A-997C-EF4C65C96866}" type="slidenum">
               <a:rPr lang="en-DE" smtClean="0"/>
-              <a:t>8</a:t>
+              <a:t>7</a:t>
             </a:fld>
             <a:endParaRPr lang="en-DE"/>
           </a:p>
@@ -18056,7 +17534,7 @@
 </p:sld>
 </file>
 
-<file path=ppt/slides/slide9.xml><?xml version="1.0" encoding="utf-8"?>
+<file path=ppt/slides/slide8.xml><?xml version="1.0" encoding="utf-8"?>
 <p:sld xmlns:a="http://schemas.openxmlformats.org/drawingml/2006/main" xmlns:r="http://schemas.openxmlformats.org/officeDocument/2006/relationships" xmlns:p="http://schemas.openxmlformats.org/presentationml/2006/main">
   <p:cSld>
     <p:spTree>
@@ -18406,7 +17884,7 @@
           <a:p>
             <a:fld id="{CD59A58F-BEEB-D14F-8B2B-8D77BCC2C0BB}" type="slidenum">
               <a:rPr lang="en-DE" smtClean="0"/>
-              <a:t>9</a:t>
+              <a:t>8</a:t>
             </a:fld>
             <a:endParaRPr lang="en-DE"/>
           </a:p>
@@ -18416,6 +17894,433 @@
     <p:extLst>
       <p:ext uri="{BB962C8B-B14F-4D97-AF65-F5344CB8AC3E}">
         <p14:creationId xmlns:p14="http://schemas.microsoft.com/office/powerpoint/2010/main" val="2178886473"/>
+      </p:ext>
+    </p:extLst>
+  </p:cSld>
+  <p:clrMapOvr>
+    <a:masterClrMapping/>
+  </p:clrMapOvr>
+</p:sld>
+</file>
+
+<file path=ppt/slides/slide9.xml><?xml version="1.0" encoding="utf-8"?>
+<p:sld xmlns:a="http://schemas.openxmlformats.org/drawingml/2006/main" xmlns:r="http://schemas.openxmlformats.org/officeDocument/2006/relationships" xmlns:p="http://schemas.openxmlformats.org/presentationml/2006/main">
+  <p:cSld>
+    <p:spTree>
+      <p:nvGrpSpPr>
+        <p:cNvPr id="1" name=""/>
+        <p:cNvGrpSpPr/>
+        <p:nvPr/>
+      </p:nvGrpSpPr>
+      <p:grpSpPr>
+        <a:xfrm>
+          <a:off x="0" y="0"/>
+          <a:ext cx="0" cy="0"/>
+          <a:chOff x="0" y="0"/>
+          <a:chExt cx="0" cy="0"/>
+        </a:xfrm>
+      </p:grpSpPr>
+      <p:sp>
+        <p:nvSpPr>
+          <p:cNvPr id="2" name="Title 1">
+            <a:extLst>
+              <a:ext uri="{FF2B5EF4-FFF2-40B4-BE49-F238E27FC236}">
+                <a16:creationId xmlns:a16="http://schemas.microsoft.com/office/drawing/2014/main" id="{7B8B5971-ED29-8C4C-BE8A-7EED9D3B41ED}"/>
+              </a:ext>
+            </a:extLst>
+          </p:cNvPr>
+          <p:cNvSpPr>
+            <a:spLocks noGrp="1"/>
+          </p:cNvSpPr>
+          <p:nvPr>
+            <p:ph type="title"/>
+          </p:nvPr>
+        </p:nvSpPr>
+        <p:spPr/>
+        <p:txBody>
+          <a:bodyPr/>
+          <a:lstStyle/>
+          <a:p>
+            <a:r>
+              <a:rPr lang="en-GB" dirty="0"/>
+              <a:t>Bias-Variance </a:t>
+            </a:r>
+            <a:r>
+              <a:rPr lang="en-GB" dirty="0" err="1"/>
+              <a:t>Tradeoff</a:t>
+            </a:r>
+            <a:endParaRPr lang="en-DE" dirty="0"/>
+          </a:p>
+        </p:txBody>
+      </p:sp>
+      <p:sp>
+        <p:nvSpPr>
+          <p:cNvPr id="3" name="Content Placeholder 2">
+            <a:extLst>
+              <a:ext uri="{FF2B5EF4-FFF2-40B4-BE49-F238E27FC236}">
+                <a16:creationId xmlns:a16="http://schemas.microsoft.com/office/drawing/2014/main" id="{E037E309-547C-0348-8F2F-1DE00DC02012}"/>
+              </a:ext>
+            </a:extLst>
+          </p:cNvPr>
+          <p:cNvSpPr>
+            <a:spLocks noGrp="1"/>
+          </p:cNvSpPr>
+          <p:nvPr>
+            <p:ph idx="1"/>
+          </p:nvPr>
+        </p:nvSpPr>
+        <p:spPr>
+          <a:xfrm>
+            <a:off x="838200" y="3451438"/>
+            <a:ext cx="6738258" cy="2381468"/>
+          </a:xfrm>
+        </p:spPr>
+        <p:txBody>
+          <a:bodyPr>
+            <a:normAutofit/>
+          </a:bodyPr>
+          <a:lstStyle/>
+          <a:p>
+            <a:r>
+              <a:rPr lang="en-GB" sz="2400" dirty="0"/>
+              <a:t>generalization error follows U-shaped curve: overfitting once model complexity (number of parameters) passes certain threshold</a:t>
+            </a:r>
+          </a:p>
+          <a:p>
+            <a:r>
+              <a:rPr lang="en-GB" sz="2400" dirty="0"/>
+              <a:t>overfitting: variance term dominating test error</a:t>
+            </a:r>
+          </a:p>
+          <a:p>
+            <a:pPr marL="0" indent="0">
+              <a:buNone/>
+            </a:pPr>
+            <a:r>
+              <a:rPr lang="en-GB" sz="2400" dirty="0">
+                <a:sym typeface="Wingdings" pitchFamily="2" charset="2"/>
+              </a:rPr>
+              <a:t> </a:t>
+            </a:r>
+            <a:r>
+              <a:rPr lang="en-GB" sz="2400" dirty="0"/>
+              <a:t>increasing model complexity increases test error</a:t>
+            </a:r>
+          </a:p>
+        </p:txBody>
+      </p:sp>
+      <p:sp>
+        <p:nvSpPr>
+          <p:cNvPr id="4" name="Slide Number Placeholder 3">
+            <a:extLst>
+              <a:ext uri="{FF2B5EF4-FFF2-40B4-BE49-F238E27FC236}">
+                <a16:creationId xmlns:a16="http://schemas.microsoft.com/office/drawing/2014/main" id="{D5FFF4B6-67D9-E940-A6CB-70C55533E4E9}"/>
+              </a:ext>
+            </a:extLst>
+          </p:cNvPr>
+          <p:cNvSpPr>
+            <a:spLocks noGrp="1"/>
+          </p:cNvSpPr>
+          <p:nvPr>
+            <p:ph type="sldNum" sz="quarter" idx="12"/>
+          </p:nvPr>
+        </p:nvSpPr>
+        <p:spPr/>
+        <p:txBody>
+          <a:bodyPr/>
+          <a:lstStyle/>
+          <a:p>
+            <a:fld id="{CD59A58F-BEEB-D14F-8B2B-8D77BCC2C0BB}" type="slidenum">
+              <a:rPr lang="en-DE" smtClean="0"/>
+              <a:t>9</a:t>
+            </a:fld>
+            <a:endParaRPr lang="en-DE"/>
+          </a:p>
+        </p:txBody>
+      </p:sp>
+      <p:sp>
+        <p:nvSpPr>
+          <p:cNvPr id="7" name="Content Placeholder 2">
+            <a:extLst>
+              <a:ext uri="{FF2B5EF4-FFF2-40B4-BE49-F238E27FC236}">
+                <a16:creationId xmlns:a16="http://schemas.microsoft.com/office/drawing/2014/main" id="{E2A66421-89E3-75A9-4DCF-F02108DB866A}"/>
+              </a:ext>
+            </a:extLst>
+          </p:cNvPr>
+          <p:cNvSpPr txBox="1">
+            <a:spLocks/>
+          </p:cNvSpPr>
+          <p:nvPr/>
+        </p:nvSpPr>
+        <p:spPr>
+          <a:xfrm>
+            <a:off x="838200" y="1825625"/>
+            <a:ext cx="10515600" cy="1375376"/>
+          </a:xfrm>
+          <a:prstGeom prst="rect">
+            <a:avLst/>
+          </a:prstGeom>
+        </p:spPr>
+        <p:txBody>
+          <a:bodyPr vert="horz" lIns="91440" tIns="45720" rIns="91440" bIns="45720" rtlCol="0">
+            <a:normAutofit/>
+          </a:bodyPr>
+          <a:lstStyle>
+            <a:lvl1pPr marL="228600" indent="-228600" algn="l" defTabSz="914400" rtl="0" eaLnBrk="1" latinLnBrk="0" hangingPunct="1">
+              <a:lnSpc>
+                <a:spcPct val="90000"/>
+              </a:lnSpc>
+              <a:spcBef>
+                <a:spcPts val="1000"/>
+              </a:spcBef>
+              <a:buFont typeface="Arial" panose="020B0604020202020204" pitchFamily="34" charset="0"/>
+              <a:buChar char="•"/>
+              <a:defRPr sz="2800" kern="1200">
+                <a:solidFill>
+                  <a:schemeClr val="tx1"/>
+                </a:solidFill>
+                <a:latin typeface="+mn-lt"/>
+                <a:ea typeface="+mn-ea"/>
+                <a:cs typeface="+mn-cs"/>
+              </a:defRPr>
+            </a:lvl1pPr>
+            <a:lvl2pPr marL="685800" indent="-228600" algn="l" defTabSz="914400" rtl="0" eaLnBrk="1" latinLnBrk="0" hangingPunct="1">
+              <a:lnSpc>
+                <a:spcPct val="90000"/>
+              </a:lnSpc>
+              <a:spcBef>
+                <a:spcPts val="500"/>
+              </a:spcBef>
+              <a:buFont typeface="Arial" panose="020B0604020202020204" pitchFamily="34" charset="0"/>
+              <a:buChar char="•"/>
+              <a:defRPr sz="2400" kern="1200">
+                <a:solidFill>
+                  <a:schemeClr val="tx1"/>
+                </a:solidFill>
+                <a:latin typeface="+mn-lt"/>
+                <a:ea typeface="+mn-ea"/>
+                <a:cs typeface="+mn-cs"/>
+              </a:defRPr>
+            </a:lvl2pPr>
+            <a:lvl3pPr marL="1143000" indent="-228600" algn="l" defTabSz="914400" rtl="0" eaLnBrk="1" latinLnBrk="0" hangingPunct="1">
+              <a:lnSpc>
+                <a:spcPct val="90000"/>
+              </a:lnSpc>
+              <a:spcBef>
+                <a:spcPts val="500"/>
+              </a:spcBef>
+              <a:buFont typeface="Arial" panose="020B0604020202020204" pitchFamily="34" charset="0"/>
+              <a:buChar char="•"/>
+              <a:defRPr sz="2000" kern="1200">
+                <a:solidFill>
+                  <a:schemeClr val="tx1"/>
+                </a:solidFill>
+                <a:latin typeface="+mn-lt"/>
+                <a:ea typeface="+mn-ea"/>
+                <a:cs typeface="+mn-cs"/>
+              </a:defRPr>
+            </a:lvl3pPr>
+            <a:lvl4pPr marL="1600200" indent="-228600" algn="l" defTabSz="914400" rtl="0" eaLnBrk="1" latinLnBrk="0" hangingPunct="1">
+              <a:lnSpc>
+                <a:spcPct val="90000"/>
+              </a:lnSpc>
+              <a:spcBef>
+                <a:spcPts val="500"/>
+              </a:spcBef>
+              <a:buFont typeface="Arial" panose="020B0604020202020204" pitchFamily="34" charset="0"/>
+              <a:buChar char="•"/>
+              <a:defRPr sz="1800" kern="1200">
+                <a:solidFill>
+                  <a:schemeClr val="tx1"/>
+                </a:solidFill>
+                <a:latin typeface="+mn-lt"/>
+                <a:ea typeface="+mn-ea"/>
+                <a:cs typeface="+mn-cs"/>
+              </a:defRPr>
+            </a:lvl4pPr>
+            <a:lvl5pPr marL="2057400" indent="-228600" algn="l" defTabSz="914400" rtl="0" eaLnBrk="1" latinLnBrk="0" hangingPunct="1">
+              <a:lnSpc>
+                <a:spcPct val="90000"/>
+              </a:lnSpc>
+              <a:spcBef>
+                <a:spcPts val="500"/>
+              </a:spcBef>
+              <a:buFont typeface="Arial" panose="020B0604020202020204" pitchFamily="34" charset="0"/>
+              <a:buChar char="•"/>
+              <a:defRPr sz="1800" kern="1200">
+                <a:solidFill>
+                  <a:schemeClr val="tx1"/>
+                </a:solidFill>
+                <a:latin typeface="+mn-lt"/>
+                <a:ea typeface="+mn-ea"/>
+                <a:cs typeface="+mn-cs"/>
+              </a:defRPr>
+            </a:lvl5pPr>
+            <a:lvl6pPr marL="2514600" indent="-228600" algn="l" defTabSz="914400" rtl="0" eaLnBrk="1" latinLnBrk="0" hangingPunct="1">
+              <a:lnSpc>
+                <a:spcPct val="90000"/>
+              </a:lnSpc>
+              <a:spcBef>
+                <a:spcPts val="500"/>
+              </a:spcBef>
+              <a:buFont typeface="Arial" panose="020B0604020202020204" pitchFamily="34" charset="0"/>
+              <a:buChar char="•"/>
+              <a:defRPr sz="1800" kern="1200">
+                <a:solidFill>
+                  <a:schemeClr val="tx1"/>
+                </a:solidFill>
+                <a:latin typeface="+mn-lt"/>
+                <a:ea typeface="+mn-ea"/>
+                <a:cs typeface="+mn-cs"/>
+              </a:defRPr>
+            </a:lvl6pPr>
+            <a:lvl7pPr marL="2971800" indent="-228600" algn="l" defTabSz="914400" rtl="0" eaLnBrk="1" latinLnBrk="0" hangingPunct="1">
+              <a:lnSpc>
+                <a:spcPct val="90000"/>
+              </a:lnSpc>
+              <a:spcBef>
+                <a:spcPts val="500"/>
+              </a:spcBef>
+              <a:buFont typeface="Arial" panose="020B0604020202020204" pitchFamily="34" charset="0"/>
+              <a:buChar char="•"/>
+              <a:defRPr sz="1800" kern="1200">
+                <a:solidFill>
+                  <a:schemeClr val="tx1"/>
+                </a:solidFill>
+                <a:latin typeface="+mn-lt"/>
+                <a:ea typeface="+mn-ea"/>
+                <a:cs typeface="+mn-cs"/>
+              </a:defRPr>
+            </a:lvl7pPr>
+            <a:lvl8pPr marL="3429000" indent="-228600" algn="l" defTabSz="914400" rtl="0" eaLnBrk="1" latinLnBrk="0" hangingPunct="1">
+              <a:lnSpc>
+                <a:spcPct val="90000"/>
+              </a:lnSpc>
+              <a:spcBef>
+                <a:spcPts val="500"/>
+              </a:spcBef>
+              <a:buFont typeface="Arial" panose="020B0604020202020204" pitchFamily="34" charset="0"/>
+              <a:buChar char="•"/>
+              <a:defRPr sz="1800" kern="1200">
+                <a:solidFill>
+                  <a:schemeClr val="tx1"/>
+                </a:solidFill>
+                <a:latin typeface="+mn-lt"/>
+                <a:ea typeface="+mn-ea"/>
+                <a:cs typeface="+mn-cs"/>
+              </a:defRPr>
+            </a:lvl8pPr>
+            <a:lvl9pPr marL="3886200" indent="-228600" algn="l" defTabSz="914400" rtl="0" eaLnBrk="1" latinLnBrk="0" hangingPunct="1">
+              <a:lnSpc>
+                <a:spcPct val="90000"/>
+              </a:lnSpc>
+              <a:spcBef>
+                <a:spcPts val="500"/>
+              </a:spcBef>
+              <a:buFont typeface="Arial" panose="020B0604020202020204" pitchFamily="34" charset="0"/>
+              <a:buChar char="•"/>
+              <a:defRPr sz="1800" kern="1200">
+                <a:solidFill>
+                  <a:schemeClr val="tx1"/>
+                </a:solidFill>
+                <a:latin typeface="+mn-lt"/>
+                <a:ea typeface="+mn-ea"/>
+                <a:cs typeface="+mn-cs"/>
+              </a:defRPr>
+            </a:lvl9pPr>
+          </a:lstStyle>
+          <a:p>
+            <a:r>
+              <a:rPr lang="en-GB" sz="2400" dirty="0"/>
+              <a:t>fundamental concept in classical statistical learning theory</a:t>
+            </a:r>
+          </a:p>
+          <a:p>
+            <a:r>
+              <a:rPr lang="en-GB" sz="2400" dirty="0"/>
+              <a:t>models of higher complexity have lower bias but higher variance (given the same number of training examples)</a:t>
+            </a:r>
+          </a:p>
+        </p:txBody>
+      </p:sp>
+      <p:pic>
+        <p:nvPicPr>
+          <p:cNvPr id="11" name="Picture 10" descr="Diagram&#10;&#10;Description automatically generated">
+            <a:extLst>
+              <a:ext uri="{FF2B5EF4-FFF2-40B4-BE49-F238E27FC236}">
+                <a16:creationId xmlns:a16="http://schemas.microsoft.com/office/drawing/2014/main" id="{03ED01CC-EC7A-D792-11FD-E6168F661137}"/>
+              </a:ext>
+            </a:extLst>
+          </p:cNvPr>
+          <p:cNvPicPr>
+            <a:picLocks noChangeAspect="1"/>
+          </p:cNvPicPr>
+          <p:nvPr/>
+        </p:nvPicPr>
+        <p:blipFill>
+          <a:blip r:embed="rId2"/>
+          <a:stretch>
+            <a:fillRect/>
+          </a:stretch>
+        </p:blipFill>
+        <p:spPr>
+          <a:xfrm>
+            <a:off x="7430702" y="3201001"/>
+            <a:ext cx="4697346" cy="3030007"/>
+          </a:xfrm>
+          <a:prstGeom prst="rect">
+            <a:avLst/>
+          </a:prstGeom>
+        </p:spPr>
+      </p:pic>
+      <p:sp>
+        <p:nvSpPr>
+          <p:cNvPr id="12" name="TextBox 11">
+            <a:extLst>
+              <a:ext uri="{FF2B5EF4-FFF2-40B4-BE49-F238E27FC236}">
+                <a16:creationId xmlns:a16="http://schemas.microsoft.com/office/drawing/2014/main" id="{6D4E8FF6-6EA3-1615-9124-66EB0EFD0B08}"/>
+              </a:ext>
+            </a:extLst>
+          </p:cNvPr>
+          <p:cNvSpPr txBox="1"/>
+          <p:nvPr/>
+        </p:nvSpPr>
+        <p:spPr>
+          <a:xfrm>
+            <a:off x="7914762" y="6231008"/>
+            <a:ext cx="962123" cy="246221"/>
+          </a:xfrm>
+          <a:prstGeom prst="rect">
+            <a:avLst/>
+          </a:prstGeom>
+          <a:noFill/>
+        </p:spPr>
+        <p:txBody>
+          <a:bodyPr wrap="none" rtlCol="0">
+            <a:spAutoFit/>
+          </a:bodyPr>
+          <a:lstStyle/>
+          <a:p>
+            <a:r>
+              <a:rPr lang="de-DE" sz="1000" dirty="0" err="1"/>
+              <a:t>from</a:t>
+            </a:r>
+            <a:r>
+              <a:rPr lang="de-DE" sz="1000" dirty="0"/>
+              <a:t> </a:t>
+            </a:r>
+            <a:r>
+              <a:rPr lang="de-DE" sz="1000" dirty="0" err="1"/>
+              <a:t>wikipedia</a:t>
+            </a:r>
+            <a:endParaRPr lang="de-DE" sz="1000" dirty="0"/>
+          </a:p>
+        </p:txBody>
+      </p:sp>
+    </p:spTree>
+    <p:extLst>
+      <p:ext uri="{BB962C8B-B14F-4D97-AF65-F5344CB8AC3E}">
+        <p14:creationId xmlns:p14="http://schemas.microsoft.com/office/powerpoint/2010/main" val="1421615699"/>
       </p:ext>
     </p:extLst>
   </p:cSld>
